--- a/06_Negation/Negation.pptx
+++ b/06_Negation/Negation.pptx
@@ -5,7 +5,7 @@
     <p:sldMasterId id="2147483648" r:id="rId1"/>
   </p:sldMasterIdLst>
   <p:notesMasterIdLst>
-    <p:notesMasterId r:id="rId11"/>
+    <p:notesMasterId r:id="rId13"/>
   </p:notesMasterIdLst>
   <p:sldIdLst>
     <p:sldId id="258" r:id="rId2"/>
@@ -16,7 +16,9 @@
     <p:sldId id="328" r:id="rId7"/>
     <p:sldId id="330" r:id="rId8"/>
     <p:sldId id="331" r:id="rId9"/>
-    <p:sldId id="261" r:id="rId10"/>
+    <p:sldId id="332" r:id="rId10"/>
+    <p:sldId id="333" r:id="rId11"/>
+    <p:sldId id="261" r:id="rId12"/>
   </p:sldIdLst>
   <p:sldSz cx="12192000" cy="6858000"/>
   <p:notesSz cx="6858000" cy="9144000"/>
@@ -3486,6 +3488,591 @@
     <p:extLst>
       <p:ext uri="{BB962C8B-B14F-4D97-AF65-F5344CB8AC3E}">
         <p14:creationId xmlns:p14="http://schemas.microsoft.com/office/powerpoint/2010/main" val="1922583394"/>
+      </p:ext>
+    </p:extLst>
+  </p:cSld>
+  <p:clrMapOvr>
+    <a:masterClrMapping/>
+  </p:clrMapOvr>
+</p:sld>
+</file>
+
+<file path=ppt/slides/slide10.xml><?xml version="1.0" encoding="utf-8"?>
+<p:sld xmlns:a="http://schemas.openxmlformats.org/drawingml/2006/main" xmlns:r="http://schemas.openxmlformats.org/officeDocument/2006/relationships" xmlns:p="http://schemas.openxmlformats.org/presentationml/2006/main">
+  <p:cSld>
+    <p:spTree>
+      <p:nvGrpSpPr>
+        <p:cNvPr id="1" name=""/>
+        <p:cNvGrpSpPr/>
+        <p:nvPr/>
+      </p:nvGrpSpPr>
+      <p:grpSpPr>
+        <a:xfrm>
+          <a:off x="0" y="0"/>
+          <a:ext cx="0" cy="0"/>
+          <a:chOff x="0" y="0"/>
+          <a:chExt cx="0" cy="0"/>
+        </a:xfrm>
+      </p:grpSpPr>
+      <p:sp>
+        <p:nvSpPr>
+          <p:cNvPr id="2" name="Title 1">
+            <a:extLst>
+              <a:ext uri="{FF2B5EF4-FFF2-40B4-BE49-F238E27FC236}">
+                <a16:creationId xmlns:a16="http://schemas.microsoft.com/office/drawing/2014/main" id="{4BE546FA-A6F2-0647-A29F-A710A5610757}"/>
+              </a:ext>
+            </a:extLst>
+          </p:cNvPr>
+          <p:cNvSpPr>
+            <a:spLocks noGrp="1"/>
+          </p:cNvSpPr>
+          <p:nvPr>
+            <p:ph type="title"/>
+          </p:nvPr>
+        </p:nvSpPr>
+        <p:spPr/>
+        <p:txBody>
+          <a:bodyPr/>
+          <a:lstStyle/>
+          <a:p>
+            <a:r>
+              <a:rPr lang="en-US" dirty="0"/>
+              <a:t>Proof by contradiction (2)</a:t>
+            </a:r>
+          </a:p>
+        </p:txBody>
+      </p:sp>
+      <p:sp>
+        <p:nvSpPr>
+          <p:cNvPr id="3" name="Content Placeholder 2">
+            <a:extLst>
+              <a:ext uri="{FF2B5EF4-FFF2-40B4-BE49-F238E27FC236}">
+                <a16:creationId xmlns:a16="http://schemas.microsoft.com/office/drawing/2014/main" id="{162BCE55-B5B0-5F41-BD41-3D6631CD35AD}"/>
+              </a:ext>
+            </a:extLst>
+          </p:cNvPr>
+          <p:cNvSpPr>
+            <a:spLocks noGrp="1"/>
+          </p:cNvSpPr>
+          <p:nvPr>
+            <p:ph idx="1"/>
+          </p:nvPr>
+        </p:nvSpPr>
+        <p:spPr/>
+        <p:txBody>
+          <a:bodyPr>
+            <a:normAutofit fontScale="77500" lnSpcReduction="20000"/>
+          </a:bodyPr>
+          <a:lstStyle/>
+          <a:p>
+            <a:pPr marL="0" indent="0">
+              <a:buNone/>
+            </a:pPr>
+            <a:r>
+              <a:rPr lang="en-US" sz="2600" dirty="0">
+                <a:latin typeface="Courier New" panose="02070309020205020404" pitchFamily="49" charset="0"/>
+                <a:cs typeface="Courier New" panose="02070309020205020404" pitchFamily="49" charset="0"/>
+              </a:rPr>
+              <a:t>def </a:t>
+            </a:r>
+            <a:r>
+              <a:rPr lang="en-US" sz="2600" dirty="0" err="1">
+                <a:latin typeface="Courier New" panose="02070309020205020404" pitchFamily="49" charset="0"/>
+                <a:cs typeface="Courier New" panose="02070309020205020404" pitchFamily="49" charset="0"/>
+              </a:rPr>
+              <a:t>qAndNotQimpf</a:t>
+            </a:r>
+            <a:r>
+              <a:rPr lang="en-US" sz="2600" dirty="0">
+                <a:latin typeface="Courier New" panose="02070309020205020404" pitchFamily="49" charset="0"/>
+                <a:cs typeface="Courier New" panose="02070309020205020404" pitchFamily="49" charset="0"/>
+              </a:rPr>
+              <a:t> { Q: Prop } (pf: Q ∧ ¬ Q) : false :=</a:t>
+            </a:r>
+          </a:p>
+          <a:p>
+            <a:pPr marL="0" indent="0">
+              <a:buNone/>
+            </a:pPr>
+            <a:r>
+              <a:rPr lang="en-US" sz="2600" dirty="0">
+                <a:latin typeface="Courier New" panose="02070309020205020404" pitchFamily="49" charset="0"/>
+                <a:cs typeface="Courier New" panose="02070309020205020404" pitchFamily="49" charset="0"/>
+              </a:rPr>
+              <a:t>    pf.2 pf.1</a:t>
+            </a:r>
+          </a:p>
+          <a:p>
+            <a:pPr marL="0" indent="0">
+              <a:buNone/>
+            </a:pPr>
+            <a:r>
+              <a:rPr lang="en-US" sz="2600" dirty="0">
+                <a:latin typeface="Courier New" panose="02070309020205020404" pitchFamily="49" charset="0"/>
+                <a:cs typeface="Courier New" panose="02070309020205020404" pitchFamily="49" charset="0"/>
+              </a:rPr>
+              <a:t>#check </a:t>
+            </a:r>
+            <a:r>
+              <a:rPr lang="en-US" sz="2600" dirty="0" err="1">
+                <a:latin typeface="Courier New" panose="02070309020205020404" pitchFamily="49" charset="0"/>
+                <a:cs typeface="Courier New" panose="02070309020205020404" pitchFamily="49" charset="0"/>
+              </a:rPr>
+              <a:t>qAndNotQimpf</a:t>
+            </a:r>
+            <a:endParaRPr lang="en-US" sz="2600" dirty="0">
+              <a:latin typeface="Courier New" panose="02070309020205020404" pitchFamily="49" charset="0"/>
+              <a:cs typeface="Courier New" panose="02070309020205020404" pitchFamily="49" charset="0"/>
+            </a:endParaRPr>
+          </a:p>
+          <a:p>
+            <a:pPr marL="0" indent="0">
+              <a:buNone/>
+            </a:pPr>
+            <a:br>
+              <a:rPr lang="en-US" sz="2600" dirty="0">
+                <a:solidFill>
+                  <a:srgbClr val="0070C0"/>
+                </a:solidFill>
+                <a:latin typeface="Courier New" panose="02070309020205020404" pitchFamily="49" charset="0"/>
+                <a:cs typeface="Courier New" panose="02070309020205020404" pitchFamily="49" charset="0"/>
+              </a:rPr>
+            </a:br>
+            <a:r>
+              <a:rPr lang="en-US" sz="2600" dirty="0">
+                <a:solidFill>
+                  <a:srgbClr val="0070C0"/>
+                </a:solidFill>
+                <a:latin typeface="Courier New" panose="02070309020205020404" pitchFamily="49" charset="0"/>
+                <a:cs typeface="Courier New" panose="02070309020205020404" pitchFamily="49" charset="0"/>
+              </a:rPr>
+              <a:t>open classical -- requires classical logic!</a:t>
+            </a:r>
+          </a:p>
+          <a:p>
+            <a:pPr marL="0" indent="0">
+              <a:buNone/>
+            </a:pPr>
+            <a:br>
+              <a:rPr lang="en-US" sz="2600" dirty="0">
+                <a:latin typeface="Courier New" panose="02070309020205020404" pitchFamily="49" charset="0"/>
+                <a:cs typeface="Courier New" panose="02070309020205020404" pitchFamily="49" charset="0"/>
+              </a:rPr>
+            </a:br>
+            <a:r>
+              <a:rPr lang="en-US" sz="2600" dirty="0">
+                <a:latin typeface="Courier New" panose="02070309020205020404" pitchFamily="49" charset="0"/>
+                <a:cs typeface="Courier New" panose="02070309020205020404" pitchFamily="49" charset="0"/>
+              </a:rPr>
+              <a:t>theorem proof_by_contra_1 { P Q : Prop }</a:t>
+            </a:r>
+          </a:p>
+          <a:p>
+            <a:pPr marL="0" indent="0">
+              <a:buNone/>
+            </a:pPr>
+            <a:r>
+              <a:rPr lang="en-US" sz="2600" dirty="0">
+                <a:latin typeface="Courier New" panose="02070309020205020404" pitchFamily="49" charset="0"/>
+                <a:cs typeface="Courier New" panose="02070309020205020404" pitchFamily="49" charset="0"/>
+              </a:rPr>
+              <a:t>    (</a:t>
+            </a:r>
+            <a:r>
+              <a:rPr lang="en-US" sz="2600" dirty="0" err="1">
+                <a:latin typeface="Courier New" panose="02070309020205020404" pitchFamily="49" charset="0"/>
+                <a:cs typeface="Courier New" panose="02070309020205020404" pitchFamily="49" charset="0"/>
+              </a:rPr>
+              <a:t>pfNotPImpQNotQ</a:t>
+            </a:r>
+            <a:r>
+              <a:rPr lang="en-US" sz="2600" dirty="0">
+                <a:latin typeface="Courier New" panose="02070309020205020404" pitchFamily="49" charset="0"/>
+                <a:cs typeface="Courier New" panose="02070309020205020404" pitchFamily="49" charset="0"/>
+              </a:rPr>
+              <a:t>: ¬ P → (Q ∧ ¬ Q)) : P :=</a:t>
+            </a:r>
+          </a:p>
+          <a:p>
+            <a:pPr marL="0" indent="0">
+              <a:buNone/>
+            </a:pPr>
+            <a:r>
+              <a:rPr lang="en-US" sz="2600" dirty="0">
+                <a:latin typeface="Courier New" panose="02070309020205020404" pitchFamily="49" charset="0"/>
+                <a:cs typeface="Courier New" panose="02070309020205020404" pitchFamily="49" charset="0"/>
+              </a:rPr>
+              <a:t>        </a:t>
+            </a:r>
+            <a:r>
+              <a:rPr lang="en-US" sz="2600" dirty="0" err="1">
+                <a:latin typeface="Courier New" panose="02070309020205020404" pitchFamily="49" charset="0"/>
+                <a:cs typeface="Courier New" panose="02070309020205020404" pitchFamily="49" charset="0"/>
+              </a:rPr>
+              <a:t>by_contradiction</a:t>
+            </a:r>
+            <a:r>
+              <a:rPr lang="en-US" sz="2600" dirty="0">
+                <a:latin typeface="Courier New" panose="02070309020205020404" pitchFamily="49" charset="0"/>
+                <a:cs typeface="Courier New" panose="02070309020205020404" pitchFamily="49" charset="0"/>
+              </a:rPr>
+              <a:t> (assume h: ¬P, show false,</a:t>
+            </a:r>
+          </a:p>
+          <a:p>
+            <a:pPr marL="0" indent="0">
+              <a:buNone/>
+            </a:pPr>
+            <a:r>
+              <a:rPr lang="en-US" sz="2600" dirty="0">
+                <a:latin typeface="Courier New" panose="02070309020205020404" pitchFamily="49" charset="0"/>
+                <a:cs typeface="Courier New" panose="02070309020205020404" pitchFamily="49" charset="0"/>
+              </a:rPr>
+              <a:t>            from (</a:t>
+            </a:r>
+            <a:r>
+              <a:rPr lang="en-US" sz="2600" dirty="0" err="1">
+                <a:latin typeface="Courier New" panose="02070309020205020404" pitchFamily="49" charset="0"/>
+                <a:cs typeface="Courier New" panose="02070309020205020404" pitchFamily="49" charset="0"/>
+              </a:rPr>
+              <a:t>qAndNotQimpf</a:t>
+            </a:r>
+            <a:r>
+              <a:rPr lang="en-US" sz="2600" dirty="0">
+                <a:latin typeface="Courier New" panose="02070309020205020404" pitchFamily="49" charset="0"/>
+                <a:cs typeface="Courier New" panose="02070309020205020404" pitchFamily="49" charset="0"/>
+              </a:rPr>
+              <a:t> (</a:t>
+            </a:r>
+            <a:r>
+              <a:rPr lang="en-US" sz="2600" dirty="0" err="1">
+                <a:latin typeface="Courier New" panose="02070309020205020404" pitchFamily="49" charset="0"/>
+                <a:cs typeface="Courier New" panose="02070309020205020404" pitchFamily="49" charset="0"/>
+              </a:rPr>
+              <a:t>pfNotPImpQNotQ</a:t>
+            </a:r>
+            <a:r>
+              <a:rPr lang="en-US" sz="2600" dirty="0">
+                <a:latin typeface="Courier New" panose="02070309020205020404" pitchFamily="49" charset="0"/>
+                <a:cs typeface="Courier New" panose="02070309020205020404" pitchFamily="49" charset="0"/>
+              </a:rPr>
+              <a:t> h)))</a:t>
+            </a:r>
+          </a:p>
+          <a:p>
+            <a:pPr marL="0" indent="0">
+              <a:buNone/>
+            </a:pPr>
+            <a:br>
+              <a:rPr lang="en-US" sz="2600" dirty="0">
+                <a:latin typeface="Courier New" panose="02070309020205020404" pitchFamily="49" charset="0"/>
+                <a:cs typeface="Courier New" panose="02070309020205020404" pitchFamily="49" charset="0"/>
+              </a:rPr>
+            </a:br>
+            <a:r>
+              <a:rPr lang="en-US" sz="2600" dirty="0">
+                <a:latin typeface="Courier New" panose="02070309020205020404" pitchFamily="49" charset="0"/>
+                <a:cs typeface="Courier New" panose="02070309020205020404" pitchFamily="49" charset="0"/>
+              </a:rPr>
+              <a:t>#check proof_by_contra_1</a:t>
+            </a:r>
+          </a:p>
+          <a:p>
+            <a:r>
+              <a:rPr lang="en-US" dirty="0"/>
+              <a:t>Note that in order to use proof by contradiction </a:t>
+            </a:r>
+            <a:r>
+              <a:rPr lang="en-US"/>
+              <a:t>we have </a:t>
+            </a:r>
+            <a:r>
+              <a:rPr lang="en-US" dirty="0"/>
+              <a:t>to abandon purely constructive logic and employ classical logic.</a:t>
+            </a:r>
+          </a:p>
+          <a:p>
+            <a:pPr marL="0" indent="0">
+              <a:buNone/>
+            </a:pPr>
+            <a:endParaRPr lang="en-US" sz="2600" dirty="0">
+              <a:latin typeface="Courier New" panose="02070309020205020404" pitchFamily="49" charset="0"/>
+              <a:cs typeface="Courier New" panose="02070309020205020404" pitchFamily="49" charset="0"/>
+            </a:endParaRPr>
+          </a:p>
+          <a:p>
+            <a:pPr marL="0" indent="0">
+              <a:buNone/>
+            </a:pPr>
+            <a:endParaRPr lang="en-US" dirty="0"/>
+          </a:p>
+        </p:txBody>
+      </p:sp>
+    </p:spTree>
+    <p:extLst>
+      <p:ext uri="{BB962C8B-B14F-4D97-AF65-F5344CB8AC3E}">
+        <p14:creationId xmlns:p14="http://schemas.microsoft.com/office/powerpoint/2010/main" val="2466400679"/>
+      </p:ext>
+    </p:extLst>
+  </p:cSld>
+  <p:clrMapOvr>
+    <a:masterClrMapping/>
+  </p:clrMapOvr>
+</p:sld>
+</file>
+
+<file path=ppt/slides/slide11.xml><?xml version="1.0" encoding="utf-8"?>
+<p:sld xmlns:a="http://schemas.openxmlformats.org/drawingml/2006/main" xmlns:r="http://schemas.openxmlformats.org/officeDocument/2006/relationships" xmlns:p="http://schemas.openxmlformats.org/presentationml/2006/main">
+  <p:cSld>
+    <p:bg>
+      <p:bgPr>
+        <a:solidFill>
+          <a:schemeClr val="bg1"/>
+        </a:solidFill>
+        <a:effectLst/>
+      </p:bgPr>
+    </p:bg>
+    <p:spTree>
+      <p:nvGrpSpPr>
+        <p:cNvPr id="1" name=""/>
+        <p:cNvGrpSpPr/>
+        <p:nvPr/>
+      </p:nvGrpSpPr>
+      <p:grpSpPr>
+        <a:xfrm>
+          <a:off x="0" y="0"/>
+          <a:ext cx="0" cy="0"/>
+          <a:chOff x="0" y="0"/>
+          <a:chExt cx="0" cy="0"/>
+        </a:xfrm>
+      </p:grpSpPr>
+      <p:sp useBgFill="1">
+        <p:nvSpPr>
+          <p:cNvPr id="9" name="Rectangle 8">
+            <a:extLst>
+              <a:ext uri="{FF2B5EF4-FFF2-40B4-BE49-F238E27FC236}">
+                <a16:creationId xmlns:a16="http://schemas.microsoft.com/office/drawing/2014/main" id="{3B854194-185D-494D-905C-7C7CB2E30F6E}"/>
+              </a:ext>
+              <a:ext uri="{C183D7F6-B498-43B3-948B-1728B52AA6E4}">
+                <adec:decorative xmlns:adec="http://schemas.microsoft.com/office/drawing/2017/decorative" val="1"/>
+              </a:ext>
+            </a:extLst>
+          </p:cNvPr>
+          <p:cNvSpPr>
+            <a:spLocks noGrp="1" noRot="1" noChangeAspect="1" noMove="1" noResize="1" noEditPoints="1" noAdjustHandles="1" noChangeArrowheads="1" noChangeShapeType="1" noTextEdit="1"/>
+          </p:cNvSpPr>
+          <p:nvPr>
+            <p:extLst>
+              <p:ext uri="{386F3935-93C4-4BCD-93E2-E3B085C9AB24}">
+                <p16:designElem xmlns:p16="http://schemas.microsoft.com/office/powerpoint/2015/main" val="1"/>
+              </p:ext>
+            </p:extLst>
+          </p:nvPr>
+        </p:nvSpPr>
+        <p:spPr>
+          <a:xfrm>
+            <a:off x="1" y="0"/>
+            <a:ext cx="6082110" cy="6858000"/>
+          </a:xfrm>
+          <a:prstGeom prst="rect">
+            <a:avLst/>
+          </a:prstGeom>
+          <a:ln>
+            <a:noFill/>
+          </a:ln>
+        </p:spPr>
+        <p:style>
+          <a:lnRef idx="2">
+            <a:schemeClr val="accent1">
+              <a:shade val="50000"/>
+            </a:schemeClr>
+          </a:lnRef>
+          <a:fillRef idx="1">
+            <a:schemeClr val="accent1"/>
+          </a:fillRef>
+          <a:effectRef idx="0">
+            <a:schemeClr val="accent1"/>
+          </a:effectRef>
+          <a:fontRef idx="minor">
+            <a:schemeClr val="lt1"/>
+          </a:fontRef>
+        </p:style>
+        <p:txBody>
+          <a:bodyPr rtlCol="0" anchor="ctr"/>
+          <a:lstStyle/>
+          <a:p>
+            <a:pPr algn="ctr"/>
+            <a:endParaRPr lang="en-US"/>
+          </a:p>
+        </p:txBody>
+      </p:sp>
+      <p:sp>
+        <p:nvSpPr>
+          <p:cNvPr id="11" name="Rectangle 10">
+            <a:extLst>
+              <a:ext uri="{FF2B5EF4-FFF2-40B4-BE49-F238E27FC236}">
+                <a16:creationId xmlns:a16="http://schemas.microsoft.com/office/drawing/2014/main" id="{B4F5FA0D-0104-4987-8241-EFF7C85B88DE}"/>
+              </a:ext>
+              <a:ext uri="{C183D7F6-B498-43B3-948B-1728B52AA6E4}">
+                <adec:decorative xmlns:adec="http://schemas.microsoft.com/office/drawing/2017/decorative" val="1"/>
+              </a:ext>
+            </a:extLst>
+          </p:cNvPr>
+          <p:cNvSpPr>
+            <a:spLocks noGrp="1" noRot="1" noChangeAspect="1" noMove="1" noResize="1" noEditPoints="1" noAdjustHandles="1" noChangeArrowheads="1" noChangeShapeType="1" noTextEdit="1"/>
+          </p:cNvSpPr>
+          <p:nvPr>
+            <p:extLst>
+              <p:ext uri="{386F3935-93C4-4BCD-93E2-E3B085C9AB24}">
+                <p16:designElem xmlns:p16="http://schemas.microsoft.com/office/powerpoint/2015/main" val="1"/>
+              </p:ext>
+            </p:extLst>
+          </p:nvPr>
+        </p:nvSpPr>
+        <p:spPr>
+          <a:xfrm>
+            <a:off x="1" y="0"/>
+            <a:ext cx="12191998" cy="6858000"/>
+          </a:xfrm>
+          <a:prstGeom prst="rect">
+            <a:avLst/>
+          </a:prstGeom>
+          <a:gradFill>
+            <a:gsLst>
+              <a:gs pos="0">
+                <a:schemeClr val="accent1">
+                  <a:lumMod val="90000"/>
+                </a:schemeClr>
+              </a:gs>
+              <a:gs pos="25000">
+                <a:schemeClr val="accent1">
+                  <a:lumMod val="90000"/>
+                </a:schemeClr>
+              </a:gs>
+              <a:gs pos="94000">
+                <a:schemeClr val="bg2">
+                  <a:lumMod val="25000"/>
+                </a:schemeClr>
+              </a:gs>
+              <a:gs pos="100000">
+                <a:schemeClr val="bg2">
+                  <a:lumMod val="25000"/>
+                </a:schemeClr>
+              </a:gs>
+            </a:gsLst>
+            <a:lin ang="4200000" scaled="0"/>
+          </a:gradFill>
+          <a:ln>
+            <a:noFill/>
+          </a:ln>
+        </p:spPr>
+        <p:style>
+          <a:lnRef idx="2">
+            <a:schemeClr val="accent1">
+              <a:shade val="50000"/>
+            </a:schemeClr>
+          </a:lnRef>
+          <a:fillRef idx="1">
+            <a:schemeClr val="accent1"/>
+          </a:fillRef>
+          <a:effectRef idx="0">
+            <a:schemeClr val="accent1"/>
+          </a:effectRef>
+          <a:fontRef idx="minor">
+            <a:schemeClr val="lt1"/>
+          </a:fontRef>
+        </p:style>
+        <p:txBody>
+          <a:bodyPr rtlCol="0" anchor="ctr"/>
+          <a:lstStyle/>
+          <a:p>
+            <a:pPr algn="ctr"/>
+            <a:endParaRPr lang="en-US"/>
+          </a:p>
+        </p:txBody>
+      </p:sp>
+      <p:pic>
+        <p:nvPicPr>
+          <p:cNvPr id="13" name="Picture 12">
+            <a:extLst>
+              <a:ext uri="{FF2B5EF4-FFF2-40B4-BE49-F238E27FC236}">
+                <a16:creationId xmlns:a16="http://schemas.microsoft.com/office/drawing/2014/main" id="{2897127E-6CEF-446C-BE87-93B7C46E49D1}"/>
+              </a:ext>
+              <a:ext uri="{C183D7F6-B498-43B3-948B-1728B52AA6E4}">
+                <adec:decorative xmlns:adec="http://schemas.microsoft.com/office/drawing/2017/decorative" val="1"/>
+              </a:ext>
+            </a:extLst>
+          </p:cNvPr>
+          <p:cNvPicPr>
+            <a:picLocks noGrp="1" noRot="1" noChangeAspect="1" noMove="1" noResize="1" noEditPoints="1" noAdjustHandles="1" noChangeArrowheads="1" noChangeShapeType="1" noCrop="1"/>
+          </p:cNvPicPr>
+          <p:nvPr>
+            <p:extLst>
+              <p:ext uri="{386F3935-93C4-4BCD-93E2-E3B085C9AB24}">
+                <p16:designElem xmlns:p16="http://schemas.microsoft.com/office/powerpoint/2015/main" val="1"/>
+              </p:ext>
+            </p:extLst>
+          </p:nvPr>
+        </p:nvPicPr>
+        <p:blipFill>
+          <a:blip r:embed="rId2">
+            <a:extLst>
+              <a:ext uri="{28A0092B-C50C-407E-A947-70E740481C1C}">
+                <a14:useLocalDpi xmlns:a14="http://schemas.microsoft.com/office/drawing/2010/main" val="0"/>
+              </a:ext>
+            </a:extLst>
+          </a:blip>
+          <a:stretch>
+            <a:fillRect/>
+          </a:stretch>
+        </p:blipFill>
+        <p:spPr>
+          <a:xfrm>
+            <a:off x="0" y="0"/>
+            <a:ext cx="12192000" cy="6858000"/>
+          </a:xfrm>
+          <a:prstGeom prst="rect">
+            <a:avLst/>
+          </a:prstGeom>
+        </p:spPr>
+      </p:pic>
+      <p:sp>
+        <p:nvSpPr>
+          <p:cNvPr id="2" name="Title 1"/>
+          <p:cNvSpPr>
+            <a:spLocks noGrp="1"/>
+          </p:cNvSpPr>
+          <p:nvPr>
+            <p:ph type="title"/>
+          </p:nvPr>
+        </p:nvSpPr>
+        <p:spPr>
+          <a:xfrm>
+            <a:off x="640079" y="2053641"/>
+            <a:ext cx="3669161" cy="2760098"/>
+          </a:xfrm>
+        </p:spPr>
+        <p:txBody>
+          <a:bodyPr>
+            <a:normAutofit/>
+          </a:bodyPr>
+          <a:lstStyle/>
+          <a:p>
+            <a:r>
+              <a:rPr lang="en-US" dirty="0">
+                <a:solidFill>
+                  <a:srgbClr val="FFFFFF"/>
+                </a:solidFill>
+              </a:rPr>
+              <a:t>Fin</a:t>
+            </a:r>
+          </a:p>
+        </p:txBody>
+      </p:sp>
+    </p:spTree>
+    <p:extLst>
+      <p:ext uri="{BB962C8B-B14F-4D97-AF65-F5344CB8AC3E}">
+        <p14:creationId xmlns:p14="http://schemas.microsoft.com/office/powerpoint/2010/main" val="628979899"/>
       </p:ext>
     </p:extLst>
   </p:cSld>
@@ -4778,9 +5365,16 @@
             <p:ph idx="1"/>
           </p:nvPr>
         </p:nvSpPr>
-        <p:spPr/>
-        <p:txBody>
-          <a:bodyPr/>
+        <p:spPr>
+          <a:xfrm>
+            <a:off x="838200" y="1690688"/>
+            <a:ext cx="10515600" cy="4649152"/>
+          </a:xfrm>
+        </p:spPr>
+        <p:txBody>
+          <a:bodyPr>
+            <a:normAutofit/>
+          </a:bodyPr>
           <a:lstStyle/>
           <a:p>
             <a:r>
@@ -4841,6 +5435,77 @@
               <a:rPr lang="en-US" dirty="0"/>
               <a:t>Note: in Lean, “=“ binds more tightly than “¬”</a:t>
             </a:r>
+          </a:p>
+          <a:p>
+            <a:r>
+              <a:rPr lang="en-US" dirty="0"/>
+              <a:t>Also note: this is </a:t>
+            </a:r>
+            <a:r>
+              <a:rPr lang="en-US" i="1" dirty="0"/>
+              <a:t>not</a:t>
+            </a:r>
+            <a:r>
+              <a:rPr lang="en-US" dirty="0"/>
+              <a:t> a proof by contradiction</a:t>
+            </a:r>
+          </a:p>
+          <a:p>
+            <a:pPr lvl="1"/>
+            <a:r>
+              <a:rPr lang="en-US" sz="2000" dirty="0">
+                <a:latin typeface="Courier New" panose="02070309020205020404" pitchFamily="49" charset="0"/>
+                <a:cs typeface="Courier New" panose="02070309020205020404" pitchFamily="49" charset="0"/>
+              </a:rPr>
+              <a:t>contradiction</a:t>
+            </a:r>
+            <a:r>
+              <a:rPr lang="en-US" dirty="0"/>
+              <a:t> is a tactic that exploits the fact that terms built by different constructors (</a:t>
+            </a:r>
+            <a:r>
+              <a:rPr lang="en-US" sz="2000" dirty="0">
+                <a:latin typeface="Courier New" panose="02070309020205020404" pitchFamily="49" charset="0"/>
+                <a:cs typeface="Courier New" panose="02070309020205020404" pitchFamily="49" charset="0"/>
+              </a:rPr>
+              <a:t>0</a:t>
+            </a:r>
+            <a:r>
+              <a:rPr lang="en-US" dirty="0"/>
+              <a:t> vs </a:t>
+            </a:r>
+            <a:r>
+              <a:rPr lang="en-US" sz="2000" dirty="0" err="1">
+                <a:latin typeface="Courier New" panose="02070309020205020404" pitchFamily="49" charset="0"/>
+                <a:cs typeface="Courier New" panose="02070309020205020404" pitchFamily="49" charset="0"/>
+              </a:rPr>
+              <a:t>succ</a:t>
+            </a:r>
+            <a:r>
+              <a:rPr lang="en-US" sz="2000" dirty="0">
+                <a:latin typeface="Courier New" panose="02070309020205020404" pitchFamily="49" charset="0"/>
+                <a:cs typeface="Courier New" panose="02070309020205020404" pitchFamily="49" charset="0"/>
+              </a:rPr>
+              <a:t>(0)</a:t>
+            </a:r>
+            <a:r>
+              <a:rPr lang="en-US" dirty="0"/>
+              <a:t>) are never equal</a:t>
+            </a:r>
+          </a:p>
+          <a:p>
+            <a:pPr lvl="1"/>
+            <a:r>
+              <a:rPr lang="en-US" dirty="0"/>
+              <a:t>See also </a:t>
+            </a:r>
+            <a:r>
+              <a:rPr lang="en-US" dirty="0">
+                <a:hlinkClick r:id="rId2"/>
+              </a:rPr>
+              <a:t>https://leanprover.github.io/theorem_proving_in_lean/tactics.html#more-tactics</a:t>
+            </a:r>
+            <a:endParaRPr lang="en-US" dirty="0"/>
           </a:p>
         </p:txBody>
       </p:sp>
@@ -6019,18 +6684,11 @@
               <a:buNone/>
             </a:pPr>
             <a:r>
-              <a:rPr lang="en-US" sz="2400">
-                <a:latin typeface="Courier New" panose="02070309020205020404" pitchFamily="49" charset="0"/>
-                <a:cs typeface="Courier New" panose="02070309020205020404" pitchFamily="49" charset="0"/>
-              </a:rPr>
-              <a:t>        </a:t>
-            </a:r>
-            <a:r>
               <a:rPr lang="en-US" sz="2400" dirty="0">
                 <a:latin typeface="Courier New" panose="02070309020205020404" pitchFamily="49" charset="0"/>
                 <a:cs typeface="Courier New" panose="02070309020205020404" pitchFamily="49" charset="0"/>
               </a:rPr>
-              <a:t>qanq.2 qanq.1</a:t>
+              <a:t>        qanq.2 qanq.1</a:t>
             </a:r>
           </a:p>
           <a:p>
@@ -6057,14 +6715,6 @@
 <file path=ppt/slides/slide9.xml><?xml version="1.0" encoding="utf-8"?>
 <p:sld xmlns:a="http://schemas.openxmlformats.org/drawingml/2006/main" xmlns:r="http://schemas.openxmlformats.org/officeDocument/2006/relationships" xmlns:p="http://schemas.openxmlformats.org/presentationml/2006/main">
   <p:cSld>
-    <p:bg>
-      <p:bgPr>
-        <a:solidFill>
-          <a:schemeClr val="bg1"/>
-        </a:solidFill>
-        <a:effectLst/>
-      </p:bgPr>
-    </p:bg>
     <p:spTree>
       <p:nvGrpSpPr>
         <p:cNvPr id="1" name=""/>
@@ -6079,225 +6729,114 @@
           <a:chExt cx="0" cy="0"/>
         </a:xfrm>
       </p:grpSpPr>
-      <p:sp useBgFill="1">
-        <p:nvSpPr>
-          <p:cNvPr id="9" name="Rectangle 8">
+      <p:sp>
+        <p:nvSpPr>
+          <p:cNvPr id="2" name="Title 1">
             <a:extLst>
               <a:ext uri="{FF2B5EF4-FFF2-40B4-BE49-F238E27FC236}">
-                <a16:creationId xmlns:a16="http://schemas.microsoft.com/office/drawing/2014/main" id="{3B854194-185D-494D-905C-7C7CB2E30F6E}"/>
-              </a:ext>
-              <a:ext uri="{C183D7F6-B498-43B3-948B-1728B52AA6E4}">
-                <adec:decorative xmlns:adec="http://schemas.microsoft.com/office/drawing/2017/decorative" val="1"/>
+                <a16:creationId xmlns:a16="http://schemas.microsoft.com/office/drawing/2014/main" id="{17201CB2-CA0E-BD4B-B840-92D48EBBE15A}"/>
               </a:ext>
             </a:extLst>
           </p:cNvPr>
           <p:cNvSpPr>
-            <a:spLocks noGrp="1" noRot="1" noChangeAspect="1" noMove="1" noResize="1" noEditPoints="1" noAdjustHandles="1" noChangeArrowheads="1" noChangeShapeType="1" noTextEdit="1"/>
-          </p:cNvSpPr>
-          <p:nvPr>
-            <p:extLst>
-              <p:ext uri="{386F3935-93C4-4BCD-93E2-E3B085C9AB24}">
-                <p16:designElem xmlns:p16="http://schemas.microsoft.com/office/powerpoint/2015/main" val="1"/>
-              </p:ext>
-            </p:extLst>
-          </p:nvPr>
-        </p:nvSpPr>
-        <p:spPr>
-          <a:xfrm>
-            <a:off x="1" y="0"/>
-            <a:ext cx="6082110" cy="6858000"/>
-          </a:xfrm>
-          <a:prstGeom prst="rect">
-            <a:avLst/>
-          </a:prstGeom>
-          <a:ln>
-            <a:noFill/>
-          </a:ln>
-        </p:spPr>
-        <p:style>
-          <a:lnRef idx="2">
-            <a:schemeClr val="accent1">
-              <a:shade val="50000"/>
-            </a:schemeClr>
-          </a:lnRef>
-          <a:fillRef idx="1">
-            <a:schemeClr val="accent1"/>
-          </a:fillRef>
-          <a:effectRef idx="0">
-            <a:schemeClr val="accent1"/>
-          </a:effectRef>
-          <a:fontRef idx="minor">
-            <a:schemeClr val="lt1"/>
-          </a:fontRef>
-        </p:style>
-        <p:txBody>
-          <a:bodyPr rtlCol="0" anchor="ctr"/>
+            <a:spLocks noGrp="1"/>
+          </p:cNvSpPr>
+          <p:nvPr>
+            <p:ph type="title"/>
+          </p:nvPr>
+        </p:nvSpPr>
+        <p:spPr/>
+        <p:txBody>
+          <a:bodyPr/>
           <a:lstStyle/>
           <a:p>
-            <a:pPr algn="ctr"/>
-            <a:endParaRPr lang="en-US"/>
-          </a:p>
-        </p:txBody>
-      </p:sp>
-      <p:sp>
-        <p:nvSpPr>
-          <p:cNvPr id="11" name="Rectangle 10">
+            <a:r>
+              <a:rPr lang="en-US" dirty="0"/>
+              <a:t>Proof by contradiction</a:t>
+            </a:r>
+          </a:p>
+        </p:txBody>
+      </p:sp>
+      <p:sp>
+        <p:nvSpPr>
+          <p:cNvPr id="3" name="Content Placeholder 2">
             <a:extLst>
               <a:ext uri="{FF2B5EF4-FFF2-40B4-BE49-F238E27FC236}">
-                <a16:creationId xmlns:a16="http://schemas.microsoft.com/office/drawing/2014/main" id="{B4F5FA0D-0104-4987-8241-EFF7C85B88DE}"/>
-              </a:ext>
-              <a:ext uri="{C183D7F6-B498-43B3-948B-1728B52AA6E4}">
-                <adec:decorative xmlns:adec="http://schemas.microsoft.com/office/drawing/2017/decorative" val="1"/>
+                <a16:creationId xmlns:a16="http://schemas.microsoft.com/office/drawing/2014/main" id="{DE5B0A3A-AE22-9646-A962-372A2B0199ED}"/>
               </a:ext>
             </a:extLst>
           </p:cNvPr>
           <p:cNvSpPr>
-            <a:spLocks noGrp="1" noRot="1" noChangeAspect="1" noMove="1" noResize="1" noEditPoints="1" noAdjustHandles="1" noChangeArrowheads="1" noChangeShapeType="1" noTextEdit="1"/>
-          </p:cNvSpPr>
-          <p:nvPr>
-            <p:extLst>
-              <p:ext uri="{386F3935-93C4-4BCD-93E2-E3B085C9AB24}">
-                <p16:designElem xmlns:p16="http://schemas.microsoft.com/office/powerpoint/2015/main" val="1"/>
-              </p:ext>
-            </p:extLst>
-          </p:nvPr>
-        </p:nvSpPr>
-        <p:spPr>
-          <a:xfrm>
-            <a:off x="1" y="0"/>
-            <a:ext cx="12191998" cy="6858000"/>
-          </a:xfrm>
-          <a:prstGeom prst="rect">
-            <a:avLst/>
-          </a:prstGeom>
-          <a:gradFill>
-            <a:gsLst>
-              <a:gs pos="0">
-                <a:schemeClr val="accent1">
-                  <a:lumMod val="90000"/>
-                </a:schemeClr>
-              </a:gs>
-              <a:gs pos="25000">
-                <a:schemeClr val="accent1">
-                  <a:lumMod val="90000"/>
-                </a:schemeClr>
-              </a:gs>
-              <a:gs pos="94000">
-                <a:schemeClr val="bg2">
-                  <a:lumMod val="25000"/>
-                </a:schemeClr>
-              </a:gs>
-              <a:gs pos="100000">
-                <a:schemeClr val="bg2">
-                  <a:lumMod val="25000"/>
-                </a:schemeClr>
-              </a:gs>
-            </a:gsLst>
-            <a:lin ang="4200000" scaled="0"/>
-          </a:gradFill>
-          <a:ln>
-            <a:noFill/>
-          </a:ln>
-        </p:spPr>
-        <p:style>
-          <a:lnRef idx="2">
-            <a:schemeClr val="accent1">
-              <a:shade val="50000"/>
-            </a:schemeClr>
-          </a:lnRef>
-          <a:fillRef idx="1">
-            <a:schemeClr val="accent1"/>
-          </a:fillRef>
-          <a:effectRef idx="0">
-            <a:schemeClr val="accent1"/>
-          </a:effectRef>
-          <a:fontRef idx="minor">
-            <a:schemeClr val="lt1"/>
-          </a:fontRef>
-        </p:style>
-        <p:txBody>
-          <a:bodyPr rtlCol="0" anchor="ctr"/>
+            <a:spLocks noGrp="1"/>
+          </p:cNvSpPr>
+          <p:nvPr>
+            <p:ph idx="1"/>
+          </p:nvPr>
+        </p:nvSpPr>
+        <p:spPr/>
+        <p:txBody>
+          <a:bodyPr/>
           <a:lstStyle/>
           <a:p>
-            <a:pPr algn="ctr"/>
-            <a:endParaRPr lang="en-US"/>
-          </a:p>
-        </p:txBody>
-      </p:sp>
-      <p:pic>
-        <p:nvPicPr>
-          <p:cNvPr id="13" name="Picture 12">
-            <a:extLst>
-              <a:ext uri="{FF2B5EF4-FFF2-40B4-BE49-F238E27FC236}">
-                <a16:creationId xmlns:a16="http://schemas.microsoft.com/office/drawing/2014/main" id="{2897127E-6CEF-446C-BE87-93B7C46E49D1}"/>
-              </a:ext>
-              <a:ext uri="{C183D7F6-B498-43B3-948B-1728B52AA6E4}">
-                <adec:decorative xmlns:adec="http://schemas.microsoft.com/office/drawing/2017/decorative" val="1"/>
-              </a:ext>
-            </a:extLst>
-          </p:cNvPr>
-          <p:cNvPicPr>
-            <a:picLocks noGrp="1" noRot="1" noChangeAspect="1" noMove="1" noResize="1" noEditPoints="1" noAdjustHandles="1" noChangeArrowheads="1" noChangeShapeType="1" noCrop="1"/>
-          </p:cNvPicPr>
-          <p:nvPr>
-            <p:extLst>
-              <p:ext uri="{386F3935-93C4-4BCD-93E2-E3B085C9AB24}">
-                <p16:designElem xmlns:p16="http://schemas.microsoft.com/office/powerpoint/2015/main" val="1"/>
-              </p:ext>
-            </p:extLst>
-          </p:nvPr>
-        </p:nvPicPr>
-        <p:blipFill>
-          <a:blip r:embed="rId2">
-            <a:extLst>
-              <a:ext uri="{28A0092B-C50C-407E-A947-70E740481C1C}">
-                <a14:useLocalDpi xmlns:a14="http://schemas.microsoft.com/office/drawing/2010/main" val="0"/>
-              </a:ext>
-            </a:extLst>
-          </a:blip>
-          <a:stretch>
-            <a:fillRect/>
-          </a:stretch>
-        </p:blipFill>
-        <p:spPr>
-          <a:xfrm>
-            <a:off x="0" y="0"/>
-            <a:ext cx="12192000" cy="6858000"/>
-          </a:xfrm>
-          <a:prstGeom prst="rect">
-            <a:avLst/>
-          </a:prstGeom>
-        </p:spPr>
-      </p:pic>
-      <p:sp>
-        <p:nvSpPr>
-          <p:cNvPr id="2" name="Title 1"/>
-          <p:cNvSpPr>
-            <a:spLocks noGrp="1"/>
-          </p:cNvSpPr>
-          <p:nvPr>
-            <p:ph type="title"/>
-          </p:nvPr>
-        </p:nvSpPr>
-        <p:spPr>
-          <a:xfrm>
-            <a:off x="640079" y="2053641"/>
-            <a:ext cx="3669161" cy="2760098"/>
-          </a:xfrm>
-        </p:spPr>
-        <p:txBody>
-          <a:bodyPr>
-            <a:normAutofit/>
-          </a:bodyPr>
-          <a:lstStyle/>
-          <a:p>
-            <a:r>
-              <a:rPr lang="en-US" dirty="0">
-                <a:solidFill>
-                  <a:srgbClr val="FFFFFF"/>
-                </a:solidFill>
-              </a:rPr>
-              <a:t>Fin</a:t>
+            <a:r>
+              <a:rPr lang="en-US" dirty="0"/>
+              <a:t>Imagine we want to prove the following theorem:</a:t>
+            </a:r>
+          </a:p>
+          <a:p>
+            <a:pPr marL="0" indent="0">
+              <a:buNone/>
+            </a:pPr>
+            <a:r>
+              <a:rPr lang="en-US" sz="2400" dirty="0">
+                <a:latin typeface="Courier New" panose="02070309020205020404" pitchFamily="49" charset="0"/>
+                <a:cs typeface="Courier New" panose="02070309020205020404" pitchFamily="49" charset="0"/>
+              </a:rPr>
+              <a:t>theorem proof_by_contra_1 { P Q : Prop }</a:t>
+            </a:r>
+          </a:p>
+          <a:p>
+            <a:pPr marL="0" indent="0">
+              <a:buNone/>
+            </a:pPr>
+            <a:r>
+              <a:rPr lang="en-US" sz="2400" dirty="0">
+                <a:latin typeface="Courier New" panose="02070309020205020404" pitchFamily="49" charset="0"/>
+                <a:cs typeface="Courier New" panose="02070309020205020404" pitchFamily="49" charset="0"/>
+              </a:rPr>
+              <a:t>    (</a:t>
+            </a:r>
+            <a:r>
+              <a:rPr lang="en-US" sz="2400" dirty="0" err="1">
+                <a:latin typeface="Courier New" panose="02070309020205020404" pitchFamily="49" charset="0"/>
+                <a:cs typeface="Courier New" panose="02070309020205020404" pitchFamily="49" charset="0"/>
+              </a:rPr>
+              <a:t>pfNotPImpQNotQ</a:t>
+            </a:r>
+            <a:r>
+              <a:rPr lang="en-US" sz="2400" dirty="0">
+                <a:latin typeface="Courier New" panose="02070309020205020404" pitchFamily="49" charset="0"/>
+                <a:cs typeface="Courier New" panose="02070309020205020404" pitchFamily="49" charset="0"/>
+              </a:rPr>
+              <a:t>: ¬ P → (Q ∧ ¬ Q)) : P := sorry</a:t>
+            </a:r>
+          </a:p>
+          <a:p>
+            <a:r>
+              <a:rPr lang="en-US" dirty="0"/>
+              <a:t>I.e., given a proof that “not P” implies “Q and not Q”, we want to prove that P is true</a:t>
+            </a:r>
+          </a:p>
+          <a:p>
+            <a:r>
+              <a:rPr lang="en-US" dirty="0"/>
+              <a:t>Proof by contradiction has us assume the opposite of what we want to prove and show that it is false</a:t>
+            </a:r>
+          </a:p>
+          <a:p>
+            <a:r>
+              <a:rPr lang="en-US" dirty="0"/>
+              <a:t>I.e., assume “not P” and show it has a false truth judgment</a:t>
             </a:r>
           </a:p>
         </p:txBody>
@@ -6305,7 +6844,7 @@
     </p:spTree>
     <p:extLst>
       <p:ext uri="{BB962C8B-B14F-4D97-AF65-F5344CB8AC3E}">
-        <p14:creationId xmlns:p14="http://schemas.microsoft.com/office/powerpoint/2010/main" val="628979899"/>
+        <p14:creationId xmlns:p14="http://schemas.microsoft.com/office/powerpoint/2010/main" val="3448962987"/>
       </p:ext>
     </p:extLst>
   </p:cSld>

--- a/06_Negation/Negation.pptx
+++ b/06_Negation/Negation.pptx
@@ -5,20 +5,38 @@
     <p:sldMasterId id="2147483648" r:id="rId1"/>
   </p:sldMasterIdLst>
   <p:notesMasterIdLst>
-    <p:notesMasterId r:id="rId13"/>
+    <p:notesMasterId r:id="rId31"/>
   </p:notesMasterIdLst>
   <p:sldIdLst>
     <p:sldId id="258" r:id="rId2"/>
     <p:sldId id="315" r:id="rId3"/>
     <p:sldId id="326" r:id="rId4"/>
-    <p:sldId id="327" r:id="rId5"/>
-    <p:sldId id="329" r:id="rId6"/>
-    <p:sldId id="328" r:id="rId7"/>
-    <p:sldId id="330" r:id="rId8"/>
-    <p:sldId id="331" r:id="rId9"/>
-    <p:sldId id="332" r:id="rId10"/>
-    <p:sldId id="333" r:id="rId11"/>
-    <p:sldId id="261" r:id="rId12"/>
+    <p:sldId id="334" r:id="rId5"/>
+    <p:sldId id="335" r:id="rId6"/>
+    <p:sldId id="336" r:id="rId7"/>
+    <p:sldId id="337" r:id="rId8"/>
+    <p:sldId id="338" r:id="rId9"/>
+    <p:sldId id="339" r:id="rId10"/>
+    <p:sldId id="327" r:id="rId11"/>
+    <p:sldId id="340" r:id="rId12"/>
+    <p:sldId id="329" r:id="rId13"/>
+    <p:sldId id="328" r:id="rId14"/>
+    <p:sldId id="341" r:id="rId15"/>
+    <p:sldId id="330" r:id="rId16"/>
+    <p:sldId id="331" r:id="rId17"/>
+    <p:sldId id="342" r:id="rId18"/>
+    <p:sldId id="343" r:id="rId19"/>
+    <p:sldId id="344" r:id="rId20"/>
+    <p:sldId id="345" r:id="rId21"/>
+    <p:sldId id="346" r:id="rId22"/>
+    <p:sldId id="347" r:id="rId23"/>
+    <p:sldId id="332" r:id="rId24"/>
+    <p:sldId id="348" r:id="rId25"/>
+    <p:sldId id="333" r:id="rId26"/>
+    <p:sldId id="349" r:id="rId27"/>
+    <p:sldId id="350" r:id="rId28"/>
+    <p:sldId id="351" r:id="rId29"/>
+    <p:sldId id="261" r:id="rId30"/>
   </p:sldIdLst>
   <p:sldSz cx="12192000" cy="6858000"/>
   <p:notesSz cx="6858000" cy="9144000"/>
@@ -601,9 +619,9 @@
           <a:bodyPr/>
           <a:lstStyle/>
           <a:p>
-            <a:fld id="{1555EDF9-3D79-45DA-8367-2F63551C4C7D}" type="datetimeFigureOut">
+            <a:fld id="{B6C1A396-ADAF-C049-ABC6-C32D7D1CCAD8}" type="datetime1">
               <a:rPr lang="en-US" smtClean="0"/>
-              <a:t>9/3/18</a:t>
+              <a:t>9/17/18</a:t>
             </a:fld>
             <a:endParaRPr lang="en-US"/>
           </a:p>
@@ -769,9 +787,9 @@
           <a:bodyPr/>
           <a:lstStyle/>
           <a:p>
-            <a:fld id="{1555EDF9-3D79-45DA-8367-2F63551C4C7D}" type="datetimeFigureOut">
+            <a:fld id="{1E275737-3B4B-C743-819D-3D7767301481}" type="datetime1">
               <a:rPr lang="en-US" smtClean="0"/>
-              <a:t>9/3/18</a:t>
+              <a:t>9/17/18</a:t>
             </a:fld>
             <a:endParaRPr lang="en-US"/>
           </a:p>
@@ -947,9 +965,9 @@
           <a:bodyPr/>
           <a:lstStyle/>
           <a:p>
-            <a:fld id="{1555EDF9-3D79-45DA-8367-2F63551C4C7D}" type="datetimeFigureOut">
+            <a:fld id="{23E60EA0-28A6-2A4C-A0DF-F463B4716CF4}" type="datetime1">
               <a:rPr lang="en-US" smtClean="0"/>
-              <a:t>9/3/18</a:t>
+              <a:t>9/17/18</a:t>
             </a:fld>
             <a:endParaRPr lang="en-US"/>
           </a:p>
@@ -1115,9 +1133,9 @@
           <a:bodyPr/>
           <a:lstStyle/>
           <a:p>
-            <a:fld id="{1555EDF9-3D79-45DA-8367-2F63551C4C7D}" type="datetimeFigureOut">
+            <a:fld id="{7F4ADCAF-FE79-6D4A-8F0C-FF6B2DC49B87}" type="datetime1">
               <a:rPr lang="en-US" smtClean="0"/>
-              <a:t>9/3/18</a:t>
+              <a:t>9/17/18</a:t>
             </a:fld>
             <a:endParaRPr lang="en-US"/>
           </a:p>
@@ -1360,9 +1378,9 @@
           <a:bodyPr/>
           <a:lstStyle/>
           <a:p>
-            <a:fld id="{1555EDF9-3D79-45DA-8367-2F63551C4C7D}" type="datetimeFigureOut">
+            <a:fld id="{BB4170EC-B8E8-F84E-B40B-4CA40E87F0F1}" type="datetime1">
               <a:rPr lang="en-US" smtClean="0"/>
-              <a:t>9/3/18</a:t>
+              <a:t>9/17/18</a:t>
             </a:fld>
             <a:endParaRPr lang="en-US"/>
           </a:p>
@@ -1589,9 +1607,9 @@
           <a:bodyPr/>
           <a:lstStyle/>
           <a:p>
-            <a:fld id="{1555EDF9-3D79-45DA-8367-2F63551C4C7D}" type="datetimeFigureOut">
+            <a:fld id="{3549A180-BBB6-AB44-9EC6-613957D9BC21}" type="datetime1">
               <a:rPr lang="en-US" smtClean="0"/>
-              <a:t>9/3/18</a:t>
+              <a:t>9/17/18</a:t>
             </a:fld>
             <a:endParaRPr lang="en-US"/>
           </a:p>
@@ -1953,9 +1971,9 @@
           <a:bodyPr/>
           <a:lstStyle/>
           <a:p>
-            <a:fld id="{1555EDF9-3D79-45DA-8367-2F63551C4C7D}" type="datetimeFigureOut">
+            <a:fld id="{A29669B0-2692-6042-A028-87F920E9CE7A}" type="datetime1">
               <a:rPr lang="en-US" smtClean="0"/>
-              <a:t>9/3/18</a:t>
+              <a:t>9/17/18</a:t>
             </a:fld>
             <a:endParaRPr lang="en-US"/>
           </a:p>
@@ -2070,9 +2088,9 @@
           <a:bodyPr/>
           <a:lstStyle/>
           <a:p>
-            <a:fld id="{1555EDF9-3D79-45DA-8367-2F63551C4C7D}" type="datetimeFigureOut">
+            <a:fld id="{26B5280F-B487-C54A-8A7A-C35A806AF023}" type="datetime1">
               <a:rPr lang="en-US" smtClean="0"/>
-              <a:t>9/3/18</a:t>
+              <a:t>9/17/18</a:t>
             </a:fld>
             <a:endParaRPr lang="en-US"/>
           </a:p>
@@ -2165,9 +2183,9 @@
           <a:bodyPr/>
           <a:lstStyle/>
           <a:p>
-            <a:fld id="{1555EDF9-3D79-45DA-8367-2F63551C4C7D}" type="datetimeFigureOut">
+            <a:fld id="{FAAE216B-9CF3-A14B-9A92-B9DABF79BFCE}" type="datetime1">
               <a:rPr lang="en-US" smtClean="0"/>
-              <a:t>9/3/18</a:t>
+              <a:t>9/17/18</a:t>
             </a:fld>
             <a:endParaRPr lang="en-US"/>
           </a:p>
@@ -2440,9 +2458,9 @@
           <a:bodyPr/>
           <a:lstStyle/>
           <a:p>
-            <a:fld id="{1555EDF9-3D79-45DA-8367-2F63551C4C7D}" type="datetimeFigureOut">
+            <a:fld id="{5B8013A5-7B70-2548-B20A-4534B630AB6C}" type="datetime1">
               <a:rPr lang="en-US" smtClean="0"/>
-              <a:t>9/3/18</a:t>
+              <a:t>9/17/18</a:t>
             </a:fld>
             <a:endParaRPr lang="en-US"/>
           </a:p>
@@ -2695,9 +2713,9 @@
           <a:bodyPr/>
           <a:lstStyle/>
           <a:p>
-            <a:fld id="{1555EDF9-3D79-45DA-8367-2F63551C4C7D}" type="datetimeFigureOut">
+            <a:fld id="{E9928226-EDE2-0A4C-81FC-AFBDD145D237}" type="datetime1">
               <a:rPr lang="en-US" smtClean="0"/>
-              <a:t>9/3/18</a:t>
+              <a:t>9/17/18</a:t>
             </a:fld>
             <a:endParaRPr lang="en-US"/>
           </a:p>
@@ -2906,9 +2924,9 @@
             </a:lvl1pPr>
           </a:lstStyle>
           <a:p>
-            <a:fld id="{1555EDF9-3D79-45DA-8367-2F63551C4C7D}" type="datetimeFigureOut">
+            <a:fld id="{7D3EA1F3-586E-4B46-9B9A-D49AC241EEC9}" type="datetime1">
               <a:rPr lang="en-US" smtClean="0"/>
-              <a:t>9/3/18</a:t>
+              <a:t>9/17/18</a:t>
             </a:fld>
             <a:endParaRPr lang="en-US"/>
           </a:p>
@@ -3013,6 +3031,7 @@
     <p:sldLayoutId id="2147483658" r:id="rId10"/>
     <p:sldLayoutId id="2147483659" r:id="rId11"/>
   </p:sldLayoutIdLst>
+  <p:hf hdr="0" ftr="0" dt="0"/>
   <p:txStyles>
     <p:titleStyle>
       <a:lvl1pPr algn="l" defTabSz="914400" rtl="0" eaLnBrk="1" latinLnBrk="0" hangingPunct="1">
@@ -3484,6 +3503,35 @@
           </a:p>
         </p:txBody>
       </p:sp>
+      <p:sp>
+        <p:nvSpPr>
+          <p:cNvPr id="6" name="Slide Number Placeholder 5">
+            <a:extLst>
+              <a:ext uri="{FF2B5EF4-FFF2-40B4-BE49-F238E27FC236}">
+                <a16:creationId xmlns:a16="http://schemas.microsoft.com/office/drawing/2014/main" id="{A7399980-CEA1-B743-A030-0DA049C222CE}"/>
+              </a:ext>
+            </a:extLst>
+          </p:cNvPr>
+          <p:cNvSpPr>
+            <a:spLocks noGrp="1"/>
+          </p:cNvSpPr>
+          <p:nvPr>
+            <p:ph type="sldNum" sz="quarter" idx="12"/>
+          </p:nvPr>
+        </p:nvSpPr>
+        <p:spPr/>
+        <p:txBody>
+          <a:bodyPr/>
+          <a:lstStyle/>
+          <a:p>
+            <a:fld id="{3352CBF5-17B8-4387-88A6-ABF9F8C64D5A}" type="slidenum">
+              <a:rPr lang="en-US" smtClean="0"/>
+              <a:t>1</a:t>
+            </a:fld>
+            <a:endParaRPr lang="en-US"/>
+          </a:p>
+        </p:txBody>
+      </p:sp>
     </p:spTree>
     <p:extLst>
       <p:ext uri="{BB962C8B-B14F-4D97-AF65-F5344CB8AC3E}">
@@ -3519,7 +3567,7 @@
           <p:cNvPr id="2" name="Title 1">
             <a:extLst>
               <a:ext uri="{FF2B5EF4-FFF2-40B4-BE49-F238E27FC236}">
-                <a16:creationId xmlns:a16="http://schemas.microsoft.com/office/drawing/2014/main" id="{4BE546FA-A6F2-0647-A29F-A710A5610757}"/>
+                <a16:creationId xmlns:a16="http://schemas.microsoft.com/office/drawing/2014/main" id="{7189D44A-C615-D744-AB1F-46D97EE2E14A}"/>
               </a:ext>
             </a:extLst>
           </p:cNvPr>
@@ -3537,7 +3585,7 @@
           <a:p>
             <a:r>
               <a:rPr lang="en-US" dirty="0"/>
-              <a:t>Proof by contradiction (2)</a:t>
+              <a:t>Proof of negation</a:t>
             </a:r>
           </a:p>
         </p:txBody>
@@ -3547,7 +3595,7 @@
           <p:cNvPr id="3" name="Content Placeholder 2">
             <a:extLst>
               <a:ext uri="{FF2B5EF4-FFF2-40B4-BE49-F238E27FC236}">
-                <a16:creationId xmlns:a16="http://schemas.microsoft.com/office/drawing/2014/main" id="{162BCE55-B5B0-5F41-BD41-3D6631CD35AD}"/>
+                <a16:creationId xmlns:a16="http://schemas.microsoft.com/office/drawing/2014/main" id="{F2F45F1C-C682-5042-B7A0-C01D31889DEA}"/>
               </a:ext>
             </a:extLst>
           </p:cNvPr>
@@ -3558,69 +3606,56 @@
             <p:ph idx="1"/>
           </p:nvPr>
         </p:nvSpPr>
-        <p:spPr/>
+        <p:spPr>
+          <a:xfrm>
+            <a:off x="838200" y="1690688"/>
+            <a:ext cx="10515600" cy="4649152"/>
+          </a:xfrm>
+        </p:spPr>
         <p:txBody>
           <a:bodyPr>
-            <a:normAutofit fontScale="77500" lnSpcReduction="20000"/>
+            <a:normAutofit/>
           </a:bodyPr>
           <a:lstStyle/>
           <a:p>
+            <a:r>
+              <a:rPr lang="en-US" dirty="0"/>
+              <a:t>To derive ¬P:</a:t>
+            </a:r>
+          </a:p>
+          <a:p>
+            <a:pPr lvl="1"/>
+            <a:r>
+              <a:rPr lang="en-US" dirty="0"/>
+              <a:t>show that from an assumption of (a proof of P) some kind of contradiction that cannot occur would follow, and</a:t>
+            </a:r>
+          </a:p>
+          <a:p>
+            <a:pPr lvl="1"/>
+            <a:r>
+              <a:rPr lang="en-US" dirty="0"/>
+              <a:t>thus a proof of false would follow, leading to</a:t>
+            </a:r>
+          </a:p>
+          <a:p>
+            <a:pPr lvl="1"/>
+            <a:r>
+              <a:rPr lang="en-US" dirty="0"/>
+              <a:t>the conclusion that there must be no proof of P, that it isn’t true, and that ¬P therefore is true.</a:t>
+            </a:r>
+          </a:p>
+          <a:p>
+            <a:pPr lvl="1"/>
+            <a:r>
+              <a:rPr lang="en-US" dirty="0"/>
+              <a:t>This is called "proof by negation.”</a:t>
+            </a:r>
+          </a:p>
+          <a:p>
             <a:pPr marL="0" indent="0">
               <a:buNone/>
             </a:pPr>
-            <a:r>
-              <a:rPr lang="en-US" sz="2600" dirty="0">
-                <a:latin typeface="Courier New" panose="02070309020205020404" pitchFamily="49" charset="0"/>
-                <a:cs typeface="Courier New" panose="02070309020205020404" pitchFamily="49" charset="0"/>
-              </a:rPr>
-              <a:t>def </a:t>
-            </a:r>
-            <a:r>
-              <a:rPr lang="en-US" sz="2600" dirty="0" err="1">
-                <a:latin typeface="Courier New" panose="02070309020205020404" pitchFamily="49" charset="0"/>
-                <a:cs typeface="Courier New" panose="02070309020205020404" pitchFamily="49" charset="0"/>
-              </a:rPr>
-              <a:t>qAndNotQimpf</a:t>
-            </a:r>
-            <a:r>
-              <a:rPr lang="en-US" sz="2600" dirty="0">
-                <a:latin typeface="Courier New" panose="02070309020205020404" pitchFamily="49" charset="0"/>
-                <a:cs typeface="Courier New" panose="02070309020205020404" pitchFamily="49" charset="0"/>
-              </a:rPr>
-              <a:t> { Q: Prop } (pf: Q ∧ ¬ Q) : false :=</a:t>
-            </a:r>
-          </a:p>
-          <a:p>
-            <a:pPr marL="0" indent="0">
-              <a:buNone/>
-            </a:pPr>
-            <a:r>
-              <a:rPr lang="en-US" sz="2600" dirty="0">
-                <a:latin typeface="Courier New" panose="02070309020205020404" pitchFamily="49" charset="0"/>
-                <a:cs typeface="Courier New" panose="02070309020205020404" pitchFamily="49" charset="0"/>
-              </a:rPr>
-              <a:t>    pf.2 pf.1</a:t>
-            </a:r>
-          </a:p>
-          <a:p>
-            <a:pPr marL="0" indent="0">
-              <a:buNone/>
-            </a:pPr>
-            <a:r>
-              <a:rPr lang="en-US" sz="2600" dirty="0">
-                <a:latin typeface="Courier New" panose="02070309020205020404" pitchFamily="49" charset="0"/>
-                <a:cs typeface="Courier New" panose="02070309020205020404" pitchFamily="49" charset="0"/>
-              </a:rPr>
-              <a:t>#check </a:t>
-            </a:r>
-            <a:r>
-              <a:rPr lang="en-US" sz="2600" dirty="0" err="1">
-                <a:latin typeface="Courier New" panose="02070309020205020404" pitchFamily="49" charset="0"/>
-                <a:cs typeface="Courier New" panose="02070309020205020404" pitchFamily="49" charset="0"/>
-              </a:rPr>
-              <a:t>qAndNotQimpf</a:t>
-            </a:r>
-            <a:endParaRPr lang="en-US" sz="2600" dirty="0">
+            <a:endParaRPr lang="en-US" sz="2400" dirty="0">
               <a:latin typeface="Courier New" panose="02070309020205020404" pitchFamily="49" charset="0"/>
               <a:cs typeface="Courier New" panose="02070309020205020404" pitchFamily="49" charset="0"/>
             </a:endParaRPr>
@@ -3629,42 +3664,38 @@
             <a:pPr marL="0" indent="0">
               <a:buNone/>
             </a:pPr>
-            <a:br>
-              <a:rPr lang="en-US" sz="2600" dirty="0">
-                <a:solidFill>
-                  <a:srgbClr val="0070C0"/>
-                </a:solidFill>
-                <a:latin typeface="Courier New" panose="02070309020205020404" pitchFamily="49" charset="0"/>
-                <a:cs typeface="Courier New" panose="02070309020205020404" pitchFamily="49" charset="0"/>
-              </a:rPr>
-            </a:br>
-            <a:r>
-              <a:rPr lang="en-US" sz="2600" dirty="0">
-                <a:solidFill>
-                  <a:srgbClr val="0070C0"/>
-                </a:solidFill>
-                <a:latin typeface="Courier New" panose="02070309020205020404" pitchFamily="49" charset="0"/>
-                <a:cs typeface="Courier New" panose="02070309020205020404" pitchFamily="49" charset="0"/>
-              </a:rPr>
-              <a:t>open classical -- requires classical logic!</a:t>
+            <a:r>
+              <a:rPr lang="en-US" sz="2400" dirty="0">
+                <a:latin typeface="Courier New" panose="02070309020205020404" pitchFamily="49" charset="0"/>
+                <a:cs typeface="Courier New" panose="02070309020205020404" pitchFamily="49" charset="0"/>
+              </a:rPr>
+              <a:t>theorem </a:t>
+            </a:r>
+            <a:r>
+              <a:rPr lang="en-US" sz="2400" dirty="0" err="1">
+                <a:latin typeface="Courier New" panose="02070309020205020404" pitchFamily="49" charset="0"/>
+                <a:cs typeface="Courier New" panose="02070309020205020404" pitchFamily="49" charset="0"/>
+              </a:rPr>
+              <a:t>proof_by_negation</a:t>
+            </a:r>
+            <a:r>
+              <a:rPr lang="en-US" sz="2400" dirty="0">
+                <a:latin typeface="Courier New" panose="02070309020205020404" pitchFamily="49" charset="0"/>
+                <a:cs typeface="Courier New" panose="02070309020205020404" pitchFamily="49" charset="0"/>
+              </a:rPr>
+              <a:t> : ∀ P : Prop,</a:t>
             </a:r>
           </a:p>
           <a:p>
             <a:pPr marL="0" indent="0">
               <a:buNone/>
             </a:pPr>
-            <a:br>
-              <a:rPr lang="en-US" sz="2600" dirty="0">
-                <a:latin typeface="Courier New" panose="02070309020205020404" pitchFamily="49" charset="0"/>
-                <a:cs typeface="Courier New" panose="02070309020205020404" pitchFamily="49" charset="0"/>
-              </a:rPr>
-            </a:br>
-            <a:r>
-              <a:rPr lang="en-US" sz="2600" dirty="0">
-                <a:latin typeface="Courier New" panose="02070309020205020404" pitchFamily="49" charset="0"/>
-                <a:cs typeface="Courier New" panose="02070309020205020404" pitchFamily="49" charset="0"/>
-              </a:rPr>
-              <a:t>theorem proof_by_contra_1 { P Q : Prop }</a:t>
+            <a:r>
+              <a:rPr lang="en-US" sz="2400" dirty="0">
+                <a:latin typeface="Courier New" panose="02070309020205020404" pitchFamily="49" charset="0"/>
+                <a:cs typeface="Courier New" panose="02070309020205020404" pitchFamily="49" charset="0"/>
+              </a:rPr>
+              <a:t>    (P → false) → ¬P :=</a:t>
             </a:r>
           </a:p>
           <a:p>
@@ -3672,146 +3703,68 @@
               <a:buNone/>
             </a:pPr>
             <a:r>
-              <a:rPr lang="en-US" sz="2600" dirty="0">
-                <a:latin typeface="Courier New" panose="02070309020205020404" pitchFamily="49" charset="0"/>
-                <a:cs typeface="Courier New" panose="02070309020205020404" pitchFamily="49" charset="0"/>
-              </a:rPr>
-              <a:t>    (</a:t>
-            </a:r>
-            <a:r>
-              <a:rPr lang="en-US" sz="2600" dirty="0" err="1">
-                <a:latin typeface="Courier New" panose="02070309020205020404" pitchFamily="49" charset="0"/>
-                <a:cs typeface="Courier New" panose="02070309020205020404" pitchFamily="49" charset="0"/>
-              </a:rPr>
-              <a:t>pfNotPImpQNotQ</a:t>
-            </a:r>
-            <a:r>
-              <a:rPr lang="en-US" sz="2600" dirty="0">
-                <a:latin typeface="Courier New" panose="02070309020205020404" pitchFamily="49" charset="0"/>
-                <a:cs typeface="Courier New" panose="02070309020205020404" pitchFamily="49" charset="0"/>
-              </a:rPr>
-              <a:t>: ¬ P → (Q ∧ ¬ Q)) : P :=</a:t>
+              <a:rPr lang="en-US" sz="2400" dirty="0">
+                <a:latin typeface="Courier New" panose="02070309020205020404" pitchFamily="49" charset="0"/>
+                <a:cs typeface="Courier New" panose="02070309020205020404" pitchFamily="49" charset="0"/>
+              </a:rPr>
+              <a:t>        </a:t>
+            </a:r>
+            <a:r>
+              <a:rPr lang="el-GR" sz="2400" dirty="0">
+                <a:latin typeface="Courier New" panose="02070309020205020404" pitchFamily="49" charset="0"/>
+                <a:cs typeface="Courier New" panose="02070309020205020404" pitchFamily="49" charset="0"/>
+              </a:rPr>
+              <a:t>λ </a:t>
+            </a:r>
+            <a:r>
+              <a:rPr lang="en-US" sz="2400" dirty="0">
+                <a:latin typeface="Courier New" panose="02070309020205020404" pitchFamily="49" charset="0"/>
+                <a:cs typeface="Courier New" panose="02070309020205020404" pitchFamily="49" charset="0"/>
+              </a:rPr>
+              <a:t>P p, p</a:t>
             </a:r>
           </a:p>
           <a:p>
             <a:pPr marL="0" indent="0">
               <a:buNone/>
             </a:pPr>
-            <a:r>
-              <a:rPr lang="en-US" sz="2600" dirty="0">
-                <a:latin typeface="Courier New" panose="02070309020205020404" pitchFamily="49" charset="0"/>
-                <a:cs typeface="Courier New" panose="02070309020205020404" pitchFamily="49" charset="0"/>
-              </a:rPr>
-              <a:t>        </a:t>
-            </a:r>
-            <a:r>
-              <a:rPr lang="en-US" sz="2600" dirty="0" err="1">
-                <a:latin typeface="Courier New" panose="02070309020205020404" pitchFamily="49" charset="0"/>
-                <a:cs typeface="Courier New" panose="02070309020205020404" pitchFamily="49" charset="0"/>
-              </a:rPr>
-              <a:t>by_contradiction</a:t>
-            </a:r>
-            <a:r>
-              <a:rPr lang="en-US" sz="2600" dirty="0">
-                <a:latin typeface="Courier New" panose="02070309020205020404" pitchFamily="49" charset="0"/>
-                <a:cs typeface="Courier New" panose="02070309020205020404" pitchFamily="49" charset="0"/>
-              </a:rPr>
-              <a:t> (assume h: ¬P, show false,</a:t>
-            </a:r>
-          </a:p>
-          <a:p>
-            <a:pPr marL="0" indent="0">
-              <a:buNone/>
-            </a:pPr>
-            <a:r>
-              <a:rPr lang="en-US" sz="2600" dirty="0">
-                <a:latin typeface="Courier New" panose="02070309020205020404" pitchFamily="49" charset="0"/>
-                <a:cs typeface="Courier New" panose="02070309020205020404" pitchFamily="49" charset="0"/>
-              </a:rPr>
-              <a:t>            from (</a:t>
-            </a:r>
-            <a:r>
-              <a:rPr lang="en-US" sz="2600" dirty="0" err="1">
-                <a:latin typeface="Courier New" panose="02070309020205020404" pitchFamily="49" charset="0"/>
-                <a:cs typeface="Courier New" panose="02070309020205020404" pitchFamily="49" charset="0"/>
-              </a:rPr>
-              <a:t>qAndNotQimpf</a:t>
-            </a:r>
-            <a:r>
-              <a:rPr lang="en-US" sz="2600" dirty="0">
-                <a:latin typeface="Courier New" panose="02070309020205020404" pitchFamily="49" charset="0"/>
-                <a:cs typeface="Courier New" panose="02070309020205020404" pitchFamily="49" charset="0"/>
-              </a:rPr>
-              <a:t> (</a:t>
-            </a:r>
-            <a:r>
-              <a:rPr lang="en-US" sz="2600" dirty="0" err="1">
-                <a:latin typeface="Courier New" panose="02070309020205020404" pitchFamily="49" charset="0"/>
-                <a:cs typeface="Courier New" panose="02070309020205020404" pitchFamily="49" charset="0"/>
-              </a:rPr>
-              <a:t>pfNotPImpQNotQ</a:t>
-            </a:r>
-            <a:r>
-              <a:rPr lang="en-US" sz="2600" dirty="0">
-                <a:latin typeface="Courier New" panose="02070309020205020404" pitchFamily="49" charset="0"/>
-                <a:cs typeface="Courier New" panose="02070309020205020404" pitchFamily="49" charset="0"/>
-              </a:rPr>
-              <a:t> h)))</a:t>
-            </a:r>
-          </a:p>
-          <a:p>
-            <a:pPr marL="0" indent="0">
-              <a:buNone/>
-            </a:pPr>
-            <a:br>
-              <a:rPr lang="en-US" sz="2600" dirty="0">
-                <a:latin typeface="Courier New" panose="02070309020205020404" pitchFamily="49" charset="0"/>
-                <a:cs typeface="Courier New" panose="02070309020205020404" pitchFamily="49" charset="0"/>
-              </a:rPr>
-            </a:br>
-            <a:r>
-              <a:rPr lang="en-US" sz="2600" dirty="0">
-                <a:latin typeface="Courier New" panose="02070309020205020404" pitchFamily="49" charset="0"/>
-                <a:cs typeface="Courier New" panose="02070309020205020404" pitchFamily="49" charset="0"/>
-              </a:rPr>
-              <a:t>#check proof_by_contra_1</a:t>
-            </a:r>
-          </a:p>
-          <a:p>
-            <a:r>
-              <a:rPr lang="en-US" dirty="0"/>
-              <a:t>Note that in order to use proof by contradiction </a:t>
-            </a:r>
-            <a:r>
-              <a:rPr lang="en-US"/>
-              <a:t>we have </a:t>
-            </a:r>
-            <a:r>
-              <a:rPr lang="en-US" dirty="0"/>
-              <a:t>to abandon purely constructive logic and employ classical logic.</a:t>
-            </a:r>
-          </a:p>
-          <a:p>
-            <a:pPr marL="0" indent="0">
-              <a:buNone/>
-            </a:pPr>
-            <a:endParaRPr lang="en-US" sz="2600" dirty="0">
-              <a:latin typeface="Courier New" panose="02070309020205020404" pitchFamily="49" charset="0"/>
-              <a:cs typeface="Courier New" panose="02070309020205020404" pitchFamily="49" charset="0"/>
-            </a:endParaRPr>
-          </a:p>
-          <a:p>
-            <a:pPr marL="0" indent="0">
-              <a:buNone/>
-            </a:pPr>
             <a:endParaRPr lang="en-US" dirty="0"/>
+          </a:p>
+        </p:txBody>
+      </p:sp>
+      <p:sp>
+        <p:nvSpPr>
+          <p:cNvPr id="4" name="Slide Number Placeholder 3">
+            <a:extLst>
+              <a:ext uri="{FF2B5EF4-FFF2-40B4-BE49-F238E27FC236}">
+                <a16:creationId xmlns:a16="http://schemas.microsoft.com/office/drawing/2014/main" id="{AB1B18EF-C397-3246-8AD2-1AF8B209D7BA}"/>
+              </a:ext>
+            </a:extLst>
+          </p:cNvPr>
+          <p:cNvSpPr>
+            <a:spLocks noGrp="1"/>
+          </p:cNvSpPr>
+          <p:nvPr>
+            <p:ph type="sldNum" sz="quarter" idx="12"/>
+          </p:nvPr>
+        </p:nvSpPr>
+        <p:spPr/>
+        <p:txBody>
+          <a:bodyPr/>
+          <a:lstStyle/>
+          <a:p>
+            <a:fld id="{3352CBF5-17B8-4387-88A6-ABF9F8C64D5A}" type="slidenum">
+              <a:rPr lang="en-US" smtClean="0"/>
+              <a:t>10</a:t>
+            </a:fld>
+            <a:endParaRPr lang="en-US"/>
           </a:p>
         </p:txBody>
       </p:sp>
     </p:spTree>
     <p:extLst>
       <p:ext uri="{BB962C8B-B14F-4D97-AF65-F5344CB8AC3E}">
-        <p14:creationId xmlns:p14="http://schemas.microsoft.com/office/powerpoint/2010/main" val="2466400679"/>
+        <p14:creationId xmlns:p14="http://schemas.microsoft.com/office/powerpoint/2010/main" val="2824256589"/>
       </p:ext>
     </p:extLst>
   </p:cSld>
@@ -3824,14 +3777,6 @@
 <file path=ppt/slides/slide11.xml><?xml version="1.0" encoding="utf-8"?>
 <p:sld xmlns:a="http://schemas.openxmlformats.org/drawingml/2006/main" xmlns:r="http://schemas.openxmlformats.org/officeDocument/2006/relationships" xmlns:p="http://schemas.openxmlformats.org/presentationml/2006/main">
   <p:cSld>
-    <p:bg>
-      <p:bgPr>
-        <a:solidFill>
-          <a:schemeClr val="bg1"/>
-        </a:solidFill>
-        <a:effectLst/>
-      </p:bgPr>
-    </p:bg>
     <p:spTree>
       <p:nvGrpSpPr>
         <p:cNvPr id="1" name=""/>
@@ -3846,239 +3791,3270 @@
           <a:chExt cx="0" cy="0"/>
         </a:xfrm>
       </p:grpSpPr>
-      <p:sp useBgFill="1">
-        <p:nvSpPr>
-          <p:cNvPr id="9" name="Rectangle 8">
+      <p:sp>
+        <p:nvSpPr>
+          <p:cNvPr id="2" name="Title 1">
             <a:extLst>
               <a:ext uri="{FF2B5EF4-FFF2-40B4-BE49-F238E27FC236}">
-                <a16:creationId xmlns:a16="http://schemas.microsoft.com/office/drawing/2014/main" id="{3B854194-185D-494D-905C-7C7CB2E30F6E}"/>
-              </a:ext>
-              <a:ext uri="{C183D7F6-B498-43B3-948B-1728B52AA6E4}">
-                <adec:decorative xmlns:adec="http://schemas.microsoft.com/office/drawing/2017/decorative" val="1"/>
+                <a16:creationId xmlns:a16="http://schemas.microsoft.com/office/drawing/2014/main" id="{C8E8627E-7E6B-9A4E-A384-B1924267DA16}"/>
               </a:ext>
             </a:extLst>
           </p:cNvPr>
           <p:cNvSpPr>
-            <a:spLocks noGrp="1" noRot="1" noChangeAspect="1" noMove="1" noResize="1" noEditPoints="1" noAdjustHandles="1" noChangeArrowheads="1" noChangeShapeType="1" noTextEdit="1"/>
-          </p:cNvSpPr>
-          <p:nvPr>
-            <p:extLst>
-              <p:ext uri="{386F3935-93C4-4BCD-93E2-E3B085C9AB24}">
-                <p16:designElem xmlns:p16="http://schemas.microsoft.com/office/powerpoint/2015/main" val="1"/>
-              </p:ext>
-            </p:extLst>
-          </p:nvPr>
-        </p:nvSpPr>
-        <p:spPr>
-          <a:xfrm>
-            <a:off x="1" y="0"/>
-            <a:ext cx="6082110" cy="6858000"/>
-          </a:xfrm>
-          <a:prstGeom prst="rect">
-            <a:avLst/>
-          </a:prstGeom>
-          <a:ln>
-            <a:noFill/>
-          </a:ln>
-        </p:spPr>
-        <p:style>
-          <a:lnRef idx="2">
-            <a:schemeClr val="accent1">
-              <a:shade val="50000"/>
-            </a:schemeClr>
-          </a:lnRef>
-          <a:fillRef idx="1">
-            <a:schemeClr val="accent1"/>
-          </a:fillRef>
-          <a:effectRef idx="0">
-            <a:schemeClr val="accent1"/>
-          </a:effectRef>
-          <a:fontRef idx="minor">
-            <a:schemeClr val="lt1"/>
-          </a:fontRef>
-        </p:style>
-        <p:txBody>
-          <a:bodyPr rtlCol="0" anchor="ctr"/>
+            <a:spLocks noGrp="1"/>
+          </p:cNvSpPr>
+          <p:nvPr>
+            <p:ph type="title"/>
+          </p:nvPr>
+        </p:nvSpPr>
+        <p:spPr/>
+        <p:txBody>
+          <a:bodyPr/>
           <a:lstStyle/>
           <a:p>
-            <a:pPr algn="ctr"/>
-            <a:endParaRPr lang="en-US"/>
-          </a:p>
-        </p:txBody>
-      </p:sp>
-      <p:sp>
-        <p:nvSpPr>
-          <p:cNvPr id="11" name="Rectangle 10">
+            <a:r>
+              <a:rPr lang="en-US" dirty="0"/>
+              <a:t>Another proof that 0 ≠ 1</a:t>
+            </a:r>
+          </a:p>
+        </p:txBody>
+      </p:sp>
+      <p:sp>
+        <p:nvSpPr>
+          <p:cNvPr id="3" name="Content Placeholder 2">
             <a:extLst>
               <a:ext uri="{FF2B5EF4-FFF2-40B4-BE49-F238E27FC236}">
-                <a16:creationId xmlns:a16="http://schemas.microsoft.com/office/drawing/2014/main" id="{B4F5FA0D-0104-4987-8241-EFF7C85B88DE}"/>
-              </a:ext>
-              <a:ext uri="{C183D7F6-B498-43B3-948B-1728B52AA6E4}">
-                <adec:decorative xmlns:adec="http://schemas.microsoft.com/office/drawing/2017/decorative" val="1"/>
+                <a16:creationId xmlns:a16="http://schemas.microsoft.com/office/drawing/2014/main" id="{FC71C1F2-6051-7C43-8E01-3C6D82A156D6}"/>
               </a:ext>
             </a:extLst>
           </p:cNvPr>
           <p:cNvSpPr>
-            <a:spLocks noGrp="1" noRot="1" noChangeAspect="1" noMove="1" noResize="1" noEditPoints="1" noAdjustHandles="1" noChangeArrowheads="1" noChangeShapeType="1" noTextEdit="1"/>
-          </p:cNvSpPr>
-          <p:nvPr>
-            <p:extLst>
-              <p:ext uri="{386F3935-93C4-4BCD-93E2-E3B085C9AB24}">
-                <p16:designElem xmlns:p16="http://schemas.microsoft.com/office/powerpoint/2015/main" val="1"/>
-              </p:ext>
-            </p:extLst>
-          </p:nvPr>
-        </p:nvSpPr>
-        <p:spPr>
-          <a:xfrm>
-            <a:off x="1" y="0"/>
-            <a:ext cx="12191998" cy="6858000"/>
-          </a:xfrm>
-          <a:prstGeom prst="rect">
-            <a:avLst/>
-          </a:prstGeom>
-          <a:gradFill>
-            <a:gsLst>
-              <a:gs pos="0">
-                <a:schemeClr val="accent1">
-                  <a:lumMod val="90000"/>
-                </a:schemeClr>
-              </a:gs>
-              <a:gs pos="25000">
-                <a:schemeClr val="accent1">
-                  <a:lumMod val="90000"/>
-                </a:schemeClr>
-              </a:gs>
-              <a:gs pos="94000">
-                <a:schemeClr val="bg2">
-                  <a:lumMod val="25000"/>
-                </a:schemeClr>
-              </a:gs>
-              <a:gs pos="100000">
-                <a:schemeClr val="bg2">
-                  <a:lumMod val="25000"/>
-                </a:schemeClr>
-              </a:gs>
-            </a:gsLst>
-            <a:lin ang="4200000" scaled="0"/>
-          </a:gradFill>
-          <a:ln>
-            <a:noFill/>
-          </a:ln>
-        </p:spPr>
-        <p:style>
-          <a:lnRef idx="2">
-            <a:schemeClr val="accent1">
-              <a:shade val="50000"/>
-            </a:schemeClr>
-          </a:lnRef>
-          <a:fillRef idx="1">
-            <a:schemeClr val="accent1"/>
-          </a:fillRef>
-          <a:effectRef idx="0">
-            <a:schemeClr val="accent1"/>
-          </a:effectRef>
-          <a:fontRef idx="minor">
-            <a:schemeClr val="lt1"/>
-          </a:fontRef>
-        </p:style>
-        <p:txBody>
-          <a:bodyPr rtlCol="0" anchor="ctr"/>
+            <a:spLocks noGrp="1"/>
+          </p:cNvSpPr>
+          <p:nvPr>
+            <p:ph idx="1"/>
+          </p:nvPr>
+        </p:nvSpPr>
+        <p:spPr/>
+        <p:txBody>
+          <a:bodyPr>
+            <a:normAutofit fontScale="85000" lnSpcReduction="20000"/>
+          </a:bodyPr>
           <a:lstStyle/>
           <a:p>
-            <a:pPr algn="ctr"/>
-            <a:endParaRPr lang="en-US"/>
-          </a:p>
-        </p:txBody>
-      </p:sp>
-      <p:pic>
-        <p:nvPicPr>
-          <p:cNvPr id="13" name="Picture 12">
+            <a:pPr marL="0" indent="0">
+              <a:buNone/>
+            </a:pPr>
+            <a:r>
+              <a:rPr lang="en-US" sz="2400" dirty="0">
+                <a:latin typeface="Courier New" panose="02070309020205020404" pitchFamily="49" charset="0"/>
+                <a:cs typeface="Courier New" panose="02070309020205020404" pitchFamily="49" charset="0"/>
+              </a:rPr>
+              <a:t>lemma </a:t>
+            </a:r>
+            <a:r>
+              <a:rPr lang="en-US" sz="2400" dirty="0" err="1">
+                <a:latin typeface="Courier New" panose="02070309020205020404" pitchFamily="49" charset="0"/>
+                <a:cs typeface="Courier New" panose="02070309020205020404" pitchFamily="49" charset="0"/>
+              </a:rPr>
+              <a:t>zneqo</a:t>
+            </a:r>
+            <a:r>
+              <a:rPr lang="en-US" sz="2400" dirty="0">
+                <a:latin typeface="Courier New" panose="02070309020205020404" pitchFamily="49" charset="0"/>
+                <a:cs typeface="Courier New" panose="02070309020205020404" pitchFamily="49" charset="0"/>
+              </a:rPr>
+              <a:t>''': ¬ (0 = 1) :=</a:t>
+            </a:r>
+          </a:p>
+          <a:p>
+            <a:pPr marL="0" indent="0">
+              <a:buNone/>
+            </a:pPr>
+            <a:r>
+              <a:rPr lang="en-US" sz="2400" dirty="0">
+                <a:latin typeface="Courier New" panose="02070309020205020404" pitchFamily="49" charset="0"/>
+                <a:cs typeface="Courier New" panose="02070309020205020404" pitchFamily="49" charset="0"/>
+              </a:rPr>
+              <a:t>begin</a:t>
+            </a:r>
+          </a:p>
+          <a:p>
+            <a:pPr marL="0" indent="0">
+              <a:buNone/>
+            </a:pPr>
+            <a:r>
+              <a:rPr lang="en-US" sz="2400" dirty="0">
+                <a:latin typeface="Courier New" panose="02070309020205020404" pitchFamily="49" charset="0"/>
+                <a:cs typeface="Courier New" panose="02070309020205020404" pitchFamily="49" charset="0"/>
+              </a:rPr>
+              <a:t>    apply </a:t>
+            </a:r>
+            <a:r>
+              <a:rPr lang="en-US" sz="2400" dirty="0" err="1">
+                <a:latin typeface="Courier New" panose="02070309020205020404" pitchFamily="49" charset="0"/>
+                <a:cs typeface="Courier New" panose="02070309020205020404" pitchFamily="49" charset="0"/>
+              </a:rPr>
+              <a:t>proof_by_negation</a:t>
+            </a:r>
+            <a:r>
+              <a:rPr lang="en-US" sz="2400" dirty="0">
+                <a:latin typeface="Courier New" panose="02070309020205020404" pitchFamily="49" charset="0"/>
+                <a:cs typeface="Courier New" panose="02070309020205020404" pitchFamily="49" charset="0"/>
+              </a:rPr>
+              <a:t>,</a:t>
+            </a:r>
+          </a:p>
+          <a:p>
+            <a:pPr marL="0" indent="0">
+              <a:buNone/>
+            </a:pPr>
+            <a:r>
+              <a:rPr lang="en-US" sz="2400" dirty="0">
+                <a:latin typeface="Courier New" panose="02070309020205020404" pitchFamily="49" charset="0"/>
+                <a:cs typeface="Courier New" panose="02070309020205020404" pitchFamily="49" charset="0"/>
+              </a:rPr>
+              <a:t>    assume h: (0 = 1),</a:t>
+            </a:r>
+          </a:p>
+          <a:p>
+            <a:pPr marL="0" indent="0">
+              <a:buNone/>
+            </a:pPr>
+            <a:r>
+              <a:rPr lang="en-US" sz="2400" dirty="0">
+                <a:latin typeface="Courier New" panose="02070309020205020404" pitchFamily="49" charset="0"/>
+                <a:cs typeface="Courier New" panose="02070309020205020404" pitchFamily="49" charset="0"/>
+              </a:rPr>
+              <a:t>    show false,</a:t>
+            </a:r>
+          </a:p>
+          <a:p>
+            <a:pPr marL="0" indent="0">
+              <a:buNone/>
+            </a:pPr>
+            <a:r>
+              <a:rPr lang="en-US" sz="2400" dirty="0">
+                <a:latin typeface="Courier New" panose="02070309020205020404" pitchFamily="49" charset="0"/>
+                <a:cs typeface="Courier New" panose="02070309020205020404" pitchFamily="49" charset="0"/>
+              </a:rPr>
+              <a:t>    from (</a:t>
+            </a:r>
+            <a:r>
+              <a:rPr lang="en-US" sz="2400" dirty="0" err="1">
+                <a:latin typeface="Courier New" panose="02070309020205020404" pitchFamily="49" charset="0"/>
+                <a:cs typeface="Courier New" panose="02070309020205020404" pitchFamily="49" charset="0"/>
+              </a:rPr>
+              <a:t>nat.no_confusion</a:t>
+            </a:r>
+            <a:r>
+              <a:rPr lang="en-US" sz="2400" dirty="0">
+                <a:latin typeface="Courier New" panose="02070309020205020404" pitchFamily="49" charset="0"/>
+                <a:cs typeface="Courier New" panose="02070309020205020404" pitchFamily="49" charset="0"/>
+              </a:rPr>
+              <a:t> h)</a:t>
+            </a:r>
+          </a:p>
+          <a:p>
+            <a:pPr marL="0" indent="0">
+              <a:buNone/>
+            </a:pPr>
+            <a:r>
+              <a:rPr lang="en-US" sz="2400" dirty="0">
+                <a:latin typeface="Courier New" panose="02070309020205020404" pitchFamily="49" charset="0"/>
+                <a:cs typeface="Courier New" panose="02070309020205020404" pitchFamily="49" charset="0"/>
+              </a:rPr>
+              <a:t>end</a:t>
+            </a:r>
+          </a:p>
+          <a:p>
+            <a:pPr marL="0" indent="0">
+              <a:buNone/>
+            </a:pPr>
+            <a:endParaRPr lang="en-US" dirty="0"/>
+          </a:p>
+          <a:p>
+            <a:pPr marL="0" indent="0">
+              <a:buNone/>
+            </a:pPr>
+            <a:r>
+              <a:rPr lang="en-US" dirty="0"/>
+              <a:t>Compare to:</a:t>
+            </a:r>
+          </a:p>
+          <a:p>
+            <a:pPr marL="0" indent="0">
+              <a:buNone/>
+            </a:pPr>
+            <a:r>
+              <a:rPr lang="en-US" sz="2600" dirty="0">
+                <a:latin typeface="Courier New" panose="02070309020205020404" pitchFamily="49" charset="0"/>
+                <a:cs typeface="Courier New" panose="02070309020205020404" pitchFamily="49" charset="0"/>
+              </a:rPr>
+              <a:t>theorem </a:t>
+            </a:r>
+            <a:r>
+              <a:rPr lang="en-US" sz="2600" dirty="0" err="1">
+                <a:latin typeface="Courier New" panose="02070309020205020404" pitchFamily="49" charset="0"/>
+                <a:cs typeface="Courier New" panose="02070309020205020404" pitchFamily="49" charset="0"/>
+              </a:rPr>
+              <a:t>proof_by_negation</a:t>
+            </a:r>
+            <a:r>
+              <a:rPr lang="en-US" sz="2600" dirty="0">
+                <a:latin typeface="Courier New" panose="02070309020205020404" pitchFamily="49" charset="0"/>
+                <a:cs typeface="Courier New" panose="02070309020205020404" pitchFamily="49" charset="0"/>
+              </a:rPr>
+              <a:t> : ∀ P : Prop,</a:t>
+            </a:r>
+          </a:p>
+          <a:p>
+            <a:pPr marL="0" indent="0">
+              <a:buNone/>
+            </a:pPr>
+            <a:r>
+              <a:rPr lang="en-US" sz="2600" dirty="0">
+                <a:latin typeface="Courier New" panose="02070309020205020404" pitchFamily="49" charset="0"/>
+                <a:cs typeface="Courier New" panose="02070309020205020404" pitchFamily="49" charset="0"/>
+              </a:rPr>
+              <a:t>    (P → false) → ¬P :=</a:t>
+            </a:r>
+          </a:p>
+          <a:p>
+            <a:pPr marL="0" indent="0">
+              <a:buNone/>
+            </a:pPr>
+            <a:r>
+              <a:rPr lang="en-US" sz="2600" dirty="0">
+                <a:latin typeface="Courier New" panose="02070309020205020404" pitchFamily="49" charset="0"/>
+                <a:cs typeface="Courier New" panose="02070309020205020404" pitchFamily="49" charset="0"/>
+              </a:rPr>
+              <a:t>        </a:t>
+            </a:r>
+            <a:r>
+              <a:rPr lang="el-GR" sz="2600" dirty="0">
+                <a:latin typeface="Courier New" panose="02070309020205020404" pitchFamily="49" charset="0"/>
+                <a:cs typeface="Courier New" panose="02070309020205020404" pitchFamily="49" charset="0"/>
+              </a:rPr>
+              <a:t>λ </a:t>
+            </a:r>
+            <a:r>
+              <a:rPr lang="en-US" sz="2600" dirty="0">
+                <a:latin typeface="Courier New" panose="02070309020205020404" pitchFamily="49" charset="0"/>
+                <a:cs typeface="Courier New" panose="02070309020205020404" pitchFamily="49" charset="0"/>
+              </a:rPr>
+              <a:t>P p, p</a:t>
+            </a:r>
+          </a:p>
+        </p:txBody>
+      </p:sp>
+      <p:sp>
+        <p:nvSpPr>
+          <p:cNvPr id="4" name="Slide Number Placeholder 3">
             <a:extLst>
               <a:ext uri="{FF2B5EF4-FFF2-40B4-BE49-F238E27FC236}">
-                <a16:creationId xmlns:a16="http://schemas.microsoft.com/office/drawing/2014/main" id="{2897127E-6CEF-446C-BE87-93B7C46E49D1}"/>
-              </a:ext>
-              <a:ext uri="{C183D7F6-B498-43B3-948B-1728B52AA6E4}">
-                <adec:decorative xmlns:adec="http://schemas.microsoft.com/office/drawing/2017/decorative" val="1"/>
+                <a16:creationId xmlns:a16="http://schemas.microsoft.com/office/drawing/2014/main" id="{B709B9DF-6763-044C-96CD-B032AEB70AFE}"/>
               </a:ext>
             </a:extLst>
           </p:cNvPr>
-          <p:cNvPicPr>
-            <a:picLocks noGrp="1" noRot="1" noChangeAspect="1" noMove="1" noResize="1" noEditPoints="1" noAdjustHandles="1" noChangeArrowheads="1" noChangeShapeType="1" noCrop="1"/>
-          </p:cNvPicPr>
-          <p:nvPr>
-            <p:extLst>
-              <p:ext uri="{386F3935-93C4-4BCD-93E2-E3B085C9AB24}">
-                <p16:designElem xmlns:p16="http://schemas.microsoft.com/office/powerpoint/2015/main" val="1"/>
-              </p:ext>
-            </p:extLst>
-          </p:nvPr>
-        </p:nvPicPr>
-        <p:blipFill>
-          <a:blip r:embed="rId2">
-            <a:extLst>
-              <a:ext uri="{28A0092B-C50C-407E-A947-70E740481C1C}">
-                <a14:useLocalDpi xmlns:a14="http://schemas.microsoft.com/office/drawing/2010/main" val="0"/>
-              </a:ext>
-            </a:extLst>
-          </a:blip>
-          <a:stretch>
-            <a:fillRect/>
-          </a:stretch>
-        </p:blipFill>
-        <p:spPr>
-          <a:xfrm>
-            <a:off x="0" y="0"/>
-            <a:ext cx="12192000" cy="6858000"/>
-          </a:xfrm>
-          <a:prstGeom prst="rect">
-            <a:avLst/>
-          </a:prstGeom>
-        </p:spPr>
-      </p:pic>
-      <p:sp>
-        <p:nvSpPr>
-          <p:cNvPr id="2" name="Title 1"/>
-          <p:cNvSpPr>
-            <a:spLocks noGrp="1"/>
-          </p:cNvSpPr>
-          <p:nvPr>
-            <p:ph type="title"/>
-          </p:nvPr>
-        </p:nvSpPr>
-        <p:spPr>
-          <a:xfrm>
-            <a:off x="640079" y="2053641"/>
-            <a:ext cx="3669161" cy="2760098"/>
-          </a:xfrm>
-        </p:spPr>
-        <p:txBody>
-          <a:bodyPr>
-            <a:normAutofit/>
-          </a:bodyPr>
+          <p:cNvSpPr>
+            <a:spLocks noGrp="1"/>
+          </p:cNvSpPr>
+          <p:nvPr>
+            <p:ph type="sldNum" sz="quarter" idx="12"/>
+          </p:nvPr>
+        </p:nvSpPr>
+        <p:spPr/>
+        <p:txBody>
+          <a:bodyPr/>
           <a:lstStyle/>
           <a:p>
-            <a:r>
-              <a:rPr lang="en-US" dirty="0">
-                <a:solidFill>
-                  <a:srgbClr val="FFFFFF"/>
-                </a:solidFill>
-              </a:rPr>
-              <a:t>Fin</a:t>
-            </a:r>
+            <a:fld id="{3352CBF5-17B8-4387-88A6-ABF9F8C64D5A}" type="slidenum">
+              <a:rPr lang="en-US" smtClean="0"/>
+              <a:t>11</a:t>
+            </a:fld>
+            <a:endParaRPr lang="en-US"/>
           </a:p>
         </p:txBody>
       </p:sp>
     </p:spTree>
     <p:extLst>
       <p:ext uri="{BB962C8B-B14F-4D97-AF65-F5344CB8AC3E}">
-        <p14:creationId xmlns:p14="http://schemas.microsoft.com/office/powerpoint/2010/main" val="628979899"/>
+        <p14:creationId xmlns:p14="http://schemas.microsoft.com/office/powerpoint/2010/main" val="2490143896"/>
       </p:ext>
     </p:extLst>
   </p:cSld>
   <p:clrMapOvr>
     <a:masterClrMapping/>
   </p:clrMapOvr>
+</p:sld>
+</file>
+
+<file path=ppt/slides/slide12.xml><?xml version="1.0" encoding="utf-8"?>
+<p:sld xmlns:a="http://schemas.openxmlformats.org/drawingml/2006/main" xmlns:r="http://schemas.openxmlformats.org/officeDocument/2006/relationships" xmlns:p="http://schemas.openxmlformats.org/presentationml/2006/main">
+  <p:cSld>
+    <p:spTree>
+      <p:nvGrpSpPr>
+        <p:cNvPr id="1" name=""/>
+        <p:cNvGrpSpPr/>
+        <p:nvPr/>
+      </p:nvGrpSpPr>
+      <p:grpSpPr>
+        <a:xfrm>
+          <a:off x="0" y="0"/>
+          <a:ext cx="0" cy="0"/>
+          <a:chOff x="0" y="0"/>
+          <a:chExt cx="0" cy="0"/>
+        </a:xfrm>
+      </p:grpSpPr>
+      <p:sp>
+        <p:nvSpPr>
+          <p:cNvPr id="2" name="Title 1">
+            <a:extLst>
+              <a:ext uri="{FF2B5EF4-FFF2-40B4-BE49-F238E27FC236}">
+                <a16:creationId xmlns:a16="http://schemas.microsoft.com/office/drawing/2014/main" id="{D514D39C-6EDC-A84B-8029-DA26275BEDDB}"/>
+              </a:ext>
+            </a:extLst>
+          </p:cNvPr>
+          <p:cNvSpPr>
+            <a:spLocks noGrp="1"/>
+          </p:cNvSpPr>
+          <p:nvPr>
+            <p:ph type="title"/>
+          </p:nvPr>
+        </p:nvSpPr>
+        <p:spPr/>
+        <p:txBody>
+          <a:bodyPr/>
+          <a:lstStyle/>
+          <a:p>
+            <a:r>
+              <a:rPr lang="en-US" dirty="0"/>
+              <a:t>Modus Tollens (update!)</a:t>
+            </a:r>
+          </a:p>
+        </p:txBody>
+      </p:sp>
+      <mc:AlternateContent xmlns:mc="http://schemas.openxmlformats.org/markup-compatibility/2006">
+        <mc:Choice xmlns:a14="http://schemas.microsoft.com/office/drawing/2010/main" Requires="a14">
+          <p:sp>
+            <p:nvSpPr>
+              <p:cNvPr id="3" name="Content Placeholder 2">
+                <a:extLst>
+                  <a:ext uri="{FF2B5EF4-FFF2-40B4-BE49-F238E27FC236}">
+                    <a16:creationId xmlns:a16="http://schemas.microsoft.com/office/drawing/2014/main" id="{659447E1-6E81-1D43-AB21-323A5E8372F4}"/>
+                  </a:ext>
+                </a:extLst>
+              </p:cNvPr>
+              <p:cNvSpPr>
+                <a:spLocks noGrp="1"/>
+              </p:cNvSpPr>
+              <p:nvPr>
+                <p:ph idx="1"/>
+              </p:nvPr>
+            </p:nvSpPr>
+            <p:spPr/>
+            <p:txBody>
+              <a:bodyPr>
+                <a:normAutofit fontScale="92500" lnSpcReduction="10000"/>
+              </a:bodyPr>
+              <a:lstStyle/>
+              <a:p>
+                <a:r>
+                  <a:rPr lang="en-US" dirty="0"/>
+                  <a:t>If we know </a:t>
+                </a:r>
+                <a14:m>
+                  <m:oMath xmlns:m="http://schemas.openxmlformats.org/officeDocument/2006/math">
+                    <m:r>
+                      <a:rPr lang="en-US" i="1">
+                        <a:latin typeface="Cambria Math" panose="02040503050406030204" pitchFamily="18" charset="0"/>
+                      </a:rPr>
+                      <m:t>𝑃</m:t>
+                    </m:r>
+                    <m:r>
+                      <a:rPr lang="en-US" i="1">
+                        <a:latin typeface="Cambria Math" panose="02040503050406030204" pitchFamily="18" charset="0"/>
+                      </a:rPr>
+                      <m:t>→</m:t>
+                    </m:r>
+                    <m:r>
+                      <a:rPr lang="en-US" i="1">
+                        <a:latin typeface="Cambria Math" panose="02040503050406030204" pitchFamily="18" charset="0"/>
+                      </a:rPr>
+                      <m:t>𝑄</m:t>
+                    </m:r>
+                  </m:oMath>
+                </a14:m>
+                <a:r>
+                  <a:rPr lang="en-US" dirty="0"/>
+                  <a:t> is true and we know </a:t>
+                </a:r>
+                <a14:m>
+                  <m:oMath xmlns:m="http://schemas.openxmlformats.org/officeDocument/2006/math">
+                    <m:r>
+                      <a:rPr lang="en-US" b="0" i="1" smtClean="0">
+                        <a:latin typeface="Cambria Math" panose="02040503050406030204" pitchFamily="18" charset="0"/>
+                      </a:rPr>
+                      <m:t>𝑄</m:t>
+                    </m:r>
+                  </m:oMath>
+                </a14:m>
+                <a:r>
+                  <a:rPr lang="en-US" dirty="0"/>
+                  <a:t> is </a:t>
+                </a:r>
+                <a:r>
+                  <a:rPr lang="en-US" i="1" dirty="0"/>
+                  <a:t>not</a:t>
+                </a:r>
+                <a:r>
+                  <a:rPr lang="en-US" dirty="0"/>
+                  <a:t> true, then we know </a:t>
+                </a:r>
+                <a14:m>
+                  <m:oMath xmlns:m="http://schemas.openxmlformats.org/officeDocument/2006/math">
+                    <m:r>
+                      <a:rPr lang="en-US" b="0" i="1" smtClean="0">
+                        <a:latin typeface="Cambria Math" panose="02040503050406030204" pitchFamily="18" charset="0"/>
+                      </a:rPr>
+                      <m:t>𝑃</m:t>
+                    </m:r>
+                  </m:oMath>
+                </a14:m>
+                <a:r>
+                  <a:rPr lang="en-US" dirty="0"/>
+                  <a:t> cannot be true</a:t>
+                </a:r>
+              </a:p>
+              <a:p>
+                <a:pPr marL="457200" lvl="1" indent="0">
+                  <a:buNone/>
+                </a:pPr>
+                <a:r>
+                  <a:rPr lang="en-US" sz="2000" dirty="0">
+                    <a:latin typeface="Courier New" panose="02070309020205020404" pitchFamily="49" charset="0"/>
+                    <a:cs typeface="Courier New" panose="02070309020205020404" pitchFamily="49" charset="0"/>
+                  </a:rPr>
+                  <a:t>{ P Q : Prop }, </a:t>
+                </a:r>
+                <a:r>
+                  <a:rPr lang="en-US" sz="2000" dirty="0" err="1">
+                    <a:latin typeface="Courier New" panose="02070309020205020404" pitchFamily="49" charset="0"/>
+                    <a:cs typeface="Courier New" panose="02070309020205020404" pitchFamily="49" charset="0"/>
+                  </a:rPr>
+                  <a:t>pfPtoQ</a:t>
+                </a:r>
+                <a:r>
+                  <a:rPr lang="en-US" sz="2000" dirty="0">
+                    <a:latin typeface="Courier New" panose="02070309020205020404" pitchFamily="49" charset="0"/>
+                    <a:cs typeface="Courier New" panose="02070309020205020404" pitchFamily="49" charset="0"/>
+                  </a:rPr>
+                  <a:t> : P → Q, </a:t>
+                </a:r>
+                <a:r>
+                  <a:rPr lang="en-US" sz="2000" dirty="0" err="1">
+                    <a:latin typeface="Courier New" panose="02070309020205020404" pitchFamily="49" charset="0"/>
+                    <a:cs typeface="Courier New" panose="02070309020205020404" pitchFamily="49" charset="0"/>
+                  </a:rPr>
+                  <a:t>pfnQ</a:t>
+                </a:r>
+                <a:r>
+                  <a:rPr lang="en-US" sz="2000" dirty="0">
+                    <a:latin typeface="Courier New" panose="02070309020205020404" pitchFamily="49" charset="0"/>
+                    <a:cs typeface="Courier New" panose="02070309020205020404" pitchFamily="49" charset="0"/>
+                  </a:rPr>
+                  <a:t> : ¬Q</a:t>
+                </a:r>
+              </a:p>
+              <a:p>
+                <a:pPr marL="457200" lvl="1" indent="0">
+                  <a:buNone/>
+                </a:pPr>
+                <a:r>
+                  <a:rPr lang="en-US" sz="2000" dirty="0">
+                    <a:latin typeface="Courier New" panose="02070309020205020404" pitchFamily="49" charset="0"/>
+                    <a:cs typeface="Courier New" panose="02070309020205020404" pitchFamily="49" charset="0"/>
+                  </a:rPr>
+                  <a:t>----------------------------------------- (modus-tollens)</a:t>
+                </a:r>
+              </a:p>
+              <a:p>
+                <a:pPr marL="457200" lvl="1" indent="0">
+                  <a:buNone/>
+                </a:pPr>
+                <a:r>
+                  <a:rPr lang="en-US" sz="2000" dirty="0" err="1">
+                    <a:latin typeface="Courier New" panose="02070309020205020404" pitchFamily="49" charset="0"/>
+                    <a:cs typeface="Courier New" panose="02070309020205020404" pitchFamily="49" charset="0"/>
+                  </a:rPr>
+                  <a:t>pfnP</a:t>
+                </a:r>
+                <a:r>
+                  <a:rPr lang="en-US" sz="2000" dirty="0">
+                    <a:latin typeface="Courier New" panose="02070309020205020404" pitchFamily="49" charset="0"/>
+                    <a:cs typeface="Courier New" panose="02070309020205020404" pitchFamily="49" charset="0"/>
+                  </a:rPr>
+                  <a:t>: ¬P</a:t>
+                </a:r>
+              </a:p>
+              <a:p>
+                <a:r>
+                  <a:rPr lang="en-US" dirty="0"/>
+                  <a:t>If we know that “if it’s raining, then the streets are wet”, and we know that “the streets are not wet”, then we know “it's not raining”</a:t>
+                </a:r>
+              </a:p>
+              <a:p>
+                <a:r>
+                  <a:rPr lang="en-US" dirty="0"/>
+                  <a:t>This relies on proof by contradiction…</a:t>
+                </a:r>
+              </a:p>
+              <a:p>
+                <a:pPr marL="0" indent="0">
+                  <a:buNone/>
+                </a:pPr>
+                <a:r>
+                  <a:rPr lang="en-US" sz="2400" dirty="0">
+                    <a:latin typeface="Courier New" panose="02070309020205020404" pitchFamily="49" charset="0"/>
+                    <a:cs typeface="Courier New" panose="02070309020205020404" pitchFamily="49" charset="0"/>
+                  </a:rPr>
+                  <a:t>theorem </a:t>
+                </a:r>
+                <a:r>
+                  <a:rPr lang="en-US" sz="2400" dirty="0" err="1">
+                    <a:latin typeface="Courier New" panose="02070309020205020404" pitchFamily="49" charset="0"/>
+                    <a:cs typeface="Courier New" panose="02070309020205020404" pitchFamily="49" charset="0"/>
+                  </a:rPr>
+                  <a:t>modus_tollens</a:t>
+                </a:r>
+                <a:r>
+                  <a:rPr lang="en-US" sz="2400" dirty="0">
+                    <a:latin typeface="Courier New" panose="02070309020205020404" pitchFamily="49" charset="0"/>
+                    <a:cs typeface="Courier New" panose="02070309020205020404" pitchFamily="49" charset="0"/>
+                  </a:rPr>
+                  <a:t> { P Q : Prop }</a:t>
+                </a:r>
+              </a:p>
+              <a:p>
+                <a:pPr marL="0" indent="0">
+                  <a:buNone/>
+                </a:pPr>
+                <a:r>
+                  <a:rPr lang="en-US" sz="2400" dirty="0">
+                    <a:latin typeface="Courier New" panose="02070309020205020404" pitchFamily="49" charset="0"/>
+                    <a:cs typeface="Courier New" panose="02070309020205020404" pitchFamily="49" charset="0"/>
+                  </a:rPr>
+                  <a:t>        (</a:t>
+                </a:r>
+                <a:r>
+                  <a:rPr lang="en-US" sz="2400" dirty="0" err="1">
+                    <a:latin typeface="Courier New" panose="02070309020205020404" pitchFamily="49" charset="0"/>
+                    <a:cs typeface="Courier New" panose="02070309020205020404" pitchFamily="49" charset="0"/>
+                  </a:rPr>
+                  <a:t>pfPtoQ</a:t>
+                </a:r>
+                <a:r>
+                  <a:rPr lang="en-US" sz="2400" dirty="0">
+                    <a:latin typeface="Courier New" panose="02070309020205020404" pitchFamily="49" charset="0"/>
+                    <a:cs typeface="Courier New" panose="02070309020205020404" pitchFamily="49" charset="0"/>
+                  </a:rPr>
+                  <a:t> : P → Q) (</a:t>
+                </a:r>
+                <a:r>
+                  <a:rPr lang="en-US" sz="2400" dirty="0" err="1">
+                    <a:latin typeface="Courier New" panose="02070309020205020404" pitchFamily="49" charset="0"/>
+                    <a:cs typeface="Courier New" panose="02070309020205020404" pitchFamily="49" charset="0"/>
+                  </a:rPr>
+                  <a:t>pfnQ</a:t>
+                </a:r>
+                <a:r>
+                  <a:rPr lang="en-US" sz="2400" dirty="0">
+                    <a:latin typeface="Courier New" panose="02070309020205020404" pitchFamily="49" charset="0"/>
+                    <a:cs typeface="Courier New" panose="02070309020205020404" pitchFamily="49" charset="0"/>
+                  </a:rPr>
+                  <a:t> : Q → false) : ¬ P :=</a:t>
+                </a:r>
+              </a:p>
+              <a:p>
+                <a:pPr marL="0" indent="0">
+                  <a:buNone/>
+                </a:pPr>
+                <a:r>
+                  <a:rPr lang="en-US" sz="2000" dirty="0">
+                    <a:latin typeface="Courier New" panose="02070309020205020404" pitchFamily="49" charset="0"/>
+                    <a:cs typeface="Courier New" panose="02070309020205020404" pitchFamily="49" charset="0"/>
+                  </a:rPr>
+                  <a:t>    </a:t>
+                </a:r>
+                <a:r>
+                  <a:rPr lang="el-GR" sz="2400" dirty="0">
+                    <a:latin typeface="Courier New" panose="02070309020205020404" pitchFamily="49" charset="0"/>
+                    <a:cs typeface="Courier New" panose="02070309020205020404" pitchFamily="49" charset="0"/>
+                  </a:rPr>
+                  <a:t>λ (</a:t>
+                </a:r>
+                <a:r>
+                  <a:rPr lang="en-US" sz="2400" dirty="0" err="1">
+                    <a:latin typeface="Courier New" panose="02070309020205020404" pitchFamily="49" charset="0"/>
+                    <a:cs typeface="Courier New" panose="02070309020205020404" pitchFamily="49" charset="0"/>
+                  </a:rPr>
+                  <a:t>pfP</a:t>
+                </a:r>
+                <a:r>
+                  <a:rPr lang="en-US" sz="2400" dirty="0">
+                    <a:latin typeface="Courier New" panose="02070309020205020404" pitchFamily="49" charset="0"/>
+                    <a:cs typeface="Courier New" panose="02070309020205020404" pitchFamily="49" charset="0"/>
+                  </a:rPr>
+                  <a:t> : P), </a:t>
+                </a:r>
+                <a:r>
+                  <a:rPr lang="en-US" sz="2400" dirty="0" err="1">
+                    <a:latin typeface="Courier New" panose="02070309020205020404" pitchFamily="49" charset="0"/>
+                    <a:cs typeface="Courier New" panose="02070309020205020404" pitchFamily="49" charset="0"/>
+                  </a:rPr>
+                  <a:t>pfnQ</a:t>
+                </a:r>
+                <a:r>
+                  <a:rPr lang="en-US" sz="2400" dirty="0">
+                    <a:latin typeface="Courier New" panose="02070309020205020404" pitchFamily="49" charset="0"/>
+                    <a:cs typeface="Courier New" panose="02070309020205020404" pitchFamily="49" charset="0"/>
+                  </a:rPr>
+                  <a:t> (</a:t>
+                </a:r>
+                <a:r>
+                  <a:rPr lang="en-US" sz="2400" dirty="0" err="1">
+                    <a:latin typeface="Courier New" panose="02070309020205020404" pitchFamily="49" charset="0"/>
+                    <a:cs typeface="Courier New" panose="02070309020205020404" pitchFamily="49" charset="0"/>
+                  </a:rPr>
+                  <a:t>pfPtoQ</a:t>
+                </a:r>
+                <a:r>
+                  <a:rPr lang="en-US" sz="2400" dirty="0">
+                    <a:latin typeface="Courier New" panose="02070309020205020404" pitchFamily="49" charset="0"/>
+                    <a:cs typeface="Courier New" panose="02070309020205020404" pitchFamily="49" charset="0"/>
+                  </a:rPr>
+                  <a:t> </a:t>
+                </a:r>
+                <a:r>
+                  <a:rPr lang="en-US" sz="2400" dirty="0" err="1">
+                    <a:latin typeface="Courier New" panose="02070309020205020404" pitchFamily="49" charset="0"/>
+                    <a:cs typeface="Courier New" panose="02070309020205020404" pitchFamily="49" charset="0"/>
+                  </a:rPr>
+                  <a:t>pfP</a:t>
+                </a:r>
+                <a:r>
+                  <a:rPr lang="en-US" sz="2400" dirty="0">
+                    <a:latin typeface="Courier New" panose="02070309020205020404" pitchFamily="49" charset="0"/>
+                    <a:cs typeface="Courier New" panose="02070309020205020404" pitchFamily="49" charset="0"/>
+                  </a:rPr>
+                  <a:t>)</a:t>
+                </a:r>
+                <a:endParaRPr lang="en-US" dirty="0"/>
+              </a:p>
+              <a:p>
+                <a:endParaRPr lang="en-US" dirty="0"/>
+              </a:p>
+            </p:txBody>
+          </p:sp>
+        </mc:Choice>
+        <mc:Fallback>
+          <p:sp>
+            <p:nvSpPr>
+              <p:cNvPr id="3" name="Content Placeholder 2">
+                <a:extLst>
+                  <a:ext uri="{FF2B5EF4-FFF2-40B4-BE49-F238E27FC236}">
+                    <a16:creationId xmlns:a16="http://schemas.microsoft.com/office/drawing/2014/main" id="{659447E1-6E81-1D43-AB21-323A5E8372F4}"/>
+                  </a:ext>
+                </a:extLst>
+              </p:cNvPr>
+              <p:cNvSpPr>
+                <a:spLocks noGrp="1" noRot="1" noChangeAspect="1" noMove="1" noResize="1" noEditPoints="1" noAdjustHandles="1" noChangeArrowheads="1" noChangeShapeType="1" noTextEdit="1"/>
+              </p:cNvSpPr>
+              <p:nvPr>
+                <p:ph idx="1"/>
+              </p:nvPr>
+            </p:nvSpPr>
+            <p:spPr>
+              <a:blipFill>
+                <a:blip r:embed="rId2"/>
+                <a:stretch>
+                  <a:fillRect l="-844" t="-2924" r="-724"/>
+                </a:stretch>
+              </a:blipFill>
+            </p:spPr>
+            <p:txBody>
+              <a:bodyPr/>
+              <a:lstStyle/>
+              <a:p>
+                <a:r>
+                  <a:rPr lang="en-US">
+                    <a:noFill/>
+                  </a:rPr>
+                  <a:t> </a:t>
+                </a:r>
+              </a:p>
+            </p:txBody>
+          </p:sp>
+        </mc:Fallback>
+      </mc:AlternateContent>
+      <p:sp>
+        <p:nvSpPr>
+          <p:cNvPr id="4" name="Slide Number Placeholder 3">
+            <a:extLst>
+              <a:ext uri="{FF2B5EF4-FFF2-40B4-BE49-F238E27FC236}">
+                <a16:creationId xmlns:a16="http://schemas.microsoft.com/office/drawing/2014/main" id="{CEAD0B53-3D40-2949-995E-AA991D6A7DD6}"/>
+              </a:ext>
+            </a:extLst>
+          </p:cNvPr>
+          <p:cNvSpPr>
+            <a:spLocks noGrp="1"/>
+          </p:cNvSpPr>
+          <p:nvPr>
+            <p:ph type="sldNum" sz="quarter" idx="12"/>
+          </p:nvPr>
+        </p:nvSpPr>
+        <p:spPr/>
+        <p:txBody>
+          <a:bodyPr/>
+          <a:lstStyle/>
+          <a:p>
+            <a:fld id="{3352CBF5-17B8-4387-88A6-ABF9F8C64D5A}" type="slidenum">
+              <a:rPr lang="en-US" smtClean="0"/>
+              <a:t>12</a:t>
+            </a:fld>
+            <a:endParaRPr lang="en-US"/>
+          </a:p>
+        </p:txBody>
+      </p:sp>
+    </p:spTree>
+    <p:extLst>
+      <p:ext uri="{BB962C8B-B14F-4D97-AF65-F5344CB8AC3E}">
+        <p14:creationId xmlns:p14="http://schemas.microsoft.com/office/powerpoint/2010/main" val="3022205548"/>
+      </p:ext>
+    </p:extLst>
+  </p:cSld>
+  <p:clrMapOvr>
+    <a:masterClrMapping/>
+  </p:clrMapOvr>
+</p:sld>
+</file>
+
+<file path=ppt/slides/slide13.xml><?xml version="1.0" encoding="utf-8"?>
+<p:sld xmlns:a="http://schemas.openxmlformats.org/drawingml/2006/main" xmlns:r="http://schemas.openxmlformats.org/officeDocument/2006/relationships" xmlns:p="http://schemas.openxmlformats.org/presentationml/2006/main">
+  <p:cSld>
+    <p:spTree>
+      <p:nvGrpSpPr>
+        <p:cNvPr id="1" name=""/>
+        <p:cNvGrpSpPr/>
+        <p:nvPr/>
+      </p:nvGrpSpPr>
+      <p:grpSpPr>
+        <a:xfrm>
+          <a:off x="0" y="0"/>
+          <a:ext cx="0" cy="0"/>
+          <a:chOff x="0" y="0"/>
+          <a:chExt cx="0" cy="0"/>
+        </a:xfrm>
+      </p:grpSpPr>
+      <p:sp>
+        <p:nvSpPr>
+          <p:cNvPr id="2" name="Title 1">
+            <a:extLst>
+              <a:ext uri="{FF2B5EF4-FFF2-40B4-BE49-F238E27FC236}">
+                <a16:creationId xmlns:a16="http://schemas.microsoft.com/office/drawing/2014/main" id="{D9CBDA44-C27A-1A40-B13E-E76AFAFCC61C}"/>
+              </a:ext>
+            </a:extLst>
+          </p:cNvPr>
+          <p:cNvSpPr>
+            <a:spLocks noGrp="1"/>
+          </p:cNvSpPr>
+          <p:nvPr>
+            <p:ph type="title"/>
+          </p:nvPr>
+        </p:nvSpPr>
+        <p:spPr/>
+        <p:txBody>
+          <a:bodyPr/>
+          <a:lstStyle/>
+          <a:p>
+            <a:r>
+              <a:rPr lang="en-US" dirty="0"/>
+              <a:t>Unpacking modus tollens</a:t>
+            </a:r>
+          </a:p>
+        </p:txBody>
+      </p:sp>
+      <p:sp>
+        <p:nvSpPr>
+          <p:cNvPr id="3" name="Content Placeholder 2">
+            <a:extLst>
+              <a:ext uri="{FF2B5EF4-FFF2-40B4-BE49-F238E27FC236}">
+                <a16:creationId xmlns:a16="http://schemas.microsoft.com/office/drawing/2014/main" id="{F2E93D35-2FBA-364A-BF6A-516C57A10A3C}"/>
+              </a:ext>
+            </a:extLst>
+          </p:cNvPr>
+          <p:cNvSpPr>
+            <a:spLocks noGrp="1"/>
+          </p:cNvSpPr>
+          <p:nvPr>
+            <p:ph idx="1"/>
+          </p:nvPr>
+        </p:nvSpPr>
+        <p:spPr/>
+        <p:txBody>
+          <a:bodyPr>
+            <a:normAutofit lnSpcReduction="10000"/>
+          </a:bodyPr>
+          <a:lstStyle/>
+          <a:p>
+            <a:pPr marL="0" indent="0">
+              <a:buNone/>
+            </a:pPr>
+            <a:r>
+              <a:rPr lang="en-US" sz="2400" dirty="0">
+                <a:latin typeface="Courier New" panose="02070309020205020404" pitchFamily="49" charset="0"/>
+                <a:cs typeface="Courier New" panose="02070309020205020404" pitchFamily="49" charset="0"/>
+              </a:rPr>
+              <a:t>theorem </a:t>
+            </a:r>
+            <a:r>
+              <a:rPr lang="en-US" sz="2400" dirty="0" err="1">
+                <a:latin typeface="Courier New" panose="02070309020205020404" pitchFamily="49" charset="0"/>
+                <a:cs typeface="Courier New" panose="02070309020205020404" pitchFamily="49" charset="0"/>
+              </a:rPr>
+              <a:t>modus_tollens</a:t>
+            </a:r>
+            <a:r>
+              <a:rPr lang="en-US" sz="2400" dirty="0">
+                <a:latin typeface="Courier New" panose="02070309020205020404" pitchFamily="49" charset="0"/>
+                <a:cs typeface="Courier New" panose="02070309020205020404" pitchFamily="49" charset="0"/>
+              </a:rPr>
+              <a:t> { P Q : Prop }</a:t>
+            </a:r>
+          </a:p>
+          <a:p>
+            <a:pPr marL="0" indent="0">
+              <a:buNone/>
+            </a:pPr>
+            <a:r>
+              <a:rPr lang="en-US" sz="2400" dirty="0">
+                <a:latin typeface="Courier New" panose="02070309020205020404" pitchFamily="49" charset="0"/>
+                <a:cs typeface="Courier New" panose="02070309020205020404" pitchFamily="49" charset="0"/>
+              </a:rPr>
+              <a:t>        (</a:t>
+            </a:r>
+            <a:r>
+              <a:rPr lang="en-US" sz="2400" dirty="0" err="1">
+                <a:latin typeface="Courier New" panose="02070309020205020404" pitchFamily="49" charset="0"/>
+                <a:cs typeface="Courier New" panose="02070309020205020404" pitchFamily="49" charset="0"/>
+              </a:rPr>
+              <a:t>pfPtoQ</a:t>
+            </a:r>
+            <a:r>
+              <a:rPr lang="en-US" sz="2400" dirty="0">
+                <a:latin typeface="Courier New" panose="02070309020205020404" pitchFamily="49" charset="0"/>
+                <a:cs typeface="Courier New" panose="02070309020205020404" pitchFamily="49" charset="0"/>
+              </a:rPr>
+              <a:t> : P → Q) (</a:t>
+            </a:r>
+            <a:r>
+              <a:rPr lang="en-US" sz="2400" dirty="0" err="1">
+                <a:latin typeface="Courier New" panose="02070309020205020404" pitchFamily="49" charset="0"/>
+                <a:cs typeface="Courier New" panose="02070309020205020404" pitchFamily="49" charset="0"/>
+              </a:rPr>
+              <a:t>pfnQ</a:t>
+            </a:r>
+            <a:r>
+              <a:rPr lang="en-US" sz="2400" dirty="0">
+                <a:latin typeface="Courier New" panose="02070309020205020404" pitchFamily="49" charset="0"/>
+                <a:cs typeface="Courier New" panose="02070309020205020404" pitchFamily="49" charset="0"/>
+              </a:rPr>
+              <a:t> : Q → false) : ¬ P :=</a:t>
+            </a:r>
+          </a:p>
+          <a:p>
+            <a:pPr marL="0" indent="0">
+              <a:buNone/>
+            </a:pPr>
+            <a:r>
+              <a:rPr lang="en-US" sz="2000" dirty="0">
+                <a:latin typeface="Courier New" panose="02070309020205020404" pitchFamily="49" charset="0"/>
+                <a:cs typeface="Courier New" panose="02070309020205020404" pitchFamily="49" charset="0"/>
+              </a:rPr>
+              <a:t>    </a:t>
+            </a:r>
+            <a:r>
+              <a:rPr lang="el-GR" sz="2400" dirty="0">
+                <a:latin typeface="Courier New" panose="02070309020205020404" pitchFamily="49" charset="0"/>
+                <a:cs typeface="Courier New" panose="02070309020205020404" pitchFamily="49" charset="0"/>
+              </a:rPr>
+              <a:t>λ (</a:t>
+            </a:r>
+            <a:r>
+              <a:rPr lang="en-US" sz="2400" dirty="0" err="1">
+                <a:latin typeface="Courier New" panose="02070309020205020404" pitchFamily="49" charset="0"/>
+                <a:cs typeface="Courier New" panose="02070309020205020404" pitchFamily="49" charset="0"/>
+              </a:rPr>
+              <a:t>pfP</a:t>
+            </a:r>
+            <a:r>
+              <a:rPr lang="en-US" sz="2400" dirty="0">
+                <a:latin typeface="Courier New" panose="02070309020205020404" pitchFamily="49" charset="0"/>
+                <a:cs typeface="Courier New" panose="02070309020205020404" pitchFamily="49" charset="0"/>
+              </a:rPr>
+              <a:t> : P), </a:t>
+            </a:r>
+            <a:r>
+              <a:rPr lang="en-US" sz="2400" dirty="0" err="1">
+                <a:latin typeface="Courier New" panose="02070309020205020404" pitchFamily="49" charset="0"/>
+                <a:cs typeface="Courier New" panose="02070309020205020404" pitchFamily="49" charset="0"/>
+              </a:rPr>
+              <a:t>pfnQ</a:t>
+            </a:r>
+            <a:r>
+              <a:rPr lang="en-US" sz="2400" dirty="0">
+                <a:latin typeface="Courier New" panose="02070309020205020404" pitchFamily="49" charset="0"/>
+                <a:cs typeface="Courier New" panose="02070309020205020404" pitchFamily="49" charset="0"/>
+              </a:rPr>
+              <a:t> (</a:t>
+            </a:r>
+            <a:r>
+              <a:rPr lang="en-US" sz="2400" dirty="0" err="1">
+                <a:latin typeface="Courier New" panose="02070309020205020404" pitchFamily="49" charset="0"/>
+                <a:cs typeface="Courier New" panose="02070309020205020404" pitchFamily="49" charset="0"/>
+              </a:rPr>
+              <a:t>pfPtoQ</a:t>
+            </a:r>
+            <a:r>
+              <a:rPr lang="en-US" sz="2400" dirty="0">
+                <a:latin typeface="Courier New" panose="02070309020205020404" pitchFamily="49" charset="0"/>
+                <a:cs typeface="Courier New" panose="02070309020205020404" pitchFamily="49" charset="0"/>
+              </a:rPr>
+              <a:t> </a:t>
+            </a:r>
+            <a:r>
+              <a:rPr lang="en-US" sz="2400" dirty="0" err="1">
+                <a:latin typeface="Courier New" panose="02070309020205020404" pitchFamily="49" charset="0"/>
+                <a:cs typeface="Courier New" panose="02070309020205020404" pitchFamily="49" charset="0"/>
+              </a:rPr>
+              <a:t>pfP</a:t>
+            </a:r>
+            <a:r>
+              <a:rPr lang="en-US" sz="2400" dirty="0">
+                <a:latin typeface="Courier New" panose="02070309020205020404" pitchFamily="49" charset="0"/>
+                <a:cs typeface="Courier New" panose="02070309020205020404" pitchFamily="49" charset="0"/>
+              </a:rPr>
+              <a:t>)</a:t>
+            </a:r>
+          </a:p>
+          <a:p>
+            <a:r>
+              <a:rPr lang="en-US" dirty="0"/>
+              <a:t>Given a proof of P implies Q and a proof that Q is false, we can prove that P is false</a:t>
+            </a:r>
+          </a:p>
+          <a:p>
+            <a:r>
+              <a:rPr lang="en-US" dirty="0"/>
+              <a:t>Steps:</a:t>
+            </a:r>
+          </a:p>
+          <a:p>
+            <a:pPr marL="971550" lvl="1" indent="-514350">
+              <a:buFont typeface="+mj-lt"/>
+              <a:buAutoNum type="arabicPeriod"/>
+            </a:pPr>
+            <a:r>
+              <a:rPr lang="en-US" dirty="0"/>
+              <a:t>Provide a function that takes a proof of P, </a:t>
+            </a:r>
+          </a:p>
+          <a:p>
+            <a:pPr marL="971550" lvl="1" indent="-514350">
+              <a:buFont typeface="+mj-lt"/>
+              <a:buAutoNum type="arabicPeriod"/>
+            </a:pPr>
+            <a:r>
+              <a:rPr lang="en-US" dirty="0"/>
+              <a:t>apply that to our implication that P implies Q to get a proof of Q, </a:t>
+            </a:r>
+          </a:p>
+          <a:p>
+            <a:pPr marL="971550" lvl="1" indent="-514350">
+              <a:buFont typeface="+mj-lt"/>
+              <a:buAutoNum type="arabicPeriod"/>
+            </a:pPr>
+            <a:r>
+              <a:rPr lang="en-US" dirty="0"/>
+              <a:t>apply that to our implication that Q implies false to get a proof that P implies false, hence</a:t>
+            </a:r>
+          </a:p>
+          <a:p>
+            <a:r>
+              <a:rPr lang="en-US" dirty="0"/>
+              <a:t>Recall that ¬P is actually synonymous with P implies false</a:t>
+            </a:r>
+          </a:p>
+        </p:txBody>
+      </p:sp>
+      <p:sp>
+        <p:nvSpPr>
+          <p:cNvPr id="4" name="Slide Number Placeholder 3">
+            <a:extLst>
+              <a:ext uri="{FF2B5EF4-FFF2-40B4-BE49-F238E27FC236}">
+                <a16:creationId xmlns:a16="http://schemas.microsoft.com/office/drawing/2014/main" id="{1BD5ED4A-0E06-9541-9F12-1853DA0CAC52}"/>
+              </a:ext>
+            </a:extLst>
+          </p:cNvPr>
+          <p:cNvSpPr>
+            <a:spLocks noGrp="1"/>
+          </p:cNvSpPr>
+          <p:nvPr>
+            <p:ph type="sldNum" sz="quarter" idx="12"/>
+          </p:nvPr>
+        </p:nvSpPr>
+        <p:spPr/>
+        <p:txBody>
+          <a:bodyPr/>
+          <a:lstStyle/>
+          <a:p>
+            <a:fld id="{3352CBF5-17B8-4387-88A6-ABF9F8C64D5A}" type="slidenum">
+              <a:rPr lang="en-US" smtClean="0"/>
+              <a:t>13</a:t>
+            </a:fld>
+            <a:endParaRPr lang="en-US"/>
+          </a:p>
+        </p:txBody>
+      </p:sp>
+    </p:spTree>
+    <p:extLst>
+      <p:ext uri="{BB962C8B-B14F-4D97-AF65-F5344CB8AC3E}">
+        <p14:creationId xmlns:p14="http://schemas.microsoft.com/office/powerpoint/2010/main" val="744995464"/>
+      </p:ext>
+    </p:extLst>
+  </p:cSld>
+  <p:clrMapOvr>
+    <a:masterClrMapping/>
+  </p:clrMapOvr>
+</p:sld>
+</file>
+
+<file path=ppt/slides/slide14.xml><?xml version="1.0" encoding="utf-8"?>
+<p:sld xmlns:a="http://schemas.openxmlformats.org/drawingml/2006/main" xmlns:r="http://schemas.openxmlformats.org/officeDocument/2006/relationships" xmlns:p="http://schemas.openxmlformats.org/presentationml/2006/main">
+  <p:cSld>
+    <p:spTree>
+      <p:nvGrpSpPr>
+        <p:cNvPr id="1" name=""/>
+        <p:cNvGrpSpPr/>
+        <p:nvPr/>
+      </p:nvGrpSpPr>
+      <p:grpSpPr>
+        <a:xfrm>
+          <a:off x="0" y="0"/>
+          <a:ext cx="0" cy="0"/>
+          <a:chOff x="0" y="0"/>
+          <a:chExt cx="0" cy="0"/>
+        </a:xfrm>
+      </p:grpSpPr>
+      <p:sp>
+        <p:nvSpPr>
+          <p:cNvPr id="2" name="Title 1">
+            <a:extLst>
+              <a:ext uri="{FF2B5EF4-FFF2-40B4-BE49-F238E27FC236}">
+                <a16:creationId xmlns:a16="http://schemas.microsoft.com/office/drawing/2014/main" id="{33C0EE26-EDC5-5B49-859E-9AB4961220F0}"/>
+              </a:ext>
+            </a:extLst>
+          </p:cNvPr>
+          <p:cNvSpPr>
+            <a:spLocks noGrp="1"/>
+          </p:cNvSpPr>
+          <p:nvPr>
+            <p:ph type="title"/>
+          </p:nvPr>
+        </p:nvSpPr>
+        <p:spPr/>
+        <p:txBody>
+          <a:bodyPr/>
+          <a:lstStyle/>
+          <a:p>
+            <a:r>
+              <a:rPr lang="en-US" dirty="0"/>
+              <a:t>Exercise</a:t>
+            </a:r>
+          </a:p>
+        </p:txBody>
+      </p:sp>
+      <p:sp>
+        <p:nvSpPr>
+          <p:cNvPr id="3" name="Content Placeholder 2">
+            <a:extLst>
+              <a:ext uri="{FF2B5EF4-FFF2-40B4-BE49-F238E27FC236}">
+                <a16:creationId xmlns:a16="http://schemas.microsoft.com/office/drawing/2014/main" id="{019481D1-E175-D048-9D08-F94DE2EEA589}"/>
+              </a:ext>
+            </a:extLst>
+          </p:cNvPr>
+          <p:cNvSpPr>
+            <a:spLocks noGrp="1"/>
+          </p:cNvSpPr>
+          <p:nvPr>
+            <p:ph idx="1"/>
+          </p:nvPr>
+        </p:nvSpPr>
+        <p:spPr/>
+        <p:txBody>
+          <a:bodyPr>
+            <a:normAutofit fontScale="92500" lnSpcReduction="20000"/>
+          </a:bodyPr>
+          <a:lstStyle/>
+          <a:p>
+            <a:pPr marL="0" indent="0">
+              <a:buNone/>
+            </a:pPr>
+            <a:r>
+              <a:rPr lang="en-US" sz="2400" dirty="0">
+                <a:latin typeface="Courier New" panose="02070309020205020404" pitchFamily="49" charset="0"/>
+                <a:cs typeface="Courier New" panose="02070309020205020404" pitchFamily="49" charset="0"/>
+              </a:rPr>
+              <a:t>theorem </a:t>
+            </a:r>
+            <a:r>
+              <a:rPr lang="en-US" sz="2400" dirty="0" err="1">
+                <a:latin typeface="Courier New" panose="02070309020205020404" pitchFamily="49" charset="0"/>
+                <a:cs typeface="Courier New" panose="02070309020205020404" pitchFamily="49" charset="0"/>
+              </a:rPr>
+              <a:t>modus_tollens</a:t>
+            </a:r>
+            <a:r>
+              <a:rPr lang="en-US" sz="2400" dirty="0">
+                <a:latin typeface="Courier New" panose="02070309020205020404" pitchFamily="49" charset="0"/>
+                <a:cs typeface="Courier New" panose="02070309020205020404" pitchFamily="49" charset="0"/>
+              </a:rPr>
+              <a:t>' { P Q : Prop }</a:t>
+            </a:r>
+          </a:p>
+          <a:p>
+            <a:pPr marL="0" indent="0">
+              <a:buNone/>
+            </a:pPr>
+            <a:r>
+              <a:rPr lang="en-US" sz="2400" dirty="0">
+                <a:latin typeface="Courier New" panose="02070309020205020404" pitchFamily="49" charset="0"/>
+                <a:cs typeface="Courier New" panose="02070309020205020404" pitchFamily="49" charset="0"/>
+              </a:rPr>
+              <a:t>    (</a:t>
+            </a:r>
+            <a:r>
+              <a:rPr lang="en-US" sz="2400" dirty="0" err="1">
+                <a:latin typeface="Courier New" panose="02070309020205020404" pitchFamily="49" charset="0"/>
+                <a:cs typeface="Courier New" panose="02070309020205020404" pitchFamily="49" charset="0"/>
+              </a:rPr>
+              <a:t>pfPtoQ</a:t>
+            </a:r>
+            <a:r>
+              <a:rPr lang="en-US" sz="2400" dirty="0">
+                <a:latin typeface="Courier New" panose="02070309020205020404" pitchFamily="49" charset="0"/>
+                <a:cs typeface="Courier New" panose="02070309020205020404" pitchFamily="49" charset="0"/>
+              </a:rPr>
+              <a:t> : P → Q) (</a:t>
+            </a:r>
+            <a:r>
+              <a:rPr lang="en-US" sz="2400" dirty="0" err="1">
+                <a:latin typeface="Courier New" panose="02070309020205020404" pitchFamily="49" charset="0"/>
+                <a:cs typeface="Courier New" panose="02070309020205020404" pitchFamily="49" charset="0"/>
+              </a:rPr>
+              <a:t>pfnQ</a:t>
+            </a:r>
+            <a:r>
+              <a:rPr lang="en-US" sz="2400" dirty="0">
+                <a:latin typeface="Courier New" panose="02070309020205020404" pitchFamily="49" charset="0"/>
+                <a:cs typeface="Courier New" panose="02070309020205020404" pitchFamily="49" charset="0"/>
+              </a:rPr>
+              <a:t> : ¬ Q) : ¬ P:=</a:t>
+            </a:r>
+          </a:p>
+          <a:p>
+            <a:pPr marL="0" indent="0">
+              <a:buNone/>
+            </a:pPr>
+            <a:r>
+              <a:rPr lang="en-US" sz="2400" dirty="0">
+                <a:latin typeface="Courier New" panose="02070309020205020404" pitchFamily="49" charset="0"/>
+                <a:cs typeface="Courier New" panose="02070309020205020404" pitchFamily="49" charset="0"/>
+              </a:rPr>
+              <a:t>        </a:t>
+            </a:r>
+            <a:r>
+              <a:rPr lang="el-GR" sz="2400" dirty="0">
+                <a:latin typeface="Courier New" panose="02070309020205020404" pitchFamily="49" charset="0"/>
+                <a:cs typeface="Courier New" panose="02070309020205020404" pitchFamily="49" charset="0"/>
+              </a:rPr>
+              <a:t>λ (</a:t>
+            </a:r>
+            <a:r>
+              <a:rPr lang="en-US" sz="2400" dirty="0" err="1">
+                <a:latin typeface="Courier New" panose="02070309020205020404" pitchFamily="49" charset="0"/>
+                <a:cs typeface="Courier New" panose="02070309020205020404" pitchFamily="49" charset="0"/>
+              </a:rPr>
+              <a:t>pfP</a:t>
+            </a:r>
+            <a:r>
+              <a:rPr lang="en-US" sz="2400" dirty="0">
+                <a:latin typeface="Courier New" panose="02070309020205020404" pitchFamily="49" charset="0"/>
+                <a:cs typeface="Courier New" panose="02070309020205020404" pitchFamily="49" charset="0"/>
+              </a:rPr>
+              <a:t> : P), </a:t>
+            </a:r>
+            <a:r>
+              <a:rPr lang="en-US" sz="2400" dirty="0" err="1">
+                <a:latin typeface="Courier New" panose="02070309020205020404" pitchFamily="49" charset="0"/>
+                <a:cs typeface="Courier New" panose="02070309020205020404" pitchFamily="49" charset="0"/>
+              </a:rPr>
+              <a:t>pfnQ</a:t>
+            </a:r>
+            <a:r>
+              <a:rPr lang="en-US" sz="2400" dirty="0">
+                <a:latin typeface="Courier New" panose="02070309020205020404" pitchFamily="49" charset="0"/>
+                <a:cs typeface="Courier New" panose="02070309020205020404" pitchFamily="49" charset="0"/>
+              </a:rPr>
+              <a:t> (</a:t>
+            </a:r>
+            <a:r>
+              <a:rPr lang="en-US" sz="2400" dirty="0" err="1">
+                <a:latin typeface="Courier New" panose="02070309020205020404" pitchFamily="49" charset="0"/>
+                <a:cs typeface="Courier New" panose="02070309020205020404" pitchFamily="49" charset="0"/>
+              </a:rPr>
+              <a:t>pfPtoQ</a:t>
+            </a:r>
+            <a:r>
+              <a:rPr lang="en-US" sz="2400" dirty="0">
+                <a:latin typeface="Courier New" panose="02070309020205020404" pitchFamily="49" charset="0"/>
+                <a:cs typeface="Courier New" panose="02070309020205020404" pitchFamily="49" charset="0"/>
+              </a:rPr>
+              <a:t> </a:t>
+            </a:r>
+            <a:r>
+              <a:rPr lang="en-US" sz="2400" dirty="0" err="1">
+                <a:latin typeface="Courier New" panose="02070309020205020404" pitchFamily="49" charset="0"/>
+                <a:cs typeface="Courier New" panose="02070309020205020404" pitchFamily="49" charset="0"/>
+              </a:rPr>
+              <a:t>pfP</a:t>
+            </a:r>
+            <a:r>
+              <a:rPr lang="en-US" sz="2400" dirty="0">
+                <a:latin typeface="Courier New" panose="02070309020205020404" pitchFamily="49" charset="0"/>
+                <a:cs typeface="Courier New" panose="02070309020205020404" pitchFamily="49" charset="0"/>
+              </a:rPr>
+              <a:t>)</a:t>
+            </a:r>
+          </a:p>
+          <a:p>
+            <a:pPr marL="0" indent="0">
+              <a:buNone/>
+            </a:pPr>
+            <a:endParaRPr lang="en-US" dirty="0"/>
+          </a:p>
+          <a:p>
+            <a:r>
+              <a:rPr lang="en-US" dirty="0"/>
+              <a:t>EXERCISE: present this same construction using a lambda expression. This presentation style makes the proposition, modus tollens, explicit:  for all P and Q : Prop, (P → Q) → (¬ Q → ¬ P). Fill in the blank.</a:t>
+            </a:r>
+          </a:p>
+          <a:p>
+            <a:pPr marL="0" indent="0">
+              <a:buNone/>
+            </a:pPr>
+            <a:br>
+              <a:rPr lang="en-US" dirty="0"/>
+            </a:br>
+            <a:r>
+              <a:rPr lang="en-US" sz="2400" dirty="0">
+                <a:latin typeface="Courier New" panose="02070309020205020404" pitchFamily="49" charset="0"/>
+                <a:cs typeface="Courier New" panose="02070309020205020404" pitchFamily="49" charset="0"/>
+              </a:rPr>
+              <a:t>theorem </a:t>
+            </a:r>
+            <a:r>
+              <a:rPr lang="en-US" sz="2400" dirty="0" err="1">
+                <a:latin typeface="Courier New" panose="02070309020205020404" pitchFamily="49" charset="0"/>
+                <a:cs typeface="Courier New" panose="02070309020205020404" pitchFamily="49" charset="0"/>
+              </a:rPr>
+              <a:t>modus_tollens</a:t>
+            </a:r>
+            <a:r>
+              <a:rPr lang="en-US" sz="2400" dirty="0">
+                <a:latin typeface="Courier New" panose="02070309020205020404" pitchFamily="49" charset="0"/>
+                <a:cs typeface="Courier New" panose="02070309020205020404" pitchFamily="49" charset="0"/>
+              </a:rPr>
+              <a:t>: </a:t>
+            </a:r>
+          </a:p>
+          <a:p>
+            <a:pPr marL="0" indent="0">
+              <a:buNone/>
+            </a:pPr>
+            <a:r>
+              <a:rPr lang="en-US" sz="2400" dirty="0">
+                <a:latin typeface="Courier New" panose="02070309020205020404" pitchFamily="49" charset="0"/>
+                <a:cs typeface="Courier New" panose="02070309020205020404" pitchFamily="49" charset="0"/>
+              </a:rPr>
+              <a:t>    ∀ { P Q: Prop }, (P → Q) → ¬ Q → ¬ P :=</a:t>
+            </a:r>
+          </a:p>
+          <a:p>
+            <a:pPr marL="0" indent="0">
+              <a:buNone/>
+            </a:pPr>
+            <a:r>
+              <a:rPr lang="en-US" sz="2400" dirty="0">
+                <a:latin typeface="Courier New" panose="02070309020205020404" pitchFamily="49" charset="0"/>
+                <a:cs typeface="Courier New" panose="02070309020205020404" pitchFamily="49" charset="0"/>
+              </a:rPr>
+              <a:t>        </a:t>
+            </a:r>
+            <a:r>
+              <a:rPr lang="el-GR" sz="2400" dirty="0">
+                <a:latin typeface="Courier New" panose="02070309020205020404" pitchFamily="49" charset="0"/>
+                <a:cs typeface="Courier New" panose="02070309020205020404" pitchFamily="49" charset="0"/>
+              </a:rPr>
+              <a:t>λ </a:t>
+            </a:r>
+            <a:r>
+              <a:rPr lang="en-US" sz="2400" dirty="0">
+                <a:latin typeface="Courier New" panose="02070309020205020404" pitchFamily="49" charset="0"/>
+                <a:cs typeface="Courier New" panose="02070309020205020404" pitchFamily="49" charset="0"/>
+              </a:rPr>
+              <a:t>P Q </a:t>
+            </a:r>
+            <a:r>
+              <a:rPr lang="en-US" sz="2400" dirty="0" err="1">
+                <a:latin typeface="Courier New" panose="02070309020205020404" pitchFamily="49" charset="0"/>
+                <a:cs typeface="Courier New" panose="02070309020205020404" pitchFamily="49" charset="0"/>
+              </a:rPr>
+              <a:t>pfPQ</a:t>
+            </a:r>
+            <a:r>
+              <a:rPr lang="en-US" sz="2400" dirty="0">
+                <a:latin typeface="Courier New" panose="02070309020205020404" pitchFamily="49" charset="0"/>
+                <a:cs typeface="Courier New" panose="02070309020205020404" pitchFamily="49" charset="0"/>
+              </a:rPr>
+              <a:t> </a:t>
+            </a:r>
+            <a:r>
+              <a:rPr lang="en-US" sz="2400" dirty="0" err="1">
+                <a:latin typeface="Courier New" panose="02070309020205020404" pitchFamily="49" charset="0"/>
+                <a:cs typeface="Courier New" panose="02070309020205020404" pitchFamily="49" charset="0"/>
+              </a:rPr>
+              <a:t>pfnQ</a:t>
+            </a:r>
+            <a:r>
+              <a:rPr lang="en-US" sz="2400" dirty="0">
+                <a:latin typeface="Courier New" panose="02070309020205020404" pitchFamily="49" charset="0"/>
+                <a:cs typeface="Courier New" panose="02070309020205020404" pitchFamily="49" charset="0"/>
+              </a:rPr>
+              <a:t> </a:t>
+            </a:r>
+            <a:r>
+              <a:rPr lang="en-US" sz="2400" dirty="0" err="1">
+                <a:latin typeface="Courier New" panose="02070309020205020404" pitchFamily="49" charset="0"/>
+                <a:cs typeface="Courier New" panose="02070309020205020404" pitchFamily="49" charset="0"/>
+              </a:rPr>
+              <a:t>pfP</a:t>
+            </a:r>
+            <a:r>
+              <a:rPr lang="en-US" sz="2400" dirty="0">
+                <a:latin typeface="Courier New" panose="02070309020205020404" pitchFamily="49" charset="0"/>
+                <a:cs typeface="Courier New" panose="02070309020205020404" pitchFamily="49" charset="0"/>
+              </a:rPr>
+              <a:t>, </a:t>
+            </a:r>
+          </a:p>
+          <a:p>
+            <a:pPr marL="0" indent="0">
+              <a:buNone/>
+            </a:pPr>
+            <a:r>
+              <a:rPr lang="en-US" sz="2400" dirty="0">
+                <a:latin typeface="Courier New" panose="02070309020205020404" pitchFamily="49" charset="0"/>
+                <a:cs typeface="Courier New" panose="02070309020205020404" pitchFamily="49" charset="0"/>
+              </a:rPr>
+              <a:t>            </a:t>
+            </a:r>
+          </a:p>
+          <a:p>
+            <a:pPr marL="0" indent="0">
+              <a:buNone/>
+            </a:pPr>
+            <a:endParaRPr lang="en-US" dirty="0"/>
+          </a:p>
+        </p:txBody>
+      </p:sp>
+      <p:sp>
+        <p:nvSpPr>
+          <p:cNvPr id="4" name="TextBox 3">
+            <a:extLst>
+              <a:ext uri="{FF2B5EF4-FFF2-40B4-BE49-F238E27FC236}">
+                <a16:creationId xmlns:a16="http://schemas.microsoft.com/office/drawing/2014/main" id="{734F9BC8-FA2E-3D4A-B517-07C1087FDF97}"/>
+              </a:ext>
+            </a:extLst>
+          </p:cNvPr>
+          <p:cNvSpPr txBox="1"/>
+          <p:nvPr/>
+        </p:nvSpPr>
+        <p:spPr>
+          <a:xfrm>
+            <a:off x="2755392" y="5616131"/>
+            <a:ext cx="1034257" cy="430887"/>
+          </a:xfrm>
+          <a:prstGeom prst="rect">
+            <a:avLst/>
+          </a:prstGeom>
+          <a:noFill/>
+        </p:spPr>
+        <p:txBody>
+          <a:bodyPr wrap="none" rtlCol="0">
+            <a:spAutoFit/>
+          </a:bodyPr>
+          <a:lstStyle/>
+          <a:p>
+            <a:r>
+              <a:rPr lang="en-US" sz="2200" dirty="0">
+                <a:latin typeface="Courier New" panose="02070309020205020404" pitchFamily="49" charset="0"/>
+                <a:cs typeface="Courier New" panose="02070309020205020404" pitchFamily="49" charset="0"/>
+              </a:rPr>
+              <a:t>sorry</a:t>
+            </a:r>
+          </a:p>
+        </p:txBody>
+      </p:sp>
+      <p:sp>
+        <p:nvSpPr>
+          <p:cNvPr id="5" name="TextBox 4">
+            <a:extLst>
+              <a:ext uri="{FF2B5EF4-FFF2-40B4-BE49-F238E27FC236}">
+                <a16:creationId xmlns:a16="http://schemas.microsoft.com/office/drawing/2014/main" id="{2A7C6645-609B-8745-9AA7-4D81C17CDF5A}"/>
+              </a:ext>
+            </a:extLst>
+          </p:cNvPr>
+          <p:cNvSpPr txBox="1"/>
+          <p:nvPr/>
+        </p:nvSpPr>
+        <p:spPr>
+          <a:xfrm>
+            <a:off x="2755392" y="5619989"/>
+            <a:ext cx="2733441" cy="430887"/>
+          </a:xfrm>
+          <a:prstGeom prst="rect">
+            <a:avLst/>
+          </a:prstGeom>
+          <a:noFill/>
+        </p:spPr>
+        <p:txBody>
+          <a:bodyPr wrap="none" rtlCol="0">
+            <a:spAutoFit/>
+          </a:bodyPr>
+          <a:lstStyle/>
+          <a:p>
+            <a:r>
+              <a:rPr lang="en-US" sz="2200" dirty="0" err="1">
+                <a:latin typeface="Courier New" panose="02070309020205020404" pitchFamily="49" charset="0"/>
+                <a:cs typeface="Courier New" panose="02070309020205020404" pitchFamily="49" charset="0"/>
+              </a:rPr>
+              <a:t>pfnQ</a:t>
+            </a:r>
+            <a:r>
+              <a:rPr lang="en-US" sz="2200" dirty="0">
+                <a:latin typeface="Courier New" panose="02070309020205020404" pitchFamily="49" charset="0"/>
+                <a:cs typeface="Courier New" panose="02070309020205020404" pitchFamily="49" charset="0"/>
+              </a:rPr>
+              <a:t> (</a:t>
+            </a:r>
+            <a:r>
+              <a:rPr lang="en-US" sz="2200" dirty="0" err="1">
+                <a:latin typeface="Courier New" panose="02070309020205020404" pitchFamily="49" charset="0"/>
+                <a:cs typeface="Courier New" panose="02070309020205020404" pitchFamily="49" charset="0"/>
+              </a:rPr>
+              <a:t>pfPQ</a:t>
+            </a:r>
+            <a:r>
+              <a:rPr lang="en-US" sz="2200" dirty="0">
+                <a:latin typeface="Courier New" panose="02070309020205020404" pitchFamily="49" charset="0"/>
+                <a:cs typeface="Courier New" panose="02070309020205020404" pitchFamily="49" charset="0"/>
+              </a:rPr>
+              <a:t> </a:t>
+            </a:r>
+            <a:r>
+              <a:rPr lang="en-US" sz="2200" dirty="0" err="1">
+                <a:latin typeface="Courier New" panose="02070309020205020404" pitchFamily="49" charset="0"/>
+                <a:cs typeface="Courier New" panose="02070309020205020404" pitchFamily="49" charset="0"/>
+              </a:rPr>
+              <a:t>pfP</a:t>
+            </a:r>
+            <a:r>
+              <a:rPr lang="en-US" sz="2200" dirty="0">
+                <a:latin typeface="Courier New" panose="02070309020205020404" pitchFamily="49" charset="0"/>
+                <a:cs typeface="Courier New" panose="02070309020205020404" pitchFamily="49" charset="0"/>
+              </a:rPr>
+              <a:t>)</a:t>
+            </a:r>
+          </a:p>
+        </p:txBody>
+      </p:sp>
+      <p:sp>
+        <p:nvSpPr>
+          <p:cNvPr id="6" name="Slide Number Placeholder 5">
+            <a:extLst>
+              <a:ext uri="{FF2B5EF4-FFF2-40B4-BE49-F238E27FC236}">
+                <a16:creationId xmlns:a16="http://schemas.microsoft.com/office/drawing/2014/main" id="{7D09924D-AAB6-FD46-B960-3FE9F04F9838}"/>
+              </a:ext>
+            </a:extLst>
+          </p:cNvPr>
+          <p:cNvSpPr>
+            <a:spLocks noGrp="1"/>
+          </p:cNvSpPr>
+          <p:nvPr>
+            <p:ph type="sldNum" sz="quarter" idx="12"/>
+          </p:nvPr>
+        </p:nvSpPr>
+        <p:spPr/>
+        <p:txBody>
+          <a:bodyPr/>
+          <a:lstStyle/>
+          <a:p>
+            <a:fld id="{3352CBF5-17B8-4387-88A6-ABF9F8C64D5A}" type="slidenum">
+              <a:rPr lang="en-US" smtClean="0"/>
+              <a:t>14</a:t>
+            </a:fld>
+            <a:endParaRPr lang="en-US"/>
+          </a:p>
+        </p:txBody>
+      </p:sp>
+    </p:spTree>
+    <p:extLst>
+      <p:ext uri="{BB962C8B-B14F-4D97-AF65-F5344CB8AC3E}">
+        <p14:creationId xmlns:p14="http://schemas.microsoft.com/office/powerpoint/2010/main" val="3328595066"/>
+      </p:ext>
+    </p:extLst>
+  </p:cSld>
+  <p:clrMapOvr>
+    <a:masterClrMapping/>
+  </p:clrMapOvr>
+  <p:timing>
+    <p:tnLst>
+      <p:par>
+        <p:cTn id="1" dur="indefinite" restart="never" nodeType="tmRoot">
+          <p:childTnLst>
+            <p:seq concurrent="1" nextAc="seek">
+              <p:cTn id="2" dur="indefinite" nodeType="mainSeq">
+                <p:childTnLst>
+                  <p:par>
+                    <p:cTn id="3" fill="hold">
+                      <p:stCondLst>
+                        <p:cond delay="indefinite"/>
+                      </p:stCondLst>
+                      <p:childTnLst>
+                        <p:par>
+                          <p:cTn id="4" fill="hold">
+                            <p:stCondLst>
+                              <p:cond delay="0"/>
+                            </p:stCondLst>
+                            <p:childTnLst>
+                              <p:par>
+                                <p:cTn id="5" presetID="1" presetClass="exit" presetSubtype="0" fill="hold" grpId="0" nodeType="clickEffect">
+                                  <p:stCondLst>
+                                    <p:cond delay="0"/>
+                                  </p:stCondLst>
+                                  <p:childTnLst>
+                                    <p:set>
+                                      <p:cBhvr>
+                                        <p:cTn id="6" dur="1" fill="hold">
+                                          <p:stCondLst>
+                                            <p:cond delay="0"/>
+                                          </p:stCondLst>
+                                        </p:cTn>
+                                        <p:tgtEl>
+                                          <p:spTgt spid="4"/>
+                                        </p:tgtEl>
+                                        <p:attrNameLst>
+                                          <p:attrName>style.visibility</p:attrName>
+                                        </p:attrNameLst>
+                                      </p:cBhvr>
+                                      <p:to>
+                                        <p:strVal val="hidden"/>
+                                      </p:to>
+                                    </p:set>
+                                  </p:childTnLst>
+                                </p:cTn>
+                              </p:par>
+                              <p:par>
+                                <p:cTn id="7" presetID="1" presetClass="entr" presetSubtype="0" fill="hold" grpId="0" nodeType="withEffect">
+                                  <p:stCondLst>
+                                    <p:cond delay="0"/>
+                                  </p:stCondLst>
+                                  <p:childTnLst>
+                                    <p:set>
+                                      <p:cBhvr>
+                                        <p:cTn id="8" dur="1" fill="hold">
+                                          <p:stCondLst>
+                                            <p:cond delay="0"/>
+                                          </p:stCondLst>
+                                        </p:cTn>
+                                        <p:tgtEl>
+                                          <p:spTgt spid="5"/>
+                                        </p:tgtEl>
+                                        <p:attrNameLst>
+                                          <p:attrName>style.visibility</p:attrName>
+                                        </p:attrNameLst>
+                                      </p:cBhvr>
+                                      <p:to>
+                                        <p:strVal val="visible"/>
+                                      </p:to>
+                                    </p:set>
+                                  </p:childTnLst>
+                                </p:cTn>
+                              </p:par>
+                            </p:childTnLst>
+                          </p:cTn>
+                        </p:par>
+                      </p:childTnLst>
+                    </p:cTn>
+                  </p:par>
+                </p:childTnLst>
+              </p:cTn>
+              <p:prevCondLst>
+                <p:cond evt="onPrev" delay="0">
+                  <p:tgtEl>
+                    <p:sldTgt/>
+                  </p:tgtEl>
+                </p:cond>
+              </p:prevCondLst>
+              <p:nextCondLst>
+                <p:cond evt="onNext" delay="0">
+                  <p:tgtEl>
+                    <p:sldTgt/>
+                  </p:tgtEl>
+                </p:cond>
+              </p:nextCondLst>
+            </p:seq>
+          </p:childTnLst>
+        </p:cTn>
+      </p:par>
+    </p:tnLst>
+    <p:bldLst>
+      <p:bldP spid="4" grpId="0"/>
+      <p:bldP spid="5" grpId="0"/>
+    </p:bldLst>
+  </p:timing>
+</p:sld>
+</file>
+
+<file path=ppt/slides/slide15.xml><?xml version="1.0" encoding="utf-8"?>
+<p:sld xmlns:a="http://schemas.openxmlformats.org/drawingml/2006/main" xmlns:r="http://schemas.openxmlformats.org/officeDocument/2006/relationships" xmlns:p="http://schemas.openxmlformats.org/presentationml/2006/main">
+  <p:cSld>
+    <p:spTree>
+      <p:nvGrpSpPr>
+        <p:cNvPr id="1" name=""/>
+        <p:cNvGrpSpPr/>
+        <p:nvPr/>
+      </p:nvGrpSpPr>
+      <p:grpSpPr>
+        <a:xfrm>
+          <a:off x="0" y="0"/>
+          <a:ext cx="0" cy="0"/>
+          <a:chOff x="0" y="0"/>
+          <a:chExt cx="0" cy="0"/>
+        </a:xfrm>
+      </p:grpSpPr>
+      <p:sp>
+        <p:nvSpPr>
+          <p:cNvPr id="2" name="Title 1">
+            <a:extLst>
+              <a:ext uri="{FF2B5EF4-FFF2-40B4-BE49-F238E27FC236}">
+                <a16:creationId xmlns:a16="http://schemas.microsoft.com/office/drawing/2014/main" id="{FFB9D596-7F0C-4B4E-96F9-458276000BEA}"/>
+              </a:ext>
+            </a:extLst>
+          </p:cNvPr>
+          <p:cNvSpPr>
+            <a:spLocks noGrp="1"/>
+          </p:cNvSpPr>
+          <p:nvPr>
+            <p:ph type="title"/>
+          </p:nvPr>
+        </p:nvSpPr>
+        <p:spPr/>
+        <p:txBody>
+          <a:bodyPr/>
+          <a:lstStyle/>
+          <a:p>
+            <a:r>
+              <a:rPr lang="en-US" dirty="0"/>
+              <a:t>Proving Q and not Q is false</a:t>
+            </a:r>
+          </a:p>
+        </p:txBody>
+      </p:sp>
+      <p:sp>
+        <p:nvSpPr>
+          <p:cNvPr id="3" name="Content Placeholder 2">
+            <a:extLst>
+              <a:ext uri="{FF2B5EF4-FFF2-40B4-BE49-F238E27FC236}">
+                <a16:creationId xmlns:a16="http://schemas.microsoft.com/office/drawing/2014/main" id="{8B2215B6-B3E9-D648-A885-C08176D9BAD9}"/>
+              </a:ext>
+            </a:extLst>
+          </p:cNvPr>
+          <p:cNvSpPr>
+            <a:spLocks noGrp="1"/>
+          </p:cNvSpPr>
+          <p:nvPr>
+            <p:ph idx="1"/>
+          </p:nvPr>
+        </p:nvSpPr>
+        <p:spPr/>
+        <p:txBody>
+          <a:bodyPr>
+            <a:normAutofit fontScale="92500" lnSpcReduction="10000"/>
+          </a:bodyPr>
+          <a:lstStyle/>
+          <a:p>
+            <a:r>
+              <a:rPr lang="en-US" dirty="0"/>
+              <a:t>Something cannot be both true and not true</a:t>
+            </a:r>
+          </a:p>
+          <a:p>
+            <a:pPr marL="0" indent="0">
+              <a:buNone/>
+            </a:pPr>
+            <a:r>
+              <a:rPr lang="en-US" sz="2400" dirty="0">
+                <a:latin typeface="Courier New" panose="02070309020205020404" pitchFamily="49" charset="0"/>
+                <a:cs typeface="Courier New" panose="02070309020205020404" pitchFamily="49" charset="0"/>
+              </a:rPr>
+              <a:t>theorem </a:t>
+            </a:r>
+            <a:r>
+              <a:rPr lang="en-US" sz="2400" dirty="0" err="1">
+                <a:latin typeface="Courier New" panose="02070309020205020404" pitchFamily="49" charset="0"/>
+                <a:cs typeface="Courier New" panose="02070309020205020404" pitchFamily="49" charset="0"/>
+              </a:rPr>
+              <a:t>qAndNotQfalse</a:t>
+            </a:r>
+            <a:r>
+              <a:rPr lang="en-US" sz="2400" dirty="0">
+                <a:latin typeface="Courier New" panose="02070309020205020404" pitchFamily="49" charset="0"/>
+                <a:cs typeface="Courier New" panose="02070309020205020404" pitchFamily="49" charset="0"/>
+              </a:rPr>
+              <a:t> { P Q: Prop }</a:t>
+            </a:r>
+          </a:p>
+          <a:p>
+            <a:pPr marL="0" indent="0">
+              <a:buNone/>
+            </a:pPr>
+            <a:r>
+              <a:rPr lang="en-US" sz="2400" dirty="0">
+                <a:latin typeface="Courier New" panose="02070309020205020404" pitchFamily="49" charset="0"/>
+                <a:cs typeface="Courier New" panose="02070309020205020404" pitchFamily="49" charset="0"/>
+              </a:rPr>
+              <a:t>        (pf: Q ∧ ¬Q) : false := </a:t>
+            </a:r>
+          </a:p>
+          <a:p>
+            <a:pPr marL="0" indent="0">
+              <a:buNone/>
+            </a:pPr>
+            <a:r>
+              <a:rPr lang="en-US" sz="2400" dirty="0">
+                <a:latin typeface="Courier New" panose="02070309020205020404" pitchFamily="49" charset="0"/>
+                <a:cs typeface="Courier New" panose="02070309020205020404" pitchFamily="49" charset="0"/>
+              </a:rPr>
+              <a:t>    pf.2 pf.1</a:t>
+            </a:r>
+          </a:p>
+          <a:p>
+            <a:r>
+              <a:rPr lang="en-US" sz="2400" dirty="0">
+                <a:latin typeface="Courier New" panose="02070309020205020404" pitchFamily="49" charset="0"/>
+                <a:cs typeface="Courier New" panose="02070309020205020404" pitchFamily="49" charset="0"/>
+              </a:rPr>
+              <a:t>pf.1</a:t>
+            </a:r>
+            <a:r>
+              <a:rPr lang="en-US" dirty="0"/>
+              <a:t> takes the left side of the conjunction, </a:t>
+            </a:r>
+            <a:r>
+              <a:rPr lang="en-US" sz="2400" dirty="0">
+                <a:latin typeface="Courier New" panose="02070309020205020404" pitchFamily="49" charset="0"/>
+                <a:cs typeface="Courier New" panose="02070309020205020404" pitchFamily="49" charset="0"/>
+              </a:rPr>
+              <a:t>pf.2</a:t>
+            </a:r>
+            <a:r>
+              <a:rPr lang="en-US" dirty="0"/>
+              <a:t> takes the right</a:t>
+            </a:r>
+          </a:p>
+          <a:p>
+            <a:r>
+              <a:rPr lang="en-US" sz="3500" dirty="0"/>
+              <a:t>Exercise: explain how this theorem works</a:t>
+            </a:r>
+          </a:p>
+          <a:p>
+            <a:r>
+              <a:rPr lang="en-US" dirty="0">
+                <a:latin typeface="Courier New" panose="02070309020205020404" pitchFamily="49" charset="0"/>
+                <a:cs typeface="Courier New" panose="02070309020205020404" pitchFamily="49" charset="0"/>
+              </a:rPr>
+              <a:t>¬Q</a:t>
+            </a:r>
+            <a:r>
+              <a:rPr lang="en-US" dirty="0">
+                <a:cs typeface="Courier New" panose="02070309020205020404" pitchFamily="49" charset="0"/>
+              </a:rPr>
+              <a:t> is an implication that </a:t>
+            </a:r>
+            <a:r>
+              <a:rPr lang="en-US" sz="2600" dirty="0">
+                <a:latin typeface="Courier New" panose="02070309020205020404" pitchFamily="49" charset="0"/>
+                <a:cs typeface="Courier New" panose="02070309020205020404" pitchFamily="49" charset="0"/>
+              </a:rPr>
+              <a:t>Q → false</a:t>
+            </a:r>
+            <a:endParaRPr lang="en-US" dirty="0">
+              <a:latin typeface="Courier New" panose="02070309020205020404" pitchFamily="49" charset="0"/>
+              <a:cs typeface="Courier New" panose="02070309020205020404" pitchFamily="49" charset="0"/>
+            </a:endParaRPr>
+          </a:p>
+          <a:p>
+            <a:r>
+              <a:rPr lang="en-US" dirty="0">
+                <a:cs typeface="Courier New" panose="02070309020205020404" pitchFamily="49" charset="0"/>
+              </a:rPr>
+              <a:t>What do we get when we apply that implication to Q?</a:t>
+            </a:r>
+            <a:endParaRPr lang="en-US" dirty="0"/>
+          </a:p>
+          <a:p>
+            <a:pPr marL="0" indent="0">
+              <a:buNone/>
+            </a:pPr>
+            <a:br>
+              <a:rPr lang="en-US" dirty="0"/>
+            </a:br>
+            <a:endParaRPr lang="en-US" dirty="0"/>
+          </a:p>
+          <a:p>
+            <a:pPr marL="0" indent="0">
+              <a:buNone/>
+            </a:pPr>
+            <a:endParaRPr lang="en-US" dirty="0"/>
+          </a:p>
+        </p:txBody>
+      </p:sp>
+      <p:sp>
+        <p:nvSpPr>
+          <p:cNvPr id="4" name="Slide Number Placeholder 3">
+            <a:extLst>
+              <a:ext uri="{FF2B5EF4-FFF2-40B4-BE49-F238E27FC236}">
+                <a16:creationId xmlns:a16="http://schemas.microsoft.com/office/drawing/2014/main" id="{49A948AA-6A62-E14B-8F6B-4AEBC1860033}"/>
+              </a:ext>
+            </a:extLst>
+          </p:cNvPr>
+          <p:cNvSpPr>
+            <a:spLocks noGrp="1"/>
+          </p:cNvSpPr>
+          <p:nvPr>
+            <p:ph type="sldNum" sz="quarter" idx="12"/>
+          </p:nvPr>
+        </p:nvSpPr>
+        <p:spPr/>
+        <p:txBody>
+          <a:bodyPr/>
+          <a:lstStyle/>
+          <a:p>
+            <a:fld id="{3352CBF5-17B8-4387-88A6-ABF9F8C64D5A}" type="slidenum">
+              <a:rPr lang="en-US" smtClean="0"/>
+              <a:t>15</a:t>
+            </a:fld>
+            <a:endParaRPr lang="en-US"/>
+          </a:p>
+        </p:txBody>
+      </p:sp>
+    </p:spTree>
+    <p:extLst>
+      <p:ext uri="{BB962C8B-B14F-4D97-AF65-F5344CB8AC3E}">
+        <p14:creationId xmlns:p14="http://schemas.microsoft.com/office/powerpoint/2010/main" val="3773731498"/>
+      </p:ext>
+    </p:extLst>
+  </p:cSld>
+  <p:clrMapOvr>
+    <a:masterClrMapping/>
+  </p:clrMapOvr>
+  <p:timing>
+    <p:tnLst>
+      <p:par>
+        <p:cTn id="1" dur="indefinite" restart="never" nodeType="tmRoot">
+          <p:childTnLst>
+            <p:seq concurrent="1" nextAc="seek">
+              <p:cTn id="2" dur="indefinite" nodeType="mainSeq">
+                <p:childTnLst>
+                  <p:par>
+                    <p:cTn id="3" fill="hold">
+                      <p:stCondLst>
+                        <p:cond delay="indefinite"/>
+                      </p:stCondLst>
+                      <p:childTnLst>
+                        <p:par>
+                          <p:cTn id="4" fill="hold">
+                            <p:stCondLst>
+                              <p:cond delay="0"/>
+                            </p:stCondLst>
+                            <p:childTnLst>
+                              <p:par>
+                                <p:cTn id="5" presetID="1" presetClass="entr" presetSubtype="0" fill="hold" nodeType="clickEffect">
+                                  <p:stCondLst>
+                                    <p:cond delay="0"/>
+                                  </p:stCondLst>
+                                  <p:childTnLst>
+                                    <p:set>
+                                      <p:cBhvr>
+                                        <p:cTn id="6" dur="1" fill="hold">
+                                          <p:stCondLst>
+                                            <p:cond delay="0"/>
+                                          </p:stCondLst>
+                                        </p:cTn>
+                                        <p:tgtEl>
+                                          <p:spTgt spid="3">
+                                            <p:txEl>
+                                              <p:pRg st="6" end="6"/>
+                                            </p:txEl>
+                                          </p:spTgt>
+                                        </p:tgtEl>
+                                        <p:attrNameLst>
+                                          <p:attrName>style.visibility</p:attrName>
+                                        </p:attrNameLst>
+                                      </p:cBhvr>
+                                      <p:to>
+                                        <p:strVal val="visible"/>
+                                      </p:to>
+                                    </p:set>
+                                  </p:childTnLst>
+                                </p:cTn>
+                              </p:par>
+                              <p:par>
+                                <p:cTn id="7" presetID="1" presetClass="entr" presetSubtype="0" fill="hold" nodeType="withEffect">
+                                  <p:stCondLst>
+                                    <p:cond delay="0"/>
+                                  </p:stCondLst>
+                                  <p:childTnLst>
+                                    <p:set>
+                                      <p:cBhvr>
+                                        <p:cTn id="8" dur="1" fill="hold">
+                                          <p:stCondLst>
+                                            <p:cond delay="0"/>
+                                          </p:stCondLst>
+                                        </p:cTn>
+                                        <p:tgtEl>
+                                          <p:spTgt spid="3">
+                                            <p:txEl>
+                                              <p:pRg st="7" end="7"/>
+                                            </p:txEl>
+                                          </p:spTgt>
+                                        </p:tgtEl>
+                                        <p:attrNameLst>
+                                          <p:attrName>style.visibility</p:attrName>
+                                        </p:attrNameLst>
+                                      </p:cBhvr>
+                                      <p:to>
+                                        <p:strVal val="visible"/>
+                                      </p:to>
+                                    </p:set>
+                                  </p:childTnLst>
+                                </p:cTn>
+                              </p:par>
+                            </p:childTnLst>
+                          </p:cTn>
+                        </p:par>
+                      </p:childTnLst>
+                    </p:cTn>
+                  </p:par>
+                </p:childTnLst>
+              </p:cTn>
+              <p:prevCondLst>
+                <p:cond evt="onPrev" delay="0">
+                  <p:tgtEl>
+                    <p:sldTgt/>
+                  </p:tgtEl>
+                </p:cond>
+              </p:prevCondLst>
+              <p:nextCondLst>
+                <p:cond evt="onNext" delay="0">
+                  <p:tgtEl>
+                    <p:sldTgt/>
+                  </p:tgtEl>
+                </p:cond>
+              </p:nextCondLst>
+            </p:seq>
+          </p:childTnLst>
+        </p:cTn>
+      </p:par>
+    </p:tnLst>
+  </p:timing>
+</p:sld>
+</file>
+
+<file path=ppt/slides/slide16.xml><?xml version="1.0" encoding="utf-8"?>
+<p:sld xmlns:a="http://schemas.openxmlformats.org/drawingml/2006/main" xmlns:r="http://schemas.openxmlformats.org/officeDocument/2006/relationships" xmlns:p="http://schemas.openxmlformats.org/presentationml/2006/main">
+  <p:cSld>
+    <p:spTree>
+      <p:nvGrpSpPr>
+        <p:cNvPr id="1" name=""/>
+        <p:cNvGrpSpPr/>
+        <p:nvPr/>
+      </p:nvGrpSpPr>
+      <p:grpSpPr>
+        <a:xfrm>
+          <a:off x="0" y="0"/>
+          <a:ext cx="0" cy="0"/>
+          <a:chOff x="0" y="0"/>
+          <a:chExt cx="0" cy="0"/>
+        </a:xfrm>
+      </p:grpSpPr>
+      <p:sp>
+        <p:nvSpPr>
+          <p:cNvPr id="2" name="Title 1">
+            <a:extLst>
+              <a:ext uri="{FF2B5EF4-FFF2-40B4-BE49-F238E27FC236}">
+                <a16:creationId xmlns:a16="http://schemas.microsoft.com/office/drawing/2014/main" id="{4739CD65-AEDD-BD43-8381-7D75B4E81AAA}"/>
+              </a:ext>
+            </a:extLst>
+          </p:cNvPr>
+          <p:cNvSpPr>
+            <a:spLocks noGrp="1"/>
+          </p:cNvSpPr>
+          <p:nvPr>
+            <p:ph type="title"/>
+          </p:nvPr>
+        </p:nvSpPr>
+        <p:spPr/>
+        <p:txBody>
+          <a:bodyPr/>
+          <a:lstStyle/>
+          <a:p>
+            <a:r>
+              <a:rPr lang="en-US" dirty="0"/>
+              <a:t>Non-contradiction</a:t>
+            </a:r>
+          </a:p>
+        </p:txBody>
+      </p:sp>
+      <p:sp>
+        <p:nvSpPr>
+          <p:cNvPr id="3" name="Content Placeholder 2">
+            <a:extLst>
+              <a:ext uri="{FF2B5EF4-FFF2-40B4-BE49-F238E27FC236}">
+                <a16:creationId xmlns:a16="http://schemas.microsoft.com/office/drawing/2014/main" id="{0236E32A-820D-4E4B-AF4A-32FC559E0B7A}"/>
+              </a:ext>
+            </a:extLst>
+          </p:cNvPr>
+          <p:cNvSpPr>
+            <a:spLocks noGrp="1"/>
+          </p:cNvSpPr>
+          <p:nvPr>
+            <p:ph idx="1"/>
+          </p:nvPr>
+        </p:nvSpPr>
+        <p:spPr/>
+        <p:txBody>
+          <a:bodyPr>
+            <a:normAutofit lnSpcReduction="10000"/>
+          </a:bodyPr>
+          <a:lstStyle/>
+          <a:p>
+            <a:r>
+              <a:rPr lang="en-US" dirty="0"/>
+              <a:t>The principle of non-contradiction says that a proof of any proposition, Q, and also of its negation, ¬ Q, gives rise to a contradiction. </a:t>
+            </a:r>
+          </a:p>
+          <a:p>
+            <a:pPr lvl="1"/>
+            <a:r>
+              <a:rPr lang="en-US" dirty="0"/>
+              <a:t>Therefore such a contradiction cannot arise.</a:t>
+            </a:r>
+          </a:p>
+          <a:p>
+            <a:r>
+              <a:rPr lang="en-US" dirty="0"/>
+              <a:t>Now consider the proof of the negation:</a:t>
+            </a:r>
+          </a:p>
+          <a:p>
+            <a:pPr marL="0" indent="0">
+              <a:buNone/>
+            </a:pPr>
+            <a:r>
+              <a:rPr lang="en-US" sz="2600" dirty="0">
+                <a:latin typeface="Courier New" panose="02070309020205020404" pitchFamily="49" charset="0"/>
+                <a:cs typeface="Courier New" panose="02070309020205020404" pitchFamily="49" charset="0"/>
+              </a:rPr>
+              <a:t>theorem </a:t>
+            </a:r>
+            <a:r>
+              <a:rPr lang="en-US" sz="2600" dirty="0" err="1">
+                <a:latin typeface="Courier New" panose="02070309020205020404" pitchFamily="49" charset="0"/>
+                <a:cs typeface="Courier New" panose="02070309020205020404" pitchFamily="49" charset="0"/>
+              </a:rPr>
+              <a:t>no_contra</a:t>
+            </a:r>
+            <a:r>
+              <a:rPr lang="en-US" sz="2600" dirty="0">
+                <a:latin typeface="Courier New" panose="02070309020205020404" pitchFamily="49" charset="0"/>
+                <a:cs typeface="Courier New" panose="02070309020205020404" pitchFamily="49" charset="0"/>
+              </a:rPr>
+              <a:t> : </a:t>
+            </a:r>
+          </a:p>
+          <a:p>
+            <a:pPr marL="0" indent="0">
+              <a:buNone/>
+            </a:pPr>
+            <a:r>
+              <a:rPr lang="en-US" sz="2600" dirty="0">
+                <a:latin typeface="Courier New" panose="02070309020205020404" pitchFamily="49" charset="0"/>
+                <a:cs typeface="Courier New" panose="02070309020205020404" pitchFamily="49" charset="0"/>
+              </a:rPr>
+              <a:t>∀ Q: Prop, ¬ (Q ∧ ¬ Q) :=</a:t>
+            </a:r>
+          </a:p>
+          <a:p>
+            <a:pPr marL="0" indent="0">
+              <a:buNone/>
+            </a:pPr>
+            <a:r>
+              <a:rPr lang="en-US" sz="2600" dirty="0">
+                <a:latin typeface="Courier New" panose="02070309020205020404" pitchFamily="49" charset="0"/>
+                <a:cs typeface="Courier New" panose="02070309020205020404" pitchFamily="49" charset="0"/>
+              </a:rPr>
+              <a:t>    </a:t>
+            </a:r>
+            <a:r>
+              <a:rPr lang="el-GR" sz="2600" dirty="0">
+                <a:latin typeface="Courier New" panose="02070309020205020404" pitchFamily="49" charset="0"/>
+                <a:cs typeface="Courier New" panose="02070309020205020404" pitchFamily="49" charset="0"/>
+              </a:rPr>
+              <a:t>λ (</a:t>
+            </a:r>
+            <a:r>
+              <a:rPr lang="en-US" sz="2600" dirty="0">
+                <a:latin typeface="Courier New" panose="02070309020205020404" pitchFamily="49" charset="0"/>
+                <a:cs typeface="Courier New" panose="02070309020205020404" pitchFamily="49" charset="0"/>
+              </a:rPr>
+              <a:t>Q : Prop) (pf : Q ∧ ¬ Q), </a:t>
+            </a:r>
+          </a:p>
+          <a:p>
+            <a:pPr marL="0" indent="0">
+              <a:buNone/>
+            </a:pPr>
+            <a:r>
+              <a:rPr lang="en-US" sz="2600" dirty="0">
+                <a:latin typeface="Courier New" panose="02070309020205020404" pitchFamily="49" charset="0"/>
+                <a:cs typeface="Courier New" panose="02070309020205020404" pitchFamily="49" charset="0"/>
+              </a:rPr>
+              <a:t>        (</a:t>
+            </a:r>
+            <a:r>
+              <a:rPr lang="en-US" sz="2600" dirty="0" err="1">
+                <a:latin typeface="Courier New" panose="02070309020205020404" pitchFamily="49" charset="0"/>
+                <a:cs typeface="Courier New" panose="02070309020205020404" pitchFamily="49" charset="0"/>
+              </a:rPr>
+              <a:t>and.elim_right</a:t>
+            </a:r>
+            <a:r>
+              <a:rPr lang="en-US" sz="2600" dirty="0">
+                <a:latin typeface="Courier New" panose="02070309020205020404" pitchFamily="49" charset="0"/>
+                <a:cs typeface="Courier New" panose="02070309020205020404" pitchFamily="49" charset="0"/>
+              </a:rPr>
+              <a:t> pf) (</a:t>
+            </a:r>
+            <a:r>
+              <a:rPr lang="en-US" sz="2600" dirty="0" err="1">
+                <a:latin typeface="Courier New" panose="02070309020205020404" pitchFamily="49" charset="0"/>
+                <a:cs typeface="Courier New" panose="02070309020205020404" pitchFamily="49" charset="0"/>
+              </a:rPr>
+              <a:t>and.elim_left</a:t>
+            </a:r>
+            <a:r>
+              <a:rPr lang="en-US" sz="2600" dirty="0">
+                <a:latin typeface="Courier New" panose="02070309020205020404" pitchFamily="49" charset="0"/>
+                <a:cs typeface="Courier New" panose="02070309020205020404" pitchFamily="49" charset="0"/>
+              </a:rPr>
+              <a:t> pf)</a:t>
+            </a:r>
+          </a:p>
+          <a:p>
+            <a:r>
+              <a:rPr lang="en-US" dirty="0"/>
+              <a:t>Exercise: discuss how this proof works</a:t>
+            </a:r>
+          </a:p>
+        </p:txBody>
+      </p:sp>
+      <p:sp>
+        <p:nvSpPr>
+          <p:cNvPr id="4" name="Slide Number Placeholder 3">
+            <a:extLst>
+              <a:ext uri="{FF2B5EF4-FFF2-40B4-BE49-F238E27FC236}">
+                <a16:creationId xmlns:a16="http://schemas.microsoft.com/office/drawing/2014/main" id="{5F3C6D09-1B35-1243-8A31-96643D532D68}"/>
+              </a:ext>
+            </a:extLst>
+          </p:cNvPr>
+          <p:cNvSpPr>
+            <a:spLocks noGrp="1"/>
+          </p:cNvSpPr>
+          <p:nvPr>
+            <p:ph type="sldNum" sz="quarter" idx="12"/>
+          </p:nvPr>
+        </p:nvSpPr>
+        <p:spPr/>
+        <p:txBody>
+          <a:bodyPr/>
+          <a:lstStyle/>
+          <a:p>
+            <a:fld id="{3352CBF5-17B8-4387-88A6-ABF9F8C64D5A}" type="slidenum">
+              <a:rPr lang="en-US" smtClean="0"/>
+              <a:t>16</a:t>
+            </a:fld>
+            <a:endParaRPr lang="en-US"/>
+          </a:p>
+        </p:txBody>
+      </p:sp>
+    </p:spTree>
+    <p:extLst>
+      <p:ext uri="{BB962C8B-B14F-4D97-AF65-F5344CB8AC3E}">
+        <p14:creationId xmlns:p14="http://schemas.microsoft.com/office/powerpoint/2010/main" val="1058144610"/>
+      </p:ext>
+    </p:extLst>
+  </p:cSld>
+  <p:clrMapOvr>
+    <a:masterClrMapping/>
+  </p:clrMapOvr>
+</p:sld>
+</file>
+
+<file path=ppt/slides/slide17.xml><?xml version="1.0" encoding="utf-8"?>
+<p:sld xmlns:a="http://schemas.openxmlformats.org/drawingml/2006/main" xmlns:r="http://schemas.openxmlformats.org/officeDocument/2006/relationships" xmlns:p="http://schemas.openxmlformats.org/presentationml/2006/main">
+  <p:cSld>
+    <p:spTree>
+      <p:nvGrpSpPr>
+        <p:cNvPr id="1" name=""/>
+        <p:cNvGrpSpPr/>
+        <p:nvPr/>
+      </p:nvGrpSpPr>
+      <p:grpSpPr>
+        <a:xfrm>
+          <a:off x="0" y="0"/>
+          <a:ext cx="0" cy="0"/>
+          <a:chOff x="0" y="0"/>
+          <a:chExt cx="0" cy="0"/>
+        </a:xfrm>
+      </p:grpSpPr>
+      <p:sp>
+        <p:nvSpPr>
+          <p:cNvPr id="2" name="Title 1">
+            <a:extLst>
+              <a:ext uri="{FF2B5EF4-FFF2-40B4-BE49-F238E27FC236}">
+                <a16:creationId xmlns:a16="http://schemas.microsoft.com/office/drawing/2014/main" id="{BC395CE2-AB02-A34C-9B90-E20102ED451A}"/>
+              </a:ext>
+            </a:extLst>
+          </p:cNvPr>
+          <p:cNvSpPr>
+            <a:spLocks noGrp="1"/>
+          </p:cNvSpPr>
+          <p:nvPr>
+            <p:ph type="title"/>
+          </p:nvPr>
+        </p:nvSpPr>
+        <p:spPr/>
+        <p:txBody>
+          <a:bodyPr/>
+          <a:lstStyle/>
+          <a:p>
+            <a:r>
+              <a:rPr lang="en-US" dirty="0"/>
+              <a:t>Non-contradiction application</a:t>
+            </a:r>
+          </a:p>
+        </p:txBody>
+      </p:sp>
+      <p:sp>
+        <p:nvSpPr>
+          <p:cNvPr id="3" name="Content Placeholder 2">
+            <a:extLst>
+              <a:ext uri="{FF2B5EF4-FFF2-40B4-BE49-F238E27FC236}">
+                <a16:creationId xmlns:a16="http://schemas.microsoft.com/office/drawing/2014/main" id="{54BC2260-8B2B-8642-92EC-E8013EF676B0}"/>
+              </a:ext>
+            </a:extLst>
+          </p:cNvPr>
+          <p:cNvSpPr>
+            <a:spLocks noGrp="1"/>
+          </p:cNvSpPr>
+          <p:nvPr>
+            <p:ph idx="1"/>
+          </p:nvPr>
+        </p:nvSpPr>
+        <p:spPr/>
+        <p:txBody>
+          <a:bodyPr>
+            <a:normAutofit/>
+          </a:bodyPr>
+          <a:lstStyle/>
+          <a:p>
+            <a:r>
+              <a:rPr lang="en-US" dirty="0"/>
+              <a:t>Now that we’ve created our </a:t>
+            </a:r>
+            <a:r>
+              <a:rPr lang="en-US" dirty="0" err="1"/>
+              <a:t>no_contra</a:t>
+            </a:r>
+            <a:r>
+              <a:rPr lang="en-US" dirty="0"/>
+              <a:t> theorem, we can use it:</a:t>
+            </a:r>
+          </a:p>
+          <a:p>
+            <a:pPr marL="0" indent="0">
+              <a:buNone/>
+            </a:pPr>
+            <a:r>
+              <a:rPr lang="en-US" sz="2400" dirty="0">
+                <a:latin typeface="Courier New" panose="02070309020205020404" pitchFamily="49" charset="0"/>
+                <a:cs typeface="Courier New" panose="02070309020205020404" pitchFamily="49" charset="0"/>
+              </a:rPr>
+              <a:t>variables a b : </a:t>
+            </a:r>
+            <a:r>
+              <a:rPr lang="en-US" sz="2400" dirty="0" err="1">
+                <a:latin typeface="Courier New" panose="02070309020205020404" pitchFamily="49" charset="0"/>
+                <a:cs typeface="Courier New" panose="02070309020205020404" pitchFamily="49" charset="0"/>
+              </a:rPr>
+              <a:t>nat</a:t>
+            </a:r>
+            <a:endParaRPr lang="en-US" sz="2000" dirty="0">
+              <a:latin typeface="Courier New" panose="02070309020205020404" pitchFamily="49" charset="0"/>
+              <a:cs typeface="Courier New" panose="02070309020205020404" pitchFamily="49" charset="0"/>
+            </a:endParaRPr>
+          </a:p>
+          <a:p>
+            <a:pPr marL="0" indent="0">
+              <a:buNone/>
+            </a:pPr>
+            <a:r>
+              <a:rPr lang="en-US" sz="2400" dirty="0">
+                <a:latin typeface="Courier New" panose="02070309020205020404" pitchFamily="49" charset="0"/>
+                <a:cs typeface="Courier New" panose="02070309020205020404" pitchFamily="49" charset="0"/>
+              </a:rPr>
+              <a:t>theorem </a:t>
+            </a:r>
+            <a:r>
+              <a:rPr lang="en-US" sz="2400" dirty="0" err="1">
+                <a:latin typeface="Courier New" panose="02070309020205020404" pitchFamily="49" charset="0"/>
+                <a:cs typeface="Courier New" panose="02070309020205020404" pitchFamily="49" charset="0"/>
+              </a:rPr>
+              <a:t>ncab</a:t>
+            </a:r>
+            <a:r>
+              <a:rPr lang="en-US" sz="2400" dirty="0">
+                <a:latin typeface="Courier New" panose="02070309020205020404" pitchFamily="49" charset="0"/>
+                <a:cs typeface="Courier New" panose="02070309020205020404" pitchFamily="49" charset="0"/>
+              </a:rPr>
+              <a:t> : ¬ ((a = b) ∧ (a ≠ b)) :=</a:t>
+            </a:r>
+          </a:p>
+          <a:p>
+            <a:pPr marL="0" indent="0">
+              <a:buNone/>
+            </a:pPr>
+            <a:r>
+              <a:rPr lang="en-US" sz="2400" dirty="0">
+                <a:latin typeface="Courier New" panose="02070309020205020404" pitchFamily="49" charset="0"/>
+                <a:cs typeface="Courier New" panose="02070309020205020404" pitchFamily="49" charset="0"/>
+              </a:rPr>
+              <a:t>begin</a:t>
+            </a:r>
+          </a:p>
+          <a:p>
+            <a:pPr marL="0" indent="0">
+              <a:buNone/>
+            </a:pPr>
+            <a:r>
+              <a:rPr lang="en-US" sz="2400" dirty="0">
+                <a:latin typeface="Courier New" panose="02070309020205020404" pitchFamily="49" charset="0"/>
+                <a:cs typeface="Courier New" panose="02070309020205020404" pitchFamily="49" charset="0"/>
+              </a:rPr>
+              <a:t>    apply </a:t>
+            </a:r>
+            <a:r>
+              <a:rPr lang="en-US" sz="2400" dirty="0" err="1">
+                <a:latin typeface="Courier New" panose="02070309020205020404" pitchFamily="49" charset="0"/>
+                <a:cs typeface="Courier New" panose="02070309020205020404" pitchFamily="49" charset="0"/>
+              </a:rPr>
+              <a:t>no_contra</a:t>
+            </a:r>
+            <a:endParaRPr lang="en-US" sz="2400" dirty="0">
+              <a:latin typeface="Courier New" panose="02070309020205020404" pitchFamily="49" charset="0"/>
+              <a:cs typeface="Courier New" panose="02070309020205020404" pitchFamily="49" charset="0"/>
+            </a:endParaRPr>
+          </a:p>
+          <a:p>
+            <a:pPr marL="0" indent="0">
+              <a:buNone/>
+            </a:pPr>
+            <a:r>
+              <a:rPr lang="en-US" sz="2400" dirty="0">
+                <a:latin typeface="Courier New" panose="02070309020205020404" pitchFamily="49" charset="0"/>
+                <a:cs typeface="Courier New" panose="02070309020205020404" pitchFamily="49" charset="0"/>
+              </a:rPr>
+              <a:t>end</a:t>
+            </a:r>
+          </a:p>
+          <a:p>
+            <a:endParaRPr lang="en-US" dirty="0"/>
+          </a:p>
+          <a:p>
+            <a:r>
+              <a:rPr lang="en-US" dirty="0"/>
+              <a:t>See what happens if you add a third variable, </a:t>
+            </a:r>
+            <a:r>
+              <a:rPr lang="en-US" i="1" dirty="0"/>
+              <a:t>c</a:t>
+            </a:r>
+            <a:r>
+              <a:rPr lang="en-US" dirty="0"/>
+              <a:t>, and replace one </a:t>
+            </a:r>
+            <a:r>
+              <a:rPr lang="en-US" i="1" dirty="0"/>
+              <a:t>b</a:t>
+            </a:r>
+            <a:r>
+              <a:rPr lang="en-US" dirty="0"/>
+              <a:t> in the theorem with a </a:t>
+            </a:r>
+            <a:r>
+              <a:rPr lang="en-US" i="1" dirty="0"/>
+              <a:t>c</a:t>
+            </a:r>
+          </a:p>
+        </p:txBody>
+      </p:sp>
+      <p:sp>
+        <p:nvSpPr>
+          <p:cNvPr id="4" name="Slide Number Placeholder 3">
+            <a:extLst>
+              <a:ext uri="{FF2B5EF4-FFF2-40B4-BE49-F238E27FC236}">
+                <a16:creationId xmlns:a16="http://schemas.microsoft.com/office/drawing/2014/main" id="{5DFCB0BD-0B40-F643-99BD-1776B3F4FDB6}"/>
+              </a:ext>
+            </a:extLst>
+          </p:cNvPr>
+          <p:cNvSpPr>
+            <a:spLocks noGrp="1"/>
+          </p:cNvSpPr>
+          <p:nvPr>
+            <p:ph type="sldNum" sz="quarter" idx="12"/>
+          </p:nvPr>
+        </p:nvSpPr>
+        <p:spPr/>
+        <p:txBody>
+          <a:bodyPr/>
+          <a:lstStyle/>
+          <a:p>
+            <a:fld id="{3352CBF5-17B8-4387-88A6-ABF9F8C64D5A}" type="slidenum">
+              <a:rPr lang="en-US" smtClean="0"/>
+              <a:t>17</a:t>
+            </a:fld>
+            <a:endParaRPr lang="en-US"/>
+          </a:p>
+        </p:txBody>
+      </p:sp>
+    </p:spTree>
+    <p:extLst>
+      <p:ext uri="{BB962C8B-B14F-4D97-AF65-F5344CB8AC3E}">
+        <p14:creationId xmlns:p14="http://schemas.microsoft.com/office/powerpoint/2010/main" val="2953612424"/>
+      </p:ext>
+    </p:extLst>
+  </p:cSld>
+  <p:clrMapOvr>
+    <a:masterClrMapping/>
+  </p:clrMapOvr>
+</p:sld>
+</file>
+
+<file path=ppt/slides/slide18.xml><?xml version="1.0" encoding="utf-8"?>
+<p:sld xmlns:a="http://schemas.openxmlformats.org/drawingml/2006/main" xmlns:r="http://schemas.openxmlformats.org/officeDocument/2006/relationships" xmlns:p="http://schemas.openxmlformats.org/presentationml/2006/main">
+  <p:cSld>
+    <p:spTree>
+      <p:nvGrpSpPr>
+        <p:cNvPr id="1" name=""/>
+        <p:cNvGrpSpPr/>
+        <p:nvPr/>
+      </p:nvGrpSpPr>
+      <p:grpSpPr>
+        <a:xfrm>
+          <a:off x="0" y="0"/>
+          <a:ext cx="0" cy="0"/>
+          <a:chOff x="0" y="0"/>
+          <a:chExt cx="0" cy="0"/>
+        </a:xfrm>
+      </p:grpSpPr>
+      <p:sp>
+        <p:nvSpPr>
+          <p:cNvPr id="2" name="Title 1">
+            <a:extLst>
+              <a:ext uri="{FF2B5EF4-FFF2-40B4-BE49-F238E27FC236}">
+                <a16:creationId xmlns:a16="http://schemas.microsoft.com/office/drawing/2014/main" id="{6355C637-E038-4B42-9C21-0542AB1E263E}"/>
+              </a:ext>
+            </a:extLst>
+          </p:cNvPr>
+          <p:cNvSpPr>
+            <a:spLocks noGrp="1"/>
+          </p:cNvSpPr>
+          <p:nvPr>
+            <p:ph type="title"/>
+          </p:nvPr>
+        </p:nvSpPr>
+        <p:spPr/>
+        <p:txBody>
+          <a:bodyPr/>
+          <a:lstStyle/>
+          <a:p>
+            <a:r>
+              <a:rPr lang="en-US" dirty="0"/>
+              <a:t>Manual non-contradiction proof by steps</a:t>
+            </a:r>
+          </a:p>
+        </p:txBody>
+      </p:sp>
+      <p:sp>
+        <p:nvSpPr>
+          <p:cNvPr id="3" name="Content Placeholder 2">
+            <a:extLst>
+              <a:ext uri="{FF2B5EF4-FFF2-40B4-BE49-F238E27FC236}">
+                <a16:creationId xmlns:a16="http://schemas.microsoft.com/office/drawing/2014/main" id="{4296C4E4-8925-4542-99F0-49A3759F1AE1}"/>
+              </a:ext>
+            </a:extLst>
+          </p:cNvPr>
+          <p:cNvSpPr>
+            <a:spLocks noGrp="1"/>
+          </p:cNvSpPr>
+          <p:nvPr>
+            <p:ph idx="1"/>
+          </p:nvPr>
+        </p:nvSpPr>
+        <p:spPr/>
+        <p:txBody>
+          <a:bodyPr>
+            <a:normAutofit/>
+          </a:bodyPr>
+          <a:lstStyle/>
+          <a:p>
+            <a:pPr marL="0" indent="0">
+              <a:buNone/>
+            </a:pPr>
+            <a:r>
+              <a:rPr lang="en-US" sz="2400" dirty="0">
+                <a:latin typeface="Courier New" panose="02070309020205020404" pitchFamily="49" charset="0"/>
+                <a:cs typeface="Courier New" panose="02070309020205020404" pitchFamily="49" charset="0"/>
+              </a:rPr>
+              <a:t>theorem </a:t>
+            </a:r>
+            <a:r>
+              <a:rPr lang="en-US" sz="2400" dirty="0" err="1">
+                <a:latin typeface="Courier New" panose="02070309020205020404" pitchFamily="49" charset="0"/>
+                <a:cs typeface="Courier New" panose="02070309020205020404" pitchFamily="49" charset="0"/>
+              </a:rPr>
+              <a:t>ncab</a:t>
+            </a:r>
+            <a:r>
+              <a:rPr lang="en-US" sz="2400" dirty="0">
+                <a:latin typeface="Courier New" panose="02070309020205020404" pitchFamily="49" charset="0"/>
+                <a:cs typeface="Courier New" panose="02070309020205020404" pitchFamily="49" charset="0"/>
+              </a:rPr>
+              <a:t>' : ¬ ((a = b) ∧ (a ≠ b)) :=</a:t>
+            </a:r>
+          </a:p>
+          <a:p>
+            <a:pPr marL="0" indent="0">
+              <a:buNone/>
+            </a:pPr>
+            <a:r>
+              <a:rPr lang="en-US" sz="2400" dirty="0">
+                <a:latin typeface="Courier New" panose="02070309020205020404" pitchFamily="49" charset="0"/>
+                <a:cs typeface="Courier New" panose="02070309020205020404" pitchFamily="49" charset="0"/>
+              </a:rPr>
+              <a:t>begin</a:t>
+            </a:r>
+          </a:p>
+          <a:p>
+            <a:pPr marL="0" indent="0">
+              <a:buNone/>
+            </a:pPr>
+            <a:r>
+              <a:rPr lang="en-US" sz="2400" dirty="0">
+                <a:latin typeface="Courier New" panose="02070309020205020404" pitchFamily="49" charset="0"/>
+                <a:cs typeface="Courier New" panose="02070309020205020404" pitchFamily="49" charset="0"/>
+              </a:rPr>
+              <a:t>  assume c : ((a = b) ∧ (a ≠ b)),</a:t>
+            </a:r>
+          </a:p>
+          <a:p>
+            <a:pPr marL="0" indent="0">
+              <a:buNone/>
+            </a:pPr>
+            <a:r>
+              <a:rPr lang="en-US" sz="2400" dirty="0">
+                <a:latin typeface="Courier New" panose="02070309020205020404" pitchFamily="49" charset="0"/>
+                <a:cs typeface="Courier New" panose="02070309020205020404" pitchFamily="49" charset="0"/>
+              </a:rPr>
+              <a:t>  have l := c.1, -- short for left </a:t>
+            </a:r>
+            <a:r>
+              <a:rPr lang="en-US" sz="2400" dirty="0" err="1">
+                <a:latin typeface="Courier New" panose="02070309020205020404" pitchFamily="49" charset="0"/>
+                <a:cs typeface="Courier New" panose="02070309020205020404" pitchFamily="49" charset="0"/>
+              </a:rPr>
+              <a:t>elim</a:t>
+            </a:r>
+            <a:endParaRPr lang="en-US" sz="2400" dirty="0">
+              <a:latin typeface="Courier New" panose="02070309020205020404" pitchFamily="49" charset="0"/>
+              <a:cs typeface="Courier New" panose="02070309020205020404" pitchFamily="49" charset="0"/>
+            </a:endParaRPr>
+          </a:p>
+          <a:p>
+            <a:pPr marL="0" indent="0">
+              <a:buNone/>
+            </a:pPr>
+            <a:r>
+              <a:rPr lang="en-US" sz="2400" dirty="0">
+                <a:latin typeface="Courier New" panose="02070309020205020404" pitchFamily="49" charset="0"/>
+                <a:cs typeface="Courier New" panose="02070309020205020404" pitchFamily="49" charset="0"/>
+              </a:rPr>
+              <a:t>  have r := c.2, -- same for right </a:t>
+            </a:r>
+            <a:r>
+              <a:rPr lang="en-US" sz="2400" dirty="0" err="1">
+                <a:latin typeface="Courier New" panose="02070309020205020404" pitchFamily="49" charset="0"/>
+                <a:cs typeface="Courier New" panose="02070309020205020404" pitchFamily="49" charset="0"/>
+              </a:rPr>
+              <a:t>elim</a:t>
+            </a:r>
+            <a:endParaRPr lang="en-US" sz="2400" dirty="0">
+              <a:latin typeface="Courier New" panose="02070309020205020404" pitchFamily="49" charset="0"/>
+              <a:cs typeface="Courier New" panose="02070309020205020404" pitchFamily="49" charset="0"/>
+            </a:endParaRPr>
+          </a:p>
+          <a:p>
+            <a:pPr marL="0" indent="0">
+              <a:buNone/>
+            </a:pPr>
+            <a:r>
+              <a:rPr lang="en-US" sz="2400" dirty="0">
+                <a:latin typeface="Courier New" panose="02070309020205020404" pitchFamily="49" charset="0"/>
+                <a:cs typeface="Courier New" panose="02070309020205020404" pitchFamily="49" charset="0"/>
+              </a:rPr>
+              <a:t>  have f := r l, -- now a proof of false</a:t>
+            </a:r>
+          </a:p>
+          <a:p>
+            <a:pPr marL="0" indent="0">
+              <a:buNone/>
+            </a:pPr>
+            <a:r>
+              <a:rPr lang="en-US" sz="2400" dirty="0">
+                <a:latin typeface="Courier New" panose="02070309020205020404" pitchFamily="49" charset="0"/>
+                <a:cs typeface="Courier New" panose="02070309020205020404" pitchFamily="49" charset="0"/>
+              </a:rPr>
+              <a:t>  assumption -- and that proves it</a:t>
+            </a:r>
+          </a:p>
+          <a:p>
+            <a:pPr marL="0" indent="0">
+              <a:buNone/>
+            </a:pPr>
+            <a:r>
+              <a:rPr lang="en-US" sz="2400" dirty="0">
+                <a:latin typeface="Courier New" panose="02070309020205020404" pitchFamily="49" charset="0"/>
+                <a:cs typeface="Courier New" panose="02070309020205020404" pitchFamily="49" charset="0"/>
+              </a:rPr>
+              <a:t>end</a:t>
+            </a:r>
+          </a:p>
+        </p:txBody>
+      </p:sp>
+      <p:sp>
+        <p:nvSpPr>
+          <p:cNvPr id="4" name="Slide Number Placeholder 3">
+            <a:extLst>
+              <a:ext uri="{FF2B5EF4-FFF2-40B4-BE49-F238E27FC236}">
+                <a16:creationId xmlns:a16="http://schemas.microsoft.com/office/drawing/2014/main" id="{0BA642C3-6121-594C-B9BD-7BB6E920071F}"/>
+              </a:ext>
+            </a:extLst>
+          </p:cNvPr>
+          <p:cNvSpPr>
+            <a:spLocks noGrp="1"/>
+          </p:cNvSpPr>
+          <p:nvPr>
+            <p:ph type="sldNum" sz="quarter" idx="12"/>
+          </p:nvPr>
+        </p:nvSpPr>
+        <p:spPr/>
+        <p:txBody>
+          <a:bodyPr/>
+          <a:lstStyle/>
+          <a:p>
+            <a:fld id="{3352CBF5-17B8-4387-88A6-ABF9F8C64D5A}" type="slidenum">
+              <a:rPr lang="en-US" smtClean="0"/>
+              <a:t>18</a:t>
+            </a:fld>
+            <a:endParaRPr lang="en-US"/>
+          </a:p>
+        </p:txBody>
+      </p:sp>
+    </p:spTree>
+    <p:extLst>
+      <p:ext uri="{BB962C8B-B14F-4D97-AF65-F5344CB8AC3E}">
+        <p14:creationId xmlns:p14="http://schemas.microsoft.com/office/powerpoint/2010/main" val="3081871243"/>
+      </p:ext>
+    </p:extLst>
+  </p:cSld>
+  <p:clrMapOvr>
+    <a:masterClrMapping/>
+  </p:clrMapOvr>
+</p:sld>
+</file>
+
+<file path=ppt/slides/slide19.xml><?xml version="1.0" encoding="utf-8"?>
+<p:sld xmlns:a="http://schemas.openxmlformats.org/drawingml/2006/main" xmlns:r="http://schemas.openxmlformats.org/officeDocument/2006/relationships" xmlns:p="http://schemas.openxmlformats.org/presentationml/2006/main">
+  <p:cSld>
+    <p:spTree>
+      <p:nvGrpSpPr>
+        <p:cNvPr id="1" name=""/>
+        <p:cNvGrpSpPr/>
+        <p:nvPr/>
+      </p:nvGrpSpPr>
+      <p:grpSpPr>
+        <a:xfrm>
+          <a:off x="0" y="0"/>
+          <a:ext cx="0" cy="0"/>
+          <a:chOff x="0" y="0"/>
+          <a:chExt cx="0" cy="0"/>
+        </a:xfrm>
+      </p:grpSpPr>
+      <p:sp>
+        <p:nvSpPr>
+          <p:cNvPr id="2" name="Title 1">
+            <a:extLst>
+              <a:ext uri="{FF2B5EF4-FFF2-40B4-BE49-F238E27FC236}">
+                <a16:creationId xmlns:a16="http://schemas.microsoft.com/office/drawing/2014/main" id="{EC510090-4092-4448-9319-27F12AA57E7A}"/>
+              </a:ext>
+            </a:extLst>
+          </p:cNvPr>
+          <p:cNvSpPr>
+            <a:spLocks noGrp="1"/>
+          </p:cNvSpPr>
+          <p:nvPr>
+            <p:ph type="title"/>
+          </p:nvPr>
+        </p:nvSpPr>
+        <p:spPr/>
+        <p:txBody>
+          <a:bodyPr/>
+          <a:lstStyle/>
+          <a:p>
+            <a:r>
+              <a:rPr lang="en-US" dirty="0"/>
+              <a:t>Negation elimination</a:t>
+            </a:r>
+          </a:p>
+        </p:txBody>
+      </p:sp>
+      <p:sp>
+        <p:nvSpPr>
+          <p:cNvPr id="3" name="Content Placeholder 2">
+            <a:extLst>
+              <a:ext uri="{FF2B5EF4-FFF2-40B4-BE49-F238E27FC236}">
+                <a16:creationId xmlns:a16="http://schemas.microsoft.com/office/drawing/2014/main" id="{98AA3C4D-AE66-414A-9D68-86F75E04F06D}"/>
+              </a:ext>
+            </a:extLst>
+          </p:cNvPr>
+          <p:cNvSpPr>
+            <a:spLocks noGrp="1"/>
+          </p:cNvSpPr>
+          <p:nvPr>
+            <p:ph idx="1"/>
+          </p:nvPr>
+        </p:nvSpPr>
+        <p:spPr/>
+        <p:txBody>
+          <a:bodyPr/>
+          <a:lstStyle/>
+          <a:p>
+            <a:r>
+              <a:rPr lang="en-US" dirty="0"/>
+              <a:t>Does ¬¬P equal P?</a:t>
+            </a:r>
+          </a:p>
+          <a:p>
+            <a:r>
+              <a:rPr lang="en-US" dirty="0"/>
+              <a:t>Classically, yes</a:t>
+            </a:r>
+          </a:p>
+          <a:p>
+            <a:r>
+              <a:rPr lang="en-US" dirty="0"/>
+              <a:t>Not in constructive logic, though</a:t>
+            </a:r>
+          </a:p>
+          <a:p>
+            <a:pPr lvl="1"/>
+            <a:r>
+              <a:rPr lang="en-US" dirty="0"/>
+              <a:t>Why not?!?</a:t>
+            </a:r>
+          </a:p>
+          <a:p>
+            <a:pPr lvl="1"/>
+            <a:r>
+              <a:rPr lang="en-US" dirty="0"/>
+              <a:t>Consider the proposition, “the word heterological is homological”</a:t>
+            </a:r>
+          </a:p>
+          <a:p>
+            <a:pPr lvl="2"/>
+            <a:r>
+              <a:rPr lang="en-US" dirty="0"/>
+              <a:t>We can show that this proposition cannot be proven</a:t>
+            </a:r>
+          </a:p>
+          <a:p>
+            <a:pPr lvl="2"/>
+            <a:r>
+              <a:rPr lang="en-US" dirty="0"/>
+              <a:t>This does not mean we can prove its opposite</a:t>
+            </a:r>
+          </a:p>
+          <a:p>
+            <a:pPr lvl="2"/>
+            <a:r>
+              <a:rPr lang="en-US" dirty="0"/>
+              <a:t>In fact, we can show that we cannot prove its opposite</a:t>
+            </a:r>
+          </a:p>
+        </p:txBody>
+      </p:sp>
+      <p:sp>
+        <p:nvSpPr>
+          <p:cNvPr id="4" name="Slide Number Placeholder 3">
+            <a:extLst>
+              <a:ext uri="{FF2B5EF4-FFF2-40B4-BE49-F238E27FC236}">
+                <a16:creationId xmlns:a16="http://schemas.microsoft.com/office/drawing/2014/main" id="{E14B3246-0041-D246-B5A5-1003328E773F}"/>
+              </a:ext>
+            </a:extLst>
+          </p:cNvPr>
+          <p:cNvSpPr>
+            <a:spLocks noGrp="1"/>
+          </p:cNvSpPr>
+          <p:nvPr>
+            <p:ph type="sldNum" sz="quarter" idx="12"/>
+          </p:nvPr>
+        </p:nvSpPr>
+        <p:spPr/>
+        <p:txBody>
+          <a:bodyPr/>
+          <a:lstStyle/>
+          <a:p>
+            <a:fld id="{3352CBF5-17B8-4387-88A6-ABF9F8C64D5A}" type="slidenum">
+              <a:rPr lang="en-US" smtClean="0"/>
+              <a:t>19</a:t>
+            </a:fld>
+            <a:endParaRPr lang="en-US"/>
+          </a:p>
+        </p:txBody>
+      </p:sp>
+    </p:spTree>
+    <p:extLst>
+      <p:ext uri="{BB962C8B-B14F-4D97-AF65-F5344CB8AC3E}">
+        <p14:creationId xmlns:p14="http://schemas.microsoft.com/office/powerpoint/2010/main" val="3084708770"/>
+      </p:ext>
+    </p:extLst>
+  </p:cSld>
+  <p:clrMapOvr>
+    <a:masterClrMapping/>
+  </p:clrMapOvr>
+  <p:timing>
+    <p:tnLst>
+      <p:par>
+        <p:cTn id="1" dur="indefinite" restart="never" nodeType="tmRoot">
+          <p:childTnLst>
+            <p:seq concurrent="1" nextAc="seek">
+              <p:cTn id="2" dur="indefinite" nodeType="mainSeq">
+                <p:childTnLst>
+                  <p:par>
+                    <p:cTn id="3" fill="hold">
+                      <p:stCondLst>
+                        <p:cond delay="indefinite"/>
+                      </p:stCondLst>
+                      <p:childTnLst>
+                        <p:par>
+                          <p:cTn id="4" fill="hold">
+                            <p:stCondLst>
+                              <p:cond delay="0"/>
+                            </p:stCondLst>
+                            <p:childTnLst>
+                              <p:par>
+                                <p:cTn id="5" presetID="1" presetClass="entr" presetSubtype="0" fill="hold" grpId="0" nodeType="clickEffect">
+                                  <p:stCondLst>
+                                    <p:cond delay="0"/>
+                                  </p:stCondLst>
+                                  <p:childTnLst>
+                                    <p:set>
+                                      <p:cBhvr>
+                                        <p:cTn id="6" dur="1" fill="hold">
+                                          <p:stCondLst>
+                                            <p:cond delay="0"/>
+                                          </p:stCondLst>
+                                        </p:cTn>
+                                        <p:tgtEl>
+                                          <p:spTgt spid="3">
+                                            <p:txEl>
+                                              <p:pRg st="1" end="1"/>
+                                            </p:txEl>
+                                          </p:spTgt>
+                                        </p:tgtEl>
+                                        <p:attrNameLst>
+                                          <p:attrName>style.visibility</p:attrName>
+                                        </p:attrNameLst>
+                                      </p:cBhvr>
+                                      <p:to>
+                                        <p:strVal val="visible"/>
+                                      </p:to>
+                                    </p:set>
+                                  </p:childTnLst>
+                                </p:cTn>
+                              </p:par>
+                            </p:childTnLst>
+                          </p:cTn>
+                        </p:par>
+                      </p:childTnLst>
+                    </p:cTn>
+                  </p:par>
+                  <p:par>
+                    <p:cTn id="7" fill="hold">
+                      <p:stCondLst>
+                        <p:cond delay="indefinite"/>
+                      </p:stCondLst>
+                      <p:childTnLst>
+                        <p:par>
+                          <p:cTn id="8" fill="hold">
+                            <p:stCondLst>
+                              <p:cond delay="0"/>
+                            </p:stCondLst>
+                            <p:childTnLst>
+                              <p:par>
+                                <p:cTn id="9" presetID="1" presetClass="entr" presetSubtype="0" fill="hold" grpId="0" nodeType="clickEffect">
+                                  <p:stCondLst>
+                                    <p:cond delay="0"/>
+                                  </p:stCondLst>
+                                  <p:childTnLst>
+                                    <p:set>
+                                      <p:cBhvr>
+                                        <p:cTn id="10" dur="1" fill="hold">
+                                          <p:stCondLst>
+                                            <p:cond delay="0"/>
+                                          </p:stCondLst>
+                                        </p:cTn>
+                                        <p:tgtEl>
+                                          <p:spTgt spid="3">
+                                            <p:txEl>
+                                              <p:pRg st="2" end="2"/>
+                                            </p:txEl>
+                                          </p:spTgt>
+                                        </p:tgtEl>
+                                        <p:attrNameLst>
+                                          <p:attrName>style.visibility</p:attrName>
+                                        </p:attrNameLst>
+                                      </p:cBhvr>
+                                      <p:to>
+                                        <p:strVal val="visible"/>
+                                      </p:to>
+                                    </p:set>
+                                  </p:childTnLst>
+                                </p:cTn>
+                              </p:par>
+                              <p:par>
+                                <p:cTn id="11" presetID="1" presetClass="entr" presetSubtype="0" fill="hold" grpId="0" nodeType="withEffect">
+                                  <p:stCondLst>
+                                    <p:cond delay="0"/>
+                                  </p:stCondLst>
+                                  <p:childTnLst>
+                                    <p:set>
+                                      <p:cBhvr>
+                                        <p:cTn id="12" dur="1" fill="hold">
+                                          <p:stCondLst>
+                                            <p:cond delay="0"/>
+                                          </p:stCondLst>
+                                        </p:cTn>
+                                        <p:tgtEl>
+                                          <p:spTgt spid="3">
+                                            <p:txEl>
+                                              <p:pRg st="3" end="3"/>
+                                            </p:txEl>
+                                          </p:spTgt>
+                                        </p:tgtEl>
+                                        <p:attrNameLst>
+                                          <p:attrName>style.visibility</p:attrName>
+                                        </p:attrNameLst>
+                                      </p:cBhvr>
+                                      <p:to>
+                                        <p:strVal val="visible"/>
+                                      </p:to>
+                                    </p:set>
+                                  </p:childTnLst>
+                                </p:cTn>
+                              </p:par>
+                            </p:childTnLst>
+                          </p:cTn>
+                        </p:par>
+                      </p:childTnLst>
+                    </p:cTn>
+                  </p:par>
+                  <p:par>
+                    <p:cTn id="13" fill="hold">
+                      <p:stCondLst>
+                        <p:cond delay="indefinite"/>
+                      </p:stCondLst>
+                      <p:childTnLst>
+                        <p:par>
+                          <p:cTn id="14" fill="hold">
+                            <p:stCondLst>
+                              <p:cond delay="0"/>
+                            </p:stCondLst>
+                            <p:childTnLst>
+                              <p:par>
+                                <p:cTn id="15" presetID="1" presetClass="entr" presetSubtype="0" fill="hold" grpId="0" nodeType="clickEffect">
+                                  <p:stCondLst>
+                                    <p:cond delay="0"/>
+                                  </p:stCondLst>
+                                  <p:childTnLst>
+                                    <p:set>
+                                      <p:cBhvr>
+                                        <p:cTn id="16" dur="1" fill="hold">
+                                          <p:stCondLst>
+                                            <p:cond delay="0"/>
+                                          </p:stCondLst>
+                                        </p:cTn>
+                                        <p:tgtEl>
+                                          <p:spTgt spid="3">
+                                            <p:txEl>
+                                              <p:pRg st="4" end="4"/>
+                                            </p:txEl>
+                                          </p:spTgt>
+                                        </p:tgtEl>
+                                        <p:attrNameLst>
+                                          <p:attrName>style.visibility</p:attrName>
+                                        </p:attrNameLst>
+                                      </p:cBhvr>
+                                      <p:to>
+                                        <p:strVal val="visible"/>
+                                      </p:to>
+                                    </p:set>
+                                  </p:childTnLst>
+                                </p:cTn>
+                              </p:par>
+                            </p:childTnLst>
+                          </p:cTn>
+                        </p:par>
+                      </p:childTnLst>
+                    </p:cTn>
+                  </p:par>
+                  <p:par>
+                    <p:cTn id="17" fill="hold">
+                      <p:stCondLst>
+                        <p:cond delay="indefinite"/>
+                      </p:stCondLst>
+                      <p:childTnLst>
+                        <p:par>
+                          <p:cTn id="18" fill="hold">
+                            <p:stCondLst>
+                              <p:cond delay="0"/>
+                            </p:stCondLst>
+                            <p:childTnLst>
+                              <p:par>
+                                <p:cTn id="19" presetID="1" presetClass="entr" presetSubtype="0" fill="hold" grpId="0" nodeType="clickEffect">
+                                  <p:stCondLst>
+                                    <p:cond delay="0"/>
+                                  </p:stCondLst>
+                                  <p:childTnLst>
+                                    <p:set>
+                                      <p:cBhvr>
+                                        <p:cTn id="20" dur="1" fill="hold">
+                                          <p:stCondLst>
+                                            <p:cond delay="0"/>
+                                          </p:stCondLst>
+                                        </p:cTn>
+                                        <p:tgtEl>
+                                          <p:spTgt spid="3">
+                                            <p:txEl>
+                                              <p:pRg st="5" end="5"/>
+                                            </p:txEl>
+                                          </p:spTgt>
+                                        </p:tgtEl>
+                                        <p:attrNameLst>
+                                          <p:attrName>style.visibility</p:attrName>
+                                        </p:attrNameLst>
+                                      </p:cBhvr>
+                                      <p:to>
+                                        <p:strVal val="visible"/>
+                                      </p:to>
+                                    </p:set>
+                                  </p:childTnLst>
+                                </p:cTn>
+                              </p:par>
+                            </p:childTnLst>
+                          </p:cTn>
+                        </p:par>
+                      </p:childTnLst>
+                    </p:cTn>
+                  </p:par>
+                  <p:par>
+                    <p:cTn id="21" fill="hold">
+                      <p:stCondLst>
+                        <p:cond delay="indefinite"/>
+                      </p:stCondLst>
+                      <p:childTnLst>
+                        <p:par>
+                          <p:cTn id="22" fill="hold">
+                            <p:stCondLst>
+                              <p:cond delay="0"/>
+                            </p:stCondLst>
+                            <p:childTnLst>
+                              <p:par>
+                                <p:cTn id="23" presetID="1" presetClass="entr" presetSubtype="0" fill="hold" grpId="0" nodeType="clickEffect">
+                                  <p:stCondLst>
+                                    <p:cond delay="0"/>
+                                  </p:stCondLst>
+                                  <p:childTnLst>
+                                    <p:set>
+                                      <p:cBhvr>
+                                        <p:cTn id="24" dur="1" fill="hold">
+                                          <p:stCondLst>
+                                            <p:cond delay="0"/>
+                                          </p:stCondLst>
+                                        </p:cTn>
+                                        <p:tgtEl>
+                                          <p:spTgt spid="3">
+                                            <p:txEl>
+                                              <p:pRg st="6" end="6"/>
+                                            </p:txEl>
+                                          </p:spTgt>
+                                        </p:tgtEl>
+                                        <p:attrNameLst>
+                                          <p:attrName>style.visibility</p:attrName>
+                                        </p:attrNameLst>
+                                      </p:cBhvr>
+                                      <p:to>
+                                        <p:strVal val="visible"/>
+                                      </p:to>
+                                    </p:set>
+                                  </p:childTnLst>
+                                </p:cTn>
+                              </p:par>
+                            </p:childTnLst>
+                          </p:cTn>
+                        </p:par>
+                      </p:childTnLst>
+                    </p:cTn>
+                  </p:par>
+                  <p:par>
+                    <p:cTn id="25" fill="hold">
+                      <p:stCondLst>
+                        <p:cond delay="indefinite"/>
+                      </p:stCondLst>
+                      <p:childTnLst>
+                        <p:par>
+                          <p:cTn id="26" fill="hold">
+                            <p:stCondLst>
+                              <p:cond delay="0"/>
+                            </p:stCondLst>
+                            <p:childTnLst>
+                              <p:par>
+                                <p:cTn id="27" presetID="1" presetClass="entr" presetSubtype="0" fill="hold" grpId="0" nodeType="clickEffect">
+                                  <p:stCondLst>
+                                    <p:cond delay="0"/>
+                                  </p:stCondLst>
+                                  <p:childTnLst>
+                                    <p:set>
+                                      <p:cBhvr>
+                                        <p:cTn id="28" dur="1" fill="hold">
+                                          <p:stCondLst>
+                                            <p:cond delay="0"/>
+                                          </p:stCondLst>
+                                        </p:cTn>
+                                        <p:tgtEl>
+                                          <p:spTgt spid="3">
+                                            <p:txEl>
+                                              <p:pRg st="7" end="7"/>
+                                            </p:txEl>
+                                          </p:spTgt>
+                                        </p:tgtEl>
+                                        <p:attrNameLst>
+                                          <p:attrName>style.visibility</p:attrName>
+                                        </p:attrNameLst>
+                                      </p:cBhvr>
+                                      <p:to>
+                                        <p:strVal val="visible"/>
+                                      </p:to>
+                                    </p:set>
+                                  </p:childTnLst>
+                                </p:cTn>
+                              </p:par>
+                            </p:childTnLst>
+                          </p:cTn>
+                        </p:par>
+                      </p:childTnLst>
+                    </p:cTn>
+                  </p:par>
+                </p:childTnLst>
+              </p:cTn>
+              <p:prevCondLst>
+                <p:cond evt="onPrev" delay="0">
+                  <p:tgtEl>
+                    <p:sldTgt/>
+                  </p:tgtEl>
+                </p:cond>
+              </p:prevCondLst>
+              <p:nextCondLst>
+                <p:cond evt="onNext" delay="0">
+                  <p:tgtEl>
+                    <p:sldTgt/>
+                  </p:tgtEl>
+                </p:cond>
+              </p:nextCondLst>
+            </p:seq>
+          </p:childTnLst>
+        </p:cTn>
+      </p:par>
+    </p:tnLst>
+    <p:bldLst>
+      <p:bldP spid="3" grpId="0" uiExpand="1" build="p"/>
+    </p:bldLst>
+  </p:timing>
 </p:sld>
 </file>
 
@@ -4395,10 +7371,2976 @@
           </p:sp>
         </mc:Fallback>
       </mc:AlternateContent>
+      <p:sp>
+        <p:nvSpPr>
+          <p:cNvPr id="4" name="Slide Number Placeholder 3">
+            <a:extLst>
+              <a:ext uri="{FF2B5EF4-FFF2-40B4-BE49-F238E27FC236}">
+                <a16:creationId xmlns:a16="http://schemas.microsoft.com/office/drawing/2014/main" id="{7E757DA2-0AC1-E647-8258-F3D50FD7D1E1}"/>
+              </a:ext>
+            </a:extLst>
+          </p:cNvPr>
+          <p:cNvSpPr>
+            <a:spLocks noGrp="1"/>
+          </p:cNvSpPr>
+          <p:nvPr>
+            <p:ph type="sldNum" sz="quarter" idx="12"/>
+          </p:nvPr>
+        </p:nvSpPr>
+        <p:spPr/>
+        <p:txBody>
+          <a:bodyPr/>
+          <a:lstStyle/>
+          <a:p>
+            <a:fld id="{3352CBF5-17B8-4387-88A6-ABF9F8C64D5A}" type="slidenum">
+              <a:rPr lang="en-US" smtClean="0"/>
+              <a:t>2</a:t>
+            </a:fld>
+            <a:endParaRPr lang="en-US"/>
+          </a:p>
+        </p:txBody>
+      </p:sp>
     </p:spTree>
     <p:extLst>
       <p:ext uri="{BB962C8B-B14F-4D97-AF65-F5344CB8AC3E}">
         <p14:creationId xmlns:p14="http://schemas.microsoft.com/office/powerpoint/2010/main" val="1227492492"/>
+      </p:ext>
+    </p:extLst>
+  </p:cSld>
+  <p:clrMapOvr>
+    <a:masterClrMapping/>
+  </p:clrMapOvr>
+</p:sld>
+</file>
+
+<file path=ppt/slides/slide20.xml><?xml version="1.0" encoding="utf-8"?>
+<p:sld xmlns:a="http://schemas.openxmlformats.org/drawingml/2006/main" xmlns:r="http://schemas.openxmlformats.org/officeDocument/2006/relationships" xmlns:p="http://schemas.openxmlformats.org/presentationml/2006/main">
+  <p:cSld>
+    <p:spTree>
+      <p:nvGrpSpPr>
+        <p:cNvPr id="1" name=""/>
+        <p:cNvGrpSpPr/>
+        <p:nvPr/>
+      </p:nvGrpSpPr>
+      <p:grpSpPr>
+        <a:xfrm>
+          <a:off x="0" y="0"/>
+          <a:ext cx="0" cy="0"/>
+          <a:chOff x="0" y="0"/>
+          <a:chExt cx="0" cy="0"/>
+        </a:xfrm>
+      </p:grpSpPr>
+      <p:sp>
+        <p:nvSpPr>
+          <p:cNvPr id="2" name="Title 1">
+            <a:extLst>
+              <a:ext uri="{FF2B5EF4-FFF2-40B4-BE49-F238E27FC236}">
+                <a16:creationId xmlns:a16="http://schemas.microsoft.com/office/drawing/2014/main" id="{6913B51C-9634-8943-B1C0-95828EB5C113}"/>
+              </a:ext>
+            </a:extLst>
+          </p:cNvPr>
+          <p:cNvSpPr>
+            <a:spLocks noGrp="1"/>
+          </p:cNvSpPr>
+          <p:nvPr>
+            <p:ph type="title"/>
+          </p:nvPr>
+        </p:nvSpPr>
+        <p:spPr/>
+        <p:txBody>
+          <a:bodyPr/>
+          <a:lstStyle/>
+          <a:p>
+            <a:r>
+              <a:rPr lang="en-US" dirty="0"/>
+              <a:t>Axiom of the Excluded Middle</a:t>
+            </a:r>
+          </a:p>
+        </p:txBody>
+      </p:sp>
+      <p:sp>
+        <p:nvSpPr>
+          <p:cNvPr id="3" name="Content Placeholder 2">
+            <a:extLst>
+              <a:ext uri="{FF2B5EF4-FFF2-40B4-BE49-F238E27FC236}">
+                <a16:creationId xmlns:a16="http://schemas.microsoft.com/office/drawing/2014/main" id="{17A2F030-1BA6-2F47-84FF-DF2C7067266C}"/>
+              </a:ext>
+            </a:extLst>
+          </p:cNvPr>
+          <p:cNvSpPr>
+            <a:spLocks noGrp="1"/>
+          </p:cNvSpPr>
+          <p:nvPr>
+            <p:ph idx="1"/>
+          </p:nvPr>
+        </p:nvSpPr>
+        <p:spPr/>
+        <p:txBody>
+          <a:bodyPr/>
+          <a:lstStyle/>
+          <a:p>
+            <a:pPr marL="0" indent="0">
+              <a:buNone/>
+            </a:pPr>
+            <a:r>
+              <a:rPr lang="en-US" sz="2400" dirty="0">
+                <a:latin typeface="Courier New" panose="02070309020205020404" pitchFamily="49" charset="0"/>
+                <a:cs typeface="Courier New" panose="02070309020205020404" pitchFamily="49" charset="0"/>
+              </a:rPr>
+              <a:t>axiom </a:t>
+            </a:r>
+            <a:r>
+              <a:rPr lang="en-US" sz="2400" dirty="0" err="1">
+                <a:latin typeface="Courier New" panose="02070309020205020404" pitchFamily="49" charset="0"/>
+                <a:cs typeface="Courier New" panose="02070309020205020404" pitchFamily="49" charset="0"/>
+              </a:rPr>
+              <a:t>excluded_middle</a:t>
+            </a:r>
+            <a:r>
+              <a:rPr lang="en-US" sz="2400" dirty="0">
+                <a:latin typeface="Courier New" panose="02070309020205020404" pitchFamily="49" charset="0"/>
+                <a:cs typeface="Courier New" panose="02070309020205020404" pitchFamily="49" charset="0"/>
+              </a:rPr>
+              <a:t> : ∀ P, P ∨ ¬ P</a:t>
+            </a:r>
+          </a:p>
+          <a:p>
+            <a:pPr marL="0" indent="0">
+              <a:buNone/>
+            </a:pPr>
+            <a:r>
+              <a:rPr lang="en-US" sz="2400" dirty="0">
+                <a:latin typeface="Courier New" panose="02070309020205020404" pitchFamily="49" charset="0"/>
+                <a:cs typeface="Courier New" panose="02070309020205020404" pitchFamily="49" charset="0"/>
+              </a:rPr>
+              <a:t>axiom </a:t>
+            </a:r>
+            <a:r>
+              <a:rPr lang="en-US" sz="2400" dirty="0" err="1">
+                <a:latin typeface="Courier New" panose="02070309020205020404" pitchFamily="49" charset="0"/>
+                <a:cs typeface="Courier New" panose="02070309020205020404" pitchFamily="49" charset="0"/>
+              </a:rPr>
+              <a:t>excluded_middle</a:t>
+            </a:r>
+            <a:r>
+              <a:rPr lang="en-US" sz="2400" dirty="0">
+                <a:latin typeface="Courier New" panose="02070309020205020404" pitchFamily="49" charset="0"/>
+                <a:cs typeface="Courier New" panose="02070309020205020404" pitchFamily="49" charset="0"/>
+              </a:rPr>
+              <a:t>' (P : Prop) : P ∨ ¬ P</a:t>
+            </a:r>
+          </a:p>
+          <a:p>
+            <a:r>
+              <a:rPr lang="en-US" dirty="0"/>
+              <a:t>What does this mean? In short, it means that ¬¬P now equals P</a:t>
+            </a:r>
+          </a:p>
+          <a:p>
+            <a:pPr lvl="1"/>
+            <a:r>
+              <a:rPr lang="en-US" dirty="0"/>
+              <a:t>Why?</a:t>
+            </a:r>
+          </a:p>
+          <a:p>
+            <a:endParaRPr lang="en-US" dirty="0"/>
+          </a:p>
+        </p:txBody>
+      </p:sp>
+      <p:sp>
+        <p:nvSpPr>
+          <p:cNvPr id="4" name="Slide Number Placeholder 3">
+            <a:extLst>
+              <a:ext uri="{FF2B5EF4-FFF2-40B4-BE49-F238E27FC236}">
+                <a16:creationId xmlns:a16="http://schemas.microsoft.com/office/drawing/2014/main" id="{9313C670-1E62-B848-A91B-9B966B54A62A}"/>
+              </a:ext>
+            </a:extLst>
+          </p:cNvPr>
+          <p:cNvSpPr>
+            <a:spLocks noGrp="1"/>
+          </p:cNvSpPr>
+          <p:nvPr>
+            <p:ph type="sldNum" sz="quarter" idx="12"/>
+          </p:nvPr>
+        </p:nvSpPr>
+        <p:spPr/>
+        <p:txBody>
+          <a:bodyPr/>
+          <a:lstStyle/>
+          <a:p>
+            <a:fld id="{3352CBF5-17B8-4387-88A6-ABF9F8C64D5A}" type="slidenum">
+              <a:rPr lang="en-US" smtClean="0"/>
+              <a:t>20</a:t>
+            </a:fld>
+            <a:endParaRPr lang="en-US"/>
+          </a:p>
+        </p:txBody>
+      </p:sp>
+    </p:spTree>
+    <p:extLst>
+      <p:ext uri="{BB962C8B-B14F-4D97-AF65-F5344CB8AC3E}">
+        <p14:creationId xmlns:p14="http://schemas.microsoft.com/office/powerpoint/2010/main" val="3235335196"/>
+      </p:ext>
+    </p:extLst>
+  </p:cSld>
+  <p:clrMapOvr>
+    <a:masterClrMapping/>
+  </p:clrMapOvr>
+</p:sld>
+</file>
+
+<file path=ppt/slides/slide21.xml><?xml version="1.0" encoding="utf-8"?>
+<p:sld xmlns:a="http://schemas.openxmlformats.org/drawingml/2006/main" xmlns:r="http://schemas.openxmlformats.org/officeDocument/2006/relationships" xmlns:p="http://schemas.openxmlformats.org/presentationml/2006/main">
+  <p:cSld>
+    <p:spTree>
+      <p:nvGrpSpPr>
+        <p:cNvPr id="1" name=""/>
+        <p:cNvGrpSpPr/>
+        <p:nvPr/>
+      </p:nvGrpSpPr>
+      <p:grpSpPr>
+        <a:xfrm>
+          <a:off x="0" y="0"/>
+          <a:ext cx="0" cy="0"/>
+          <a:chOff x="0" y="0"/>
+          <a:chExt cx="0" cy="0"/>
+        </a:xfrm>
+      </p:grpSpPr>
+      <p:sp>
+        <p:nvSpPr>
+          <p:cNvPr id="2" name="Title 1">
+            <a:extLst>
+              <a:ext uri="{FF2B5EF4-FFF2-40B4-BE49-F238E27FC236}">
+                <a16:creationId xmlns:a16="http://schemas.microsoft.com/office/drawing/2014/main" id="{410E373F-C4F1-B448-B3CA-F10E19EE1B19}"/>
+              </a:ext>
+            </a:extLst>
+          </p:cNvPr>
+          <p:cNvSpPr>
+            <a:spLocks noGrp="1"/>
+          </p:cNvSpPr>
+          <p:nvPr>
+            <p:ph type="title"/>
+          </p:nvPr>
+        </p:nvSpPr>
+        <p:spPr/>
+        <p:txBody>
+          <a:bodyPr/>
+          <a:lstStyle/>
+          <a:p>
+            <a:r>
+              <a:rPr lang="en-US" dirty="0"/>
+              <a:t>Double negative elimination</a:t>
+            </a:r>
+          </a:p>
+        </p:txBody>
+      </p:sp>
+      <p:sp>
+        <p:nvSpPr>
+          <p:cNvPr id="3" name="Content Placeholder 2">
+            <a:extLst>
+              <a:ext uri="{FF2B5EF4-FFF2-40B4-BE49-F238E27FC236}">
+                <a16:creationId xmlns:a16="http://schemas.microsoft.com/office/drawing/2014/main" id="{C69CA75E-9B77-C84A-A7A5-AC40D6CF9A66}"/>
+              </a:ext>
+            </a:extLst>
+          </p:cNvPr>
+          <p:cNvSpPr>
+            <a:spLocks noGrp="1"/>
+          </p:cNvSpPr>
+          <p:nvPr>
+            <p:ph idx="1"/>
+          </p:nvPr>
+        </p:nvSpPr>
+        <p:spPr/>
+        <p:txBody>
+          <a:bodyPr>
+            <a:normAutofit lnSpcReduction="10000"/>
+          </a:bodyPr>
+          <a:lstStyle/>
+          <a:p>
+            <a:pPr marL="0" indent="0">
+              <a:buNone/>
+            </a:pPr>
+            <a:r>
+              <a:rPr lang="en-US" sz="2400" dirty="0">
+                <a:latin typeface="Courier New" panose="02070309020205020404" pitchFamily="49" charset="0"/>
+                <a:cs typeface="Courier New" panose="02070309020205020404" pitchFamily="49" charset="0"/>
+              </a:rPr>
+              <a:t>theorem </a:t>
+            </a:r>
+            <a:r>
+              <a:rPr lang="en-US" sz="2400" dirty="0" err="1">
+                <a:latin typeface="Courier New" panose="02070309020205020404" pitchFamily="49" charset="0"/>
+                <a:cs typeface="Courier New" panose="02070309020205020404" pitchFamily="49" charset="0"/>
+              </a:rPr>
+              <a:t>double_neg_elim</a:t>
+            </a:r>
+            <a:r>
+              <a:rPr lang="en-US" sz="2400" dirty="0">
+                <a:latin typeface="Courier New" panose="02070309020205020404" pitchFamily="49" charset="0"/>
+                <a:cs typeface="Courier New" panose="02070309020205020404" pitchFamily="49" charset="0"/>
+              </a:rPr>
+              <a:t>: ∀ { P }, ¬ ¬ P → P := </a:t>
+            </a:r>
+          </a:p>
+          <a:p>
+            <a:pPr marL="0" indent="0">
+              <a:buNone/>
+            </a:pPr>
+            <a:r>
+              <a:rPr lang="en-US" sz="2400" dirty="0">
+                <a:latin typeface="Courier New" panose="02070309020205020404" pitchFamily="49" charset="0"/>
+                <a:cs typeface="Courier New" panose="02070309020205020404" pitchFamily="49" charset="0"/>
+              </a:rPr>
+              <a:t>begin</a:t>
+            </a:r>
+          </a:p>
+          <a:p>
+            <a:pPr marL="0" indent="0">
+              <a:buNone/>
+            </a:pPr>
+            <a:r>
+              <a:rPr lang="en-US" sz="2400" dirty="0">
+                <a:latin typeface="Courier New" panose="02070309020205020404" pitchFamily="49" charset="0"/>
+                <a:cs typeface="Courier New" panose="02070309020205020404" pitchFamily="49" charset="0"/>
+              </a:rPr>
+              <a:t>  assume P : Prop,</a:t>
+            </a:r>
+          </a:p>
+          <a:p>
+            <a:pPr marL="0" indent="0">
+              <a:buNone/>
+            </a:pPr>
+            <a:r>
+              <a:rPr lang="en-US" sz="2400" dirty="0">
+                <a:latin typeface="Courier New" panose="02070309020205020404" pitchFamily="49" charset="0"/>
+                <a:cs typeface="Courier New" panose="02070309020205020404" pitchFamily="49" charset="0"/>
+              </a:rPr>
+              <a:t>  assume </a:t>
+            </a:r>
+            <a:r>
+              <a:rPr lang="en-US" sz="2400" dirty="0" err="1">
+                <a:latin typeface="Courier New" panose="02070309020205020404" pitchFamily="49" charset="0"/>
+                <a:cs typeface="Courier New" panose="02070309020205020404" pitchFamily="49" charset="0"/>
+              </a:rPr>
+              <a:t>pfNotNotP</a:t>
+            </a:r>
+            <a:r>
+              <a:rPr lang="en-US" sz="2400" dirty="0">
+                <a:latin typeface="Courier New" panose="02070309020205020404" pitchFamily="49" charset="0"/>
+                <a:cs typeface="Courier New" panose="02070309020205020404" pitchFamily="49" charset="0"/>
+              </a:rPr>
+              <a:t> : ¬ ¬ P,</a:t>
+            </a:r>
+          </a:p>
+          <a:p>
+            <a:pPr marL="0" indent="0">
+              <a:buNone/>
+            </a:pPr>
+            <a:r>
+              <a:rPr lang="en-US" sz="2400" dirty="0">
+                <a:latin typeface="Courier New" panose="02070309020205020404" pitchFamily="49" charset="0"/>
+                <a:cs typeface="Courier New" panose="02070309020205020404" pitchFamily="49" charset="0"/>
+              </a:rPr>
+              <a:t>  cases </a:t>
+            </a:r>
+            <a:r>
+              <a:rPr lang="en-US" sz="2400" dirty="0" err="1">
+                <a:latin typeface="Courier New" panose="02070309020205020404" pitchFamily="49" charset="0"/>
+                <a:cs typeface="Courier New" panose="02070309020205020404" pitchFamily="49" charset="0"/>
+              </a:rPr>
+              <a:t>excluded_middle</a:t>
+            </a:r>
+            <a:r>
+              <a:rPr lang="en-US" sz="2400" dirty="0">
+                <a:latin typeface="Courier New" panose="02070309020205020404" pitchFamily="49" charset="0"/>
+                <a:cs typeface="Courier New" panose="02070309020205020404" pitchFamily="49" charset="0"/>
+              </a:rPr>
+              <a:t> P,</a:t>
+            </a:r>
+          </a:p>
+          <a:p>
+            <a:pPr marL="0" indent="0">
+              <a:buNone/>
+            </a:pPr>
+            <a:r>
+              <a:rPr lang="en-US" sz="2400" dirty="0">
+                <a:latin typeface="Courier New" panose="02070309020205020404" pitchFamily="49" charset="0"/>
+                <a:cs typeface="Courier New" panose="02070309020205020404" pitchFamily="49" charset="0"/>
+              </a:rPr>
+              <a:t>    show P, from h,</a:t>
+            </a:r>
+          </a:p>
+          <a:p>
+            <a:pPr marL="0" indent="0">
+              <a:buNone/>
+            </a:pPr>
+            <a:endParaRPr lang="en-US" sz="2400" dirty="0">
+              <a:latin typeface="Courier New" panose="02070309020205020404" pitchFamily="49" charset="0"/>
+              <a:cs typeface="Courier New" panose="02070309020205020404" pitchFamily="49" charset="0"/>
+            </a:endParaRPr>
+          </a:p>
+          <a:p>
+            <a:pPr marL="0" indent="0">
+              <a:buNone/>
+            </a:pPr>
+            <a:r>
+              <a:rPr lang="en-US" sz="2400" dirty="0">
+                <a:latin typeface="Courier New" panose="02070309020205020404" pitchFamily="49" charset="0"/>
+                <a:cs typeface="Courier New" panose="02070309020205020404" pitchFamily="49" charset="0"/>
+              </a:rPr>
+              <a:t>    have f: false := </a:t>
+            </a:r>
+            <a:r>
+              <a:rPr lang="en-US" sz="2400" dirty="0" err="1">
+                <a:latin typeface="Courier New" panose="02070309020205020404" pitchFamily="49" charset="0"/>
+                <a:cs typeface="Courier New" panose="02070309020205020404" pitchFamily="49" charset="0"/>
+              </a:rPr>
+              <a:t>pfNotNotP</a:t>
+            </a:r>
+            <a:r>
+              <a:rPr lang="en-US" sz="2400" dirty="0">
+                <a:latin typeface="Courier New" panose="02070309020205020404" pitchFamily="49" charset="0"/>
+                <a:cs typeface="Courier New" panose="02070309020205020404" pitchFamily="49" charset="0"/>
+              </a:rPr>
+              <a:t> h,</a:t>
+            </a:r>
+          </a:p>
+          <a:p>
+            <a:pPr marL="0" indent="0">
+              <a:buNone/>
+            </a:pPr>
+            <a:r>
+              <a:rPr lang="en-US" sz="2400" dirty="0">
+                <a:latin typeface="Courier New" panose="02070309020205020404" pitchFamily="49" charset="0"/>
+                <a:cs typeface="Courier New" panose="02070309020205020404" pitchFamily="49" charset="0"/>
+              </a:rPr>
+              <a:t>    exact </a:t>
+            </a:r>
+            <a:r>
+              <a:rPr lang="en-US" sz="2400" dirty="0" err="1">
+                <a:latin typeface="Courier New" panose="02070309020205020404" pitchFamily="49" charset="0"/>
+                <a:cs typeface="Courier New" panose="02070309020205020404" pitchFamily="49" charset="0"/>
+              </a:rPr>
+              <a:t>false.elim</a:t>
+            </a:r>
+            <a:r>
+              <a:rPr lang="en-US" sz="2400" dirty="0">
+                <a:latin typeface="Courier New" panose="02070309020205020404" pitchFamily="49" charset="0"/>
+                <a:cs typeface="Courier New" panose="02070309020205020404" pitchFamily="49" charset="0"/>
+              </a:rPr>
+              <a:t> f</a:t>
+            </a:r>
+          </a:p>
+          <a:p>
+            <a:pPr marL="0" indent="0">
+              <a:buNone/>
+            </a:pPr>
+            <a:r>
+              <a:rPr lang="en-US" sz="2400" dirty="0">
+                <a:latin typeface="Courier New" panose="02070309020205020404" pitchFamily="49" charset="0"/>
+                <a:cs typeface="Courier New" panose="02070309020205020404" pitchFamily="49" charset="0"/>
+              </a:rPr>
+              <a:t>end</a:t>
+            </a:r>
+          </a:p>
+        </p:txBody>
+      </p:sp>
+      <p:sp>
+        <p:nvSpPr>
+          <p:cNvPr id="4" name="Slide Number Placeholder 3">
+            <a:extLst>
+              <a:ext uri="{FF2B5EF4-FFF2-40B4-BE49-F238E27FC236}">
+                <a16:creationId xmlns:a16="http://schemas.microsoft.com/office/drawing/2014/main" id="{2EE780AD-5DA3-BD4F-B6A0-4CA109B8F5AA}"/>
+              </a:ext>
+            </a:extLst>
+          </p:cNvPr>
+          <p:cNvSpPr>
+            <a:spLocks noGrp="1"/>
+          </p:cNvSpPr>
+          <p:nvPr>
+            <p:ph type="sldNum" sz="quarter" idx="12"/>
+          </p:nvPr>
+        </p:nvSpPr>
+        <p:spPr/>
+        <p:txBody>
+          <a:bodyPr/>
+          <a:lstStyle/>
+          <a:p>
+            <a:fld id="{3352CBF5-17B8-4387-88A6-ABF9F8C64D5A}" type="slidenum">
+              <a:rPr lang="en-US" smtClean="0"/>
+              <a:t>21</a:t>
+            </a:fld>
+            <a:endParaRPr lang="en-US"/>
+          </a:p>
+        </p:txBody>
+      </p:sp>
+    </p:spTree>
+    <p:extLst>
+      <p:ext uri="{BB962C8B-B14F-4D97-AF65-F5344CB8AC3E}">
+        <p14:creationId xmlns:p14="http://schemas.microsoft.com/office/powerpoint/2010/main" val="1021305595"/>
+      </p:ext>
+    </p:extLst>
+  </p:cSld>
+  <p:clrMapOvr>
+    <a:masterClrMapping/>
+  </p:clrMapOvr>
+</p:sld>
+</file>
+
+<file path=ppt/slides/slide22.xml><?xml version="1.0" encoding="utf-8"?>
+<p:sld xmlns:a="http://schemas.openxmlformats.org/drawingml/2006/main" xmlns:r="http://schemas.openxmlformats.org/officeDocument/2006/relationships" xmlns:p="http://schemas.openxmlformats.org/presentationml/2006/main">
+  <p:cSld>
+    <p:spTree>
+      <p:nvGrpSpPr>
+        <p:cNvPr id="1" name=""/>
+        <p:cNvGrpSpPr/>
+        <p:nvPr/>
+      </p:nvGrpSpPr>
+      <p:grpSpPr>
+        <a:xfrm>
+          <a:off x="0" y="0"/>
+          <a:ext cx="0" cy="0"/>
+          <a:chOff x="0" y="0"/>
+          <a:chExt cx="0" cy="0"/>
+        </a:xfrm>
+      </p:grpSpPr>
+      <p:sp>
+        <p:nvSpPr>
+          <p:cNvPr id="2" name="Title 1">
+            <a:extLst>
+              <a:ext uri="{FF2B5EF4-FFF2-40B4-BE49-F238E27FC236}">
+                <a16:creationId xmlns:a16="http://schemas.microsoft.com/office/drawing/2014/main" id="{64518117-4F05-0B47-BD83-1A6042A62180}"/>
+              </a:ext>
+            </a:extLst>
+          </p:cNvPr>
+          <p:cNvSpPr>
+            <a:spLocks noGrp="1"/>
+          </p:cNvSpPr>
+          <p:nvPr>
+            <p:ph type="title"/>
+          </p:nvPr>
+        </p:nvSpPr>
+        <p:spPr/>
+        <p:txBody>
+          <a:bodyPr/>
+          <a:lstStyle/>
+          <a:p>
+            <a:r>
+              <a:rPr lang="en-US" dirty="0"/>
+              <a:t>Application</a:t>
+            </a:r>
+          </a:p>
+        </p:txBody>
+      </p:sp>
+      <p:sp>
+        <p:nvSpPr>
+          <p:cNvPr id="3" name="Content Placeholder 2">
+            <a:extLst>
+              <a:ext uri="{FF2B5EF4-FFF2-40B4-BE49-F238E27FC236}">
+                <a16:creationId xmlns:a16="http://schemas.microsoft.com/office/drawing/2014/main" id="{D9495373-DB30-3240-9C6D-8847D8DE31ED}"/>
+              </a:ext>
+            </a:extLst>
+          </p:cNvPr>
+          <p:cNvSpPr>
+            <a:spLocks noGrp="1"/>
+          </p:cNvSpPr>
+          <p:nvPr>
+            <p:ph idx="1"/>
+          </p:nvPr>
+        </p:nvSpPr>
+        <p:spPr/>
+        <p:txBody>
+          <a:bodyPr/>
+          <a:lstStyle/>
+          <a:p>
+            <a:r>
+              <a:rPr lang="en-US" dirty="0"/>
+              <a:t>Derive P by double negation elimination</a:t>
+            </a:r>
+          </a:p>
+          <a:p>
+            <a:pPr marL="0" indent="0">
+              <a:buNone/>
+            </a:pPr>
+            <a:endParaRPr lang="en-US" dirty="0"/>
+          </a:p>
+          <a:p>
+            <a:pPr marL="0" indent="0">
+              <a:buNone/>
+            </a:pPr>
+            <a:r>
+              <a:rPr lang="en-US" sz="2400" dirty="0">
+                <a:latin typeface="Courier New" panose="02070309020205020404" pitchFamily="49" charset="0"/>
+                <a:cs typeface="Courier New" panose="02070309020205020404" pitchFamily="49" charset="0"/>
+              </a:rPr>
+              <a:t>variable </a:t>
+            </a:r>
+            <a:r>
+              <a:rPr lang="en-US" sz="2400" dirty="0" err="1">
+                <a:latin typeface="Courier New" panose="02070309020205020404" pitchFamily="49" charset="0"/>
+                <a:cs typeface="Courier New" panose="02070309020205020404" pitchFamily="49" charset="0"/>
+              </a:rPr>
+              <a:t>notNotP</a:t>
+            </a:r>
+            <a:r>
+              <a:rPr lang="en-US" sz="2400" dirty="0">
+                <a:latin typeface="Courier New" panose="02070309020205020404" pitchFamily="49" charset="0"/>
+                <a:cs typeface="Courier New" panose="02070309020205020404" pitchFamily="49" charset="0"/>
+              </a:rPr>
+              <a:t> : ¬ ¬ P -- assume ¬ ¬ P</a:t>
+            </a:r>
+          </a:p>
+          <a:p>
+            <a:pPr marL="0" indent="0">
+              <a:buNone/>
+            </a:pPr>
+            <a:r>
+              <a:rPr lang="en-US" sz="2400" dirty="0">
+                <a:latin typeface="Courier New" panose="02070309020205020404" pitchFamily="49" charset="0"/>
+                <a:cs typeface="Courier New" panose="02070309020205020404" pitchFamily="49" charset="0"/>
+              </a:rPr>
+              <a:t>theorem </a:t>
+            </a:r>
+            <a:r>
+              <a:rPr lang="en-US" sz="2400" dirty="0" err="1">
+                <a:latin typeface="Courier New" panose="02070309020205020404" pitchFamily="49" charset="0"/>
+                <a:cs typeface="Courier New" panose="02070309020205020404" pitchFamily="49" charset="0"/>
+              </a:rPr>
+              <a:t>pfP</a:t>
+            </a:r>
+            <a:r>
+              <a:rPr lang="en-US" sz="2400" dirty="0">
+                <a:latin typeface="Courier New" panose="02070309020205020404" pitchFamily="49" charset="0"/>
+                <a:cs typeface="Courier New" panose="02070309020205020404" pitchFamily="49" charset="0"/>
+              </a:rPr>
+              <a:t> : P := </a:t>
+            </a:r>
+            <a:r>
+              <a:rPr lang="en-US" sz="2400" dirty="0" err="1">
+                <a:latin typeface="Courier New" panose="02070309020205020404" pitchFamily="49" charset="0"/>
+                <a:cs typeface="Courier New" panose="02070309020205020404" pitchFamily="49" charset="0"/>
+              </a:rPr>
+              <a:t>double_neg_elim</a:t>
+            </a:r>
+            <a:r>
+              <a:rPr lang="en-US" sz="2400" dirty="0">
+                <a:latin typeface="Courier New" panose="02070309020205020404" pitchFamily="49" charset="0"/>
+                <a:cs typeface="Courier New" panose="02070309020205020404" pitchFamily="49" charset="0"/>
+              </a:rPr>
+              <a:t> </a:t>
+            </a:r>
+            <a:r>
+              <a:rPr lang="en-US" sz="2400" dirty="0" err="1">
+                <a:latin typeface="Courier New" panose="02070309020205020404" pitchFamily="49" charset="0"/>
+                <a:cs typeface="Courier New" panose="02070309020205020404" pitchFamily="49" charset="0"/>
+              </a:rPr>
+              <a:t>notNotP</a:t>
+            </a:r>
+            <a:endParaRPr lang="en-US" sz="2400" dirty="0">
+              <a:latin typeface="Courier New" panose="02070309020205020404" pitchFamily="49" charset="0"/>
+              <a:cs typeface="Courier New" panose="02070309020205020404" pitchFamily="49" charset="0"/>
+            </a:endParaRPr>
+          </a:p>
+          <a:p>
+            <a:endParaRPr lang="en-US" dirty="0"/>
+          </a:p>
+        </p:txBody>
+      </p:sp>
+      <p:sp>
+        <p:nvSpPr>
+          <p:cNvPr id="4" name="Slide Number Placeholder 3">
+            <a:extLst>
+              <a:ext uri="{FF2B5EF4-FFF2-40B4-BE49-F238E27FC236}">
+                <a16:creationId xmlns:a16="http://schemas.microsoft.com/office/drawing/2014/main" id="{9E20809D-682B-AF49-AC84-361571F525FD}"/>
+              </a:ext>
+            </a:extLst>
+          </p:cNvPr>
+          <p:cNvSpPr>
+            <a:spLocks noGrp="1"/>
+          </p:cNvSpPr>
+          <p:nvPr>
+            <p:ph type="sldNum" sz="quarter" idx="12"/>
+          </p:nvPr>
+        </p:nvSpPr>
+        <p:spPr/>
+        <p:txBody>
+          <a:bodyPr/>
+          <a:lstStyle/>
+          <a:p>
+            <a:fld id="{3352CBF5-17B8-4387-88A6-ABF9F8C64D5A}" type="slidenum">
+              <a:rPr lang="en-US" smtClean="0"/>
+              <a:t>22</a:t>
+            </a:fld>
+            <a:endParaRPr lang="en-US"/>
+          </a:p>
+        </p:txBody>
+      </p:sp>
+    </p:spTree>
+    <p:extLst>
+      <p:ext uri="{BB962C8B-B14F-4D97-AF65-F5344CB8AC3E}">
+        <p14:creationId xmlns:p14="http://schemas.microsoft.com/office/powerpoint/2010/main" val="3678179254"/>
+      </p:ext>
+    </p:extLst>
+  </p:cSld>
+  <p:clrMapOvr>
+    <a:masterClrMapping/>
+  </p:clrMapOvr>
+</p:sld>
+</file>
+
+<file path=ppt/slides/slide23.xml><?xml version="1.0" encoding="utf-8"?>
+<p:sld xmlns:a="http://schemas.openxmlformats.org/drawingml/2006/main" xmlns:r="http://schemas.openxmlformats.org/officeDocument/2006/relationships" xmlns:p="http://schemas.openxmlformats.org/presentationml/2006/main">
+  <p:cSld>
+    <p:spTree>
+      <p:nvGrpSpPr>
+        <p:cNvPr id="1" name=""/>
+        <p:cNvGrpSpPr/>
+        <p:nvPr/>
+      </p:nvGrpSpPr>
+      <p:grpSpPr>
+        <a:xfrm>
+          <a:off x="0" y="0"/>
+          <a:ext cx="0" cy="0"/>
+          <a:chOff x="0" y="0"/>
+          <a:chExt cx="0" cy="0"/>
+        </a:xfrm>
+      </p:grpSpPr>
+      <p:sp>
+        <p:nvSpPr>
+          <p:cNvPr id="2" name="Title 1">
+            <a:extLst>
+              <a:ext uri="{FF2B5EF4-FFF2-40B4-BE49-F238E27FC236}">
+                <a16:creationId xmlns:a16="http://schemas.microsoft.com/office/drawing/2014/main" id="{17201CB2-CA0E-BD4B-B840-92D48EBBE15A}"/>
+              </a:ext>
+            </a:extLst>
+          </p:cNvPr>
+          <p:cNvSpPr>
+            <a:spLocks noGrp="1"/>
+          </p:cNvSpPr>
+          <p:nvPr>
+            <p:ph type="title"/>
+          </p:nvPr>
+        </p:nvSpPr>
+        <p:spPr/>
+        <p:txBody>
+          <a:bodyPr/>
+          <a:lstStyle/>
+          <a:p>
+            <a:r>
+              <a:rPr lang="en-US" dirty="0"/>
+              <a:t>Proof by contradiction</a:t>
+            </a:r>
+          </a:p>
+        </p:txBody>
+      </p:sp>
+      <p:sp>
+        <p:nvSpPr>
+          <p:cNvPr id="3" name="Content Placeholder 2">
+            <a:extLst>
+              <a:ext uri="{FF2B5EF4-FFF2-40B4-BE49-F238E27FC236}">
+                <a16:creationId xmlns:a16="http://schemas.microsoft.com/office/drawing/2014/main" id="{DE5B0A3A-AE22-9646-A962-372A2B0199ED}"/>
+              </a:ext>
+            </a:extLst>
+          </p:cNvPr>
+          <p:cNvSpPr>
+            <a:spLocks noGrp="1"/>
+          </p:cNvSpPr>
+          <p:nvPr>
+            <p:ph idx="1"/>
+          </p:nvPr>
+        </p:nvSpPr>
+        <p:spPr/>
+        <p:txBody>
+          <a:bodyPr>
+            <a:normAutofit/>
+          </a:bodyPr>
+          <a:lstStyle/>
+          <a:p>
+            <a:r>
+              <a:rPr lang="en-US" dirty="0"/>
+              <a:t>Proof by contradiction has us assume the opposite of what we want to prove and show that it is false</a:t>
+            </a:r>
+          </a:p>
+          <a:p>
+            <a:r>
+              <a:rPr lang="en-US" dirty="0"/>
+              <a:t>I.e., assume “not P” and show it has a false truth judgment</a:t>
+            </a:r>
+          </a:p>
+          <a:p>
+            <a:pPr marL="0" indent="0">
+              <a:buNone/>
+            </a:pPr>
+            <a:r>
+              <a:rPr lang="en-US" sz="2400" dirty="0">
+                <a:latin typeface="Courier New" panose="02070309020205020404" pitchFamily="49" charset="0"/>
+                <a:cs typeface="Courier New" panose="02070309020205020404" pitchFamily="49" charset="0"/>
+              </a:rPr>
+              <a:t>theorem </a:t>
+            </a:r>
+            <a:r>
+              <a:rPr lang="en-US" sz="2400" dirty="0" err="1">
+                <a:latin typeface="Courier New" panose="02070309020205020404" pitchFamily="49" charset="0"/>
+                <a:cs typeface="Courier New" panose="02070309020205020404" pitchFamily="49" charset="0"/>
+              </a:rPr>
+              <a:t>proof_by_contradiction</a:t>
+            </a:r>
+            <a:r>
+              <a:rPr lang="en-US" sz="2400" dirty="0">
+                <a:latin typeface="Courier New" panose="02070309020205020404" pitchFamily="49" charset="0"/>
+                <a:cs typeface="Courier New" panose="02070309020205020404" pitchFamily="49" charset="0"/>
+              </a:rPr>
+              <a:t> : ∀ P : Prop,</a:t>
+            </a:r>
+          </a:p>
+          <a:p>
+            <a:pPr marL="0" indent="0">
+              <a:buNone/>
+            </a:pPr>
+            <a:r>
+              <a:rPr lang="en-US" sz="2400" dirty="0">
+                <a:latin typeface="Courier New" panose="02070309020205020404" pitchFamily="49" charset="0"/>
+                <a:cs typeface="Courier New" panose="02070309020205020404" pitchFamily="49" charset="0"/>
+              </a:rPr>
+              <a:t>  (¬ P → false) → P := </a:t>
+            </a:r>
+          </a:p>
+          <a:p>
+            <a:pPr marL="0" indent="0">
+              <a:buNone/>
+            </a:pPr>
+            <a:r>
+              <a:rPr lang="en-US" sz="2400" dirty="0">
+                <a:latin typeface="Courier New" panose="02070309020205020404" pitchFamily="49" charset="0"/>
+                <a:cs typeface="Courier New" panose="02070309020205020404" pitchFamily="49" charset="0"/>
+              </a:rPr>
+              <a:t>    @</a:t>
+            </a:r>
+            <a:r>
+              <a:rPr lang="en-US" sz="2400" dirty="0" err="1">
+                <a:latin typeface="Courier New" panose="02070309020205020404" pitchFamily="49" charset="0"/>
+                <a:cs typeface="Courier New" panose="02070309020205020404" pitchFamily="49" charset="0"/>
+              </a:rPr>
+              <a:t>double_neg_elim</a:t>
+            </a:r>
+            <a:endParaRPr lang="en-US" sz="2400" dirty="0">
+              <a:latin typeface="Courier New" panose="02070309020205020404" pitchFamily="49" charset="0"/>
+              <a:cs typeface="Courier New" panose="02070309020205020404" pitchFamily="49" charset="0"/>
+            </a:endParaRPr>
+          </a:p>
+          <a:p>
+            <a:endParaRPr lang="en-US" dirty="0"/>
+          </a:p>
+          <a:p>
+            <a:r>
+              <a:rPr lang="en-US" dirty="0"/>
+              <a:t>The </a:t>
+            </a:r>
+            <a:r>
+              <a:rPr lang="en-US" sz="2400" dirty="0">
+                <a:latin typeface="Courier New" panose="02070309020205020404" pitchFamily="49" charset="0"/>
+                <a:cs typeface="Courier New" panose="02070309020205020404" pitchFamily="49" charset="0"/>
+              </a:rPr>
+              <a:t>@</a:t>
+            </a:r>
+            <a:r>
+              <a:rPr lang="en-US" dirty="0"/>
+              <a:t> here turns off type inferencing for this one reference to </a:t>
+            </a:r>
+            <a:r>
+              <a:rPr lang="en-US" sz="2400" dirty="0" err="1">
+                <a:latin typeface="Courier New" panose="02070309020205020404" pitchFamily="49" charset="0"/>
+                <a:cs typeface="Courier New" panose="02070309020205020404" pitchFamily="49" charset="0"/>
+              </a:rPr>
+              <a:t>double_neg_elim</a:t>
+            </a:r>
+            <a:r>
+              <a:rPr lang="en-US" dirty="0"/>
+              <a:t>. It is a detail here. We'll discuss </a:t>
+            </a:r>
+            <a:r>
+              <a:rPr lang="en-US" sz="2400" dirty="0">
+                <a:latin typeface="Courier New" panose="02070309020205020404" pitchFamily="49" charset="0"/>
+                <a:cs typeface="Courier New" panose="02070309020205020404" pitchFamily="49" charset="0"/>
+              </a:rPr>
+              <a:t>@</a:t>
+            </a:r>
+            <a:r>
+              <a:rPr lang="en-US" dirty="0"/>
+              <a:t> later.</a:t>
+            </a:r>
+          </a:p>
+        </p:txBody>
+      </p:sp>
+      <p:sp>
+        <p:nvSpPr>
+          <p:cNvPr id="4" name="Slide Number Placeholder 3">
+            <a:extLst>
+              <a:ext uri="{FF2B5EF4-FFF2-40B4-BE49-F238E27FC236}">
+                <a16:creationId xmlns:a16="http://schemas.microsoft.com/office/drawing/2014/main" id="{3D11F6C5-0941-C84F-A4C4-F4A77F814FF7}"/>
+              </a:ext>
+            </a:extLst>
+          </p:cNvPr>
+          <p:cNvSpPr>
+            <a:spLocks noGrp="1"/>
+          </p:cNvSpPr>
+          <p:nvPr>
+            <p:ph type="sldNum" sz="quarter" idx="12"/>
+          </p:nvPr>
+        </p:nvSpPr>
+        <p:spPr/>
+        <p:txBody>
+          <a:bodyPr/>
+          <a:lstStyle/>
+          <a:p>
+            <a:fld id="{3352CBF5-17B8-4387-88A6-ABF9F8C64D5A}" type="slidenum">
+              <a:rPr lang="en-US" smtClean="0"/>
+              <a:t>23</a:t>
+            </a:fld>
+            <a:endParaRPr lang="en-US"/>
+          </a:p>
+        </p:txBody>
+      </p:sp>
+    </p:spTree>
+    <p:extLst>
+      <p:ext uri="{BB962C8B-B14F-4D97-AF65-F5344CB8AC3E}">
+        <p14:creationId xmlns:p14="http://schemas.microsoft.com/office/powerpoint/2010/main" val="3448962987"/>
+      </p:ext>
+    </p:extLst>
+  </p:cSld>
+  <p:clrMapOvr>
+    <a:masterClrMapping/>
+  </p:clrMapOvr>
+</p:sld>
+</file>
+
+<file path=ppt/slides/slide24.xml><?xml version="1.0" encoding="utf-8"?>
+<p:sld xmlns:a="http://schemas.openxmlformats.org/drawingml/2006/main" xmlns:r="http://schemas.openxmlformats.org/officeDocument/2006/relationships" xmlns:p="http://schemas.openxmlformats.org/presentationml/2006/main">
+  <p:cSld>
+    <p:spTree>
+      <p:nvGrpSpPr>
+        <p:cNvPr id="1" name=""/>
+        <p:cNvGrpSpPr/>
+        <p:nvPr/>
+      </p:nvGrpSpPr>
+      <p:grpSpPr>
+        <a:xfrm>
+          <a:off x="0" y="0"/>
+          <a:ext cx="0" cy="0"/>
+          <a:chOff x="0" y="0"/>
+          <a:chExt cx="0" cy="0"/>
+        </a:xfrm>
+      </p:grpSpPr>
+      <p:sp>
+        <p:nvSpPr>
+          <p:cNvPr id="2" name="Title 1">
+            <a:extLst>
+              <a:ext uri="{FF2B5EF4-FFF2-40B4-BE49-F238E27FC236}">
+                <a16:creationId xmlns:a16="http://schemas.microsoft.com/office/drawing/2014/main" id="{B13002D4-FFA1-8543-9226-CBAC2FD67B94}"/>
+              </a:ext>
+            </a:extLst>
+          </p:cNvPr>
+          <p:cNvSpPr>
+            <a:spLocks noGrp="1"/>
+          </p:cNvSpPr>
+          <p:nvPr>
+            <p:ph type="title"/>
+          </p:nvPr>
+        </p:nvSpPr>
+        <p:spPr/>
+        <p:txBody>
+          <a:bodyPr/>
+          <a:lstStyle/>
+          <a:p>
+            <a:r>
+              <a:rPr lang="en-US" dirty="0"/>
+              <a:t>Application</a:t>
+            </a:r>
+          </a:p>
+        </p:txBody>
+      </p:sp>
+      <p:sp>
+        <p:nvSpPr>
+          <p:cNvPr id="3" name="Content Placeholder 2">
+            <a:extLst>
+              <a:ext uri="{FF2B5EF4-FFF2-40B4-BE49-F238E27FC236}">
+                <a16:creationId xmlns:a16="http://schemas.microsoft.com/office/drawing/2014/main" id="{9808FD25-DEC3-C849-AEDE-F78E49316B2E}"/>
+              </a:ext>
+            </a:extLst>
+          </p:cNvPr>
+          <p:cNvSpPr>
+            <a:spLocks noGrp="1"/>
+          </p:cNvSpPr>
+          <p:nvPr>
+            <p:ph idx="1"/>
+          </p:nvPr>
+        </p:nvSpPr>
+        <p:spPr/>
+        <p:txBody>
+          <a:bodyPr>
+            <a:normAutofit/>
+          </a:bodyPr>
+          <a:lstStyle/>
+          <a:p>
+            <a:pPr marL="0" indent="0">
+              <a:buNone/>
+            </a:pPr>
+            <a:r>
+              <a:rPr lang="en-US" sz="2400" dirty="0">
+                <a:latin typeface="Courier New" panose="02070309020205020404" pitchFamily="49" charset="0"/>
+                <a:cs typeface="Courier New" panose="02070309020205020404" pitchFamily="49" charset="0"/>
+              </a:rPr>
+              <a:t>theorem </a:t>
+            </a:r>
+            <a:r>
+              <a:rPr lang="en-US" sz="2400" dirty="0" err="1">
+                <a:latin typeface="Courier New" panose="02070309020205020404" pitchFamily="49" charset="0"/>
+                <a:cs typeface="Courier New" panose="02070309020205020404" pitchFamily="49" charset="0"/>
+              </a:rPr>
+              <a:t>zeqz</a:t>
+            </a:r>
+            <a:r>
+              <a:rPr lang="en-US" sz="2400" dirty="0">
+                <a:latin typeface="Courier New" panose="02070309020205020404" pitchFamily="49" charset="0"/>
+                <a:cs typeface="Courier New" panose="02070309020205020404" pitchFamily="49" charset="0"/>
+              </a:rPr>
+              <a:t> : 0 = 0 :=</a:t>
+            </a:r>
+          </a:p>
+          <a:p>
+            <a:pPr marL="0" indent="0">
+              <a:buNone/>
+            </a:pPr>
+            <a:r>
+              <a:rPr lang="en-US" sz="2400" dirty="0">
+                <a:latin typeface="Courier New" panose="02070309020205020404" pitchFamily="49" charset="0"/>
+                <a:cs typeface="Courier New" panose="02070309020205020404" pitchFamily="49" charset="0"/>
+              </a:rPr>
+              <a:t>begin</a:t>
+            </a:r>
+          </a:p>
+          <a:p>
+            <a:pPr marL="0" indent="0">
+              <a:buNone/>
+            </a:pPr>
+            <a:r>
+              <a:rPr lang="en-US" sz="2400" dirty="0">
+                <a:latin typeface="Courier New" panose="02070309020205020404" pitchFamily="49" charset="0"/>
+                <a:cs typeface="Courier New" panose="02070309020205020404" pitchFamily="49" charset="0"/>
+              </a:rPr>
+              <a:t>  apply </a:t>
+            </a:r>
+            <a:r>
+              <a:rPr lang="en-US" sz="2400" dirty="0" err="1">
+                <a:latin typeface="Courier New" panose="02070309020205020404" pitchFamily="49" charset="0"/>
+                <a:cs typeface="Courier New" panose="02070309020205020404" pitchFamily="49" charset="0"/>
+              </a:rPr>
+              <a:t>proof_by_contradiction</a:t>
+            </a:r>
+            <a:r>
+              <a:rPr lang="en-US" sz="2400" dirty="0">
+                <a:latin typeface="Courier New" panose="02070309020205020404" pitchFamily="49" charset="0"/>
+                <a:cs typeface="Courier New" panose="02070309020205020404" pitchFamily="49" charset="0"/>
+              </a:rPr>
+              <a:t>,</a:t>
+            </a:r>
+          </a:p>
+          <a:p>
+            <a:pPr marL="0" indent="0">
+              <a:buNone/>
+            </a:pPr>
+            <a:r>
+              <a:rPr lang="en-US" sz="2400" dirty="0">
+                <a:latin typeface="Courier New" panose="02070309020205020404" pitchFamily="49" charset="0"/>
+                <a:cs typeface="Courier New" panose="02070309020205020404" pitchFamily="49" charset="0"/>
+              </a:rPr>
+              <a:t>  assume pf: 0 = 0 → false,</a:t>
+            </a:r>
+          </a:p>
+          <a:p>
+            <a:pPr marL="0" indent="0">
+              <a:buNone/>
+            </a:pPr>
+            <a:r>
+              <a:rPr lang="en-US" sz="2400" dirty="0">
+                <a:latin typeface="Courier New" panose="02070309020205020404" pitchFamily="49" charset="0"/>
+                <a:cs typeface="Courier New" panose="02070309020205020404" pitchFamily="49" charset="0"/>
+              </a:rPr>
+              <a:t>  show false,</a:t>
+            </a:r>
+          </a:p>
+          <a:p>
+            <a:pPr marL="0" indent="0">
+              <a:buNone/>
+            </a:pPr>
+            <a:r>
+              <a:rPr lang="en-US" sz="2400" dirty="0">
+                <a:latin typeface="Courier New" panose="02070309020205020404" pitchFamily="49" charset="0"/>
+                <a:cs typeface="Courier New" panose="02070309020205020404" pitchFamily="49" charset="0"/>
+              </a:rPr>
+              <a:t>  from pf (</a:t>
+            </a:r>
+            <a:r>
+              <a:rPr lang="en-US" sz="2400" dirty="0" err="1">
+                <a:latin typeface="Courier New" panose="02070309020205020404" pitchFamily="49" charset="0"/>
+                <a:cs typeface="Courier New" panose="02070309020205020404" pitchFamily="49" charset="0"/>
+              </a:rPr>
+              <a:t>eq.refl</a:t>
+            </a:r>
+            <a:r>
+              <a:rPr lang="en-US" sz="2400" dirty="0">
+                <a:latin typeface="Courier New" panose="02070309020205020404" pitchFamily="49" charset="0"/>
+                <a:cs typeface="Courier New" panose="02070309020205020404" pitchFamily="49" charset="0"/>
+              </a:rPr>
+              <a:t> 0)</a:t>
+            </a:r>
+          </a:p>
+          <a:p>
+            <a:pPr marL="0" indent="0">
+              <a:buNone/>
+            </a:pPr>
+            <a:r>
+              <a:rPr lang="en-US" sz="2400" dirty="0">
+                <a:latin typeface="Courier New" panose="02070309020205020404" pitchFamily="49" charset="0"/>
+                <a:cs typeface="Courier New" panose="02070309020205020404" pitchFamily="49" charset="0"/>
+              </a:rPr>
+              <a:t>end</a:t>
+            </a:r>
+          </a:p>
+        </p:txBody>
+      </p:sp>
+      <p:sp>
+        <p:nvSpPr>
+          <p:cNvPr id="4" name="Slide Number Placeholder 3">
+            <a:extLst>
+              <a:ext uri="{FF2B5EF4-FFF2-40B4-BE49-F238E27FC236}">
+                <a16:creationId xmlns:a16="http://schemas.microsoft.com/office/drawing/2014/main" id="{A99C835B-B6BC-A042-AB4A-1187C63945F5}"/>
+              </a:ext>
+            </a:extLst>
+          </p:cNvPr>
+          <p:cNvSpPr>
+            <a:spLocks noGrp="1"/>
+          </p:cNvSpPr>
+          <p:nvPr>
+            <p:ph type="sldNum" sz="quarter" idx="12"/>
+          </p:nvPr>
+        </p:nvSpPr>
+        <p:spPr/>
+        <p:txBody>
+          <a:bodyPr/>
+          <a:lstStyle/>
+          <a:p>
+            <a:fld id="{3352CBF5-17B8-4387-88A6-ABF9F8C64D5A}" type="slidenum">
+              <a:rPr lang="en-US" smtClean="0"/>
+              <a:t>24</a:t>
+            </a:fld>
+            <a:endParaRPr lang="en-US"/>
+          </a:p>
+        </p:txBody>
+      </p:sp>
+    </p:spTree>
+    <p:extLst>
+      <p:ext uri="{BB962C8B-B14F-4D97-AF65-F5344CB8AC3E}">
+        <p14:creationId xmlns:p14="http://schemas.microsoft.com/office/powerpoint/2010/main" val="3443361289"/>
+      </p:ext>
+    </p:extLst>
+  </p:cSld>
+  <p:clrMapOvr>
+    <a:masterClrMapping/>
+  </p:clrMapOvr>
+</p:sld>
+</file>
+
+<file path=ppt/slides/slide25.xml><?xml version="1.0" encoding="utf-8"?>
+<p:sld xmlns:a="http://schemas.openxmlformats.org/drawingml/2006/main" xmlns:r="http://schemas.openxmlformats.org/officeDocument/2006/relationships" xmlns:p="http://schemas.openxmlformats.org/presentationml/2006/main">
+  <p:cSld>
+    <p:spTree>
+      <p:nvGrpSpPr>
+        <p:cNvPr id="1" name=""/>
+        <p:cNvGrpSpPr/>
+        <p:nvPr/>
+      </p:nvGrpSpPr>
+      <p:grpSpPr>
+        <a:xfrm>
+          <a:off x="0" y="0"/>
+          <a:ext cx="0" cy="0"/>
+          <a:chOff x="0" y="0"/>
+          <a:chExt cx="0" cy="0"/>
+        </a:xfrm>
+      </p:grpSpPr>
+      <p:sp>
+        <p:nvSpPr>
+          <p:cNvPr id="2" name="Title 1">
+            <a:extLst>
+              <a:ext uri="{FF2B5EF4-FFF2-40B4-BE49-F238E27FC236}">
+                <a16:creationId xmlns:a16="http://schemas.microsoft.com/office/drawing/2014/main" id="{4BE546FA-A6F2-0647-A29F-A710A5610757}"/>
+              </a:ext>
+            </a:extLst>
+          </p:cNvPr>
+          <p:cNvSpPr>
+            <a:spLocks noGrp="1"/>
+          </p:cNvSpPr>
+          <p:nvPr>
+            <p:ph type="title"/>
+          </p:nvPr>
+        </p:nvSpPr>
+        <p:spPr/>
+        <p:txBody>
+          <a:bodyPr/>
+          <a:lstStyle/>
+          <a:p>
+            <a:r>
+              <a:rPr lang="en-US" dirty="0"/>
+              <a:t>Classical proof by contradiction</a:t>
+            </a:r>
+          </a:p>
+        </p:txBody>
+      </p:sp>
+      <p:sp>
+        <p:nvSpPr>
+          <p:cNvPr id="3" name="Content Placeholder 2">
+            <a:extLst>
+              <a:ext uri="{FF2B5EF4-FFF2-40B4-BE49-F238E27FC236}">
+                <a16:creationId xmlns:a16="http://schemas.microsoft.com/office/drawing/2014/main" id="{162BCE55-B5B0-5F41-BD41-3D6631CD35AD}"/>
+              </a:ext>
+            </a:extLst>
+          </p:cNvPr>
+          <p:cNvSpPr>
+            <a:spLocks noGrp="1"/>
+          </p:cNvSpPr>
+          <p:nvPr>
+            <p:ph idx="1"/>
+          </p:nvPr>
+        </p:nvSpPr>
+        <p:spPr/>
+        <p:txBody>
+          <a:bodyPr>
+            <a:normAutofit fontScale="85000" lnSpcReduction="20000"/>
+          </a:bodyPr>
+          <a:lstStyle/>
+          <a:p>
+            <a:pPr marL="0" indent="0">
+              <a:buNone/>
+            </a:pPr>
+            <a:r>
+              <a:rPr lang="en-US" sz="2600" dirty="0">
+                <a:solidFill>
+                  <a:srgbClr val="0070C0"/>
+                </a:solidFill>
+                <a:latin typeface="Courier New" panose="02070309020205020404" pitchFamily="49" charset="0"/>
+                <a:cs typeface="Courier New" panose="02070309020205020404" pitchFamily="49" charset="0"/>
+              </a:rPr>
+              <a:t>open classical -- requires classical logic!</a:t>
+            </a:r>
+          </a:p>
+          <a:p>
+            <a:pPr marL="0" indent="0">
+              <a:buNone/>
+            </a:pPr>
+            <a:r>
+              <a:rPr lang="en-US" sz="2600" dirty="0">
+                <a:latin typeface="Courier New" panose="02070309020205020404" pitchFamily="49" charset="0"/>
+                <a:cs typeface="Courier New" panose="02070309020205020404" pitchFamily="49" charset="0"/>
+              </a:rPr>
+              <a:t>example</a:t>
+            </a:r>
+          </a:p>
+          <a:p>
+            <a:pPr marL="0" indent="0">
+              <a:buNone/>
+            </a:pPr>
+            <a:r>
+              <a:rPr lang="en-US" sz="2600" dirty="0">
+                <a:latin typeface="Courier New" panose="02070309020205020404" pitchFamily="49" charset="0"/>
+                <a:cs typeface="Courier New" panose="02070309020205020404" pitchFamily="49" charset="0"/>
+              </a:rPr>
+              <a:t>  { P Q : Prop } </a:t>
+            </a:r>
+          </a:p>
+          <a:p>
+            <a:pPr marL="0" indent="0">
+              <a:buNone/>
+            </a:pPr>
+            <a:r>
+              <a:rPr lang="en-US" sz="2600" dirty="0">
+                <a:latin typeface="Courier New" panose="02070309020205020404" pitchFamily="49" charset="0"/>
+                <a:cs typeface="Courier New" panose="02070309020205020404" pitchFamily="49" charset="0"/>
+              </a:rPr>
+              <a:t>  (pf: ¬ P → (Q ∧ ¬ Q)) </a:t>
+            </a:r>
+          </a:p>
+          <a:p>
+            <a:pPr marL="0" indent="0">
+              <a:buNone/>
+            </a:pPr>
+            <a:r>
+              <a:rPr lang="en-US" sz="2600" dirty="0">
+                <a:latin typeface="Courier New" panose="02070309020205020404" pitchFamily="49" charset="0"/>
+                <a:cs typeface="Courier New" panose="02070309020205020404" pitchFamily="49" charset="0"/>
+              </a:rPr>
+              <a:t>  : P :=</a:t>
+            </a:r>
+          </a:p>
+          <a:p>
+            <a:pPr marL="0" indent="0">
+              <a:buNone/>
+            </a:pPr>
+            <a:r>
+              <a:rPr lang="en-US" sz="2600" dirty="0">
+                <a:latin typeface="Courier New" panose="02070309020205020404" pitchFamily="49" charset="0"/>
+                <a:cs typeface="Courier New" panose="02070309020205020404" pitchFamily="49" charset="0"/>
+              </a:rPr>
+              <a:t>  begin</a:t>
+            </a:r>
+          </a:p>
+          <a:p>
+            <a:pPr marL="0" indent="0">
+              <a:buNone/>
+            </a:pPr>
+            <a:r>
+              <a:rPr lang="en-US" sz="2600" dirty="0">
+                <a:latin typeface="Courier New" panose="02070309020205020404" pitchFamily="49" charset="0"/>
+                <a:cs typeface="Courier New" panose="02070309020205020404" pitchFamily="49" charset="0"/>
+              </a:rPr>
+              <a:t>    apply </a:t>
+            </a:r>
+            <a:r>
+              <a:rPr lang="en-US" sz="2600" dirty="0" err="1">
+                <a:latin typeface="Courier New" panose="02070309020205020404" pitchFamily="49" charset="0"/>
+                <a:cs typeface="Courier New" panose="02070309020205020404" pitchFamily="49" charset="0"/>
+              </a:rPr>
+              <a:t>proof_by_contradiction</a:t>
+            </a:r>
+            <a:r>
+              <a:rPr lang="en-US" sz="2600" dirty="0">
+                <a:latin typeface="Courier New" panose="02070309020205020404" pitchFamily="49" charset="0"/>
+                <a:cs typeface="Courier New" panose="02070309020205020404" pitchFamily="49" charset="0"/>
+              </a:rPr>
+              <a:t>,</a:t>
+            </a:r>
+          </a:p>
+          <a:p>
+            <a:pPr marL="0" indent="0">
+              <a:buNone/>
+            </a:pPr>
+            <a:r>
+              <a:rPr lang="en-US" sz="2600" dirty="0">
+                <a:latin typeface="Courier New" panose="02070309020205020404" pitchFamily="49" charset="0"/>
+                <a:cs typeface="Courier New" panose="02070309020205020404" pitchFamily="49" charset="0"/>
+              </a:rPr>
+              <a:t>    assume </a:t>
+            </a:r>
+            <a:r>
+              <a:rPr lang="en-US" sz="2600" dirty="0" err="1">
+                <a:latin typeface="Courier New" panose="02070309020205020404" pitchFamily="49" charset="0"/>
+                <a:cs typeface="Courier New" panose="02070309020205020404" pitchFamily="49" charset="0"/>
+              </a:rPr>
+              <a:t>notP</a:t>
+            </a:r>
+            <a:r>
+              <a:rPr lang="en-US" sz="2600" dirty="0">
+                <a:latin typeface="Courier New" panose="02070309020205020404" pitchFamily="49" charset="0"/>
+                <a:cs typeface="Courier New" panose="02070309020205020404" pitchFamily="49" charset="0"/>
+              </a:rPr>
+              <a:t>: ¬ P,</a:t>
+            </a:r>
+          </a:p>
+          <a:p>
+            <a:pPr marL="0" indent="0">
+              <a:buNone/>
+            </a:pPr>
+            <a:r>
+              <a:rPr lang="en-US" sz="2600" dirty="0">
+                <a:latin typeface="Courier New" panose="02070309020205020404" pitchFamily="49" charset="0"/>
+                <a:cs typeface="Courier New" panose="02070309020205020404" pitchFamily="49" charset="0"/>
+              </a:rPr>
+              <a:t>    have contra := (pf </a:t>
+            </a:r>
+            <a:r>
+              <a:rPr lang="en-US" sz="2600" dirty="0" err="1">
+                <a:latin typeface="Courier New" panose="02070309020205020404" pitchFamily="49" charset="0"/>
+                <a:cs typeface="Courier New" panose="02070309020205020404" pitchFamily="49" charset="0"/>
+              </a:rPr>
+              <a:t>notP</a:t>
+            </a:r>
+            <a:r>
+              <a:rPr lang="en-US" sz="2600" dirty="0">
+                <a:latin typeface="Courier New" panose="02070309020205020404" pitchFamily="49" charset="0"/>
+                <a:cs typeface="Courier New" panose="02070309020205020404" pitchFamily="49" charset="0"/>
+              </a:rPr>
+              <a:t>),</a:t>
+            </a:r>
+          </a:p>
+          <a:p>
+            <a:pPr marL="0" indent="0">
+              <a:buNone/>
+            </a:pPr>
+            <a:r>
+              <a:rPr lang="en-US" sz="2600" dirty="0">
+                <a:latin typeface="Courier New" panose="02070309020205020404" pitchFamily="49" charset="0"/>
+                <a:cs typeface="Courier New" panose="02070309020205020404" pitchFamily="49" charset="0"/>
+              </a:rPr>
+              <a:t>    show false,</a:t>
+            </a:r>
+          </a:p>
+          <a:p>
+            <a:pPr marL="0" indent="0">
+              <a:buNone/>
+            </a:pPr>
+            <a:r>
+              <a:rPr lang="en-US" sz="2600" dirty="0">
+                <a:latin typeface="Courier New" panose="02070309020205020404" pitchFamily="49" charset="0"/>
+                <a:cs typeface="Courier New" panose="02070309020205020404" pitchFamily="49" charset="0"/>
+              </a:rPr>
+              <a:t>    from </a:t>
+            </a:r>
+            <a:r>
+              <a:rPr lang="en-US" sz="2600" dirty="0" err="1">
+                <a:latin typeface="Courier New" panose="02070309020205020404" pitchFamily="49" charset="0"/>
+                <a:cs typeface="Courier New" panose="02070309020205020404" pitchFamily="49" charset="0"/>
+              </a:rPr>
+              <a:t>no_contra</a:t>
+            </a:r>
+            <a:r>
+              <a:rPr lang="en-US" sz="2600" dirty="0">
+                <a:latin typeface="Courier New" panose="02070309020205020404" pitchFamily="49" charset="0"/>
+                <a:cs typeface="Courier New" panose="02070309020205020404" pitchFamily="49" charset="0"/>
+              </a:rPr>
+              <a:t> Q contra</a:t>
+            </a:r>
+          </a:p>
+          <a:p>
+            <a:pPr marL="0" indent="0">
+              <a:buNone/>
+            </a:pPr>
+            <a:r>
+              <a:rPr lang="en-US" sz="2600" dirty="0">
+                <a:latin typeface="Courier New" panose="02070309020205020404" pitchFamily="49" charset="0"/>
+                <a:cs typeface="Courier New" panose="02070309020205020404" pitchFamily="49" charset="0"/>
+              </a:rPr>
+              <a:t>  end</a:t>
+            </a:r>
+            <a:endParaRPr lang="en-US" sz="2300" dirty="0">
+              <a:latin typeface="Courier New" panose="02070309020205020404" pitchFamily="49" charset="0"/>
+              <a:cs typeface="Courier New" panose="02070309020205020404" pitchFamily="49" charset="0"/>
+            </a:endParaRPr>
+          </a:p>
+          <a:p>
+            <a:pPr marL="0" indent="0">
+              <a:buNone/>
+            </a:pPr>
+            <a:endParaRPr lang="en-US" dirty="0"/>
+          </a:p>
+        </p:txBody>
+      </p:sp>
+      <p:sp>
+        <p:nvSpPr>
+          <p:cNvPr id="4" name="Slide Number Placeholder 3">
+            <a:extLst>
+              <a:ext uri="{FF2B5EF4-FFF2-40B4-BE49-F238E27FC236}">
+                <a16:creationId xmlns:a16="http://schemas.microsoft.com/office/drawing/2014/main" id="{19997D81-0FBB-374B-9FA9-B1EDBAA54114}"/>
+              </a:ext>
+            </a:extLst>
+          </p:cNvPr>
+          <p:cNvSpPr>
+            <a:spLocks noGrp="1"/>
+          </p:cNvSpPr>
+          <p:nvPr>
+            <p:ph type="sldNum" sz="quarter" idx="12"/>
+          </p:nvPr>
+        </p:nvSpPr>
+        <p:spPr/>
+        <p:txBody>
+          <a:bodyPr/>
+          <a:lstStyle/>
+          <a:p>
+            <a:fld id="{3352CBF5-17B8-4387-88A6-ABF9F8C64D5A}" type="slidenum">
+              <a:rPr lang="en-US" smtClean="0"/>
+              <a:t>25</a:t>
+            </a:fld>
+            <a:endParaRPr lang="en-US"/>
+          </a:p>
+        </p:txBody>
+      </p:sp>
+    </p:spTree>
+    <p:extLst>
+      <p:ext uri="{BB962C8B-B14F-4D97-AF65-F5344CB8AC3E}">
+        <p14:creationId xmlns:p14="http://schemas.microsoft.com/office/powerpoint/2010/main" val="2466400679"/>
+      </p:ext>
+    </p:extLst>
+  </p:cSld>
+  <p:clrMapOvr>
+    <a:masterClrMapping/>
+  </p:clrMapOvr>
+</p:sld>
+</file>
+
+<file path=ppt/slides/slide26.xml><?xml version="1.0" encoding="utf-8"?>
+<p:sld xmlns:a="http://schemas.openxmlformats.org/drawingml/2006/main" xmlns:r="http://schemas.openxmlformats.org/officeDocument/2006/relationships" xmlns:p="http://schemas.openxmlformats.org/presentationml/2006/main">
+  <p:cSld>
+    <p:spTree>
+      <p:nvGrpSpPr>
+        <p:cNvPr id="1" name=""/>
+        <p:cNvGrpSpPr/>
+        <p:nvPr/>
+      </p:nvGrpSpPr>
+      <p:grpSpPr>
+        <a:xfrm>
+          <a:off x="0" y="0"/>
+          <a:ext cx="0" cy="0"/>
+          <a:chOff x="0" y="0"/>
+          <a:chExt cx="0" cy="0"/>
+        </a:xfrm>
+      </p:grpSpPr>
+      <p:sp>
+        <p:nvSpPr>
+          <p:cNvPr id="2" name="Title 1">
+            <a:extLst>
+              <a:ext uri="{FF2B5EF4-FFF2-40B4-BE49-F238E27FC236}">
+                <a16:creationId xmlns:a16="http://schemas.microsoft.com/office/drawing/2014/main" id="{BFCB2526-B42F-7A41-8188-5EE69362C030}"/>
+              </a:ext>
+            </a:extLst>
+          </p:cNvPr>
+          <p:cNvSpPr>
+            <a:spLocks noGrp="1"/>
+          </p:cNvSpPr>
+          <p:nvPr>
+            <p:ph type="title"/>
+          </p:nvPr>
+        </p:nvSpPr>
+        <p:spPr/>
+        <p:txBody>
+          <a:bodyPr/>
+          <a:lstStyle/>
+          <a:p>
+            <a:r>
+              <a:rPr lang="en-US" dirty="0"/>
+              <a:t>Proof by contrapositive</a:t>
+            </a:r>
+          </a:p>
+        </p:txBody>
+      </p:sp>
+      <p:sp>
+        <p:nvSpPr>
+          <p:cNvPr id="3" name="Content Placeholder 2">
+            <a:extLst>
+              <a:ext uri="{FF2B5EF4-FFF2-40B4-BE49-F238E27FC236}">
+                <a16:creationId xmlns:a16="http://schemas.microsoft.com/office/drawing/2014/main" id="{ADCEF4B3-BB04-744D-9A9A-5A193457A75B}"/>
+              </a:ext>
+            </a:extLst>
+          </p:cNvPr>
+          <p:cNvSpPr>
+            <a:spLocks noGrp="1"/>
+          </p:cNvSpPr>
+          <p:nvPr>
+            <p:ph idx="1"/>
+          </p:nvPr>
+        </p:nvSpPr>
+        <p:spPr>
+          <a:xfrm>
+            <a:off x="838200" y="1572768"/>
+            <a:ext cx="10515600" cy="4937760"/>
+          </a:xfrm>
+        </p:spPr>
+        <p:txBody>
+          <a:bodyPr>
+            <a:normAutofit fontScale="70000" lnSpcReduction="20000"/>
+          </a:bodyPr>
+          <a:lstStyle/>
+          <a:p>
+            <a:r>
+              <a:rPr lang="en-US" dirty="0"/>
+              <a:t>(¬Q → ¬P) → (P → Q)</a:t>
+            </a:r>
+          </a:p>
+          <a:p>
+            <a:r>
+              <a:rPr lang="en-US" i="1" dirty="0"/>
+              <a:t>Very</a:t>
+            </a:r>
+            <a:r>
+              <a:rPr lang="en-US" dirty="0"/>
+              <a:t> similar to modus tollens (see slide 12)</a:t>
+            </a:r>
+          </a:p>
+          <a:p>
+            <a:pPr marL="0" indent="0">
+              <a:buNone/>
+            </a:pPr>
+            <a:r>
+              <a:rPr lang="en-US" sz="2500" dirty="0">
+                <a:latin typeface="Courier New" panose="02070309020205020404" pitchFamily="49" charset="0"/>
+                <a:cs typeface="Courier New" panose="02070309020205020404" pitchFamily="49" charset="0"/>
+              </a:rPr>
+              <a:t>theorem </a:t>
+            </a:r>
+            <a:r>
+              <a:rPr lang="en-US" sz="2500" dirty="0" err="1">
+                <a:latin typeface="Courier New" panose="02070309020205020404" pitchFamily="49" charset="0"/>
+                <a:cs typeface="Courier New" panose="02070309020205020404" pitchFamily="49" charset="0"/>
+              </a:rPr>
+              <a:t>proof_by_contrapositive</a:t>
+            </a:r>
+            <a:r>
+              <a:rPr lang="en-US" sz="2500" dirty="0">
+                <a:latin typeface="Courier New" panose="02070309020205020404" pitchFamily="49" charset="0"/>
+                <a:cs typeface="Courier New" panose="02070309020205020404" pitchFamily="49" charset="0"/>
+              </a:rPr>
+              <a:t>: </a:t>
+            </a:r>
+          </a:p>
+          <a:p>
+            <a:pPr marL="0" indent="0">
+              <a:buNone/>
+            </a:pPr>
+            <a:r>
+              <a:rPr lang="en-US" sz="2500" dirty="0">
+                <a:latin typeface="Courier New" panose="02070309020205020404" pitchFamily="49" charset="0"/>
+                <a:cs typeface="Courier New" panose="02070309020205020404" pitchFamily="49" charset="0"/>
+              </a:rPr>
+              <a:t>  ∀ P Q : Prop, (¬Q → ¬P) → (P → Q) :=</a:t>
+            </a:r>
+          </a:p>
+          <a:p>
+            <a:pPr marL="0" indent="0">
+              <a:buNone/>
+            </a:pPr>
+            <a:r>
+              <a:rPr lang="en-US" sz="2500" dirty="0">
+                <a:latin typeface="Courier New" panose="02070309020205020404" pitchFamily="49" charset="0"/>
+                <a:cs typeface="Courier New" panose="02070309020205020404" pitchFamily="49" charset="0"/>
+              </a:rPr>
+              <a:t>  begin</a:t>
+            </a:r>
+          </a:p>
+          <a:p>
+            <a:pPr marL="0" indent="0">
+              <a:buNone/>
+            </a:pPr>
+            <a:r>
+              <a:rPr lang="en-US" sz="2500" dirty="0">
+                <a:latin typeface="Courier New" panose="02070309020205020404" pitchFamily="49" charset="0"/>
+                <a:cs typeface="Courier New" panose="02070309020205020404" pitchFamily="49" charset="0"/>
+              </a:rPr>
+              <a:t>    assume P Q: Prop,</a:t>
+            </a:r>
+          </a:p>
+          <a:p>
+            <a:pPr marL="0" indent="0">
+              <a:buNone/>
+            </a:pPr>
+            <a:r>
+              <a:rPr lang="en-US" sz="2500" dirty="0">
+                <a:latin typeface="Courier New" panose="02070309020205020404" pitchFamily="49" charset="0"/>
+                <a:cs typeface="Courier New" panose="02070309020205020404" pitchFamily="49" charset="0"/>
+              </a:rPr>
+              <a:t>    assume </a:t>
+            </a:r>
+            <a:r>
+              <a:rPr lang="en-US" sz="2500" dirty="0" err="1">
+                <a:latin typeface="Courier New" panose="02070309020205020404" pitchFamily="49" charset="0"/>
+                <a:cs typeface="Courier New" panose="02070309020205020404" pitchFamily="49" charset="0"/>
+              </a:rPr>
+              <a:t>nqnp</a:t>
+            </a:r>
+            <a:r>
+              <a:rPr lang="en-US" sz="2500" dirty="0">
+                <a:latin typeface="Courier New" panose="02070309020205020404" pitchFamily="49" charset="0"/>
+                <a:cs typeface="Courier New" panose="02070309020205020404" pitchFamily="49" charset="0"/>
+              </a:rPr>
+              <a:t>: (¬Q → ¬P),</a:t>
+            </a:r>
+          </a:p>
+          <a:p>
+            <a:pPr marL="0" indent="0">
+              <a:buNone/>
+            </a:pPr>
+            <a:r>
+              <a:rPr lang="en-US" sz="2500" dirty="0">
+                <a:latin typeface="Courier New" panose="02070309020205020404" pitchFamily="49" charset="0"/>
+                <a:cs typeface="Courier New" panose="02070309020205020404" pitchFamily="49" charset="0"/>
+              </a:rPr>
+              <a:t>    assume p : P,</a:t>
+            </a:r>
+          </a:p>
+          <a:p>
+            <a:pPr marL="0" indent="0">
+              <a:buNone/>
+            </a:pPr>
+            <a:r>
+              <a:rPr lang="en-US" sz="2500" dirty="0">
+                <a:latin typeface="Courier New" panose="02070309020205020404" pitchFamily="49" charset="0"/>
+                <a:cs typeface="Courier New" panose="02070309020205020404" pitchFamily="49" charset="0"/>
+              </a:rPr>
+              <a:t>    have </a:t>
+            </a:r>
+            <a:r>
+              <a:rPr lang="en-US" sz="2500" dirty="0" err="1">
+                <a:latin typeface="Courier New" panose="02070309020205020404" pitchFamily="49" charset="0"/>
+                <a:cs typeface="Courier New" panose="02070309020205020404" pitchFamily="49" charset="0"/>
+              </a:rPr>
+              <a:t>nqf</a:t>
+            </a:r>
+            <a:r>
+              <a:rPr lang="en-US" sz="2500" dirty="0">
+                <a:latin typeface="Courier New" panose="02070309020205020404" pitchFamily="49" charset="0"/>
+                <a:cs typeface="Courier New" panose="02070309020205020404" pitchFamily="49" charset="0"/>
+              </a:rPr>
+              <a:t> : ¬Q → false :=</a:t>
+            </a:r>
+          </a:p>
+          <a:p>
+            <a:pPr marL="0" indent="0">
+              <a:buNone/>
+            </a:pPr>
+            <a:r>
+              <a:rPr lang="en-US" sz="2500" dirty="0">
+                <a:latin typeface="Courier New" panose="02070309020205020404" pitchFamily="49" charset="0"/>
+                <a:cs typeface="Courier New" panose="02070309020205020404" pitchFamily="49" charset="0"/>
+              </a:rPr>
+              <a:t>      </a:t>
+            </a:r>
+            <a:r>
+              <a:rPr lang="el-GR" sz="2500" dirty="0">
+                <a:latin typeface="Courier New" panose="02070309020205020404" pitchFamily="49" charset="0"/>
+                <a:cs typeface="Courier New" panose="02070309020205020404" pitchFamily="49" charset="0"/>
+              </a:rPr>
+              <a:t>λ </a:t>
+            </a:r>
+            <a:r>
+              <a:rPr lang="en-US" sz="2500" dirty="0">
+                <a:latin typeface="Courier New" panose="02070309020205020404" pitchFamily="49" charset="0"/>
+                <a:cs typeface="Courier New" panose="02070309020205020404" pitchFamily="49" charset="0"/>
+              </a:rPr>
+              <a:t>nq : ¬Q, </a:t>
+            </a:r>
+          </a:p>
+          <a:p>
+            <a:pPr marL="0" indent="0">
+              <a:buNone/>
+            </a:pPr>
+            <a:r>
+              <a:rPr lang="en-US" sz="2500" dirty="0">
+                <a:latin typeface="Courier New" panose="02070309020205020404" pitchFamily="49" charset="0"/>
+                <a:cs typeface="Courier New" panose="02070309020205020404" pitchFamily="49" charset="0"/>
+              </a:rPr>
+              <a:t>        </a:t>
+            </a:r>
+            <a:r>
+              <a:rPr lang="en-US" sz="2500" dirty="0" err="1">
+                <a:latin typeface="Courier New" panose="02070309020205020404" pitchFamily="49" charset="0"/>
+                <a:cs typeface="Courier New" panose="02070309020205020404" pitchFamily="49" charset="0"/>
+              </a:rPr>
+              <a:t>no_contra</a:t>
+            </a:r>
+            <a:r>
+              <a:rPr lang="en-US" sz="2500" dirty="0">
+                <a:latin typeface="Courier New" panose="02070309020205020404" pitchFamily="49" charset="0"/>
+                <a:cs typeface="Courier New" panose="02070309020205020404" pitchFamily="49" charset="0"/>
+              </a:rPr>
+              <a:t> P (</a:t>
+            </a:r>
+            <a:r>
+              <a:rPr lang="en-US" sz="2500" dirty="0" err="1">
+                <a:latin typeface="Courier New" panose="02070309020205020404" pitchFamily="49" charset="0"/>
+                <a:cs typeface="Courier New" panose="02070309020205020404" pitchFamily="49" charset="0"/>
+              </a:rPr>
+              <a:t>and.intro</a:t>
+            </a:r>
+            <a:r>
+              <a:rPr lang="en-US" sz="2500" dirty="0">
+                <a:latin typeface="Courier New" panose="02070309020205020404" pitchFamily="49" charset="0"/>
+                <a:cs typeface="Courier New" panose="02070309020205020404" pitchFamily="49" charset="0"/>
+              </a:rPr>
+              <a:t> p (</a:t>
+            </a:r>
+            <a:r>
+              <a:rPr lang="en-US" sz="2500" dirty="0" err="1">
+                <a:latin typeface="Courier New" panose="02070309020205020404" pitchFamily="49" charset="0"/>
+                <a:cs typeface="Courier New" panose="02070309020205020404" pitchFamily="49" charset="0"/>
+              </a:rPr>
+              <a:t>nqnp</a:t>
+            </a:r>
+            <a:r>
+              <a:rPr lang="en-US" sz="2500" dirty="0">
+                <a:latin typeface="Courier New" panose="02070309020205020404" pitchFamily="49" charset="0"/>
+                <a:cs typeface="Courier New" panose="02070309020205020404" pitchFamily="49" charset="0"/>
+              </a:rPr>
+              <a:t> nq)),</a:t>
+            </a:r>
+          </a:p>
+          <a:p>
+            <a:pPr marL="0" indent="0">
+              <a:buNone/>
+            </a:pPr>
+            <a:r>
+              <a:rPr lang="en-US" sz="2500" dirty="0">
+                <a:latin typeface="Courier New" panose="02070309020205020404" pitchFamily="49" charset="0"/>
+                <a:cs typeface="Courier New" panose="02070309020205020404" pitchFamily="49" charset="0"/>
+              </a:rPr>
+              <a:t>    have </a:t>
+            </a:r>
+            <a:r>
+              <a:rPr lang="en-US" sz="2500" dirty="0" err="1">
+                <a:latin typeface="Courier New" panose="02070309020205020404" pitchFamily="49" charset="0"/>
+                <a:cs typeface="Courier New" panose="02070309020205020404" pitchFamily="49" charset="0"/>
+              </a:rPr>
+              <a:t>nnq</a:t>
+            </a:r>
+            <a:r>
+              <a:rPr lang="en-US" sz="2500" dirty="0">
+                <a:latin typeface="Courier New" panose="02070309020205020404" pitchFamily="49" charset="0"/>
+                <a:cs typeface="Courier New" panose="02070309020205020404" pitchFamily="49" charset="0"/>
+              </a:rPr>
+              <a:t> : ¬¬Q := </a:t>
+            </a:r>
+            <a:r>
+              <a:rPr lang="en-US" sz="2500" dirty="0" err="1">
+                <a:latin typeface="Courier New" panose="02070309020205020404" pitchFamily="49" charset="0"/>
+                <a:cs typeface="Courier New" panose="02070309020205020404" pitchFamily="49" charset="0"/>
+              </a:rPr>
+              <a:t>nqf</a:t>
+            </a:r>
+            <a:r>
+              <a:rPr lang="en-US" sz="2500" dirty="0">
+                <a:latin typeface="Courier New" panose="02070309020205020404" pitchFamily="49" charset="0"/>
+                <a:cs typeface="Courier New" panose="02070309020205020404" pitchFamily="49" charset="0"/>
+              </a:rPr>
+              <a:t>,</a:t>
+            </a:r>
+          </a:p>
+          <a:p>
+            <a:pPr marL="0" indent="0">
+              <a:buNone/>
+            </a:pPr>
+            <a:r>
+              <a:rPr lang="en-US" sz="2500" dirty="0">
+                <a:latin typeface="Courier New" panose="02070309020205020404" pitchFamily="49" charset="0"/>
+                <a:cs typeface="Courier New" panose="02070309020205020404" pitchFamily="49" charset="0"/>
+              </a:rPr>
+              <a:t>    show Q,</a:t>
+            </a:r>
+          </a:p>
+          <a:p>
+            <a:pPr marL="0" indent="0">
+              <a:buNone/>
+            </a:pPr>
+            <a:r>
+              <a:rPr lang="en-US" sz="2500" dirty="0">
+                <a:latin typeface="Courier New" panose="02070309020205020404" pitchFamily="49" charset="0"/>
+                <a:cs typeface="Courier New" panose="02070309020205020404" pitchFamily="49" charset="0"/>
+              </a:rPr>
+              <a:t>    from </a:t>
+            </a:r>
+            <a:r>
+              <a:rPr lang="en-US" sz="2500" dirty="0" err="1">
+                <a:latin typeface="Courier New" panose="02070309020205020404" pitchFamily="49" charset="0"/>
+                <a:cs typeface="Courier New" panose="02070309020205020404" pitchFamily="49" charset="0"/>
+              </a:rPr>
+              <a:t>double_neg_elim</a:t>
+            </a:r>
+            <a:r>
+              <a:rPr lang="en-US" sz="2500" dirty="0">
+                <a:latin typeface="Courier New" panose="02070309020205020404" pitchFamily="49" charset="0"/>
+                <a:cs typeface="Courier New" panose="02070309020205020404" pitchFamily="49" charset="0"/>
+              </a:rPr>
+              <a:t> </a:t>
+            </a:r>
+            <a:r>
+              <a:rPr lang="en-US" sz="2500" dirty="0" err="1">
+                <a:latin typeface="Courier New" panose="02070309020205020404" pitchFamily="49" charset="0"/>
+                <a:cs typeface="Courier New" panose="02070309020205020404" pitchFamily="49" charset="0"/>
+              </a:rPr>
+              <a:t>nnq</a:t>
+            </a:r>
+            <a:endParaRPr lang="en-US" sz="2500" dirty="0">
+              <a:latin typeface="Courier New" panose="02070309020205020404" pitchFamily="49" charset="0"/>
+              <a:cs typeface="Courier New" panose="02070309020205020404" pitchFamily="49" charset="0"/>
+            </a:endParaRPr>
+          </a:p>
+          <a:p>
+            <a:pPr marL="0" indent="0">
+              <a:buNone/>
+            </a:pPr>
+            <a:r>
+              <a:rPr lang="en-US" sz="2500" dirty="0">
+                <a:latin typeface="Courier New" panose="02070309020205020404" pitchFamily="49" charset="0"/>
+                <a:cs typeface="Courier New" panose="02070309020205020404" pitchFamily="49" charset="0"/>
+              </a:rPr>
+              <a:t>  end</a:t>
+            </a:r>
+            <a:endParaRPr lang="en-US" dirty="0"/>
+          </a:p>
+        </p:txBody>
+      </p:sp>
+      <p:sp>
+        <p:nvSpPr>
+          <p:cNvPr id="4" name="Slide Number Placeholder 3">
+            <a:extLst>
+              <a:ext uri="{FF2B5EF4-FFF2-40B4-BE49-F238E27FC236}">
+                <a16:creationId xmlns:a16="http://schemas.microsoft.com/office/drawing/2014/main" id="{2ECAC9AC-6FA7-DD41-A7C8-090F8EA7E94D}"/>
+              </a:ext>
+            </a:extLst>
+          </p:cNvPr>
+          <p:cNvSpPr>
+            <a:spLocks noGrp="1"/>
+          </p:cNvSpPr>
+          <p:nvPr>
+            <p:ph type="sldNum" sz="quarter" idx="12"/>
+          </p:nvPr>
+        </p:nvSpPr>
+        <p:spPr/>
+        <p:txBody>
+          <a:bodyPr/>
+          <a:lstStyle/>
+          <a:p>
+            <a:fld id="{3352CBF5-17B8-4387-88A6-ABF9F8C64D5A}" type="slidenum">
+              <a:rPr lang="en-US" smtClean="0"/>
+              <a:t>26</a:t>
+            </a:fld>
+            <a:endParaRPr lang="en-US"/>
+          </a:p>
+        </p:txBody>
+      </p:sp>
+    </p:spTree>
+    <p:extLst>
+      <p:ext uri="{BB962C8B-B14F-4D97-AF65-F5344CB8AC3E}">
+        <p14:creationId xmlns:p14="http://schemas.microsoft.com/office/powerpoint/2010/main" val="1230949696"/>
+      </p:ext>
+    </p:extLst>
+  </p:cSld>
+  <p:clrMapOvr>
+    <a:masterClrMapping/>
+  </p:clrMapOvr>
+</p:sld>
+</file>
+
+<file path=ppt/slides/slide27.xml><?xml version="1.0" encoding="utf-8"?>
+<p:sld xmlns:a="http://schemas.openxmlformats.org/drawingml/2006/main" xmlns:r="http://schemas.openxmlformats.org/officeDocument/2006/relationships" xmlns:p="http://schemas.openxmlformats.org/presentationml/2006/main">
+  <p:cSld>
+    <p:spTree>
+      <p:nvGrpSpPr>
+        <p:cNvPr id="1" name=""/>
+        <p:cNvGrpSpPr/>
+        <p:nvPr/>
+      </p:nvGrpSpPr>
+      <p:grpSpPr>
+        <a:xfrm>
+          <a:off x="0" y="0"/>
+          <a:ext cx="0" cy="0"/>
+          <a:chOff x="0" y="0"/>
+          <a:chExt cx="0" cy="0"/>
+        </a:xfrm>
+      </p:grpSpPr>
+      <p:sp>
+        <p:nvSpPr>
+          <p:cNvPr id="2" name="Title 1">
+            <a:extLst>
+              <a:ext uri="{FF2B5EF4-FFF2-40B4-BE49-F238E27FC236}">
+                <a16:creationId xmlns:a16="http://schemas.microsoft.com/office/drawing/2014/main" id="{36AA1274-7338-9F42-BAF5-A2C447DA52FF}"/>
+              </a:ext>
+            </a:extLst>
+          </p:cNvPr>
+          <p:cNvSpPr>
+            <a:spLocks noGrp="1"/>
+          </p:cNvSpPr>
+          <p:nvPr>
+            <p:ph type="title"/>
+          </p:nvPr>
+        </p:nvSpPr>
+        <p:spPr/>
+        <p:txBody>
+          <a:bodyPr/>
+          <a:lstStyle/>
+          <a:p>
+            <a:r>
+              <a:rPr lang="en-US" dirty="0"/>
+              <a:t>Application</a:t>
+            </a:r>
+          </a:p>
+        </p:txBody>
+      </p:sp>
+      <p:sp>
+        <p:nvSpPr>
+          <p:cNvPr id="3" name="Content Placeholder 2">
+            <a:extLst>
+              <a:ext uri="{FF2B5EF4-FFF2-40B4-BE49-F238E27FC236}">
+                <a16:creationId xmlns:a16="http://schemas.microsoft.com/office/drawing/2014/main" id="{B4D2D9D3-A668-DE4D-823A-611F812FBF1B}"/>
+              </a:ext>
+            </a:extLst>
+          </p:cNvPr>
+          <p:cNvSpPr>
+            <a:spLocks noGrp="1"/>
+          </p:cNvSpPr>
+          <p:nvPr>
+            <p:ph idx="1"/>
+          </p:nvPr>
+        </p:nvSpPr>
+        <p:spPr/>
+        <p:txBody>
+          <a:bodyPr>
+            <a:normAutofit/>
+          </a:bodyPr>
+          <a:lstStyle/>
+          <a:p>
+            <a:pPr marL="0" indent="0">
+              <a:buNone/>
+            </a:pPr>
+            <a:r>
+              <a:rPr lang="en-US" sz="2400" dirty="0">
+                <a:latin typeface="Courier New" panose="02070309020205020404" pitchFamily="49" charset="0"/>
+                <a:cs typeface="Courier New" panose="02070309020205020404" pitchFamily="49" charset="0"/>
+              </a:rPr>
+              <a:t>theorem </a:t>
+            </a:r>
+            <a:r>
+              <a:rPr lang="en-US" sz="2400" dirty="0" err="1">
+                <a:latin typeface="Courier New" panose="02070309020205020404" pitchFamily="49" charset="0"/>
+                <a:cs typeface="Courier New" panose="02070309020205020404" pitchFamily="49" charset="0"/>
+              </a:rPr>
+              <a:t>zeqz</a:t>
+            </a:r>
+            <a:r>
+              <a:rPr lang="en-US" sz="2400" dirty="0">
+                <a:latin typeface="Courier New" panose="02070309020205020404" pitchFamily="49" charset="0"/>
+                <a:cs typeface="Courier New" panose="02070309020205020404" pitchFamily="49" charset="0"/>
+              </a:rPr>
+              <a:t>' : 0 = 0 → true :=</a:t>
+            </a:r>
+          </a:p>
+          <a:p>
+            <a:pPr marL="0" indent="0">
+              <a:buNone/>
+            </a:pPr>
+            <a:r>
+              <a:rPr lang="en-US" sz="2400" dirty="0">
+                <a:latin typeface="Courier New" panose="02070309020205020404" pitchFamily="49" charset="0"/>
+                <a:cs typeface="Courier New" panose="02070309020205020404" pitchFamily="49" charset="0"/>
+              </a:rPr>
+              <a:t>begin</a:t>
+            </a:r>
+          </a:p>
+          <a:p>
+            <a:pPr marL="0" indent="0">
+              <a:buNone/>
+            </a:pPr>
+            <a:r>
+              <a:rPr lang="en-US" sz="2400" dirty="0">
+                <a:latin typeface="Courier New" panose="02070309020205020404" pitchFamily="49" charset="0"/>
+                <a:cs typeface="Courier New" panose="02070309020205020404" pitchFamily="49" charset="0"/>
+              </a:rPr>
+              <a:t>  apply </a:t>
+            </a:r>
+            <a:r>
+              <a:rPr lang="en-US" sz="2400" dirty="0" err="1">
+                <a:latin typeface="Courier New" panose="02070309020205020404" pitchFamily="49" charset="0"/>
+                <a:cs typeface="Courier New" panose="02070309020205020404" pitchFamily="49" charset="0"/>
+              </a:rPr>
+              <a:t>proof_by_contrapositive</a:t>
+            </a:r>
+            <a:r>
+              <a:rPr lang="en-US" sz="2400" dirty="0">
+                <a:latin typeface="Courier New" panose="02070309020205020404" pitchFamily="49" charset="0"/>
+                <a:cs typeface="Courier New" panose="02070309020205020404" pitchFamily="49" charset="0"/>
+              </a:rPr>
+              <a:t>,</a:t>
+            </a:r>
+          </a:p>
+          <a:p>
+            <a:pPr marL="0" indent="0">
+              <a:buNone/>
+            </a:pPr>
+            <a:r>
+              <a:rPr lang="en-US" sz="2400" dirty="0">
+                <a:latin typeface="Courier New" panose="02070309020205020404" pitchFamily="49" charset="0"/>
+                <a:cs typeface="Courier New" panose="02070309020205020404" pitchFamily="49" charset="0"/>
+              </a:rPr>
+              <a:t>  assume </a:t>
+            </a:r>
+            <a:r>
+              <a:rPr lang="en-US" sz="2400" dirty="0" err="1">
+                <a:latin typeface="Courier New" panose="02070309020205020404" pitchFamily="49" charset="0"/>
+                <a:cs typeface="Courier New" panose="02070309020205020404" pitchFamily="49" charset="0"/>
+              </a:rPr>
+              <a:t>nt</a:t>
+            </a:r>
+            <a:r>
+              <a:rPr lang="en-US" sz="2400" dirty="0">
+                <a:latin typeface="Courier New" panose="02070309020205020404" pitchFamily="49" charset="0"/>
+                <a:cs typeface="Courier New" panose="02070309020205020404" pitchFamily="49" charset="0"/>
+              </a:rPr>
+              <a:t> : ¬true,</a:t>
+            </a:r>
+          </a:p>
+          <a:p>
+            <a:pPr marL="0" indent="0">
+              <a:buNone/>
+            </a:pPr>
+            <a:r>
+              <a:rPr lang="en-US" sz="2400" dirty="0">
+                <a:latin typeface="Courier New" panose="02070309020205020404" pitchFamily="49" charset="0"/>
+                <a:cs typeface="Courier New" panose="02070309020205020404" pitchFamily="49" charset="0"/>
+              </a:rPr>
+              <a:t>  have </a:t>
+            </a:r>
+            <a:r>
+              <a:rPr lang="en-US" sz="2400" dirty="0" err="1">
+                <a:latin typeface="Courier New" panose="02070309020205020404" pitchFamily="49" charset="0"/>
+                <a:cs typeface="Courier New" panose="02070309020205020404" pitchFamily="49" charset="0"/>
+              </a:rPr>
+              <a:t>pff</a:t>
+            </a:r>
+            <a:r>
+              <a:rPr lang="en-US" sz="2400" dirty="0">
+                <a:latin typeface="Courier New" panose="02070309020205020404" pitchFamily="49" charset="0"/>
+                <a:cs typeface="Courier New" panose="02070309020205020404" pitchFamily="49" charset="0"/>
+              </a:rPr>
+              <a:t> := </a:t>
+            </a:r>
+            <a:r>
+              <a:rPr lang="en-US" sz="2400" dirty="0" err="1">
+                <a:latin typeface="Courier New" panose="02070309020205020404" pitchFamily="49" charset="0"/>
+                <a:cs typeface="Courier New" panose="02070309020205020404" pitchFamily="49" charset="0"/>
+              </a:rPr>
+              <a:t>nt</a:t>
+            </a:r>
+            <a:r>
+              <a:rPr lang="en-US" sz="2400" dirty="0">
+                <a:latin typeface="Courier New" panose="02070309020205020404" pitchFamily="49" charset="0"/>
+                <a:cs typeface="Courier New" panose="02070309020205020404" pitchFamily="49" charset="0"/>
+              </a:rPr>
+              <a:t> </a:t>
+            </a:r>
+            <a:r>
+              <a:rPr lang="en-US" sz="2400" dirty="0" err="1">
+                <a:latin typeface="Courier New" panose="02070309020205020404" pitchFamily="49" charset="0"/>
+                <a:cs typeface="Courier New" panose="02070309020205020404" pitchFamily="49" charset="0"/>
+              </a:rPr>
+              <a:t>true.intro</a:t>
+            </a:r>
+            <a:r>
+              <a:rPr lang="en-US" sz="2400" dirty="0">
+                <a:latin typeface="Courier New" panose="02070309020205020404" pitchFamily="49" charset="0"/>
+                <a:cs typeface="Courier New" panose="02070309020205020404" pitchFamily="49" charset="0"/>
+              </a:rPr>
+              <a:t>,</a:t>
+            </a:r>
+          </a:p>
+          <a:p>
+            <a:pPr marL="0" indent="0">
+              <a:buNone/>
+            </a:pPr>
+            <a:r>
+              <a:rPr lang="en-US" sz="2400" dirty="0">
+                <a:latin typeface="Courier New" panose="02070309020205020404" pitchFamily="49" charset="0"/>
+                <a:cs typeface="Courier New" panose="02070309020205020404" pitchFamily="49" charset="0"/>
+              </a:rPr>
+              <a:t>  show ¬ 0 = 0,</a:t>
+            </a:r>
+          </a:p>
+          <a:p>
+            <a:pPr marL="0" indent="0">
+              <a:buNone/>
+            </a:pPr>
+            <a:r>
+              <a:rPr lang="en-US" sz="2400" dirty="0">
+                <a:latin typeface="Courier New" panose="02070309020205020404" pitchFamily="49" charset="0"/>
+                <a:cs typeface="Courier New" panose="02070309020205020404" pitchFamily="49" charset="0"/>
+              </a:rPr>
+              <a:t>  from </a:t>
+            </a:r>
+            <a:r>
+              <a:rPr lang="en-US" sz="2400" dirty="0" err="1">
+                <a:latin typeface="Courier New" panose="02070309020205020404" pitchFamily="49" charset="0"/>
+                <a:cs typeface="Courier New" panose="02070309020205020404" pitchFamily="49" charset="0"/>
+              </a:rPr>
+              <a:t>false.elim</a:t>
+            </a:r>
+            <a:r>
+              <a:rPr lang="en-US" sz="2400" dirty="0">
+                <a:latin typeface="Courier New" panose="02070309020205020404" pitchFamily="49" charset="0"/>
+                <a:cs typeface="Courier New" panose="02070309020205020404" pitchFamily="49" charset="0"/>
+              </a:rPr>
+              <a:t> </a:t>
+            </a:r>
+            <a:r>
+              <a:rPr lang="en-US" sz="2400" dirty="0" err="1">
+                <a:latin typeface="Courier New" panose="02070309020205020404" pitchFamily="49" charset="0"/>
+                <a:cs typeface="Courier New" panose="02070309020205020404" pitchFamily="49" charset="0"/>
+              </a:rPr>
+              <a:t>pff</a:t>
+            </a:r>
+            <a:endParaRPr lang="en-US" sz="2400" dirty="0">
+              <a:latin typeface="Courier New" panose="02070309020205020404" pitchFamily="49" charset="0"/>
+              <a:cs typeface="Courier New" panose="02070309020205020404" pitchFamily="49" charset="0"/>
+            </a:endParaRPr>
+          </a:p>
+          <a:p>
+            <a:pPr marL="0" indent="0">
+              <a:buNone/>
+            </a:pPr>
+            <a:r>
+              <a:rPr lang="en-US" sz="2400" dirty="0">
+                <a:latin typeface="Courier New" panose="02070309020205020404" pitchFamily="49" charset="0"/>
+                <a:cs typeface="Courier New" panose="02070309020205020404" pitchFamily="49" charset="0"/>
+              </a:rPr>
+              <a:t>end</a:t>
+            </a:r>
+          </a:p>
+        </p:txBody>
+      </p:sp>
+      <p:sp>
+        <p:nvSpPr>
+          <p:cNvPr id="4" name="Slide Number Placeholder 3">
+            <a:extLst>
+              <a:ext uri="{FF2B5EF4-FFF2-40B4-BE49-F238E27FC236}">
+                <a16:creationId xmlns:a16="http://schemas.microsoft.com/office/drawing/2014/main" id="{9DFB2691-B78F-7C48-AB79-B1E1FE937DCF}"/>
+              </a:ext>
+            </a:extLst>
+          </p:cNvPr>
+          <p:cNvSpPr>
+            <a:spLocks noGrp="1"/>
+          </p:cNvSpPr>
+          <p:nvPr>
+            <p:ph type="sldNum" sz="quarter" idx="12"/>
+          </p:nvPr>
+        </p:nvSpPr>
+        <p:spPr/>
+        <p:txBody>
+          <a:bodyPr/>
+          <a:lstStyle/>
+          <a:p>
+            <a:fld id="{3352CBF5-17B8-4387-88A6-ABF9F8C64D5A}" type="slidenum">
+              <a:rPr lang="en-US" smtClean="0"/>
+              <a:t>27</a:t>
+            </a:fld>
+            <a:endParaRPr lang="en-US"/>
+          </a:p>
+        </p:txBody>
+      </p:sp>
+    </p:spTree>
+    <p:extLst>
+      <p:ext uri="{BB962C8B-B14F-4D97-AF65-F5344CB8AC3E}">
+        <p14:creationId xmlns:p14="http://schemas.microsoft.com/office/powerpoint/2010/main" val="4133409349"/>
+      </p:ext>
+    </p:extLst>
+  </p:cSld>
+  <p:clrMapOvr>
+    <a:masterClrMapping/>
+  </p:clrMapOvr>
+</p:sld>
+</file>
+
+<file path=ppt/slides/slide28.xml><?xml version="1.0" encoding="utf-8"?>
+<p:sld xmlns:a="http://schemas.openxmlformats.org/drawingml/2006/main" xmlns:r="http://schemas.openxmlformats.org/officeDocument/2006/relationships" xmlns:p="http://schemas.openxmlformats.org/presentationml/2006/main">
+  <p:cSld>
+    <p:spTree>
+      <p:nvGrpSpPr>
+        <p:cNvPr id="1" name=""/>
+        <p:cNvGrpSpPr/>
+        <p:nvPr/>
+      </p:nvGrpSpPr>
+      <p:grpSpPr>
+        <a:xfrm>
+          <a:off x="0" y="0"/>
+          <a:ext cx="0" cy="0"/>
+          <a:chOff x="0" y="0"/>
+          <a:chExt cx="0" cy="0"/>
+        </a:xfrm>
+      </p:grpSpPr>
+      <p:sp>
+        <p:nvSpPr>
+          <p:cNvPr id="2" name="Title 1">
+            <a:extLst>
+              <a:ext uri="{FF2B5EF4-FFF2-40B4-BE49-F238E27FC236}">
+                <a16:creationId xmlns:a16="http://schemas.microsoft.com/office/drawing/2014/main" id="{1197A088-1AB2-FB43-87B2-DE12F1D4D376}"/>
+              </a:ext>
+            </a:extLst>
+          </p:cNvPr>
+          <p:cNvSpPr>
+            <a:spLocks noGrp="1"/>
+          </p:cNvSpPr>
+          <p:nvPr>
+            <p:ph type="title"/>
+          </p:nvPr>
+        </p:nvSpPr>
+        <p:spPr/>
+        <p:txBody>
+          <a:bodyPr/>
+          <a:lstStyle/>
+          <a:p>
+            <a:r>
+              <a:rPr lang="en-US"/>
+              <a:t>Exercise</a:t>
+            </a:r>
+            <a:endParaRPr lang="en-US" dirty="0"/>
+          </a:p>
+        </p:txBody>
+      </p:sp>
+      <mc:AlternateContent xmlns:mc="http://schemas.openxmlformats.org/markup-compatibility/2006">
+        <mc:Choice xmlns:a14="http://schemas.microsoft.com/office/drawing/2010/main" Requires="a14">
+          <p:sp>
+            <p:nvSpPr>
+              <p:cNvPr id="3" name="Content Placeholder 2">
+                <a:extLst>
+                  <a:ext uri="{FF2B5EF4-FFF2-40B4-BE49-F238E27FC236}">
+                    <a16:creationId xmlns:a16="http://schemas.microsoft.com/office/drawing/2014/main" id="{2155DC97-7C3D-D94E-80EA-3D099D36011C}"/>
+                  </a:ext>
+                </a:extLst>
+              </p:cNvPr>
+              <p:cNvSpPr>
+                <a:spLocks noGrp="1"/>
+              </p:cNvSpPr>
+              <p:nvPr>
+                <p:ph idx="1"/>
+              </p:nvPr>
+            </p:nvSpPr>
+            <p:spPr/>
+            <p:txBody>
+              <a:bodyPr/>
+              <a:lstStyle/>
+              <a:p>
+                <a:r>
+                  <a:rPr lang="en-US" dirty="0"/>
+                  <a:t>Does it appear that one needs to use proof by contradiction (and thus classical, non-constructive, reasoning) to prove that the square root of two is irrational?</a:t>
+                </a:r>
+              </a:p>
+              <a:p>
+                <a:r>
+                  <a:rPr lang="en-US" dirty="0"/>
+                  <a:t>One general proof structure:</a:t>
+                </a:r>
+              </a:p>
+              <a:p>
+                <a:pPr lvl="1"/>
+                <a:r>
+                  <a:rPr lang="en-US" dirty="0"/>
+                  <a:t>Assume </a:t>
+                </a:r>
+                <a14:m>
+                  <m:oMath xmlns:m="http://schemas.openxmlformats.org/officeDocument/2006/math">
+                    <m:rad>
+                      <m:radPr>
+                        <m:degHide m:val="on"/>
+                        <m:ctrlPr>
+                          <a:rPr lang="en-US" i="1" smtClean="0">
+                            <a:latin typeface="Cambria Math" panose="02040503050406030204" pitchFamily="18" charset="0"/>
+                          </a:rPr>
+                        </m:ctrlPr>
+                      </m:radPr>
+                      <m:deg/>
+                      <m:e>
+                        <m:r>
+                          <a:rPr lang="en-US" b="0" i="1" smtClean="0">
+                            <a:latin typeface="Cambria Math" panose="02040503050406030204" pitchFamily="18" charset="0"/>
+                          </a:rPr>
+                          <m:t>2</m:t>
+                        </m:r>
+                      </m:e>
+                    </m:rad>
+                  </m:oMath>
+                </a14:m>
+                <a:r>
+                  <a:rPr lang="en-US" dirty="0"/>
+                  <a:t> is rational</a:t>
+                </a:r>
+              </a:p>
+              <a:p>
+                <a:pPr lvl="1"/>
+                <a:r>
+                  <a:rPr lang="en-US" dirty="0"/>
+                  <a:t>Thus it can be represented as </a:t>
+                </a:r>
+                <a14:m>
+                  <m:oMath xmlns:m="http://schemas.openxmlformats.org/officeDocument/2006/math">
+                    <m:f>
+                      <m:fPr>
+                        <m:type m:val="lin"/>
+                        <m:ctrlPr>
+                          <a:rPr lang="en-US" i="1" smtClean="0">
+                            <a:latin typeface="Cambria Math" panose="02040503050406030204" pitchFamily="18" charset="0"/>
+                          </a:rPr>
+                        </m:ctrlPr>
+                      </m:fPr>
+                      <m:num>
+                        <m:rad>
+                          <m:radPr>
+                            <m:degHide m:val="on"/>
+                            <m:ctrlPr>
+                              <a:rPr lang="en-US" i="1" smtClean="0">
+                                <a:latin typeface="Cambria Math" panose="02040503050406030204" pitchFamily="18" charset="0"/>
+                              </a:rPr>
+                            </m:ctrlPr>
+                          </m:radPr>
+                          <m:deg/>
+                          <m:e>
+                            <m:r>
+                              <a:rPr lang="en-US" b="0" i="1" smtClean="0">
+                                <a:latin typeface="Cambria Math" panose="02040503050406030204" pitchFamily="18" charset="0"/>
+                              </a:rPr>
+                              <m:t>2</m:t>
+                            </m:r>
+                          </m:e>
+                        </m:rad>
+                        <m:r>
+                          <a:rPr lang="en-US" b="0" i="1" smtClean="0">
+                            <a:latin typeface="Cambria Math" panose="02040503050406030204" pitchFamily="18" charset="0"/>
+                          </a:rPr>
+                          <m:t>=</m:t>
+                        </m:r>
+                        <m:r>
+                          <a:rPr lang="en-US" b="0" i="1" smtClean="0">
+                            <a:latin typeface="Cambria Math" panose="02040503050406030204" pitchFamily="18" charset="0"/>
+                          </a:rPr>
+                          <m:t>𝑎</m:t>
+                        </m:r>
+                      </m:num>
+                      <m:den>
+                        <m:r>
+                          <a:rPr lang="en-US" b="0" i="1" smtClean="0">
+                            <a:latin typeface="Cambria Math" panose="02040503050406030204" pitchFamily="18" charset="0"/>
+                          </a:rPr>
+                          <m:t>𝑏</m:t>
+                        </m:r>
+                      </m:den>
+                    </m:f>
+                  </m:oMath>
+                </a14:m>
+                <a:r>
+                  <a:rPr lang="en-US" dirty="0"/>
+                  <a:t>, w</a:t>
+                </a:r>
+                <a14:m>
+                  <m:oMath xmlns:m="http://schemas.openxmlformats.org/officeDocument/2006/math">
+                    <m:r>
+                      <m:rPr>
+                        <m:sty m:val="p"/>
+                      </m:rPr>
+                      <a:rPr lang="en-US" b="0" i="0" smtClean="0">
+                        <a:latin typeface="Cambria Math" panose="02040503050406030204" pitchFamily="18" charset="0"/>
+                      </a:rPr>
+                      <m:t>ith</m:t>
+                    </m:r>
+                    <m:r>
+                      <a:rPr lang="en-US" b="0" i="0" smtClean="0">
+                        <a:latin typeface="Cambria Math" panose="02040503050406030204" pitchFamily="18" charset="0"/>
+                      </a:rPr>
+                      <m:t> </m:t>
+                    </m:r>
+                    <m:r>
+                      <a:rPr lang="en-US" i="1">
+                        <a:latin typeface="Cambria Math" panose="02040503050406030204" pitchFamily="18" charset="0"/>
+                      </a:rPr>
+                      <m:t>𝑎</m:t>
+                    </m:r>
+                  </m:oMath>
+                </a14:m>
+                <a:r>
+                  <a:rPr lang="en-US" dirty="0"/>
+                  <a:t> and </a:t>
+                </a:r>
+                <a14:m>
+                  <m:oMath xmlns:m="http://schemas.openxmlformats.org/officeDocument/2006/math">
+                    <m:r>
+                      <a:rPr lang="en-US" i="1">
+                        <a:latin typeface="Cambria Math" panose="02040503050406030204" pitchFamily="18" charset="0"/>
+                      </a:rPr>
+                      <m:t>𝑏</m:t>
+                    </m:r>
+                  </m:oMath>
+                </a14:m>
+                <a:r>
+                  <a:rPr lang="en-US" dirty="0"/>
+                  <a:t> relatively prime</a:t>
+                </a:r>
+              </a:p>
+              <a:p>
+                <a:pPr lvl="1"/>
+                <a:r>
+                  <a:rPr lang="en-US" dirty="0"/>
+                  <a:t>Multiply both sides by b to get </a:t>
+                </a:r>
+                <a14:m>
+                  <m:oMath xmlns:m="http://schemas.openxmlformats.org/officeDocument/2006/math">
+                    <m:r>
+                      <a:rPr lang="en-US" b="0" i="1" smtClean="0">
+                        <a:latin typeface="Cambria Math" panose="02040503050406030204" pitchFamily="18" charset="0"/>
+                      </a:rPr>
+                      <m:t>𝑏</m:t>
+                    </m:r>
+                    <m:rad>
+                      <m:radPr>
+                        <m:degHide m:val="on"/>
+                        <m:ctrlPr>
+                          <a:rPr lang="en-US" b="0" i="1" smtClean="0">
+                            <a:latin typeface="Cambria Math" panose="02040503050406030204" pitchFamily="18" charset="0"/>
+                          </a:rPr>
+                        </m:ctrlPr>
+                      </m:radPr>
+                      <m:deg/>
+                      <m:e>
+                        <m:r>
+                          <a:rPr lang="en-US" b="0" i="1" smtClean="0">
+                            <a:latin typeface="Cambria Math" panose="02040503050406030204" pitchFamily="18" charset="0"/>
+                          </a:rPr>
+                          <m:t>2</m:t>
+                        </m:r>
+                      </m:e>
+                    </m:rad>
+                    <m:r>
+                      <a:rPr lang="en-US" b="0" i="1" smtClean="0">
+                        <a:latin typeface="Cambria Math" panose="02040503050406030204" pitchFamily="18" charset="0"/>
+                      </a:rPr>
+                      <m:t>=</m:t>
+                    </m:r>
+                    <m:r>
+                      <a:rPr lang="en-US" b="0" i="1" smtClean="0">
+                        <a:latin typeface="Cambria Math" panose="02040503050406030204" pitchFamily="18" charset="0"/>
+                      </a:rPr>
+                      <m:t>𝑎</m:t>
+                    </m:r>
+                  </m:oMath>
+                </a14:m>
+                <a:endParaRPr lang="en-US" dirty="0"/>
+              </a:p>
+              <a:p>
+                <a:pPr lvl="1"/>
+                <a:r>
+                  <a:rPr lang="en-US" dirty="0"/>
+                  <a:t>Square both side to get </a:t>
+                </a:r>
+                <a14:m>
+                  <m:oMath xmlns:m="http://schemas.openxmlformats.org/officeDocument/2006/math">
+                    <m:r>
+                      <a:rPr lang="en-US" b="0" i="1" smtClean="0">
+                        <a:latin typeface="Cambria Math" panose="02040503050406030204" pitchFamily="18" charset="0"/>
+                      </a:rPr>
+                      <m:t>2</m:t>
+                    </m:r>
+                    <m:r>
+                      <a:rPr lang="en-US" b="0" i="1" smtClean="0">
+                        <a:latin typeface="Cambria Math" panose="02040503050406030204" pitchFamily="18" charset="0"/>
+                      </a:rPr>
+                      <m:t>𝑏</m:t>
+                    </m:r>
+                    <m:r>
+                      <a:rPr lang="en-US" b="0" i="1" smtClean="0">
+                        <a:latin typeface="Cambria Math" panose="02040503050406030204" pitchFamily="18" charset="0"/>
+                      </a:rPr>
+                      <m:t>=</m:t>
+                    </m:r>
+                    <m:r>
+                      <a:rPr lang="en-US" b="0" i="1" smtClean="0">
+                        <a:latin typeface="Cambria Math" panose="02040503050406030204" pitchFamily="18" charset="0"/>
+                      </a:rPr>
+                      <m:t>𝑎</m:t>
+                    </m:r>
+                  </m:oMath>
+                </a14:m>
+                <a:endParaRPr lang="en-US" dirty="0"/>
+              </a:p>
+              <a:p>
+                <a:pPr lvl="1"/>
+                <a:r>
+                  <a:rPr lang="en-US" dirty="0"/>
+                  <a:t>This violates our assumption that </a:t>
+                </a:r>
+                <a14:m>
+                  <m:oMath xmlns:m="http://schemas.openxmlformats.org/officeDocument/2006/math">
+                    <m:r>
+                      <a:rPr lang="en-US" i="1">
+                        <a:latin typeface="Cambria Math" panose="02040503050406030204" pitchFamily="18" charset="0"/>
+                      </a:rPr>
+                      <m:t>𝑎</m:t>
+                    </m:r>
+                  </m:oMath>
+                </a14:m>
+                <a:r>
+                  <a:rPr lang="en-US" dirty="0"/>
+                  <a:t> and </a:t>
+                </a:r>
+                <a14:m>
+                  <m:oMath xmlns:m="http://schemas.openxmlformats.org/officeDocument/2006/math">
+                    <m:r>
+                      <a:rPr lang="en-US" i="1">
+                        <a:latin typeface="Cambria Math" panose="02040503050406030204" pitchFamily="18" charset="0"/>
+                      </a:rPr>
+                      <m:t>𝑏</m:t>
+                    </m:r>
+                  </m:oMath>
+                </a14:m>
+                <a:r>
+                  <a:rPr lang="en-US" dirty="0"/>
+                  <a:t> are relatively prime</a:t>
+                </a:r>
+              </a:p>
+            </p:txBody>
+          </p:sp>
+        </mc:Choice>
+        <mc:Fallback>
+          <p:sp>
+            <p:nvSpPr>
+              <p:cNvPr id="3" name="Content Placeholder 2">
+                <a:extLst>
+                  <a:ext uri="{FF2B5EF4-FFF2-40B4-BE49-F238E27FC236}">
+                    <a16:creationId xmlns:a16="http://schemas.microsoft.com/office/drawing/2014/main" id="{2155DC97-7C3D-D94E-80EA-3D099D36011C}"/>
+                  </a:ext>
+                </a:extLst>
+              </p:cNvPr>
+              <p:cNvSpPr>
+                <a:spLocks noGrp="1" noRot="1" noChangeAspect="1" noMove="1" noResize="1" noEditPoints="1" noAdjustHandles="1" noChangeArrowheads="1" noChangeShapeType="1" noTextEdit="1"/>
+              </p:cNvSpPr>
+              <p:nvPr>
+                <p:ph idx="1"/>
+              </p:nvPr>
+            </p:nvSpPr>
+            <p:spPr>
+              <a:blipFill>
+                <a:blip r:embed="rId2"/>
+                <a:stretch>
+                  <a:fillRect l="-965" t="-2632" r="-1568"/>
+                </a:stretch>
+              </a:blipFill>
+            </p:spPr>
+            <p:txBody>
+              <a:bodyPr/>
+              <a:lstStyle/>
+              <a:p>
+                <a:r>
+                  <a:rPr lang="en-US">
+                    <a:noFill/>
+                  </a:rPr>
+                  <a:t> </a:t>
+                </a:r>
+              </a:p>
+            </p:txBody>
+          </p:sp>
+        </mc:Fallback>
+      </mc:AlternateContent>
+      <p:sp>
+        <p:nvSpPr>
+          <p:cNvPr id="4" name="Slide Number Placeholder 3">
+            <a:extLst>
+              <a:ext uri="{FF2B5EF4-FFF2-40B4-BE49-F238E27FC236}">
+                <a16:creationId xmlns:a16="http://schemas.microsoft.com/office/drawing/2014/main" id="{1AA3A3D2-DF3A-BA47-AA1C-9100AF9D508F}"/>
+              </a:ext>
+            </a:extLst>
+          </p:cNvPr>
+          <p:cNvSpPr>
+            <a:spLocks noGrp="1"/>
+          </p:cNvSpPr>
+          <p:nvPr>
+            <p:ph type="sldNum" sz="quarter" idx="12"/>
+          </p:nvPr>
+        </p:nvSpPr>
+        <p:spPr/>
+        <p:txBody>
+          <a:bodyPr/>
+          <a:lstStyle/>
+          <a:p>
+            <a:fld id="{3352CBF5-17B8-4387-88A6-ABF9F8C64D5A}" type="slidenum">
+              <a:rPr lang="en-US" smtClean="0"/>
+              <a:t>28</a:t>
+            </a:fld>
+            <a:endParaRPr lang="en-US"/>
+          </a:p>
+        </p:txBody>
+      </p:sp>
+    </p:spTree>
+    <p:extLst>
+      <p:ext uri="{BB962C8B-B14F-4D97-AF65-F5344CB8AC3E}">
+        <p14:creationId xmlns:p14="http://schemas.microsoft.com/office/powerpoint/2010/main" val="2430451201"/>
+      </p:ext>
+    </p:extLst>
+  </p:cSld>
+  <p:clrMapOvr>
+    <a:masterClrMapping/>
+  </p:clrMapOvr>
+</p:sld>
+</file>
+
+<file path=ppt/slides/slide29.xml><?xml version="1.0" encoding="utf-8"?>
+<p:sld xmlns:a="http://schemas.openxmlformats.org/drawingml/2006/main" xmlns:r="http://schemas.openxmlformats.org/officeDocument/2006/relationships" xmlns:p="http://schemas.openxmlformats.org/presentationml/2006/main">
+  <p:cSld>
+    <p:bg>
+      <p:bgPr>
+        <a:solidFill>
+          <a:schemeClr val="bg1"/>
+        </a:solidFill>
+        <a:effectLst/>
+      </p:bgPr>
+    </p:bg>
+    <p:spTree>
+      <p:nvGrpSpPr>
+        <p:cNvPr id="1" name=""/>
+        <p:cNvGrpSpPr/>
+        <p:nvPr/>
+      </p:nvGrpSpPr>
+      <p:grpSpPr>
+        <a:xfrm>
+          <a:off x="0" y="0"/>
+          <a:ext cx="0" cy="0"/>
+          <a:chOff x="0" y="0"/>
+          <a:chExt cx="0" cy="0"/>
+        </a:xfrm>
+      </p:grpSpPr>
+      <p:sp useBgFill="1">
+        <p:nvSpPr>
+          <p:cNvPr id="9" name="Rectangle 8">
+            <a:extLst>
+              <a:ext uri="{FF2B5EF4-FFF2-40B4-BE49-F238E27FC236}">
+                <a16:creationId xmlns:a16="http://schemas.microsoft.com/office/drawing/2014/main" id="{3B854194-185D-494D-905C-7C7CB2E30F6E}"/>
+              </a:ext>
+              <a:ext uri="{C183D7F6-B498-43B3-948B-1728B52AA6E4}">
+                <adec:decorative xmlns:adec="http://schemas.microsoft.com/office/drawing/2017/decorative" val="1"/>
+              </a:ext>
+            </a:extLst>
+          </p:cNvPr>
+          <p:cNvSpPr>
+            <a:spLocks noGrp="1" noRot="1" noChangeAspect="1" noMove="1" noResize="1" noEditPoints="1" noAdjustHandles="1" noChangeArrowheads="1" noChangeShapeType="1" noTextEdit="1"/>
+          </p:cNvSpPr>
+          <p:nvPr>
+            <p:extLst>
+              <p:ext uri="{386F3935-93C4-4BCD-93E2-E3B085C9AB24}">
+                <p16:designElem xmlns:p16="http://schemas.microsoft.com/office/powerpoint/2015/main" val="1"/>
+              </p:ext>
+            </p:extLst>
+          </p:nvPr>
+        </p:nvSpPr>
+        <p:spPr>
+          <a:xfrm>
+            <a:off x="1" y="0"/>
+            <a:ext cx="6082110" cy="6858000"/>
+          </a:xfrm>
+          <a:prstGeom prst="rect">
+            <a:avLst/>
+          </a:prstGeom>
+          <a:ln>
+            <a:noFill/>
+          </a:ln>
+        </p:spPr>
+        <p:style>
+          <a:lnRef idx="2">
+            <a:schemeClr val="accent1">
+              <a:shade val="50000"/>
+            </a:schemeClr>
+          </a:lnRef>
+          <a:fillRef idx="1">
+            <a:schemeClr val="accent1"/>
+          </a:fillRef>
+          <a:effectRef idx="0">
+            <a:schemeClr val="accent1"/>
+          </a:effectRef>
+          <a:fontRef idx="minor">
+            <a:schemeClr val="lt1"/>
+          </a:fontRef>
+        </p:style>
+        <p:txBody>
+          <a:bodyPr rtlCol="0" anchor="ctr"/>
+          <a:lstStyle/>
+          <a:p>
+            <a:pPr algn="ctr"/>
+            <a:endParaRPr lang="en-US"/>
+          </a:p>
+        </p:txBody>
+      </p:sp>
+      <p:sp>
+        <p:nvSpPr>
+          <p:cNvPr id="11" name="Rectangle 10">
+            <a:extLst>
+              <a:ext uri="{FF2B5EF4-FFF2-40B4-BE49-F238E27FC236}">
+                <a16:creationId xmlns:a16="http://schemas.microsoft.com/office/drawing/2014/main" id="{B4F5FA0D-0104-4987-8241-EFF7C85B88DE}"/>
+              </a:ext>
+              <a:ext uri="{C183D7F6-B498-43B3-948B-1728B52AA6E4}">
+                <adec:decorative xmlns:adec="http://schemas.microsoft.com/office/drawing/2017/decorative" val="1"/>
+              </a:ext>
+            </a:extLst>
+          </p:cNvPr>
+          <p:cNvSpPr>
+            <a:spLocks noGrp="1" noRot="1" noChangeAspect="1" noMove="1" noResize="1" noEditPoints="1" noAdjustHandles="1" noChangeArrowheads="1" noChangeShapeType="1" noTextEdit="1"/>
+          </p:cNvSpPr>
+          <p:nvPr>
+            <p:extLst>
+              <p:ext uri="{386F3935-93C4-4BCD-93E2-E3B085C9AB24}">
+                <p16:designElem xmlns:p16="http://schemas.microsoft.com/office/powerpoint/2015/main" val="1"/>
+              </p:ext>
+            </p:extLst>
+          </p:nvPr>
+        </p:nvSpPr>
+        <p:spPr>
+          <a:xfrm>
+            <a:off x="1" y="0"/>
+            <a:ext cx="12191998" cy="6858000"/>
+          </a:xfrm>
+          <a:prstGeom prst="rect">
+            <a:avLst/>
+          </a:prstGeom>
+          <a:gradFill>
+            <a:gsLst>
+              <a:gs pos="0">
+                <a:schemeClr val="accent1">
+                  <a:lumMod val="90000"/>
+                </a:schemeClr>
+              </a:gs>
+              <a:gs pos="25000">
+                <a:schemeClr val="accent1">
+                  <a:lumMod val="90000"/>
+                </a:schemeClr>
+              </a:gs>
+              <a:gs pos="94000">
+                <a:schemeClr val="bg2">
+                  <a:lumMod val="25000"/>
+                </a:schemeClr>
+              </a:gs>
+              <a:gs pos="100000">
+                <a:schemeClr val="bg2">
+                  <a:lumMod val="25000"/>
+                </a:schemeClr>
+              </a:gs>
+            </a:gsLst>
+            <a:lin ang="4200000" scaled="0"/>
+          </a:gradFill>
+          <a:ln>
+            <a:noFill/>
+          </a:ln>
+        </p:spPr>
+        <p:style>
+          <a:lnRef idx="2">
+            <a:schemeClr val="accent1">
+              <a:shade val="50000"/>
+            </a:schemeClr>
+          </a:lnRef>
+          <a:fillRef idx="1">
+            <a:schemeClr val="accent1"/>
+          </a:fillRef>
+          <a:effectRef idx="0">
+            <a:schemeClr val="accent1"/>
+          </a:effectRef>
+          <a:fontRef idx="minor">
+            <a:schemeClr val="lt1"/>
+          </a:fontRef>
+        </p:style>
+        <p:txBody>
+          <a:bodyPr rtlCol="0" anchor="ctr"/>
+          <a:lstStyle/>
+          <a:p>
+            <a:pPr algn="ctr"/>
+            <a:endParaRPr lang="en-US"/>
+          </a:p>
+        </p:txBody>
+      </p:sp>
+      <p:pic>
+        <p:nvPicPr>
+          <p:cNvPr id="13" name="Picture 12">
+            <a:extLst>
+              <a:ext uri="{FF2B5EF4-FFF2-40B4-BE49-F238E27FC236}">
+                <a16:creationId xmlns:a16="http://schemas.microsoft.com/office/drawing/2014/main" id="{2897127E-6CEF-446C-BE87-93B7C46E49D1}"/>
+              </a:ext>
+              <a:ext uri="{C183D7F6-B498-43B3-948B-1728B52AA6E4}">
+                <adec:decorative xmlns:adec="http://schemas.microsoft.com/office/drawing/2017/decorative" val="1"/>
+              </a:ext>
+            </a:extLst>
+          </p:cNvPr>
+          <p:cNvPicPr>
+            <a:picLocks noGrp="1" noRot="1" noChangeAspect="1" noMove="1" noResize="1" noEditPoints="1" noAdjustHandles="1" noChangeArrowheads="1" noChangeShapeType="1" noCrop="1"/>
+          </p:cNvPicPr>
+          <p:nvPr>
+            <p:extLst>
+              <p:ext uri="{386F3935-93C4-4BCD-93E2-E3B085C9AB24}">
+                <p16:designElem xmlns:p16="http://schemas.microsoft.com/office/powerpoint/2015/main" val="1"/>
+              </p:ext>
+            </p:extLst>
+          </p:nvPr>
+        </p:nvPicPr>
+        <p:blipFill>
+          <a:blip r:embed="rId2">
+            <a:extLst>
+              <a:ext uri="{28A0092B-C50C-407E-A947-70E740481C1C}">
+                <a14:useLocalDpi xmlns:a14="http://schemas.microsoft.com/office/drawing/2010/main" val="0"/>
+              </a:ext>
+            </a:extLst>
+          </a:blip>
+          <a:stretch>
+            <a:fillRect/>
+          </a:stretch>
+        </p:blipFill>
+        <p:spPr>
+          <a:xfrm>
+            <a:off x="0" y="0"/>
+            <a:ext cx="12192000" cy="6858000"/>
+          </a:xfrm>
+          <a:prstGeom prst="rect">
+            <a:avLst/>
+          </a:prstGeom>
+        </p:spPr>
+      </p:pic>
+      <p:sp>
+        <p:nvSpPr>
+          <p:cNvPr id="2" name="Title 1"/>
+          <p:cNvSpPr>
+            <a:spLocks noGrp="1"/>
+          </p:cNvSpPr>
+          <p:nvPr>
+            <p:ph type="title"/>
+          </p:nvPr>
+        </p:nvSpPr>
+        <p:spPr>
+          <a:xfrm>
+            <a:off x="640079" y="2053641"/>
+            <a:ext cx="3669161" cy="2760098"/>
+          </a:xfrm>
+        </p:spPr>
+        <p:txBody>
+          <a:bodyPr>
+            <a:normAutofit/>
+          </a:bodyPr>
+          <a:lstStyle/>
+          <a:p>
+            <a:r>
+              <a:rPr lang="en-US" dirty="0">
+                <a:solidFill>
+                  <a:srgbClr val="FFFFFF"/>
+                </a:solidFill>
+              </a:rPr>
+              <a:t>Fin</a:t>
+            </a:r>
+          </a:p>
+        </p:txBody>
+      </p:sp>
+      <p:sp>
+        <p:nvSpPr>
+          <p:cNvPr id="3" name="Slide Number Placeholder 2">
+            <a:extLst>
+              <a:ext uri="{FF2B5EF4-FFF2-40B4-BE49-F238E27FC236}">
+                <a16:creationId xmlns:a16="http://schemas.microsoft.com/office/drawing/2014/main" id="{44CF5CC1-6533-6043-9D5F-346506703E3A}"/>
+              </a:ext>
+            </a:extLst>
+          </p:cNvPr>
+          <p:cNvSpPr>
+            <a:spLocks noGrp="1"/>
+          </p:cNvSpPr>
+          <p:nvPr>
+            <p:ph type="sldNum" sz="quarter" idx="12"/>
+          </p:nvPr>
+        </p:nvSpPr>
+        <p:spPr/>
+        <p:txBody>
+          <a:bodyPr/>
+          <a:lstStyle/>
+          <a:p>
+            <a:fld id="{3352CBF5-17B8-4387-88A6-ABF9F8C64D5A}" type="slidenum">
+              <a:rPr lang="en-US" smtClean="0"/>
+              <a:t>29</a:t>
+            </a:fld>
+            <a:endParaRPr lang="en-US"/>
+          </a:p>
+        </p:txBody>
+      </p:sp>
+    </p:spTree>
+    <p:extLst>
+      <p:ext uri="{BB962C8B-B14F-4D97-AF65-F5344CB8AC3E}">
+        <p14:creationId xmlns:p14="http://schemas.microsoft.com/office/powerpoint/2010/main" val="628979899"/>
       </p:ext>
     </p:extLst>
   </p:cSld>
@@ -5291,6 +11233,35 @@
           </p:graphicFrame>
         </mc:Fallback>
       </mc:AlternateContent>
+      <p:sp>
+        <p:nvSpPr>
+          <p:cNvPr id="5" name="Slide Number Placeholder 4">
+            <a:extLst>
+              <a:ext uri="{FF2B5EF4-FFF2-40B4-BE49-F238E27FC236}">
+                <a16:creationId xmlns:a16="http://schemas.microsoft.com/office/drawing/2014/main" id="{8E78DF26-91BF-0044-A4F0-B0F3E593BEDA}"/>
+              </a:ext>
+            </a:extLst>
+          </p:cNvPr>
+          <p:cNvSpPr>
+            <a:spLocks noGrp="1"/>
+          </p:cNvSpPr>
+          <p:nvPr>
+            <p:ph type="sldNum" sz="quarter" idx="12"/>
+          </p:nvPr>
+        </p:nvSpPr>
+        <p:spPr/>
+        <p:txBody>
+          <a:bodyPr/>
+          <a:lstStyle/>
+          <a:p>
+            <a:fld id="{3352CBF5-17B8-4387-88A6-ABF9F8C64D5A}" type="slidenum">
+              <a:rPr lang="en-US" smtClean="0"/>
+              <a:t>3</a:t>
+            </a:fld>
+            <a:endParaRPr lang="en-US"/>
+          </a:p>
+        </p:txBody>
+      </p:sp>
     </p:spTree>
     <p:extLst>
       <p:ext uri="{BB962C8B-B14F-4D97-AF65-F5344CB8AC3E}">
@@ -5326,7 +11297,7 @@
           <p:cNvPr id="2" name="Title 1">
             <a:extLst>
               <a:ext uri="{FF2B5EF4-FFF2-40B4-BE49-F238E27FC236}">
-                <a16:creationId xmlns:a16="http://schemas.microsoft.com/office/drawing/2014/main" id="{7189D44A-C615-D744-AB1F-46D97EE2E14A}"/>
+                <a16:creationId xmlns:a16="http://schemas.microsoft.com/office/drawing/2014/main" id="{76725D60-7544-A245-8127-E45C175B6C5C}"/>
               </a:ext>
             </a:extLst>
           </p:cNvPr>
@@ -5344,7 +11315,7 @@
           <a:p>
             <a:r>
               <a:rPr lang="en-US" dirty="0"/>
-              <a:t>Proof of negation</a:t>
+              <a:t>What is a negation in constructive logic?</a:t>
             </a:r>
           </a:p>
         </p:txBody>
@@ -5354,7 +11325,7 @@
           <p:cNvPr id="3" name="Content Placeholder 2">
             <a:extLst>
               <a:ext uri="{FF2B5EF4-FFF2-40B4-BE49-F238E27FC236}">
-                <a16:creationId xmlns:a16="http://schemas.microsoft.com/office/drawing/2014/main" id="{F2F45F1C-C682-5042-B7A0-C01D31889DEA}"/>
+                <a16:creationId xmlns:a16="http://schemas.microsoft.com/office/drawing/2014/main" id="{C7ED177F-9184-C34C-B392-51BECBEE1ABB}"/>
               </a:ext>
             </a:extLst>
           </p:cNvPr>
@@ -5365,154 +11336,109 @@
             <p:ph idx="1"/>
           </p:nvPr>
         </p:nvSpPr>
-        <p:spPr>
-          <a:xfrm>
-            <a:off x="838200" y="1690688"/>
-            <a:ext cx="10515600" cy="4649152"/>
-          </a:xfrm>
-        </p:spPr>
-        <p:txBody>
-          <a:bodyPr>
-            <a:normAutofit/>
-          </a:bodyPr>
+        <p:spPr/>
+        <p:txBody>
+          <a:bodyPr/>
           <a:lstStyle/>
           <a:p>
             <a:r>
               <a:rPr lang="en-US" dirty="0"/>
-              <a:t>Proof that the proposition 1=0 is false:</a:t>
-            </a:r>
-          </a:p>
-          <a:p>
-            <a:pPr marL="457200" lvl="1" indent="0">
-              <a:buNone/>
-            </a:pPr>
-            <a:r>
-              <a:rPr lang="en-US" sz="2000" dirty="0">
-                <a:latin typeface="Courier New" panose="02070309020205020404" pitchFamily="49" charset="0"/>
-                <a:cs typeface="Courier New" panose="02070309020205020404" pitchFamily="49" charset="0"/>
-              </a:rPr>
-              <a:t>theorem t1 : ¬ 1 = 0 := </a:t>
-            </a:r>
-          </a:p>
-          <a:p>
-            <a:pPr marL="457200" lvl="1" indent="0">
-              <a:buNone/>
-            </a:pPr>
-            <a:r>
-              <a:rPr lang="en-US" sz="2000" dirty="0">
-                <a:latin typeface="Courier New" panose="02070309020205020404" pitchFamily="49" charset="0"/>
-                <a:cs typeface="Courier New" panose="02070309020205020404" pitchFamily="49" charset="0"/>
-              </a:rPr>
-              <a:t>begin</a:t>
-            </a:r>
-          </a:p>
-          <a:p>
-            <a:pPr marL="457200" lvl="1" indent="0">
-              <a:buNone/>
-            </a:pPr>
-            <a:r>
-              <a:rPr lang="en-US" sz="2000" dirty="0">
-                <a:latin typeface="Courier New" panose="02070309020205020404" pitchFamily="49" charset="0"/>
-                <a:cs typeface="Courier New" panose="02070309020205020404" pitchFamily="49" charset="0"/>
-              </a:rPr>
-              <a:t>by contradiction, </a:t>
-            </a:r>
-          </a:p>
-          <a:p>
-            <a:pPr marL="457200" lvl="1" indent="0">
-              <a:buNone/>
-            </a:pPr>
-            <a:r>
-              <a:rPr lang="en-US" sz="2000" dirty="0">
-                <a:latin typeface="Courier New" panose="02070309020205020404" pitchFamily="49" charset="0"/>
-                <a:cs typeface="Courier New" panose="02070309020205020404" pitchFamily="49" charset="0"/>
-              </a:rPr>
-              <a:t>end</a:t>
-            </a:r>
-          </a:p>
-          <a:p>
-            <a:r>
+              <a:t>As we’ve already said, ¬P is shorthand for P → false</a:t>
+            </a:r>
+            <a:br>
               <a:rPr lang="en-US" dirty="0"/>
-              <a:t>Note: in Lean, “=“ binds more tightly than “¬”</a:t>
-            </a:r>
+            </a:br>
+            <a:r>
+              <a:rPr lang="en-US" sz="2400" dirty="0">
+                <a:latin typeface="Courier New" panose="02070309020205020404" pitchFamily="49" charset="0"/>
+                <a:cs typeface="Courier New" panose="02070309020205020404" pitchFamily="49" charset="0"/>
+              </a:rPr>
+              <a:t>variable P : Prop -- assume P is some Prop</a:t>
+            </a:r>
+            <a:br>
+              <a:rPr lang="en-US" sz="2400" dirty="0">
+                <a:latin typeface="Courier New" panose="02070309020205020404" pitchFamily="49" charset="0"/>
+                <a:cs typeface="Courier New" panose="02070309020205020404" pitchFamily="49" charset="0"/>
+              </a:rPr>
+            </a:br>
+            <a:r>
+              <a:rPr lang="en-US" sz="2400" dirty="0">
+                <a:latin typeface="Courier New" panose="02070309020205020404" pitchFamily="49" charset="0"/>
+                <a:cs typeface="Courier New" panose="02070309020205020404" pitchFamily="49" charset="0"/>
+              </a:rPr>
+              <a:t>theorem same : (¬ P) = (P → false) := </a:t>
+            </a:r>
+            <a:r>
+              <a:rPr lang="en-US" sz="2400" dirty="0" err="1">
+                <a:latin typeface="Courier New" panose="02070309020205020404" pitchFamily="49" charset="0"/>
+                <a:cs typeface="Courier New" panose="02070309020205020404" pitchFamily="49" charset="0"/>
+              </a:rPr>
+              <a:t>rfl</a:t>
+            </a:r>
+            <a:endParaRPr lang="en-US" sz="2400" dirty="0">
+              <a:latin typeface="Courier New" panose="02070309020205020404" pitchFamily="49" charset="0"/>
+              <a:cs typeface="Courier New" panose="02070309020205020404" pitchFamily="49" charset="0"/>
+            </a:endParaRPr>
+          </a:p>
+          <a:p>
+            <a:endParaRPr lang="en-US" dirty="0"/>
           </a:p>
           <a:p>
             <a:r>
               <a:rPr lang="en-US" dirty="0"/>
-              <a:t>Also note: this is </a:t>
-            </a:r>
-            <a:r>
-              <a:rPr lang="en-US" i="1" dirty="0"/>
-              <a:t>not</a:t>
-            </a:r>
+              <a:t>A proof that P → false necessarily means that there can be no (valid) proof for P.</a:t>
+            </a:r>
+          </a:p>
+          <a:p>
             <a:r>
               <a:rPr lang="en-US" dirty="0"/>
-              <a:t> a proof by contradiction</a:t>
-            </a:r>
-          </a:p>
-          <a:p>
-            <a:pPr lvl="1"/>
-            <a:r>
-              <a:rPr lang="en-US" sz="2000" dirty="0">
-                <a:latin typeface="Courier New" panose="02070309020205020404" pitchFamily="49" charset="0"/>
-                <a:cs typeface="Courier New" panose="02070309020205020404" pitchFamily="49" charset="0"/>
-              </a:rPr>
-              <a:t>contradiction</a:t>
-            </a:r>
+              <a:t>So negation of P means that we can prove that there is no proof of P.</a:t>
+            </a:r>
+          </a:p>
+          <a:p>
             <a:r>
               <a:rPr lang="en-US" dirty="0"/>
-              <a:t> is a tactic that exploits the fact that terms built by different constructors (</a:t>
-            </a:r>
-            <a:r>
-              <a:rPr lang="en-US" sz="2000" dirty="0">
-                <a:latin typeface="Courier New" panose="02070309020205020404" pitchFamily="49" charset="0"/>
-                <a:cs typeface="Courier New" panose="02070309020205020404" pitchFamily="49" charset="0"/>
-              </a:rPr>
-              <a:t>0</a:t>
-            </a:r>
-            <a:r>
-              <a:rPr lang="en-US" dirty="0"/>
-              <a:t> vs </a:t>
-            </a:r>
-            <a:r>
-              <a:rPr lang="en-US" sz="2000" dirty="0" err="1">
-                <a:latin typeface="Courier New" panose="02070309020205020404" pitchFamily="49" charset="0"/>
-                <a:cs typeface="Courier New" panose="02070309020205020404" pitchFamily="49" charset="0"/>
-              </a:rPr>
-              <a:t>succ</a:t>
-            </a:r>
-            <a:r>
-              <a:rPr lang="en-US" sz="2000" dirty="0">
-                <a:latin typeface="Courier New" panose="02070309020205020404" pitchFamily="49" charset="0"/>
-                <a:cs typeface="Courier New" panose="02070309020205020404" pitchFamily="49" charset="0"/>
-              </a:rPr>
-              <a:t>(0)</a:t>
-            </a:r>
-            <a:r>
-              <a:rPr lang="en-US" dirty="0"/>
-              <a:t>) are never equal</a:t>
-            </a:r>
-          </a:p>
-          <a:p>
-            <a:pPr lvl="1"/>
-            <a:r>
-              <a:rPr lang="en-US" dirty="0"/>
-              <a:t>See also </a:t>
-            </a:r>
-            <a:r>
-              <a:rPr lang="en-US" dirty="0">
-                <a:hlinkClick r:id="rId2"/>
-              </a:rPr>
-              <a:t>https://leanprover.github.io/theorem_proving_in_lean/tactics.html#more-tactics</a:t>
-            </a:r>
+              <a:t>More on this later…</a:t>
+            </a:r>
+          </a:p>
+          <a:p>
             <a:endParaRPr lang="en-US" dirty="0"/>
+          </a:p>
+        </p:txBody>
+      </p:sp>
+      <p:sp>
+        <p:nvSpPr>
+          <p:cNvPr id="4" name="Slide Number Placeholder 3">
+            <a:extLst>
+              <a:ext uri="{FF2B5EF4-FFF2-40B4-BE49-F238E27FC236}">
+                <a16:creationId xmlns:a16="http://schemas.microsoft.com/office/drawing/2014/main" id="{DF2D2C67-D53F-2D4A-B2FD-BAF61AA6BAB5}"/>
+              </a:ext>
+            </a:extLst>
+          </p:cNvPr>
+          <p:cNvSpPr>
+            <a:spLocks noGrp="1"/>
+          </p:cNvSpPr>
+          <p:nvPr>
+            <p:ph type="sldNum" sz="quarter" idx="12"/>
+          </p:nvPr>
+        </p:nvSpPr>
+        <p:spPr/>
+        <p:txBody>
+          <a:bodyPr/>
+          <a:lstStyle/>
+          <a:p>
+            <a:fld id="{3352CBF5-17B8-4387-88A6-ABF9F8C64D5A}" type="slidenum">
+              <a:rPr lang="en-US" smtClean="0"/>
+              <a:t>4</a:t>
+            </a:fld>
+            <a:endParaRPr lang="en-US"/>
           </a:p>
         </p:txBody>
       </p:sp>
     </p:spTree>
     <p:extLst>
       <p:ext uri="{BB962C8B-B14F-4D97-AF65-F5344CB8AC3E}">
-        <p14:creationId xmlns:p14="http://schemas.microsoft.com/office/powerpoint/2010/main" val="2824256589"/>
+        <p14:creationId xmlns:p14="http://schemas.microsoft.com/office/powerpoint/2010/main" val="8670427"/>
       </p:ext>
     </p:extLst>
   </p:cSld>
@@ -5544,7 +11470,7 @@
           <p:cNvPr id="2" name="Title 1">
             <a:extLst>
               <a:ext uri="{FF2B5EF4-FFF2-40B4-BE49-F238E27FC236}">
-                <a16:creationId xmlns:a16="http://schemas.microsoft.com/office/drawing/2014/main" id="{D514D39C-6EDC-A84B-8029-DA26275BEDDB}"/>
+                <a16:creationId xmlns:a16="http://schemas.microsoft.com/office/drawing/2014/main" id="{0F1CF359-E00D-0447-8F1F-79ACB45AA570}"/>
               </a:ext>
             </a:extLst>
           </p:cNvPr>
@@ -5562,378 +11488,204 @@
           <a:p>
             <a:r>
               <a:rPr lang="en-US" dirty="0"/>
-              <a:t>Modus Tollens (update!)</a:t>
-            </a:r>
-          </a:p>
-        </p:txBody>
-      </p:sp>
-      <mc:AlternateContent xmlns:mc="http://schemas.openxmlformats.org/markup-compatibility/2006">
-        <mc:Choice xmlns:a14="http://schemas.microsoft.com/office/drawing/2010/main" Requires="a14">
-          <p:sp>
-            <p:nvSpPr>
-              <p:cNvPr id="3" name="Content Placeholder 2">
-                <a:extLst>
-                  <a:ext uri="{FF2B5EF4-FFF2-40B4-BE49-F238E27FC236}">
-                    <a16:creationId xmlns:a16="http://schemas.microsoft.com/office/drawing/2014/main" id="{659447E1-6E81-1D43-AB21-323A5E8372F4}"/>
-                  </a:ext>
-                </a:extLst>
-              </p:cNvPr>
-              <p:cNvSpPr>
-                <a:spLocks noGrp="1"/>
-              </p:cNvSpPr>
-              <p:nvPr>
-                <p:ph idx="1"/>
-              </p:nvPr>
-            </p:nvSpPr>
-            <p:spPr/>
-            <p:txBody>
-              <a:bodyPr>
-                <a:normAutofit fontScale="92500" lnSpcReduction="10000"/>
-              </a:bodyPr>
-              <a:lstStyle/>
-              <a:p>
-                <a:r>
-                  <a:rPr lang="en-US" dirty="0"/>
-                  <a:t>If we know </a:t>
-                </a:r>
-                <a14:m>
-                  <m:oMath xmlns:m="http://schemas.openxmlformats.org/officeDocument/2006/math">
-                    <m:r>
-                      <a:rPr lang="en-US" i="1">
-                        <a:latin typeface="Cambria Math" panose="02040503050406030204" pitchFamily="18" charset="0"/>
-                      </a:rPr>
-                      <m:t>𝑃</m:t>
-                    </m:r>
-                    <m:r>
-                      <a:rPr lang="en-US" i="1">
-                        <a:latin typeface="Cambria Math" panose="02040503050406030204" pitchFamily="18" charset="0"/>
-                      </a:rPr>
-                      <m:t>→</m:t>
-                    </m:r>
-                    <m:r>
-                      <a:rPr lang="en-US" i="1">
-                        <a:latin typeface="Cambria Math" panose="02040503050406030204" pitchFamily="18" charset="0"/>
-                      </a:rPr>
-                      <m:t>𝑄</m:t>
-                    </m:r>
-                  </m:oMath>
-                </a14:m>
-                <a:r>
-                  <a:rPr lang="en-US" dirty="0"/>
-                  <a:t> is true and we know </a:t>
-                </a:r>
-                <a14:m>
-                  <m:oMath xmlns:m="http://schemas.openxmlformats.org/officeDocument/2006/math">
-                    <m:r>
-                      <a:rPr lang="en-US" b="0" i="1" smtClean="0">
-                        <a:latin typeface="Cambria Math" panose="02040503050406030204" pitchFamily="18" charset="0"/>
-                      </a:rPr>
-                      <m:t>𝑄</m:t>
-                    </m:r>
-                  </m:oMath>
-                </a14:m>
-                <a:r>
-                  <a:rPr lang="en-US" dirty="0"/>
-                  <a:t> is </a:t>
-                </a:r>
-                <a:r>
-                  <a:rPr lang="en-US" i="1" dirty="0"/>
-                  <a:t>not</a:t>
-                </a:r>
-                <a:r>
-                  <a:rPr lang="en-US" dirty="0"/>
-                  <a:t> true, then we know </a:t>
-                </a:r>
-                <a14:m>
-                  <m:oMath xmlns:m="http://schemas.openxmlformats.org/officeDocument/2006/math">
-                    <m:r>
-                      <a:rPr lang="en-US" b="0" i="1" smtClean="0">
-                        <a:latin typeface="Cambria Math" panose="02040503050406030204" pitchFamily="18" charset="0"/>
-                      </a:rPr>
-                      <m:t>𝑃</m:t>
-                    </m:r>
-                  </m:oMath>
-                </a14:m>
-                <a:r>
-                  <a:rPr lang="en-US" dirty="0"/>
-                  <a:t> cannot be true</a:t>
-                </a:r>
-              </a:p>
-              <a:p>
-                <a:pPr marL="457200" lvl="1" indent="0">
-                  <a:buNone/>
-                </a:pPr>
-                <a:r>
-                  <a:rPr lang="en-US" sz="2000" dirty="0">
-                    <a:latin typeface="Courier New" panose="02070309020205020404" pitchFamily="49" charset="0"/>
-                    <a:cs typeface="Courier New" panose="02070309020205020404" pitchFamily="49" charset="0"/>
-                  </a:rPr>
-                  <a:t>{ P Q : Prop }, </a:t>
-                </a:r>
-                <a:r>
-                  <a:rPr lang="en-US" sz="2000" dirty="0" err="1">
-                    <a:latin typeface="Courier New" panose="02070309020205020404" pitchFamily="49" charset="0"/>
-                    <a:cs typeface="Courier New" panose="02070309020205020404" pitchFamily="49" charset="0"/>
-                  </a:rPr>
-                  <a:t>pfPtoQ</a:t>
-                </a:r>
-                <a:r>
-                  <a:rPr lang="en-US" sz="2000" dirty="0">
-                    <a:latin typeface="Courier New" panose="02070309020205020404" pitchFamily="49" charset="0"/>
-                    <a:cs typeface="Courier New" panose="02070309020205020404" pitchFamily="49" charset="0"/>
-                  </a:rPr>
-                  <a:t> : P → Q, </a:t>
-                </a:r>
-                <a:r>
-                  <a:rPr lang="en-US" sz="2000" dirty="0" err="1">
-                    <a:latin typeface="Courier New" panose="02070309020205020404" pitchFamily="49" charset="0"/>
-                    <a:cs typeface="Courier New" panose="02070309020205020404" pitchFamily="49" charset="0"/>
-                  </a:rPr>
-                  <a:t>pfnQ</a:t>
-                </a:r>
-                <a:r>
-                  <a:rPr lang="en-US" sz="2000" dirty="0">
-                    <a:latin typeface="Courier New" panose="02070309020205020404" pitchFamily="49" charset="0"/>
-                    <a:cs typeface="Courier New" panose="02070309020205020404" pitchFamily="49" charset="0"/>
-                  </a:rPr>
-                  <a:t> : ¬Q</a:t>
-                </a:r>
-              </a:p>
-              <a:p>
-                <a:pPr marL="457200" lvl="1" indent="0">
-                  <a:buNone/>
-                </a:pPr>
-                <a:r>
-                  <a:rPr lang="en-US" sz="2000" dirty="0">
-                    <a:latin typeface="Courier New" panose="02070309020205020404" pitchFamily="49" charset="0"/>
-                    <a:cs typeface="Courier New" panose="02070309020205020404" pitchFamily="49" charset="0"/>
-                  </a:rPr>
-                  <a:t>----------------------------------------- (modus-tollens)</a:t>
-                </a:r>
-              </a:p>
-              <a:p>
-                <a:pPr marL="457200" lvl="1" indent="0">
-                  <a:buNone/>
-                </a:pPr>
-                <a:r>
-                  <a:rPr lang="en-US" sz="2000" dirty="0" err="1">
-                    <a:latin typeface="Courier New" panose="02070309020205020404" pitchFamily="49" charset="0"/>
-                    <a:cs typeface="Courier New" panose="02070309020205020404" pitchFamily="49" charset="0"/>
-                  </a:rPr>
-                  <a:t>pfnP</a:t>
-                </a:r>
-                <a:r>
-                  <a:rPr lang="en-US" sz="2000" dirty="0">
-                    <a:latin typeface="Courier New" panose="02070309020205020404" pitchFamily="49" charset="0"/>
-                    <a:cs typeface="Courier New" panose="02070309020205020404" pitchFamily="49" charset="0"/>
-                  </a:rPr>
-                  <a:t>: ¬P</a:t>
-                </a:r>
-              </a:p>
-              <a:p>
-                <a:r>
-                  <a:rPr lang="en-US" dirty="0"/>
-                  <a:t>If we know that “if it’s raining, then the streets are wet”, and we know that “the streets are not wet”, then we know “it's not raining”</a:t>
-                </a:r>
-              </a:p>
-              <a:p>
-                <a:r>
-                  <a:rPr lang="en-US" dirty="0"/>
-                  <a:t>This relies on proof by contradiction…</a:t>
-                </a:r>
-              </a:p>
-              <a:p>
-                <a:pPr marL="0" indent="0">
-                  <a:buNone/>
-                </a:pPr>
-                <a:r>
-                  <a:rPr lang="en-US" sz="2400" dirty="0">
-                    <a:latin typeface="Courier New" panose="02070309020205020404" pitchFamily="49" charset="0"/>
-                    <a:cs typeface="Courier New" panose="02070309020205020404" pitchFamily="49" charset="0"/>
-                  </a:rPr>
-                  <a:t>theorem </a:t>
-                </a:r>
-                <a:r>
-                  <a:rPr lang="en-US" sz="2400" dirty="0" err="1">
-                    <a:latin typeface="Courier New" panose="02070309020205020404" pitchFamily="49" charset="0"/>
-                    <a:cs typeface="Courier New" panose="02070309020205020404" pitchFamily="49" charset="0"/>
-                  </a:rPr>
-                  <a:t>modus_tollens</a:t>
-                </a:r>
-                <a:r>
-                  <a:rPr lang="en-US" sz="2400" dirty="0">
-                    <a:latin typeface="Courier New" panose="02070309020205020404" pitchFamily="49" charset="0"/>
-                    <a:cs typeface="Courier New" panose="02070309020205020404" pitchFamily="49" charset="0"/>
-                  </a:rPr>
-                  <a:t> { P Q : Prop }</a:t>
-                </a:r>
-              </a:p>
-              <a:p>
-                <a:pPr marL="0" indent="0">
-                  <a:buNone/>
-                </a:pPr>
-                <a:r>
-                  <a:rPr lang="en-US" sz="2400" dirty="0">
-                    <a:latin typeface="Courier New" panose="02070309020205020404" pitchFamily="49" charset="0"/>
-                    <a:cs typeface="Courier New" panose="02070309020205020404" pitchFamily="49" charset="0"/>
-                  </a:rPr>
-                  <a:t>        (</a:t>
-                </a:r>
-                <a:r>
-                  <a:rPr lang="en-US" sz="2400" dirty="0" err="1">
-                    <a:latin typeface="Courier New" panose="02070309020205020404" pitchFamily="49" charset="0"/>
-                    <a:cs typeface="Courier New" panose="02070309020205020404" pitchFamily="49" charset="0"/>
-                  </a:rPr>
-                  <a:t>pfPtoQ</a:t>
-                </a:r>
-                <a:r>
-                  <a:rPr lang="en-US" sz="2400" dirty="0">
-                    <a:latin typeface="Courier New" panose="02070309020205020404" pitchFamily="49" charset="0"/>
-                    <a:cs typeface="Courier New" panose="02070309020205020404" pitchFamily="49" charset="0"/>
-                  </a:rPr>
-                  <a:t> : P → Q) (</a:t>
-                </a:r>
-                <a:r>
-                  <a:rPr lang="en-US" sz="2400" dirty="0" err="1">
-                    <a:latin typeface="Courier New" panose="02070309020205020404" pitchFamily="49" charset="0"/>
-                    <a:cs typeface="Courier New" panose="02070309020205020404" pitchFamily="49" charset="0"/>
-                  </a:rPr>
-                  <a:t>pfnQ</a:t>
-                </a:r>
-                <a:r>
-                  <a:rPr lang="en-US" sz="2400" dirty="0">
-                    <a:latin typeface="Courier New" panose="02070309020205020404" pitchFamily="49" charset="0"/>
-                    <a:cs typeface="Courier New" panose="02070309020205020404" pitchFamily="49" charset="0"/>
-                  </a:rPr>
-                  <a:t> : Q → false) : ¬ P :=</a:t>
-                </a:r>
-              </a:p>
-              <a:p>
-                <a:pPr marL="0" indent="0">
-                  <a:buNone/>
-                </a:pPr>
-                <a:r>
-                  <a:rPr lang="en-US" sz="2000" dirty="0">
-                    <a:latin typeface="Courier New" panose="02070309020205020404" pitchFamily="49" charset="0"/>
-                    <a:cs typeface="Courier New" panose="02070309020205020404" pitchFamily="49" charset="0"/>
-                  </a:rPr>
-                  <a:t>    </a:t>
-                </a:r>
-                <a:r>
-                  <a:rPr lang="el-GR" sz="2400" dirty="0">
-                    <a:latin typeface="Courier New" panose="02070309020205020404" pitchFamily="49" charset="0"/>
-                    <a:cs typeface="Courier New" panose="02070309020205020404" pitchFamily="49" charset="0"/>
-                  </a:rPr>
-                  <a:t>λ (</a:t>
-                </a:r>
-                <a:r>
-                  <a:rPr lang="en-US" sz="2400" dirty="0" err="1">
-                    <a:latin typeface="Courier New" panose="02070309020205020404" pitchFamily="49" charset="0"/>
-                    <a:cs typeface="Courier New" panose="02070309020205020404" pitchFamily="49" charset="0"/>
-                  </a:rPr>
-                  <a:t>pfP</a:t>
-                </a:r>
-                <a:r>
-                  <a:rPr lang="en-US" sz="2400" dirty="0">
-                    <a:latin typeface="Courier New" panose="02070309020205020404" pitchFamily="49" charset="0"/>
-                    <a:cs typeface="Courier New" panose="02070309020205020404" pitchFamily="49" charset="0"/>
-                  </a:rPr>
-                  <a:t> : P), </a:t>
-                </a:r>
-                <a:r>
-                  <a:rPr lang="en-US" sz="2400" dirty="0" err="1">
-                    <a:latin typeface="Courier New" panose="02070309020205020404" pitchFamily="49" charset="0"/>
-                    <a:cs typeface="Courier New" panose="02070309020205020404" pitchFamily="49" charset="0"/>
-                  </a:rPr>
-                  <a:t>pfnQ</a:t>
-                </a:r>
-                <a:r>
-                  <a:rPr lang="en-US" sz="2400" dirty="0">
-                    <a:latin typeface="Courier New" panose="02070309020205020404" pitchFamily="49" charset="0"/>
-                    <a:cs typeface="Courier New" panose="02070309020205020404" pitchFamily="49" charset="0"/>
-                  </a:rPr>
-                  <a:t> (</a:t>
-                </a:r>
-                <a:r>
-                  <a:rPr lang="en-US" sz="2400" dirty="0" err="1">
-                    <a:latin typeface="Courier New" panose="02070309020205020404" pitchFamily="49" charset="0"/>
-                    <a:cs typeface="Courier New" panose="02070309020205020404" pitchFamily="49" charset="0"/>
-                  </a:rPr>
-                  <a:t>pfPtoQ</a:t>
-                </a:r>
-                <a:r>
-                  <a:rPr lang="en-US" sz="2400" dirty="0">
-                    <a:latin typeface="Courier New" panose="02070309020205020404" pitchFamily="49" charset="0"/>
-                    <a:cs typeface="Courier New" panose="02070309020205020404" pitchFamily="49" charset="0"/>
-                  </a:rPr>
-                  <a:t> </a:t>
-                </a:r>
-                <a:r>
-                  <a:rPr lang="en-US" sz="2400" dirty="0" err="1">
-                    <a:latin typeface="Courier New" panose="02070309020205020404" pitchFamily="49" charset="0"/>
-                    <a:cs typeface="Courier New" panose="02070309020205020404" pitchFamily="49" charset="0"/>
-                  </a:rPr>
-                  <a:t>pfP</a:t>
-                </a:r>
-                <a:r>
-                  <a:rPr lang="en-US" sz="2400" dirty="0">
-                    <a:latin typeface="Courier New" panose="02070309020205020404" pitchFamily="49" charset="0"/>
-                    <a:cs typeface="Courier New" panose="02070309020205020404" pitchFamily="49" charset="0"/>
-                  </a:rPr>
-                  <a:t>)</a:t>
-                </a:r>
-                <a:endParaRPr lang="en-US" dirty="0"/>
-              </a:p>
-              <a:p>
-                <a:endParaRPr lang="en-US" dirty="0"/>
-              </a:p>
-            </p:txBody>
-          </p:sp>
-        </mc:Choice>
-        <mc:Fallback>
-          <p:sp>
-            <p:nvSpPr>
-              <p:cNvPr id="3" name="Content Placeholder 2">
-                <a:extLst>
-                  <a:ext uri="{FF2B5EF4-FFF2-40B4-BE49-F238E27FC236}">
-                    <a16:creationId xmlns:a16="http://schemas.microsoft.com/office/drawing/2014/main" id="{659447E1-6E81-1D43-AB21-323A5E8372F4}"/>
-                  </a:ext>
-                </a:extLst>
-              </p:cNvPr>
-              <p:cNvSpPr>
-                <a:spLocks noGrp="1" noRot="1" noChangeAspect="1" noMove="1" noResize="1" noEditPoints="1" noAdjustHandles="1" noChangeArrowheads="1" noChangeShapeType="1" noTextEdit="1"/>
-              </p:cNvSpPr>
-              <p:nvPr>
-                <p:ph idx="1"/>
-              </p:nvPr>
-            </p:nvSpPr>
-            <p:spPr>
-              <a:blipFill>
-                <a:blip r:embed="rId2"/>
-                <a:stretch>
-                  <a:fillRect l="-844" t="-2924" r="-724"/>
-                </a:stretch>
-              </a:blipFill>
-            </p:spPr>
-            <p:txBody>
-              <a:bodyPr/>
-              <a:lstStyle/>
-              <a:p>
-                <a:r>
-                  <a:rPr lang="en-US">
-                    <a:noFill/>
-                  </a:rPr>
-                  <a:t> </a:t>
-                </a:r>
-              </a:p>
-            </p:txBody>
-          </p:sp>
-        </mc:Fallback>
-      </mc:AlternateContent>
+              <a:t>Inequality (not equals)</a:t>
+            </a:r>
+          </a:p>
+        </p:txBody>
+      </p:sp>
+      <p:sp>
+        <p:nvSpPr>
+          <p:cNvPr id="3" name="Content Placeholder 2">
+            <a:extLst>
+              <a:ext uri="{FF2B5EF4-FFF2-40B4-BE49-F238E27FC236}">
+                <a16:creationId xmlns:a16="http://schemas.microsoft.com/office/drawing/2014/main" id="{150FB545-B5A6-0743-8C17-793ACA995F39}"/>
+              </a:ext>
+            </a:extLst>
+          </p:cNvPr>
+          <p:cNvSpPr>
+            <a:spLocks noGrp="1"/>
+          </p:cNvSpPr>
+          <p:nvPr>
+            <p:ph idx="1"/>
+          </p:nvPr>
+        </p:nvSpPr>
+        <p:spPr/>
+        <p:txBody>
+          <a:bodyPr/>
+          <a:lstStyle/>
+          <a:p>
+            <a:r>
+              <a:rPr lang="en-US" dirty="0"/>
+              <a:t>0 ≠ 1 is just different notation for ¬ 0 = 1</a:t>
+            </a:r>
+          </a:p>
+          <a:p>
+            <a:pPr lvl="1"/>
+            <a:r>
+              <a:rPr lang="en-US" dirty="0"/>
+              <a:t>≠ can be written with \ne or \</a:t>
+            </a:r>
+            <a:r>
+              <a:rPr lang="en-US" dirty="0" err="1"/>
+              <a:t>neq</a:t>
+            </a:r>
+            <a:endParaRPr lang="en-US" dirty="0"/>
+          </a:p>
+          <a:p>
+            <a:pPr lvl="2"/>
+            <a:r>
+              <a:rPr lang="en-US" dirty="0"/>
+              <a:t>On a Mac, ≠ can also be written with [option]+=, and ¬ can be written with [option]+l (that’s a lower-case L)</a:t>
+            </a:r>
+          </a:p>
+          <a:p>
+            <a:pPr lvl="2"/>
+            <a:endParaRPr lang="en-US" dirty="0"/>
+          </a:p>
+          <a:p>
+            <a:pPr marL="0" indent="0">
+              <a:buNone/>
+            </a:pPr>
+            <a:r>
+              <a:rPr lang="en-US" sz="2400" dirty="0">
+                <a:latin typeface="Courier New" panose="02070309020205020404" pitchFamily="49" charset="0"/>
+                <a:cs typeface="Courier New" panose="02070309020205020404" pitchFamily="49" charset="0"/>
+              </a:rPr>
+              <a:t>theorem </a:t>
+            </a:r>
+            <a:r>
+              <a:rPr lang="en-US" sz="2400" dirty="0" err="1">
+                <a:latin typeface="Courier New" panose="02070309020205020404" pitchFamily="49" charset="0"/>
+                <a:cs typeface="Courier New" panose="02070309020205020404" pitchFamily="49" charset="0"/>
+              </a:rPr>
+              <a:t>zneqo</a:t>
+            </a:r>
+            <a:r>
+              <a:rPr lang="en-US" sz="2400" dirty="0">
+                <a:latin typeface="Courier New" panose="02070309020205020404" pitchFamily="49" charset="0"/>
+                <a:cs typeface="Courier New" panose="02070309020205020404" pitchFamily="49" charset="0"/>
+              </a:rPr>
+              <a:t> : 0 ≠ 1.</a:t>
+            </a:r>
+          </a:p>
+          <a:p>
+            <a:pPr marL="0" indent="0">
+              <a:buNone/>
+            </a:pPr>
+            <a:r>
+              <a:rPr lang="en-US" sz="2400" dirty="0">
+                <a:latin typeface="Courier New" panose="02070309020205020404" pitchFamily="49" charset="0"/>
+                <a:cs typeface="Courier New" panose="02070309020205020404" pitchFamily="49" charset="0"/>
+              </a:rPr>
+              <a:t>#check </a:t>
+            </a:r>
+            <a:r>
+              <a:rPr lang="en-US" sz="2400" dirty="0" err="1">
+                <a:latin typeface="Courier New" panose="02070309020205020404" pitchFamily="49" charset="0"/>
+                <a:cs typeface="Courier New" panose="02070309020205020404" pitchFamily="49" charset="0"/>
+              </a:rPr>
+              <a:t>zneqo</a:t>
+            </a:r>
+            <a:endParaRPr lang="en-US" sz="2400" dirty="0">
+              <a:latin typeface="Courier New" panose="02070309020205020404" pitchFamily="49" charset="0"/>
+              <a:cs typeface="Courier New" panose="02070309020205020404" pitchFamily="49" charset="0"/>
+            </a:endParaRPr>
+          </a:p>
+          <a:p>
+            <a:r>
+              <a:rPr lang="en-US" dirty="0"/>
+              <a:t>Woah, a period? This means that Lean just </a:t>
+            </a:r>
+            <a:r>
+              <a:rPr lang="en-US" i="1" dirty="0"/>
+              <a:t>knows</a:t>
+            </a:r>
+            <a:r>
+              <a:rPr lang="en-US" dirty="0"/>
+              <a:t> it is true.</a:t>
+            </a:r>
+          </a:p>
+          <a:p>
+            <a:endParaRPr lang="en-US" dirty="0"/>
+          </a:p>
+          <a:p>
+            <a:pPr marL="0" indent="0">
+              <a:buNone/>
+            </a:pPr>
+            <a:r>
+              <a:rPr lang="en-US" sz="2400" dirty="0">
+                <a:latin typeface="Courier New" panose="02070309020205020404" pitchFamily="49" charset="0"/>
+                <a:cs typeface="Courier New" panose="02070309020205020404" pitchFamily="49" charset="0"/>
+              </a:rPr>
+              <a:t>theorem </a:t>
+            </a:r>
+            <a:r>
+              <a:rPr lang="en-US" sz="2400" dirty="0" err="1">
+                <a:latin typeface="Courier New" panose="02070309020205020404" pitchFamily="49" charset="0"/>
+                <a:cs typeface="Courier New" panose="02070309020205020404" pitchFamily="49" charset="0"/>
+              </a:rPr>
+              <a:t>zneqoeqzneqo</a:t>
+            </a:r>
+            <a:r>
+              <a:rPr lang="en-US" sz="2400" dirty="0">
+                <a:latin typeface="Courier New" panose="02070309020205020404" pitchFamily="49" charset="0"/>
+                <a:cs typeface="Courier New" panose="02070309020205020404" pitchFamily="49" charset="0"/>
+              </a:rPr>
+              <a:t> : (0 ≠ 1) = ¬(0 = 1) := </a:t>
+            </a:r>
+            <a:r>
+              <a:rPr lang="en-US" sz="2400" dirty="0" err="1">
+                <a:latin typeface="Courier New" panose="02070309020205020404" pitchFamily="49" charset="0"/>
+                <a:cs typeface="Courier New" panose="02070309020205020404" pitchFamily="49" charset="0"/>
+              </a:rPr>
+              <a:t>rfl</a:t>
+            </a:r>
+            <a:endParaRPr lang="en-US" sz="2400" dirty="0">
+              <a:latin typeface="Courier New" panose="02070309020205020404" pitchFamily="49" charset="0"/>
+              <a:cs typeface="Courier New" panose="02070309020205020404" pitchFamily="49" charset="0"/>
+            </a:endParaRPr>
+          </a:p>
+          <a:p>
+            <a:endParaRPr lang="en-US" dirty="0"/>
+          </a:p>
+          <a:p>
+            <a:endParaRPr lang="en-US" dirty="0"/>
+          </a:p>
+        </p:txBody>
+      </p:sp>
+      <p:sp>
+        <p:nvSpPr>
+          <p:cNvPr id="4" name="Slide Number Placeholder 3">
+            <a:extLst>
+              <a:ext uri="{FF2B5EF4-FFF2-40B4-BE49-F238E27FC236}">
+                <a16:creationId xmlns:a16="http://schemas.microsoft.com/office/drawing/2014/main" id="{066B82C4-DD96-334C-AE40-86FD5BC87E96}"/>
+              </a:ext>
+            </a:extLst>
+          </p:cNvPr>
+          <p:cNvSpPr>
+            <a:spLocks noGrp="1"/>
+          </p:cNvSpPr>
+          <p:nvPr>
+            <p:ph type="sldNum" sz="quarter" idx="12"/>
+          </p:nvPr>
+        </p:nvSpPr>
+        <p:spPr/>
+        <p:txBody>
+          <a:bodyPr/>
+          <a:lstStyle/>
+          <a:p>
+            <a:fld id="{3352CBF5-17B8-4387-88A6-ABF9F8C64D5A}" type="slidenum">
+              <a:rPr lang="en-US" smtClean="0"/>
+              <a:t>5</a:t>
+            </a:fld>
+            <a:endParaRPr lang="en-US"/>
+          </a:p>
+        </p:txBody>
+      </p:sp>
     </p:spTree>
     <p:extLst>
       <p:ext uri="{BB962C8B-B14F-4D97-AF65-F5344CB8AC3E}">
-        <p14:creationId xmlns:p14="http://schemas.microsoft.com/office/powerpoint/2010/main" val="3022205548"/>
+        <p14:creationId xmlns:p14="http://schemas.microsoft.com/office/powerpoint/2010/main" val="206944159"/>
       </p:ext>
     </p:extLst>
   </p:cSld>
@@ -5965,7 +11717,7 @@
           <p:cNvPr id="2" name="Title 1">
             <a:extLst>
               <a:ext uri="{FF2B5EF4-FFF2-40B4-BE49-F238E27FC236}">
-                <a16:creationId xmlns:a16="http://schemas.microsoft.com/office/drawing/2014/main" id="{D9CBDA44-C27A-1A40-B13E-E76AFAFCC61C}"/>
+                <a16:creationId xmlns:a16="http://schemas.microsoft.com/office/drawing/2014/main" id="{52433C45-9779-9445-B06D-BEC5F5E9DD69}"/>
               </a:ext>
             </a:extLst>
           </p:cNvPr>
@@ -5983,7 +11735,7 @@
           <a:p>
             <a:r>
               <a:rPr lang="en-US" dirty="0"/>
-              <a:t>Unpacking modus tollens</a:t>
+              <a:t>Disjointness of constructors</a:t>
             </a:r>
           </a:p>
         </p:txBody>
@@ -5993,7 +11745,7 @@
           <p:cNvPr id="3" name="Content Placeholder 2">
             <a:extLst>
               <a:ext uri="{FF2B5EF4-FFF2-40B4-BE49-F238E27FC236}">
-                <a16:creationId xmlns:a16="http://schemas.microsoft.com/office/drawing/2014/main" id="{F2E93D35-2FBA-364A-BF6A-516C57A10A3C}"/>
+                <a16:creationId xmlns:a16="http://schemas.microsoft.com/office/drawing/2014/main" id="{3AB40960-0852-C549-912F-04457CC9D566}"/>
               </a:ext>
             </a:extLst>
           </p:cNvPr>
@@ -6011,6 +11763,80 @@
           </a:bodyPr>
           <a:lstStyle/>
           <a:p>
+            <a:r>
+              <a:rPr lang="en-US" dirty="0"/>
+              <a:t>Zero is created by the “base” constructor for naturals</a:t>
+            </a:r>
+          </a:p>
+          <a:p>
+            <a:pPr lvl="1"/>
+            <a:r>
+              <a:rPr lang="en-US" dirty="0"/>
+              <a:t>#reduce </a:t>
+            </a:r>
+            <a:r>
+              <a:rPr lang="en-US" dirty="0" err="1"/>
+              <a:t>nat.zero</a:t>
+            </a:r>
+            <a:endParaRPr lang="en-US" dirty="0"/>
+          </a:p>
+          <a:p>
+            <a:r>
+              <a:rPr lang="en-US" dirty="0"/>
+              <a:t>One is created by using the successor of zero</a:t>
+            </a:r>
+          </a:p>
+          <a:p>
+            <a:pPr lvl="1"/>
+            <a:r>
+              <a:rPr lang="en-US" dirty="0"/>
+              <a:t>#reduce </a:t>
+            </a:r>
+            <a:r>
+              <a:rPr lang="en-US" dirty="0" err="1"/>
+              <a:t>nat.succ</a:t>
+            </a:r>
+            <a:r>
+              <a:rPr lang="en-US" dirty="0"/>
+              <a:t>(0)</a:t>
+            </a:r>
+          </a:p>
+          <a:p>
+            <a:r>
+              <a:rPr lang="en-US" dirty="0"/>
+              <a:t>Two is the successor of 1</a:t>
+            </a:r>
+          </a:p>
+          <a:p>
+            <a:pPr lvl="1"/>
+            <a:r>
+              <a:rPr lang="en-US" dirty="0"/>
+              <a:t>#reduce </a:t>
+            </a:r>
+            <a:r>
+              <a:rPr lang="en-US" dirty="0" err="1"/>
+              <a:t>nat.succ</a:t>
+            </a:r>
+            <a:r>
+              <a:rPr lang="en-US" dirty="0"/>
+              <a:t>(</a:t>
+            </a:r>
+            <a:r>
+              <a:rPr lang="en-US" dirty="0" err="1"/>
+              <a:t>nat.succ</a:t>
+            </a:r>
+            <a:r>
+              <a:rPr lang="en-US" dirty="0"/>
+              <a:t>(0))</a:t>
+            </a:r>
+          </a:p>
+          <a:p>
+            <a:pPr marL="457200" lvl="1" indent="0">
+              <a:buNone/>
+            </a:pPr>
+            <a:endParaRPr lang="en-US" dirty="0"/>
+          </a:p>
+          <a:p>
             <a:pPr marL="0" indent="0">
               <a:buNone/>
             </a:pPr>
@@ -6026,14 +11852,14 @@
                 <a:latin typeface="Courier New" panose="02070309020205020404" pitchFamily="49" charset="0"/>
                 <a:cs typeface="Courier New" panose="02070309020205020404" pitchFamily="49" charset="0"/>
               </a:rPr>
-              <a:t>modus_tollens</a:t>
-            </a:r>
-            <a:r>
-              <a:rPr lang="en-US" sz="2400" dirty="0">
-                <a:latin typeface="Courier New" panose="02070309020205020404" pitchFamily="49" charset="0"/>
-                <a:cs typeface="Courier New" panose="02070309020205020404" pitchFamily="49" charset="0"/>
-              </a:rPr>
-              <a:t> { P Q : Prop }</a:t>
+              <a:t>zneqo</a:t>
+            </a:r>
+            <a:r>
+              <a:rPr lang="en-US" sz="2400" dirty="0">
+                <a:latin typeface="Courier New" panose="02070309020205020404" pitchFamily="49" charset="0"/>
+                <a:cs typeface="Courier New" panose="02070309020205020404" pitchFamily="49" charset="0"/>
+              </a:rPr>
+              <a:t>' : 0 = 1 → false := </a:t>
             </a:r>
           </a:p>
           <a:p>
@@ -6045,166 +11871,87 @@
                 <a:latin typeface="Courier New" panose="02070309020205020404" pitchFamily="49" charset="0"/>
                 <a:cs typeface="Courier New" panose="02070309020205020404" pitchFamily="49" charset="0"/>
               </a:rPr>
-              <a:t>        (</a:t>
+              <a:t>    </a:t>
+            </a:r>
+            <a:r>
+              <a:rPr lang="el-GR" sz="2400" dirty="0">
+                <a:latin typeface="Courier New" panose="02070309020205020404" pitchFamily="49" charset="0"/>
+                <a:cs typeface="Courier New" panose="02070309020205020404" pitchFamily="49" charset="0"/>
+              </a:rPr>
+              <a:t>λ </a:t>
+            </a:r>
+            <a:r>
+              <a:rPr lang="en-US" sz="2400" dirty="0">
+                <a:latin typeface="Courier New" panose="02070309020205020404" pitchFamily="49" charset="0"/>
+                <a:cs typeface="Courier New" panose="02070309020205020404" pitchFamily="49" charset="0"/>
+              </a:rPr>
+              <a:t>h : (0 = 1), </a:t>
+            </a:r>
+          </a:p>
+          <a:p>
+            <a:pPr marL="0" indent="0">
+              <a:buNone/>
+            </a:pPr>
+            <a:r>
+              <a:rPr lang="en-US" sz="2400" dirty="0">
+                <a:latin typeface="Courier New" panose="02070309020205020404" pitchFamily="49" charset="0"/>
+                <a:cs typeface="Courier New" panose="02070309020205020404" pitchFamily="49" charset="0"/>
+              </a:rPr>
+              <a:t>        </a:t>
             </a:r>
             <a:r>
               <a:rPr lang="en-US" sz="2400" dirty="0" err="1">
                 <a:latin typeface="Courier New" panose="02070309020205020404" pitchFamily="49" charset="0"/>
                 <a:cs typeface="Courier New" panose="02070309020205020404" pitchFamily="49" charset="0"/>
               </a:rPr>
-              <a:t>pfPtoQ</a:t>
-            </a:r>
-            <a:r>
-              <a:rPr lang="en-US" sz="2400" dirty="0">
-                <a:latin typeface="Courier New" panose="02070309020205020404" pitchFamily="49" charset="0"/>
-                <a:cs typeface="Courier New" panose="02070309020205020404" pitchFamily="49" charset="0"/>
-              </a:rPr>
-              <a:t> : P → Q) (</a:t>
-            </a:r>
-            <a:r>
-              <a:rPr lang="en-US" sz="2400" dirty="0" err="1">
-                <a:latin typeface="Courier New" panose="02070309020205020404" pitchFamily="49" charset="0"/>
-                <a:cs typeface="Courier New" panose="02070309020205020404" pitchFamily="49" charset="0"/>
-              </a:rPr>
-              <a:t>pfnQ</a:t>
-            </a:r>
-            <a:r>
-              <a:rPr lang="en-US" sz="2400" dirty="0">
-                <a:latin typeface="Courier New" panose="02070309020205020404" pitchFamily="49" charset="0"/>
-                <a:cs typeface="Courier New" panose="02070309020205020404" pitchFamily="49" charset="0"/>
-              </a:rPr>
-              <a:t> : Q → false) : ¬ P :=</a:t>
-            </a:r>
-          </a:p>
-          <a:p>
-            <a:pPr marL="0" indent="0">
-              <a:buNone/>
-            </a:pPr>
-            <a:r>
-              <a:rPr lang="en-US" sz="2000" dirty="0">
-                <a:latin typeface="Courier New" panose="02070309020205020404" pitchFamily="49" charset="0"/>
-                <a:cs typeface="Courier New" panose="02070309020205020404" pitchFamily="49" charset="0"/>
-              </a:rPr>
-              <a:t>    </a:t>
-            </a:r>
-            <a:r>
-              <a:rPr lang="el-GR" sz="2400" dirty="0">
-                <a:latin typeface="Courier New" panose="02070309020205020404" pitchFamily="49" charset="0"/>
-                <a:cs typeface="Courier New" panose="02070309020205020404" pitchFamily="49" charset="0"/>
-              </a:rPr>
-              <a:t>λ (</a:t>
-            </a:r>
-            <a:r>
-              <a:rPr lang="en-US" sz="2400" dirty="0" err="1">
-                <a:latin typeface="Courier New" panose="02070309020205020404" pitchFamily="49" charset="0"/>
-                <a:cs typeface="Courier New" panose="02070309020205020404" pitchFamily="49" charset="0"/>
-              </a:rPr>
-              <a:t>pfP</a:t>
-            </a:r>
-            <a:r>
-              <a:rPr lang="en-US" sz="2400" dirty="0">
-                <a:latin typeface="Courier New" panose="02070309020205020404" pitchFamily="49" charset="0"/>
-                <a:cs typeface="Courier New" panose="02070309020205020404" pitchFamily="49" charset="0"/>
-              </a:rPr>
-              <a:t> : P), </a:t>
-            </a:r>
-            <a:r>
-              <a:rPr lang="en-US" sz="2400" dirty="0" err="1">
-                <a:latin typeface="Courier New" panose="02070309020205020404" pitchFamily="49" charset="0"/>
-                <a:cs typeface="Courier New" panose="02070309020205020404" pitchFamily="49" charset="0"/>
-              </a:rPr>
-              <a:t>pfnQ</a:t>
-            </a:r>
-            <a:r>
-              <a:rPr lang="en-US" sz="2400" dirty="0">
-                <a:latin typeface="Courier New" panose="02070309020205020404" pitchFamily="49" charset="0"/>
-                <a:cs typeface="Courier New" panose="02070309020205020404" pitchFamily="49" charset="0"/>
-              </a:rPr>
-              <a:t> (</a:t>
-            </a:r>
-            <a:r>
-              <a:rPr lang="en-US" sz="2400" dirty="0" err="1">
-                <a:latin typeface="Courier New" panose="02070309020205020404" pitchFamily="49" charset="0"/>
-                <a:cs typeface="Courier New" panose="02070309020205020404" pitchFamily="49" charset="0"/>
-              </a:rPr>
-              <a:t>pfPtoQ</a:t>
-            </a:r>
-            <a:r>
-              <a:rPr lang="en-US" sz="2400" dirty="0">
-                <a:latin typeface="Courier New" panose="02070309020205020404" pitchFamily="49" charset="0"/>
-                <a:cs typeface="Courier New" panose="02070309020205020404" pitchFamily="49" charset="0"/>
-              </a:rPr>
-              <a:t> </a:t>
-            </a:r>
-            <a:r>
-              <a:rPr lang="en-US" sz="2400" dirty="0" err="1">
-                <a:latin typeface="Courier New" panose="02070309020205020404" pitchFamily="49" charset="0"/>
-                <a:cs typeface="Courier New" panose="02070309020205020404" pitchFamily="49" charset="0"/>
-              </a:rPr>
-              <a:t>pfP</a:t>
-            </a:r>
-            <a:r>
-              <a:rPr lang="en-US" sz="2400" dirty="0">
-                <a:latin typeface="Courier New" panose="02070309020205020404" pitchFamily="49" charset="0"/>
-                <a:cs typeface="Courier New" panose="02070309020205020404" pitchFamily="49" charset="0"/>
-              </a:rPr>
-              <a:t>)</a:t>
-            </a:r>
-          </a:p>
-          <a:p>
-            <a:r>
-              <a:rPr lang="en-US" dirty="0"/>
-              <a:t>Given a proof of P implies Q and a proof that Q is false, we can prove that P is false</a:t>
-            </a:r>
-          </a:p>
-          <a:p>
-            <a:r>
-              <a:rPr lang="en-US" dirty="0"/>
-              <a:t>Steps:</a:t>
-            </a:r>
-          </a:p>
-          <a:p>
-            <a:pPr marL="971550" lvl="1" indent="-514350">
-              <a:buFont typeface="+mj-lt"/>
-              <a:buAutoNum type="arabicPeriod"/>
-            </a:pPr>
-            <a:r>
-              <a:rPr lang="en-US" dirty="0"/>
-              <a:t>Provide a function that takes a proof of P, </a:t>
-            </a:r>
-          </a:p>
-          <a:p>
-            <a:pPr marL="971550" lvl="1" indent="-514350">
-              <a:buFont typeface="+mj-lt"/>
-              <a:buAutoNum type="arabicPeriod"/>
-            </a:pPr>
-            <a:r>
-              <a:rPr lang="en-US" dirty="0"/>
-              <a:t>apply that to our implication that P implies Q to get a proof of Q, </a:t>
-            </a:r>
-          </a:p>
-          <a:p>
-            <a:pPr marL="971550" lvl="1" indent="-514350">
-              <a:buFont typeface="+mj-lt"/>
-              <a:buAutoNum type="arabicPeriod"/>
-            </a:pPr>
-            <a:r>
-              <a:rPr lang="en-US" dirty="0"/>
-              <a:t>apply that to our implication that Q implies false to get a proof that P implies false, hence</a:t>
-            </a:r>
-          </a:p>
-          <a:p>
-            <a:r>
-              <a:rPr lang="en-US" dirty="0"/>
-              <a:t>Recall that ¬P is actually synonymous with P implies false</a:t>
-            </a:r>
+              <a:t>nat.no_confusion</a:t>
+            </a:r>
+            <a:r>
+              <a:rPr lang="en-US" sz="2400" dirty="0">
+                <a:latin typeface="Courier New" panose="02070309020205020404" pitchFamily="49" charset="0"/>
+                <a:cs typeface="Courier New" panose="02070309020205020404" pitchFamily="49" charset="0"/>
+              </a:rPr>
+              <a:t> h</a:t>
+            </a:r>
+          </a:p>
+          <a:p>
+            <a:endParaRPr lang="en-US" dirty="0"/>
+          </a:p>
+        </p:txBody>
+      </p:sp>
+      <p:sp>
+        <p:nvSpPr>
+          <p:cNvPr id="4" name="Slide Number Placeholder 3">
+            <a:extLst>
+              <a:ext uri="{FF2B5EF4-FFF2-40B4-BE49-F238E27FC236}">
+                <a16:creationId xmlns:a16="http://schemas.microsoft.com/office/drawing/2014/main" id="{729B3C3A-3FEF-874D-9B04-6467FBC27BAD}"/>
+              </a:ext>
+            </a:extLst>
+          </p:cNvPr>
+          <p:cNvSpPr>
+            <a:spLocks noGrp="1"/>
+          </p:cNvSpPr>
+          <p:nvPr>
+            <p:ph type="sldNum" sz="quarter" idx="12"/>
+          </p:nvPr>
+        </p:nvSpPr>
+        <p:spPr/>
+        <p:txBody>
+          <a:bodyPr/>
+          <a:lstStyle/>
+          <a:p>
+            <a:fld id="{3352CBF5-17B8-4387-88A6-ABF9F8C64D5A}" type="slidenum">
+              <a:rPr lang="en-US" smtClean="0"/>
+              <a:t>6</a:t>
+            </a:fld>
+            <a:endParaRPr lang="en-US"/>
           </a:p>
         </p:txBody>
       </p:sp>
     </p:spTree>
     <p:extLst>
       <p:ext uri="{BB962C8B-B14F-4D97-AF65-F5344CB8AC3E}">
-        <p14:creationId xmlns:p14="http://schemas.microsoft.com/office/powerpoint/2010/main" val="744995464"/>
+        <p14:creationId xmlns:p14="http://schemas.microsoft.com/office/powerpoint/2010/main" val="1858560586"/>
       </p:ext>
     </p:extLst>
   </p:cSld>
@@ -6236,7 +11983,7 @@
           <p:cNvPr id="2" name="Title 1">
             <a:extLst>
               <a:ext uri="{FF2B5EF4-FFF2-40B4-BE49-F238E27FC236}">
-                <a16:creationId xmlns:a16="http://schemas.microsoft.com/office/drawing/2014/main" id="{FFB9D596-7F0C-4B4E-96F9-458276000BEA}"/>
+                <a16:creationId xmlns:a16="http://schemas.microsoft.com/office/drawing/2014/main" id="{52CFA303-E292-5A44-912F-08E657B9ACA2}"/>
               </a:ext>
             </a:extLst>
           </p:cNvPr>
@@ -6254,7 +12001,7 @@
           <a:p>
             <a:r>
               <a:rPr lang="en-US" dirty="0"/>
-              <a:t>Proving Q and not Q is false</a:t>
+              <a:t>Assume-show-from proof pattern</a:t>
             </a:r>
           </a:p>
         </p:txBody>
@@ -6264,7 +12011,7 @@
           <p:cNvPr id="3" name="Content Placeholder 2">
             <a:extLst>
               <a:ext uri="{FF2B5EF4-FFF2-40B4-BE49-F238E27FC236}">
-                <a16:creationId xmlns:a16="http://schemas.microsoft.com/office/drawing/2014/main" id="{8B2215B6-B3E9-D648-A885-C08176D9BAD9}"/>
+                <a16:creationId xmlns:a16="http://schemas.microsoft.com/office/drawing/2014/main" id="{C37D2D5A-B2DF-464E-8678-801AB60136DE}"/>
               </a:ext>
             </a:extLst>
           </p:cNvPr>
@@ -6275,137 +12022,126 @@
             <p:ph idx="1"/>
           </p:nvPr>
         </p:nvSpPr>
-        <p:spPr/>
+        <p:spPr>
+          <a:xfrm>
+            <a:off x="838200" y="1825625"/>
+            <a:ext cx="10515600" cy="4483992"/>
+          </a:xfrm>
+        </p:spPr>
         <p:txBody>
           <a:bodyPr>
-            <a:normAutofit fontScale="92500" lnSpcReduction="10000"/>
+            <a:normAutofit fontScale="85000" lnSpcReduction="20000"/>
           </a:bodyPr>
           <a:lstStyle/>
           <a:p>
             <a:r>
+              <a:rPr lang="en-US" sz="2400" dirty="0">
+                <a:latin typeface="Courier New" panose="02070309020205020404" pitchFamily="49" charset="0"/>
+                <a:cs typeface="Courier New" panose="02070309020205020404" pitchFamily="49" charset="0"/>
+              </a:rPr>
+              <a:t>Assume</a:t>
+            </a:r>
+            <a:r>
               <a:rPr lang="en-US" dirty="0"/>
-              <a:t>Something cannot be both true and not true</a:t>
-            </a:r>
-          </a:p>
-          <a:p>
-            <a:pPr marL="0" indent="0">
-              <a:buNone/>
-            </a:pPr>
-            <a:r>
-              <a:rPr lang="en-US" sz="2400" dirty="0">
-                <a:latin typeface="Courier New" panose="02070309020205020404" pitchFamily="49" charset="0"/>
-                <a:cs typeface="Courier New" panose="02070309020205020404" pitchFamily="49" charset="0"/>
-              </a:rPr>
-              <a:t>theorem </a:t>
+              <a:t> works on an implication, either explicit or implicit</a:t>
+            </a:r>
+          </a:p>
+          <a:p>
+            <a:pPr lvl="1"/>
+            <a:r>
+              <a:rPr lang="en-US" sz="2000" dirty="0">
+                <a:latin typeface="Courier New" panose="02070309020205020404" pitchFamily="49" charset="0"/>
+                <a:cs typeface="Courier New" panose="02070309020205020404" pitchFamily="49" charset="0"/>
+              </a:rPr>
+              <a:t>Assume</a:t>
+            </a:r>
+            <a:r>
+              <a:rPr lang="en-US" dirty="0"/>
+              <a:t> assumes the antecedent (the left-hand side of the implication)</a:t>
+            </a:r>
+          </a:p>
+          <a:p>
+            <a:pPr lvl="1"/>
+            <a:r>
+              <a:rPr lang="en-US" dirty="0"/>
+              <a:t>New goal is now the consequent (the right-hand side)</a:t>
+            </a:r>
+          </a:p>
+          <a:p>
+            <a:r>
+              <a:rPr lang="en-US" sz="2400" dirty="0">
+                <a:latin typeface="Courier New" panose="02070309020205020404" pitchFamily="49" charset="0"/>
+                <a:cs typeface="Courier New" panose="02070309020205020404" pitchFamily="49" charset="0"/>
+              </a:rPr>
+              <a:t>show &lt;</a:t>
             </a:r>
             <a:r>
               <a:rPr lang="en-US" sz="2400" dirty="0" err="1">
                 <a:latin typeface="Courier New" panose="02070309020205020404" pitchFamily="49" charset="0"/>
                 <a:cs typeface="Courier New" panose="02070309020205020404" pitchFamily="49" charset="0"/>
               </a:rPr>
-              <a:t>qAndNotQfalse</a:t>
-            </a:r>
-            <a:r>
-              <a:rPr lang="en-US" sz="2400" dirty="0">
-                <a:latin typeface="Courier New" panose="02070309020205020404" pitchFamily="49" charset="0"/>
-                <a:cs typeface="Courier New" panose="02070309020205020404" pitchFamily="49" charset="0"/>
-              </a:rPr>
-              <a:t> { P Q: Prop }</a:t>
-            </a:r>
-          </a:p>
-          <a:p>
-            <a:pPr marL="0" indent="0">
-              <a:buNone/>
-            </a:pPr>
-            <a:r>
-              <a:rPr lang="en-US" sz="2400" dirty="0">
-                <a:latin typeface="Courier New" panose="02070309020205020404" pitchFamily="49" charset="0"/>
-                <a:cs typeface="Courier New" panose="02070309020205020404" pitchFamily="49" charset="0"/>
-              </a:rPr>
-              <a:t>        (pf: Q ∧ ¬Q) : false := </a:t>
-            </a:r>
-          </a:p>
-          <a:p>
-            <a:pPr marL="0" indent="0">
-              <a:buNone/>
-            </a:pPr>
-            <a:r>
-              <a:rPr lang="en-US" sz="2400" dirty="0">
-                <a:latin typeface="Courier New" panose="02070309020205020404" pitchFamily="49" charset="0"/>
-                <a:cs typeface="Courier New" panose="02070309020205020404" pitchFamily="49" charset="0"/>
-              </a:rPr>
-              <a:t>    pf.2 pf.1</a:t>
-            </a:r>
-          </a:p>
-          <a:p>
-            <a:r>
-              <a:rPr lang="en-US" sz="2400" dirty="0">
-                <a:latin typeface="Courier New" panose="02070309020205020404" pitchFamily="49" charset="0"/>
-                <a:cs typeface="Courier New" panose="02070309020205020404" pitchFamily="49" charset="0"/>
-              </a:rPr>
-              <a:t>pf.1</a:t>
+              <a:t>arg</a:t>
+            </a:r>
+            <a:r>
+              <a:rPr lang="en-US" sz="2400" dirty="0">
+                <a:latin typeface="Courier New" panose="02070309020205020404" pitchFamily="49" charset="0"/>
+                <a:cs typeface="Courier New" panose="02070309020205020404" pitchFamily="49" charset="0"/>
+              </a:rPr>
+              <a:t>&gt;</a:t>
             </a:r>
             <a:r>
               <a:rPr lang="en-US" dirty="0"/>
-              <a:t> takes the left side of the conjunction, </a:t>
-            </a:r>
-            <a:r>
-              <a:rPr lang="en-US" sz="2400" dirty="0">
-                <a:latin typeface="Courier New" panose="02070309020205020404" pitchFamily="49" charset="0"/>
-                <a:cs typeface="Courier New" panose="02070309020205020404" pitchFamily="49" charset="0"/>
-              </a:rPr>
-              <a:t>pf.2</a:t>
+              <a:t> finds the first goal matching </a:t>
+            </a:r>
+            <a:r>
+              <a:rPr lang="en-US" dirty="0">
+                <a:latin typeface="Courier New" panose="02070309020205020404" pitchFamily="49" charset="0"/>
+                <a:cs typeface="Courier New" panose="02070309020205020404" pitchFamily="49" charset="0"/>
+              </a:rPr>
+              <a:t>&lt;</a:t>
+            </a:r>
+            <a:r>
+              <a:rPr lang="en-US" dirty="0" err="1">
+                <a:latin typeface="Courier New" panose="02070309020205020404" pitchFamily="49" charset="0"/>
+                <a:cs typeface="Courier New" panose="02070309020205020404" pitchFamily="49" charset="0"/>
+              </a:rPr>
+              <a:t>arg</a:t>
+            </a:r>
+            <a:r>
+              <a:rPr lang="en-US" dirty="0">
+                <a:latin typeface="Courier New" panose="02070309020205020404" pitchFamily="49" charset="0"/>
+                <a:cs typeface="Courier New" panose="02070309020205020404" pitchFamily="49" charset="0"/>
+              </a:rPr>
+              <a:t>&gt;</a:t>
             </a:r>
             <a:r>
               <a:rPr lang="en-US" dirty="0"/>
-              <a:t> takes the right</a:t>
-            </a:r>
-          </a:p>
-          <a:p>
-            <a:r>
-              <a:rPr lang="en-US" sz="3500" dirty="0"/>
-              <a:t>Exercise: explain how this theorem works</a:t>
-            </a:r>
-          </a:p>
-          <a:p>
-            <a:r>
-              <a:rPr lang="en-US" dirty="0">
-                <a:latin typeface="Courier New" panose="02070309020205020404" pitchFamily="49" charset="0"/>
-                <a:cs typeface="Courier New" panose="02070309020205020404" pitchFamily="49" charset="0"/>
-              </a:rPr>
-              <a:t>¬Q</a:t>
-            </a:r>
-            <a:r>
-              <a:rPr lang="en-US" dirty="0">
-                <a:cs typeface="Courier New" panose="02070309020205020404" pitchFamily="49" charset="0"/>
-              </a:rPr>
-              <a:t> is an implication that </a:t>
-            </a:r>
-            <a:r>
-              <a:rPr lang="en-US" sz="2600" dirty="0">
-                <a:latin typeface="Courier New" panose="02070309020205020404" pitchFamily="49" charset="0"/>
-                <a:cs typeface="Courier New" panose="02070309020205020404" pitchFamily="49" charset="0"/>
-              </a:rPr>
-              <a:t>Q → false</a:t>
-            </a:r>
-            <a:endParaRPr lang="en-US" dirty="0">
-              <a:latin typeface="Courier New" panose="02070309020205020404" pitchFamily="49" charset="0"/>
-              <a:cs typeface="Courier New" panose="02070309020205020404" pitchFamily="49" charset="0"/>
-            </a:endParaRPr>
-          </a:p>
-          <a:p>
-            <a:r>
-              <a:rPr lang="en-US" dirty="0">
-                <a:cs typeface="Courier New" panose="02070309020205020404" pitchFamily="49" charset="0"/>
-              </a:rPr>
-              <a:t>What do we get when we apply that implication to Q?</a:t>
-            </a:r>
-            <a:endParaRPr lang="en-US" dirty="0"/>
-          </a:p>
-          <a:p>
-            <a:pPr marL="0" indent="0">
-              <a:buNone/>
-            </a:pPr>
+              <a:t>. This goal now becomes the main goal, after unification (a topic we will discuss later)</a:t>
+            </a:r>
+          </a:p>
+          <a:p>
+            <a:r>
+              <a:rPr lang="en-US" sz="2400" dirty="0">
+                <a:latin typeface="Courier New" panose="02070309020205020404" pitchFamily="49" charset="0"/>
+                <a:cs typeface="Courier New" panose="02070309020205020404" pitchFamily="49" charset="0"/>
+              </a:rPr>
+              <a:t>from</a:t>
+            </a:r>
+            <a:r>
+              <a:rPr lang="en-US" dirty="0"/>
+              <a:t> is synonymous with </a:t>
+            </a:r>
+            <a:r>
+              <a:rPr lang="en-US" sz="2400" dirty="0">
+                <a:latin typeface="Courier New" panose="02070309020205020404" pitchFamily="49" charset="0"/>
+                <a:cs typeface="Courier New" panose="02070309020205020404" pitchFamily="49" charset="0"/>
+              </a:rPr>
+              <a:t>exact</a:t>
+            </a:r>
+            <a:r>
+              <a:rPr lang="en-US" dirty="0"/>
+              <a:t>, but is useful for demonstrating an assume/show/from pattern.</a:t>
+            </a:r>
             <a:br>
               <a:rPr lang="en-US" dirty="0"/>
             </a:br>
@@ -6415,14 +12151,590 @@
             <a:pPr marL="0" indent="0">
               <a:buNone/>
             </a:pPr>
+            <a:r>
+              <a:rPr lang="en-US" sz="2400" dirty="0">
+                <a:latin typeface="Courier New" panose="02070309020205020404" pitchFamily="49" charset="0"/>
+                <a:cs typeface="Courier New" panose="02070309020205020404" pitchFamily="49" charset="0"/>
+              </a:rPr>
+              <a:t>theorem </a:t>
+            </a:r>
+            <a:r>
+              <a:rPr lang="en-US" sz="2400" dirty="0" err="1">
+                <a:latin typeface="Courier New" panose="02070309020205020404" pitchFamily="49" charset="0"/>
+                <a:cs typeface="Courier New" panose="02070309020205020404" pitchFamily="49" charset="0"/>
+              </a:rPr>
+              <a:t>zneqo</a:t>
+            </a:r>
+            <a:r>
+              <a:rPr lang="en-US" sz="2400" dirty="0">
+                <a:latin typeface="Courier New" panose="02070309020205020404" pitchFamily="49" charset="0"/>
+                <a:cs typeface="Courier New" panose="02070309020205020404" pitchFamily="49" charset="0"/>
+              </a:rPr>
+              <a:t>'' : ¬ 0 = 1 := </a:t>
+            </a:r>
+          </a:p>
+          <a:p>
+            <a:pPr marL="0" indent="0">
+              <a:buNone/>
+            </a:pPr>
+            <a:r>
+              <a:rPr lang="en-US" sz="2400" dirty="0">
+                <a:latin typeface="Courier New" panose="02070309020205020404" pitchFamily="49" charset="0"/>
+                <a:cs typeface="Courier New" panose="02070309020205020404" pitchFamily="49" charset="0"/>
+              </a:rPr>
+              <a:t>begin</a:t>
+            </a:r>
+          </a:p>
+          <a:p>
+            <a:pPr marL="0" indent="0">
+              <a:buNone/>
+            </a:pPr>
+            <a:r>
+              <a:rPr lang="en-US" sz="2400" dirty="0">
+                <a:latin typeface="Courier New" panose="02070309020205020404" pitchFamily="49" charset="0"/>
+                <a:cs typeface="Courier New" panose="02070309020205020404" pitchFamily="49" charset="0"/>
+              </a:rPr>
+              <a:t>    assume h : (0 = 1),</a:t>
+            </a:r>
+          </a:p>
+          <a:p>
+            <a:pPr marL="0" indent="0">
+              <a:buNone/>
+            </a:pPr>
+            <a:r>
+              <a:rPr lang="en-US" sz="2400" dirty="0">
+                <a:latin typeface="Courier New" panose="02070309020205020404" pitchFamily="49" charset="0"/>
+                <a:cs typeface="Courier New" panose="02070309020205020404" pitchFamily="49" charset="0"/>
+              </a:rPr>
+              <a:t>    show false,</a:t>
+            </a:r>
+          </a:p>
+          <a:p>
+            <a:pPr marL="0" indent="0">
+              <a:buNone/>
+            </a:pPr>
+            <a:r>
+              <a:rPr lang="en-US" sz="2400" dirty="0">
+                <a:latin typeface="Courier New" panose="02070309020205020404" pitchFamily="49" charset="0"/>
+                <a:cs typeface="Courier New" panose="02070309020205020404" pitchFamily="49" charset="0"/>
+              </a:rPr>
+              <a:t>    from </a:t>
+            </a:r>
+            <a:r>
+              <a:rPr lang="en-US" sz="2400" dirty="0" err="1">
+                <a:latin typeface="Courier New" panose="02070309020205020404" pitchFamily="49" charset="0"/>
+                <a:cs typeface="Courier New" panose="02070309020205020404" pitchFamily="49" charset="0"/>
+              </a:rPr>
+              <a:t>nat.no_confusion</a:t>
+            </a:r>
+            <a:r>
+              <a:rPr lang="en-US" sz="2400" dirty="0">
+                <a:latin typeface="Courier New" panose="02070309020205020404" pitchFamily="49" charset="0"/>
+                <a:cs typeface="Courier New" panose="02070309020205020404" pitchFamily="49" charset="0"/>
+              </a:rPr>
+              <a:t> h</a:t>
+            </a:r>
+          </a:p>
+          <a:p>
+            <a:pPr marL="0" indent="0">
+              <a:buNone/>
+            </a:pPr>
+            <a:r>
+              <a:rPr lang="en-US" sz="2400" dirty="0">
+                <a:latin typeface="Courier New" panose="02070309020205020404" pitchFamily="49" charset="0"/>
+                <a:cs typeface="Courier New" panose="02070309020205020404" pitchFamily="49" charset="0"/>
+              </a:rPr>
+              <a:t>end</a:t>
+            </a:r>
+          </a:p>
+          <a:p>
+            <a:pPr lvl="1"/>
             <a:endParaRPr lang="en-US" dirty="0"/>
+          </a:p>
+        </p:txBody>
+      </p:sp>
+      <p:sp>
+        <p:nvSpPr>
+          <p:cNvPr id="4" name="TextBox 3">
+            <a:extLst>
+              <a:ext uri="{FF2B5EF4-FFF2-40B4-BE49-F238E27FC236}">
+                <a16:creationId xmlns:a16="http://schemas.microsoft.com/office/drawing/2014/main" id="{3661E13D-7275-3E42-B03B-3B13D04D2A81}"/>
+              </a:ext>
+            </a:extLst>
+          </p:cNvPr>
+          <p:cNvSpPr txBox="1"/>
+          <p:nvPr/>
+        </p:nvSpPr>
+        <p:spPr>
+          <a:xfrm>
+            <a:off x="6193536" y="4001293"/>
+            <a:ext cx="4937760" cy="2308324"/>
+          </a:xfrm>
+          <a:prstGeom prst="rect">
+            <a:avLst/>
+          </a:prstGeom>
+          <a:noFill/>
+        </p:spPr>
+        <p:txBody>
+          <a:bodyPr wrap="square" rtlCol="0">
+            <a:spAutoFit/>
+          </a:bodyPr>
+          <a:lstStyle/>
+          <a:p>
+            <a:r>
+              <a:rPr lang="en-US" sz="2400" dirty="0"/>
+              <a:t>We prove that 0 ≠ 1 by assuming 0 = 1 and by showing that this assumption leads to a contradiction. As that is impossible, there must be no such proof of 0 = 1. That proves ¬ 0 = 1, i.e., 0 ≠ 1.</a:t>
+            </a:r>
+          </a:p>
+        </p:txBody>
+      </p:sp>
+      <p:sp>
+        <p:nvSpPr>
+          <p:cNvPr id="5" name="Slide Number Placeholder 4">
+            <a:extLst>
+              <a:ext uri="{FF2B5EF4-FFF2-40B4-BE49-F238E27FC236}">
+                <a16:creationId xmlns:a16="http://schemas.microsoft.com/office/drawing/2014/main" id="{F3FE3B81-C3F8-7D43-AC77-5D0EA272C3A4}"/>
+              </a:ext>
+            </a:extLst>
+          </p:cNvPr>
+          <p:cNvSpPr>
+            <a:spLocks noGrp="1"/>
+          </p:cNvSpPr>
+          <p:nvPr>
+            <p:ph type="sldNum" sz="quarter" idx="12"/>
+          </p:nvPr>
+        </p:nvSpPr>
+        <p:spPr/>
+        <p:txBody>
+          <a:bodyPr/>
+          <a:lstStyle/>
+          <a:p>
+            <a:fld id="{3352CBF5-17B8-4387-88A6-ABF9F8C64D5A}" type="slidenum">
+              <a:rPr lang="en-US" smtClean="0"/>
+              <a:t>7</a:t>
+            </a:fld>
+            <a:endParaRPr lang="en-US"/>
           </a:p>
         </p:txBody>
       </p:sp>
     </p:spTree>
     <p:extLst>
       <p:ext uri="{BB962C8B-B14F-4D97-AF65-F5344CB8AC3E}">
-        <p14:creationId xmlns:p14="http://schemas.microsoft.com/office/powerpoint/2010/main" val="3773731498"/>
+        <p14:creationId xmlns:p14="http://schemas.microsoft.com/office/powerpoint/2010/main" val="1016792681"/>
+      </p:ext>
+    </p:extLst>
+  </p:cSld>
+  <p:clrMapOvr>
+    <a:masterClrMapping/>
+  </p:clrMapOvr>
+  <p:timing>
+    <p:tnLst>
+      <p:par>
+        <p:cTn id="1" dur="indefinite" restart="never" nodeType="tmRoot">
+          <p:childTnLst>
+            <p:seq concurrent="1" nextAc="seek">
+              <p:cTn id="2" dur="indefinite" nodeType="mainSeq">
+                <p:childTnLst>
+                  <p:par>
+                    <p:cTn id="3" fill="hold">
+                      <p:stCondLst>
+                        <p:cond delay="indefinite"/>
+                      </p:stCondLst>
+                      <p:childTnLst>
+                        <p:par>
+                          <p:cTn id="4" fill="hold">
+                            <p:stCondLst>
+                              <p:cond delay="0"/>
+                            </p:stCondLst>
+                            <p:childTnLst>
+                              <p:par>
+                                <p:cTn id="5" presetID="1" presetClass="entr" presetSubtype="0" fill="hold" grpId="0" nodeType="clickEffect">
+                                  <p:stCondLst>
+                                    <p:cond delay="0"/>
+                                  </p:stCondLst>
+                                  <p:childTnLst>
+                                    <p:set>
+                                      <p:cBhvr>
+                                        <p:cTn id="6" dur="1" fill="hold">
+                                          <p:stCondLst>
+                                            <p:cond delay="0"/>
+                                          </p:stCondLst>
+                                        </p:cTn>
+                                        <p:tgtEl>
+                                          <p:spTgt spid="4"/>
+                                        </p:tgtEl>
+                                        <p:attrNameLst>
+                                          <p:attrName>style.visibility</p:attrName>
+                                        </p:attrNameLst>
+                                      </p:cBhvr>
+                                      <p:to>
+                                        <p:strVal val="visible"/>
+                                      </p:to>
+                                    </p:set>
+                                  </p:childTnLst>
+                                </p:cTn>
+                              </p:par>
+                            </p:childTnLst>
+                          </p:cTn>
+                        </p:par>
+                      </p:childTnLst>
+                    </p:cTn>
+                  </p:par>
+                </p:childTnLst>
+              </p:cTn>
+              <p:prevCondLst>
+                <p:cond evt="onPrev" delay="0">
+                  <p:tgtEl>
+                    <p:sldTgt/>
+                  </p:tgtEl>
+                </p:cond>
+              </p:prevCondLst>
+              <p:nextCondLst>
+                <p:cond evt="onNext" delay="0">
+                  <p:tgtEl>
+                    <p:sldTgt/>
+                  </p:tgtEl>
+                </p:cond>
+              </p:nextCondLst>
+            </p:seq>
+          </p:childTnLst>
+        </p:cTn>
+      </p:par>
+    </p:tnLst>
+    <p:bldLst>
+      <p:bldP spid="4" grpId="0"/>
+    </p:bldLst>
+  </p:timing>
+</p:sld>
+</file>
+
+<file path=ppt/slides/slide8.xml><?xml version="1.0" encoding="utf-8"?>
+<p:sld xmlns:a="http://schemas.openxmlformats.org/drawingml/2006/main" xmlns:r="http://schemas.openxmlformats.org/officeDocument/2006/relationships" xmlns:p="http://schemas.openxmlformats.org/presentationml/2006/main">
+  <p:cSld>
+    <p:spTree>
+      <p:nvGrpSpPr>
+        <p:cNvPr id="1" name=""/>
+        <p:cNvGrpSpPr/>
+        <p:nvPr/>
+      </p:nvGrpSpPr>
+      <p:grpSpPr>
+        <a:xfrm>
+          <a:off x="0" y="0"/>
+          <a:ext cx="0" cy="0"/>
+          <a:chOff x="0" y="0"/>
+          <a:chExt cx="0" cy="0"/>
+        </a:xfrm>
+      </p:grpSpPr>
+      <p:sp>
+        <p:nvSpPr>
+          <p:cNvPr id="2" name="Title 1">
+            <a:extLst>
+              <a:ext uri="{FF2B5EF4-FFF2-40B4-BE49-F238E27FC236}">
+                <a16:creationId xmlns:a16="http://schemas.microsoft.com/office/drawing/2014/main" id="{8881CECA-C1EE-2746-A30F-B85CA78BF11C}"/>
+              </a:ext>
+            </a:extLst>
+          </p:cNvPr>
+          <p:cNvSpPr>
+            <a:spLocks noGrp="1"/>
+          </p:cNvSpPr>
+          <p:nvPr>
+            <p:ph type="title"/>
+          </p:nvPr>
+        </p:nvSpPr>
+        <p:spPr/>
+        <p:txBody>
+          <a:bodyPr/>
+          <a:lstStyle/>
+          <a:p>
+            <a:r>
+              <a:rPr lang="en-US" dirty="0"/>
+              <a:t>Disjointedness with </a:t>
+            </a:r>
+            <a:r>
+              <a:rPr lang="en-US" dirty="0" err="1"/>
+              <a:t>booleans</a:t>
+            </a:r>
+            <a:endParaRPr lang="en-US" dirty="0"/>
+          </a:p>
+        </p:txBody>
+      </p:sp>
+      <p:sp>
+        <p:nvSpPr>
+          <p:cNvPr id="3" name="Content Placeholder 2">
+            <a:extLst>
+              <a:ext uri="{FF2B5EF4-FFF2-40B4-BE49-F238E27FC236}">
+                <a16:creationId xmlns:a16="http://schemas.microsoft.com/office/drawing/2014/main" id="{B91A9CDD-7BC7-874D-BFE1-BAFAE1556917}"/>
+              </a:ext>
+            </a:extLst>
+          </p:cNvPr>
+          <p:cNvSpPr>
+            <a:spLocks noGrp="1"/>
+          </p:cNvSpPr>
+          <p:nvPr>
+            <p:ph idx="1"/>
+          </p:nvPr>
+        </p:nvSpPr>
+        <p:spPr/>
+        <p:txBody>
+          <a:bodyPr>
+            <a:normAutofit/>
+          </a:bodyPr>
+          <a:lstStyle/>
+          <a:p>
+            <a:pPr marL="0" indent="0">
+              <a:buNone/>
+            </a:pPr>
+            <a:r>
+              <a:rPr lang="en-US" sz="2400" dirty="0">
+                <a:latin typeface="Courier New" panose="02070309020205020404" pitchFamily="49" charset="0"/>
+                <a:cs typeface="Courier New" panose="02070309020205020404" pitchFamily="49" charset="0"/>
+              </a:rPr>
+              <a:t>theorem </a:t>
+            </a:r>
+            <a:r>
+              <a:rPr lang="en-US" sz="2400" dirty="0" err="1">
+                <a:latin typeface="Courier New" panose="02070309020205020404" pitchFamily="49" charset="0"/>
+                <a:cs typeface="Courier New" panose="02070309020205020404" pitchFamily="49" charset="0"/>
+              </a:rPr>
+              <a:t>ttneqff</a:t>
+            </a:r>
+            <a:r>
+              <a:rPr lang="en-US" sz="2400" dirty="0">
+                <a:latin typeface="Courier New" panose="02070309020205020404" pitchFamily="49" charset="0"/>
+                <a:cs typeface="Courier New" panose="02070309020205020404" pitchFamily="49" charset="0"/>
+              </a:rPr>
+              <a:t>' : ¬ </a:t>
+            </a:r>
+            <a:r>
+              <a:rPr lang="en-US" sz="2400" dirty="0" err="1">
+                <a:latin typeface="Courier New" panose="02070309020205020404" pitchFamily="49" charset="0"/>
+                <a:cs typeface="Courier New" panose="02070309020205020404" pitchFamily="49" charset="0"/>
+              </a:rPr>
+              <a:t>tt</a:t>
+            </a:r>
+            <a:r>
+              <a:rPr lang="en-US" sz="2400" dirty="0">
+                <a:latin typeface="Courier New" panose="02070309020205020404" pitchFamily="49" charset="0"/>
+                <a:cs typeface="Courier New" panose="02070309020205020404" pitchFamily="49" charset="0"/>
+              </a:rPr>
+              <a:t> = </a:t>
+            </a:r>
+            <a:r>
+              <a:rPr lang="en-US" sz="2400" dirty="0" err="1">
+                <a:latin typeface="Courier New" panose="02070309020205020404" pitchFamily="49" charset="0"/>
+                <a:cs typeface="Courier New" panose="02070309020205020404" pitchFamily="49" charset="0"/>
+              </a:rPr>
+              <a:t>ff</a:t>
+            </a:r>
+            <a:r>
+              <a:rPr lang="en-US" sz="2400" dirty="0">
+                <a:latin typeface="Courier New" panose="02070309020205020404" pitchFamily="49" charset="0"/>
+                <a:cs typeface="Courier New" panose="02070309020205020404" pitchFamily="49" charset="0"/>
+              </a:rPr>
+              <a:t> := </a:t>
+            </a:r>
+          </a:p>
+          <a:p>
+            <a:pPr marL="0" indent="0">
+              <a:buNone/>
+            </a:pPr>
+            <a:r>
+              <a:rPr lang="en-US" sz="2400" dirty="0">
+                <a:latin typeface="Courier New" panose="02070309020205020404" pitchFamily="49" charset="0"/>
+                <a:cs typeface="Courier New" panose="02070309020205020404" pitchFamily="49" charset="0"/>
+              </a:rPr>
+              <a:t>begin</a:t>
+            </a:r>
+          </a:p>
+          <a:p>
+            <a:pPr marL="0" indent="0">
+              <a:buNone/>
+            </a:pPr>
+            <a:r>
+              <a:rPr lang="en-US" sz="2400" dirty="0">
+                <a:latin typeface="Courier New" panose="02070309020205020404" pitchFamily="49" charset="0"/>
+                <a:cs typeface="Courier New" panose="02070309020205020404" pitchFamily="49" charset="0"/>
+              </a:rPr>
+              <a:t>    assume h : (</a:t>
+            </a:r>
+            <a:r>
+              <a:rPr lang="en-US" sz="2400" dirty="0" err="1">
+                <a:latin typeface="Courier New" panose="02070309020205020404" pitchFamily="49" charset="0"/>
+                <a:cs typeface="Courier New" panose="02070309020205020404" pitchFamily="49" charset="0"/>
+              </a:rPr>
+              <a:t>tt</a:t>
+            </a:r>
+            <a:r>
+              <a:rPr lang="en-US" sz="2400" dirty="0">
+                <a:latin typeface="Courier New" panose="02070309020205020404" pitchFamily="49" charset="0"/>
+                <a:cs typeface="Courier New" panose="02070309020205020404" pitchFamily="49" charset="0"/>
+              </a:rPr>
+              <a:t> = </a:t>
+            </a:r>
+            <a:r>
+              <a:rPr lang="en-US" sz="2400" dirty="0" err="1">
+                <a:latin typeface="Courier New" panose="02070309020205020404" pitchFamily="49" charset="0"/>
+                <a:cs typeface="Courier New" panose="02070309020205020404" pitchFamily="49" charset="0"/>
+              </a:rPr>
+              <a:t>ff</a:t>
+            </a:r>
+            <a:r>
+              <a:rPr lang="en-US" sz="2400" dirty="0">
+                <a:latin typeface="Courier New" panose="02070309020205020404" pitchFamily="49" charset="0"/>
+                <a:cs typeface="Courier New" panose="02070309020205020404" pitchFamily="49" charset="0"/>
+              </a:rPr>
+              <a:t>),</a:t>
+            </a:r>
+          </a:p>
+          <a:p>
+            <a:pPr marL="0" indent="0">
+              <a:buNone/>
+            </a:pPr>
+            <a:r>
+              <a:rPr lang="en-US" sz="2400" dirty="0">
+                <a:latin typeface="Courier New" panose="02070309020205020404" pitchFamily="49" charset="0"/>
+                <a:cs typeface="Courier New" panose="02070309020205020404" pitchFamily="49" charset="0"/>
+              </a:rPr>
+              <a:t>    show false,</a:t>
+            </a:r>
+          </a:p>
+          <a:p>
+            <a:pPr marL="0" indent="0">
+              <a:buNone/>
+            </a:pPr>
+            <a:r>
+              <a:rPr lang="en-US" sz="2400" dirty="0">
+                <a:latin typeface="Courier New" panose="02070309020205020404" pitchFamily="49" charset="0"/>
+                <a:cs typeface="Courier New" panose="02070309020205020404" pitchFamily="49" charset="0"/>
+              </a:rPr>
+              <a:t>    from </a:t>
+            </a:r>
+            <a:r>
+              <a:rPr lang="en-US" sz="2400" dirty="0" err="1">
+                <a:latin typeface="Courier New" panose="02070309020205020404" pitchFamily="49" charset="0"/>
+                <a:cs typeface="Courier New" panose="02070309020205020404" pitchFamily="49" charset="0"/>
+              </a:rPr>
+              <a:t>bool.no_confusion</a:t>
+            </a:r>
+            <a:r>
+              <a:rPr lang="en-US" sz="2400" dirty="0">
+                <a:latin typeface="Courier New" panose="02070309020205020404" pitchFamily="49" charset="0"/>
+                <a:cs typeface="Courier New" panose="02070309020205020404" pitchFamily="49" charset="0"/>
+              </a:rPr>
+              <a:t> h</a:t>
+            </a:r>
+          </a:p>
+          <a:p>
+            <a:pPr marL="0" indent="0">
+              <a:buNone/>
+            </a:pPr>
+            <a:r>
+              <a:rPr lang="en-US" sz="2400" dirty="0">
+                <a:latin typeface="Courier New" panose="02070309020205020404" pitchFamily="49" charset="0"/>
+                <a:cs typeface="Courier New" panose="02070309020205020404" pitchFamily="49" charset="0"/>
+              </a:rPr>
+              <a:t>end</a:t>
+            </a:r>
+          </a:p>
+          <a:p>
+            <a:pPr marL="0" indent="0">
+              <a:buNone/>
+            </a:pPr>
+            <a:r>
+              <a:rPr lang="en-US" dirty="0"/>
+              <a:t>How does this work?</a:t>
+            </a:r>
+          </a:p>
+          <a:p>
+            <a:pPr marL="0" indent="0">
+              <a:buNone/>
+            </a:pPr>
+            <a:r>
+              <a:rPr lang="en-US" dirty="0"/>
+              <a:t>How else could we have proved it?</a:t>
+            </a:r>
+          </a:p>
+          <a:p>
+            <a:pPr marL="0" indent="0">
+              <a:buNone/>
+            </a:pPr>
+            <a:r>
+              <a:rPr lang="en-US" sz="2400" dirty="0">
+                <a:latin typeface="Courier New" panose="02070309020205020404" pitchFamily="49" charset="0"/>
+                <a:cs typeface="Courier New" panose="02070309020205020404" pitchFamily="49" charset="0"/>
+              </a:rPr>
+              <a:t>theorem </a:t>
+            </a:r>
+            <a:r>
+              <a:rPr lang="en-US" sz="2400" dirty="0" err="1">
+                <a:latin typeface="Courier New" panose="02070309020205020404" pitchFamily="49" charset="0"/>
+                <a:cs typeface="Courier New" panose="02070309020205020404" pitchFamily="49" charset="0"/>
+              </a:rPr>
+              <a:t>ttneqff</a:t>
+            </a:r>
+            <a:r>
+              <a:rPr lang="en-US" sz="2400" dirty="0">
+                <a:latin typeface="Courier New" panose="02070309020205020404" pitchFamily="49" charset="0"/>
+                <a:cs typeface="Courier New" panose="02070309020205020404" pitchFamily="49" charset="0"/>
+              </a:rPr>
+              <a:t> : </a:t>
+            </a:r>
+            <a:r>
+              <a:rPr lang="en-US" sz="2400" dirty="0" err="1">
+                <a:latin typeface="Courier New" panose="02070309020205020404" pitchFamily="49" charset="0"/>
+                <a:cs typeface="Courier New" panose="02070309020205020404" pitchFamily="49" charset="0"/>
+              </a:rPr>
+              <a:t>tt</a:t>
+            </a:r>
+            <a:r>
+              <a:rPr lang="en-US" sz="2400" dirty="0">
+                <a:latin typeface="Courier New" panose="02070309020205020404" pitchFamily="49" charset="0"/>
+                <a:cs typeface="Courier New" panose="02070309020205020404" pitchFamily="49" charset="0"/>
+              </a:rPr>
+              <a:t> ≠ ff.</a:t>
+            </a:r>
+          </a:p>
+          <a:p>
+            <a:pPr marL="0" indent="0">
+              <a:buNone/>
+            </a:pPr>
+            <a:endParaRPr lang="en-US" dirty="0"/>
+          </a:p>
+        </p:txBody>
+      </p:sp>
+      <p:sp>
+        <p:nvSpPr>
+          <p:cNvPr id="4" name="Slide Number Placeholder 3">
+            <a:extLst>
+              <a:ext uri="{FF2B5EF4-FFF2-40B4-BE49-F238E27FC236}">
+                <a16:creationId xmlns:a16="http://schemas.microsoft.com/office/drawing/2014/main" id="{F8062A06-AC93-7A4E-AFE4-83E55C0AAA3E}"/>
+              </a:ext>
+            </a:extLst>
+          </p:cNvPr>
+          <p:cNvSpPr>
+            <a:spLocks noGrp="1"/>
+          </p:cNvSpPr>
+          <p:nvPr>
+            <p:ph type="sldNum" sz="quarter" idx="12"/>
+          </p:nvPr>
+        </p:nvSpPr>
+        <p:spPr/>
+        <p:txBody>
+          <a:bodyPr/>
+          <a:lstStyle/>
+          <a:p>
+            <a:fld id="{3352CBF5-17B8-4387-88A6-ABF9F8C64D5A}" type="slidenum">
+              <a:rPr lang="en-US" smtClean="0"/>
+              <a:t>8</a:t>
+            </a:fld>
+            <a:endParaRPr lang="en-US"/>
+          </a:p>
+        </p:txBody>
+      </p:sp>
+    </p:spTree>
+    <p:extLst>
+      <p:ext uri="{BB962C8B-B14F-4D97-AF65-F5344CB8AC3E}">
+        <p14:creationId xmlns:p14="http://schemas.microsoft.com/office/powerpoint/2010/main" val="3150441343"/>
       </p:ext>
     </p:extLst>
   </p:cSld>
@@ -6465,38 +12777,7 @@
                                         <p:tgtEl>
                                           <p:spTgt spid="3">
                                             <p:txEl>
-                                              <p:pRg st="6" end="6"/>
-                                            </p:txEl>
-                                          </p:spTgt>
-                                        </p:tgtEl>
-                                        <p:attrNameLst>
-                                          <p:attrName>style.visibility</p:attrName>
-                                        </p:attrNameLst>
-                                      </p:cBhvr>
-                                      <p:to>
-                                        <p:strVal val="visible"/>
-                                      </p:to>
-                                    </p:set>
-                                  </p:childTnLst>
-                                </p:cTn>
-                              </p:par>
-                              <p:par>
-                                <p:cTn id="7" presetID="1" presetClass="entr" presetSubtype="0" fill="hold" nodeType="withEffect">
-                                  <p:stCondLst>
-                                    <p:cond delay="0"/>
-                                  </p:stCondLst>
-                                  <p:childTnLst>
-                                    <p:set>
-                                      <p:cBhvr>
-                                        <p:cTn id="8" dur="1" fill="hold">
-                                          <p:stCondLst>
-                                            <p:cond delay="0"/>
-                                          </p:stCondLst>
-                                        </p:cTn>
-                                        <p:tgtEl>
-                                          <p:spTgt spid="3">
-                                            <p:txEl>
-                                              <p:pRg st="7" end="7"/>
+                                              <p:pRg st="8" end="8"/>
                                             </p:txEl>
                                           </p:spTgt>
                                         </p:tgtEl>
@@ -6542,176 +12823,6 @@
 </p:sld>
 </file>
 
-<file path=ppt/slides/slide8.xml><?xml version="1.0" encoding="utf-8"?>
-<p:sld xmlns:a="http://schemas.openxmlformats.org/drawingml/2006/main" xmlns:r="http://schemas.openxmlformats.org/officeDocument/2006/relationships" xmlns:p="http://schemas.openxmlformats.org/presentationml/2006/main">
-  <p:cSld>
-    <p:spTree>
-      <p:nvGrpSpPr>
-        <p:cNvPr id="1" name=""/>
-        <p:cNvGrpSpPr/>
-        <p:nvPr/>
-      </p:nvGrpSpPr>
-      <p:grpSpPr>
-        <a:xfrm>
-          <a:off x="0" y="0"/>
-          <a:ext cx="0" cy="0"/>
-          <a:chOff x="0" y="0"/>
-          <a:chExt cx="0" cy="0"/>
-        </a:xfrm>
-      </p:grpSpPr>
-      <p:sp>
-        <p:nvSpPr>
-          <p:cNvPr id="2" name="Title 1">
-            <a:extLst>
-              <a:ext uri="{FF2B5EF4-FFF2-40B4-BE49-F238E27FC236}">
-                <a16:creationId xmlns:a16="http://schemas.microsoft.com/office/drawing/2014/main" id="{4739CD65-AEDD-BD43-8381-7D75B4E81AAA}"/>
-              </a:ext>
-            </a:extLst>
-          </p:cNvPr>
-          <p:cNvSpPr>
-            <a:spLocks noGrp="1"/>
-          </p:cNvSpPr>
-          <p:nvPr>
-            <p:ph type="title"/>
-          </p:nvPr>
-        </p:nvSpPr>
-        <p:spPr/>
-        <p:txBody>
-          <a:bodyPr/>
-          <a:lstStyle/>
-          <a:p>
-            <a:r>
-              <a:rPr lang="en-US" dirty="0"/>
-              <a:t>Proving the negation</a:t>
-            </a:r>
-          </a:p>
-        </p:txBody>
-      </p:sp>
-      <p:sp>
-        <p:nvSpPr>
-          <p:cNvPr id="3" name="Content Placeholder 2">
-            <a:extLst>
-              <a:ext uri="{FF2B5EF4-FFF2-40B4-BE49-F238E27FC236}">
-                <a16:creationId xmlns:a16="http://schemas.microsoft.com/office/drawing/2014/main" id="{0236E32A-820D-4E4B-AF4A-32FC559E0B7A}"/>
-              </a:ext>
-            </a:extLst>
-          </p:cNvPr>
-          <p:cNvSpPr>
-            <a:spLocks noGrp="1"/>
-          </p:cNvSpPr>
-          <p:nvPr>
-            <p:ph idx="1"/>
-          </p:nvPr>
-        </p:nvSpPr>
-        <p:spPr/>
-        <p:txBody>
-          <a:bodyPr/>
-          <a:lstStyle/>
-          <a:p>
-            <a:r>
-              <a:rPr lang="en-US" dirty="0"/>
-              <a:t>Now consider the proof of the negation:</a:t>
-            </a:r>
-          </a:p>
-          <a:p>
-            <a:pPr marL="0" indent="0">
-              <a:buNone/>
-            </a:pPr>
-            <a:r>
-              <a:rPr lang="en-US" sz="2400" dirty="0">
-                <a:latin typeface="Courier New" panose="02070309020205020404" pitchFamily="49" charset="0"/>
-                <a:cs typeface="Courier New" panose="02070309020205020404" pitchFamily="49" charset="0"/>
-              </a:rPr>
-              <a:t>theorem </a:t>
-            </a:r>
-            <a:r>
-              <a:rPr lang="en-US" sz="2400" dirty="0" err="1">
-                <a:latin typeface="Courier New" panose="02070309020205020404" pitchFamily="49" charset="0"/>
-                <a:cs typeface="Courier New" panose="02070309020205020404" pitchFamily="49" charset="0"/>
-              </a:rPr>
-              <a:t>notQAndNotQ</a:t>
-            </a:r>
-            <a:r>
-              <a:rPr lang="en-US" sz="2400" dirty="0">
-                <a:latin typeface="Courier New" panose="02070309020205020404" pitchFamily="49" charset="0"/>
-                <a:cs typeface="Courier New" panose="02070309020205020404" pitchFamily="49" charset="0"/>
-              </a:rPr>
-              <a:t>: ∀ Q : Prop, ¬ (Q ∧ ¬ Q) :=</a:t>
-            </a:r>
-          </a:p>
-          <a:p>
-            <a:pPr marL="0" indent="0">
-              <a:buNone/>
-            </a:pPr>
-            <a:r>
-              <a:rPr lang="en-US" sz="2400" dirty="0">
-                <a:latin typeface="Courier New" panose="02070309020205020404" pitchFamily="49" charset="0"/>
-                <a:cs typeface="Courier New" panose="02070309020205020404" pitchFamily="49" charset="0"/>
-              </a:rPr>
-              <a:t>    </a:t>
-            </a:r>
-            <a:r>
-              <a:rPr lang="el-GR" sz="2400" dirty="0">
-                <a:latin typeface="Courier New" panose="02070309020205020404" pitchFamily="49" charset="0"/>
-                <a:cs typeface="Courier New" panose="02070309020205020404" pitchFamily="49" charset="0"/>
-              </a:rPr>
-              <a:t>λ (</a:t>
-            </a:r>
-            <a:r>
-              <a:rPr lang="en-US" sz="2400" dirty="0">
-                <a:latin typeface="Courier New" panose="02070309020205020404" pitchFamily="49" charset="0"/>
-                <a:cs typeface="Courier New" panose="02070309020205020404" pitchFamily="49" charset="0"/>
-              </a:rPr>
-              <a:t>Q : Prop) (</a:t>
-            </a:r>
-            <a:r>
-              <a:rPr lang="en-US" sz="2400" dirty="0" err="1">
-                <a:latin typeface="Courier New" panose="02070309020205020404" pitchFamily="49" charset="0"/>
-                <a:cs typeface="Courier New" panose="02070309020205020404" pitchFamily="49" charset="0"/>
-              </a:rPr>
-              <a:t>qanq</a:t>
-            </a:r>
-            <a:r>
-              <a:rPr lang="en-US" sz="2400" dirty="0">
-                <a:latin typeface="Courier New" panose="02070309020205020404" pitchFamily="49" charset="0"/>
-                <a:cs typeface="Courier New" panose="02070309020205020404" pitchFamily="49" charset="0"/>
-              </a:rPr>
-              <a:t> : Q ∧ ¬ Q),</a:t>
-            </a:r>
-          </a:p>
-          <a:p>
-            <a:pPr marL="0" indent="0">
-              <a:buNone/>
-            </a:pPr>
-            <a:r>
-              <a:rPr lang="en-US" sz="2400" dirty="0">
-                <a:latin typeface="Courier New" panose="02070309020205020404" pitchFamily="49" charset="0"/>
-                <a:cs typeface="Courier New" panose="02070309020205020404" pitchFamily="49" charset="0"/>
-              </a:rPr>
-              <a:t>        qanq.2 qanq.1</a:t>
-            </a:r>
-          </a:p>
-          <a:p>
-            <a:r>
-              <a:rPr lang="en-US" dirty="0"/>
-              <a:t>Exercise discuss how this proof works</a:t>
-            </a:r>
-          </a:p>
-        </p:txBody>
-      </p:sp>
-    </p:spTree>
-    <p:extLst>
-      <p:ext uri="{BB962C8B-B14F-4D97-AF65-F5344CB8AC3E}">
-        <p14:creationId xmlns:p14="http://schemas.microsoft.com/office/powerpoint/2010/main" val="1058144610"/>
-      </p:ext>
-    </p:extLst>
-  </p:cSld>
-  <p:clrMapOvr>
-    <a:masterClrMapping/>
-  </p:clrMapOvr>
-</p:sld>
-</file>
-
 <file path=ppt/slides/slide9.xml><?xml version="1.0" encoding="utf-8"?>
 <p:sld xmlns:a="http://schemas.openxmlformats.org/drawingml/2006/main" xmlns:r="http://schemas.openxmlformats.org/officeDocument/2006/relationships" xmlns:p="http://schemas.openxmlformats.org/presentationml/2006/main">
   <p:cSld>
@@ -6734,7 +12845,7 @@
           <p:cNvPr id="2" name="Title 1">
             <a:extLst>
               <a:ext uri="{FF2B5EF4-FFF2-40B4-BE49-F238E27FC236}">
-                <a16:creationId xmlns:a16="http://schemas.microsoft.com/office/drawing/2014/main" id="{17201CB2-CA0E-BD4B-B840-92D48EBBE15A}"/>
+                <a16:creationId xmlns:a16="http://schemas.microsoft.com/office/drawing/2014/main" id="{9C272B66-4CA1-6C43-9892-0B4B5B632452}"/>
               </a:ext>
             </a:extLst>
           </p:cNvPr>
@@ -6752,7 +12863,7 @@
           <a:p>
             <a:r>
               <a:rPr lang="en-US" dirty="0"/>
-              <a:t>Proof by contradiction</a:t>
+              <a:t>Exercises</a:t>
             </a:r>
           </a:p>
         </p:txBody>
@@ -6762,7 +12873,7 @@
           <p:cNvPr id="3" name="Content Placeholder 2">
             <a:extLst>
               <a:ext uri="{FF2B5EF4-FFF2-40B4-BE49-F238E27FC236}">
-                <a16:creationId xmlns:a16="http://schemas.microsoft.com/office/drawing/2014/main" id="{DE5B0A3A-AE22-9646-A962-372A2B0199ED}"/>
+                <a16:creationId xmlns:a16="http://schemas.microsoft.com/office/drawing/2014/main" id="{D01D5854-CEF4-0B42-8BE7-E1A4640FA1C3}"/>
               </a:ext>
             </a:extLst>
           </p:cNvPr>
@@ -6775,82 +12886,457 @@
         </p:nvSpPr>
         <p:spPr/>
         <p:txBody>
+          <a:bodyPr>
+            <a:normAutofit lnSpcReduction="10000"/>
+          </a:bodyPr>
+          <a:lstStyle/>
+          <a:p>
+            <a:r>
+              <a:rPr lang="en-US" dirty="0"/>
+              <a:t>EXERCISE: Is it true that "Hello, Lean!" ≠ "Hello Lean!"? Can you prove it? If so, how? If not, why not?</a:t>
+            </a:r>
+          </a:p>
+          <a:p>
+            <a:pPr marL="0" indent="0">
+              <a:buNone/>
+            </a:pPr>
+            <a:r>
+              <a:rPr lang="en-US" sz="2400" dirty="0">
+                <a:latin typeface="Courier New" panose="02070309020205020404" pitchFamily="49" charset="0"/>
+                <a:cs typeface="Courier New" panose="02070309020205020404" pitchFamily="49" charset="0"/>
+              </a:rPr>
+              <a:t>theorem ex1 : "Hello, Lean!" ≠ "Hello Lean!" :=</a:t>
+            </a:r>
+          </a:p>
+          <a:p>
+            <a:pPr marL="0" indent="0">
+              <a:buNone/>
+            </a:pPr>
+            <a:r>
+              <a:rPr lang="en-US" sz="2400" dirty="0">
+                <a:latin typeface="Courier New" panose="02070309020205020404" pitchFamily="49" charset="0"/>
+                <a:cs typeface="Courier New" panose="02070309020205020404" pitchFamily="49" charset="0"/>
+              </a:rPr>
+              <a:t>begin</a:t>
+            </a:r>
+          </a:p>
+          <a:p>
+            <a:pPr marL="0" indent="0">
+              <a:buNone/>
+            </a:pPr>
+            <a:r>
+              <a:rPr lang="en-US" sz="2400" dirty="0">
+                <a:latin typeface="Courier New" panose="02070309020205020404" pitchFamily="49" charset="0"/>
+                <a:cs typeface="Courier New" panose="02070309020205020404" pitchFamily="49" charset="0"/>
+              </a:rPr>
+              <a:t>    assume h : ("Hello, Lean!" = "Hello Lean!"),</a:t>
+            </a:r>
+          </a:p>
+          <a:p>
+            <a:pPr marL="0" indent="0">
+              <a:buNone/>
+            </a:pPr>
+            <a:r>
+              <a:rPr lang="en-US" sz="2400" dirty="0">
+                <a:latin typeface="Courier New" panose="02070309020205020404" pitchFamily="49" charset="0"/>
+                <a:cs typeface="Courier New" panose="02070309020205020404" pitchFamily="49" charset="0"/>
+              </a:rPr>
+              <a:t>    show false,</a:t>
+            </a:r>
+          </a:p>
+          <a:p>
+            <a:pPr marL="0" indent="0">
+              <a:buNone/>
+            </a:pPr>
+            <a:r>
+              <a:rPr lang="en-US" sz="2400" dirty="0">
+                <a:latin typeface="Courier New" panose="02070309020205020404" pitchFamily="49" charset="0"/>
+                <a:cs typeface="Courier New" panose="02070309020205020404" pitchFamily="49" charset="0"/>
+              </a:rPr>
+              <a:t>    from </a:t>
+            </a:r>
+            <a:r>
+              <a:rPr lang="en-US" sz="2400" b="1" dirty="0" err="1">
+                <a:solidFill>
+                  <a:srgbClr val="FF0000"/>
+                </a:solidFill>
+                <a:latin typeface="Courier New" panose="02070309020205020404" pitchFamily="49" charset="0"/>
+                <a:cs typeface="Courier New" panose="02070309020205020404" pitchFamily="49" charset="0"/>
+              </a:rPr>
+              <a:t>string</a:t>
+            </a:r>
+            <a:r>
+              <a:rPr lang="en-US" sz="2400" dirty="0" err="1">
+                <a:latin typeface="Courier New" panose="02070309020205020404" pitchFamily="49" charset="0"/>
+                <a:cs typeface="Courier New" panose="02070309020205020404" pitchFamily="49" charset="0"/>
+              </a:rPr>
+              <a:t>.no_confusion</a:t>
+            </a:r>
+            <a:r>
+              <a:rPr lang="en-US" sz="2400" dirty="0">
+                <a:latin typeface="Courier New" panose="02070309020205020404" pitchFamily="49" charset="0"/>
+                <a:cs typeface="Courier New" panose="02070309020205020404" pitchFamily="49" charset="0"/>
+              </a:rPr>
+              <a:t> h</a:t>
+            </a:r>
+          </a:p>
+          <a:p>
+            <a:pPr marL="0" indent="0">
+              <a:buNone/>
+            </a:pPr>
+            <a:r>
+              <a:rPr lang="en-US" sz="2400" dirty="0">
+                <a:latin typeface="Courier New" panose="02070309020205020404" pitchFamily="49" charset="0"/>
+                <a:cs typeface="Courier New" panose="02070309020205020404" pitchFamily="49" charset="0"/>
+              </a:rPr>
+              <a:t>end</a:t>
+            </a:r>
+          </a:p>
+          <a:p>
+            <a:r>
+              <a:rPr lang="en-US" dirty="0"/>
+              <a:t>EXERCISE: What about 2 ≠ 1?</a:t>
+            </a:r>
+          </a:p>
+          <a:p>
+            <a:pPr marL="0" indent="0">
+              <a:buNone/>
+            </a:pPr>
+            <a:r>
+              <a:rPr lang="en-US" sz="2400" dirty="0">
+                <a:latin typeface="Courier New" panose="02070309020205020404" pitchFamily="49" charset="0"/>
+                <a:cs typeface="Courier New" panose="02070309020205020404" pitchFamily="49" charset="0"/>
+              </a:rPr>
+              <a:t>theorem ex2 : 2 ≠ 1.</a:t>
+            </a:r>
+          </a:p>
+          <a:p>
+            <a:endParaRPr lang="en-US" dirty="0"/>
+          </a:p>
+        </p:txBody>
+      </p:sp>
+      <p:sp>
+        <p:nvSpPr>
+          <p:cNvPr id="4" name="Slide Number Placeholder 3">
+            <a:extLst>
+              <a:ext uri="{FF2B5EF4-FFF2-40B4-BE49-F238E27FC236}">
+                <a16:creationId xmlns:a16="http://schemas.microsoft.com/office/drawing/2014/main" id="{9987FB9A-0F64-FF4E-96B6-10E4BE8286D3}"/>
+              </a:ext>
+            </a:extLst>
+          </p:cNvPr>
+          <p:cNvSpPr>
+            <a:spLocks noGrp="1"/>
+          </p:cNvSpPr>
+          <p:nvPr>
+            <p:ph type="sldNum" sz="quarter" idx="12"/>
+          </p:nvPr>
+        </p:nvSpPr>
+        <p:spPr/>
+        <p:txBody>
           <a:bodyPr/>
           <a:lstStyle/>
           <a:p>
-            <a:r>
-              <a:rPr lang="en-US" dirty="0"/>
-              <a:t>Imagine we want to prove the following theorem:</a:t>
-            </a:r>
-          </a:p>
-          <a:p>
-            <a:pPr marL="0" indent="0">
-              <a:buNone/>
-            </a:pPr>
-            <a:r>
-              <a:rPr lang="en-US" sz="2400" dirty="0">
-                <a:latin typeface="Courier New" panose="02070309020205020404" pitchFamily="49" charset="0"/>
-                <a:cs typeface="Courier New" panose="02070309020205020404" pitchFamily="49" charset="0"/>
-              </a:rPr>
-              <a:t>theorem proof_by_contra_1 { P Q : Prop }</a:t>
-            </a:r>
-          </a:p>
-          <a:p>
-            <a:pPr marL="0" indent="0">
-              <a:buNone/>
-            </a:pPr>
-            <a:r>
-              <a:rPr lang="en-US" sz="2400" dirty="0">
-                <a:latin typeface="Courier New" panose="02070309020205020404" pitchFamily="49" charset="0"/>
-                <a:cs typeface="Courier New" panose="02070309020205020404" pitchFamily="49" charset="0"/>
-              </a:rPr>
-              <a:t>    (</a:t>
-            </a:r>
-            <a:r>
-              <a:rPr lang="en-US" sz="2400" dirty="0" err="1">
-                <a:latin typeface="Courier New" panose="02070309020205020404" pitchFamily="49" charset="0"/>
-                <a:cs typeface="Courier New" panose="02070309020205020404" pitchFamily="49" charset="0"/>
-              </a:rPr>
-              <a:t>pfNotPImpQNotQ</a:t>
-            </a:r>
-            <a:r>
-              <a:rPr lang="en-US" sz="2400" dirty="0">
-                <a:latin typeface="Courier New" panose="02070309020205020404" pitchFamily="49" charset="0"/>
-                <a:cs typeface="Courier New" panose="02070309020205020404" pitchFamily="49" charset="0"/>
-              </a:rPr>
-              <a:t>: ¬ P → (Q ∧ ¬ Q)) : P := sorry</a:t>
-            </a:r>
-          </a:p>
-          <a:p>
-            <a:r>
-              <a:rPr lang="en-US" dirty="0"/>
-              <a:t>I.e., given a proof that “not P” implies “Q and not Q”, we want to prove that P is true</a:t>
-            </a:r>
-          </a:p>
-          <a:p>
-            <a:r>
-              <a:rPr lang="en-US" dirty="0"/>
-              <a:t>Proof by contradiction has us assume the opposite of what we want to prove and show that it is false</a:t>
-            </a:r>
-          </a:p>
-          <a:p>
-            <a:r>
-              <a:rPr lang="en-US" dirty="0"/>
-              <a:t>I.e., assume “not P” and show it has a false truth judgment</a:t>
-            </a:r>
+            <a:fld id="{3352CBF5-17B8-4387-88A6-ABF9F8C64D5A}" type="slidenum">
+              <a:rPr lang="en-US" smtClean="0"/>
+              <a:t>9</a:t>
+            </a:fld>
+            <a:endParaRPr lang="en-US"/>
           </a:p>
         </p:txBody>
       </p:sp>
     </p:spTree>
     <p:extLst>
       <p:ext uri="{BB962C8B-B14F-4D97-AF65-F5344CB8AC3E}">
-        <p14:creationId xmlns:p14="http://schemas.microsoft.com/office/powerpoint/2010/main" val="3448962987"/>
+        <p14:creationId xmlns:p14="http://schemas.microsoft.com/office/powerpoint/2010/main" val="3553011127"/>
       </p:ext>
     </p:extLst>
   </p:cSld>
   <p:clrMapOvr>
     <a:masterClrMapping/>
   </p:clrMapOvr>
+  <p:timing>
+    <p:tnLst>
+      <p:par>
+        <p:cTn id="1" dur="indefinite" restart="never" nodeType="tmRoot">
+          <p:childTnLst>
+            <p:seq concurrent="1" nextAc="seek">
+              <p:cTn id="2" dur="indefinite" nodeType="mainSeq">
+                <p:childTnLst>
+                  <p:par>
+                    <p:cTn id="3" fill="hold">
+                      <p:stCondLst>
+                        <p:cond delay="indefinite"/>
+                      </p:stCondLst>
+                      <p:childTnLst>
+                        <p:par>
+                          <p:cTn id="4" fill="hold">
+                            <p:stCondLst>
+                              <p:cond delay="0"/>
+                            </p:stCondLst>
+                            <p:childTnLst>
+                              <p:par>
+                                <p:cTn id="5" presetID="1" presetClass="entr" presetSubtype="0" fill="hold" nodeType="clickEffect">
+                                  <p:stCondLst>
+                                    <p:cond delay="0"/>
+                                  </p:stCondLst>
+                                  <p:childTnLst>
+                                    <p:set>
+                                      <p:cBhvr>
+                                        <p:cTn id="6" dur="1" fill="hold">
+                                          <p:stCondLst>
+                                            <p:cond delay="0"/>
+                                          </p:stCondLst>
+                                        </p:cTn>
+                                        <p:tgtEl>
+                                          <p:spTgt spid="3">
+                                            <p:txEl>
+                                              <p:pRg st="1" end="1"/>
+                                            </p:txEl>
+                                          </p:spTgt>
+                                        </p:tgtEl>
+                                        <p:attrNameLst>
+                                          <p:attrName>style.visibility</p:attrName>
+                                        </p:attrNameLst>
+                                      </p:cBhvr>
+                                      <p:to>
+                                        <p:strVal val="visible"/>
+                                      </p:to>
+                                    </p:set>
+                                  </p:childTnLst>
+                                </p:cTn>
+                              </p:par>
+                              <p:par>
+                                <p:cTn id="7" presetID="1" presetClass="entr" presetSubtype="0" fill="hold" nodeType="withEffect">
+                                  <p:stCondLst>
+                                    <p:cond delay="0"/>
+                                  </p:stCondLst>
+                                  <p:childTnLst>
+                                    <p:set>
+                                      <p:cBhvr>
+                                        <p:cTn id="8" dur="1" fill="hold">
+                                          <p:stCondLst>
+                                            <p:cond delay="0"/>
+                                          </p:stCondLst>
+                                        </p:cTn>
+                                        <p:tgtEl>
+                                          <p:spTgt spid="3">
+                                            <p:txEl>
+                                              <p:pRg st="2" end="2"/>
+                                            </p:txEl>
+                                          </p:spTgt>
+                                        </p:tgtEl>
+                                        <p:attrNameLst>
+                                          <p:attrName>style.visibility</p:attrName>
+                                        </p:attrNameLst>
+                                      </p:cBhvr>
+                                      <p:to>
+                                        <p:strVal val="visible"/>
+                                      </p:to>
+                                    </p:set>
+                                  </p:childTnLst>
+                                </p:cTn>
+                              </p:par>
+                              <p:par>
+                                <p:cTn id="9" presetID="1" presetClass="entr" presetSubtype="0" fill="hold" nodeType="withEffect">
+                                  <p:stCondLst>
+                                    <p:cond delay="0"/>
+                                  </p:stCondLst>
+                                  <p:childTnLst>
+                                    <p:set>
+                                      <p:cBhvr>
+                                        <p:cTn id="10" dur="1" fill="hold">
+                                          <p:stCondLst>
+                                            <p:cond delay="0"/>
+                                          </p:stCondLst>
+                                        </p:cTn>
+                                        <p:tgtEl>
+                                          <p:spTgt spid="3">
+                                            <p:txEl>
+                                              <p:pRg st="3" end="3"/>
+                                            </p:txEl>
+                                          </p:spTgt>
+                                        </p:tgtEl>
+                                        <p:attrNameLst>
+                                          <p:attrName>style.visibility</p:attrName>
+                                        </p:attrNameLst>
+                                      </p:cBhvr>
+                                      <p:to>
+                                        <p:strVal val="visible"/>
+                                      </p:to>
+                                    </p:set>
+                                  </p:childTnLst>
+                                </p:cTn>
+                              </p:par>
+                              <p:par>
+                                <p:cTn id="11" presetID="1" presetClass="entr" presetSubtype="0" fill="hold" nodeType="withEffect">
+                                  <p:stCondLst>
+                                    <p:cond delay="0"/>
+                                  </p:stCondLst>
+                                  <p:childTnLst>
+                                    <p:set>
+                                      <p:cBhvr>
+                                        <p:cTn id="12" dur="1" fill="hold">
+                                          <p:stCondLst>
+                                            <p:cond delay="0"/>
+                                          </p:stCondLst>
+                                        </p:cTn>
+                                        <p:tgtEl>
+                                          <p:spTgt spid="3">
+                                            <p:txEl>
+                                              <p:pRg st="4" end="4"/>
+                                            </p:txEl>
+                                          </p:spTgt>
+                                        </p:tgtEl>
+                                        <p:attrNameLst>
+                                          <p:attrName>style.visibility</p:attrName>
+                                        </p:attrNameLst>
+                                      </p:cBhvr>
+                                      <p:to>
+                                        <p:strVal val="visible"/>
+                                      </p:to>
+                                    </p:set>
+                                  </p:childTnLst>
+                                </p:cTn>
+                              </p:par>
+                              <p:par>
+                                <p:cTn id="13" presetID="1" presetClass="entr" presetSubtype="0" fill="hold" nodeType="withEffect">
+                                  <p:stCondLst>
+                                    <p:cond delay="0"/>
+                                  </p:stCondLst>
+                                  <p:childTnLst>
+                                    <p:set>
+                                      <p:cBhvr>
+                                        <p:cTn id="14" dur="1" fill="hold">
+                                          <p:stCondLst>
+                                            <p:cond delay="0"/>
+                                          </p:stCondLst>
+                                        </p:cTn>
+                                        <p:tgtEl>
+                                          <p:spTgt spid="3">
+                                            <p:txEl>
+                                              <p:pRg st="5" end="5"/>
+                                            </p:txEl>
+                                          </p:spTgt>
+                                        </p:tgtEl>
+                                        <p:attrNameLst>
+                                          <p:attrName>style.visibility</p:attrName>
+                                        </p:attrNameLst>
+                                      </p:cBhvr>
+                                      <p:to>
+                                        <p:strVal val="visible"/>
+                                      </p:to>
+                                    </p:set>
+                                  </p:childTnLst>
+                                </p:cTn>
+                              </p:par>
+                              <p:par>
+                                <p:cTn id="15" presetID="1" presetClass="entr" presetSubtype="0" fill="hold" nodeType="withEffect">
+                                  <p:stCondLst>
+                                    <p:cond delay="0"/>
+                                  </p:stCondLst>
+                                  <p:childTnLst>
+                                    <p:set>
+                                      <p:cBhvr>
+                                        <p:cTn id="16" dur="1" fill="hold">
+                                          <p:stCondLst>
+                                            <p:cond delay="0"/>
+                                          </p:stCondLst>
+                                        </p:cTn>
+                                        <p:tgtEl>
+                                          <p:spTgt spid="3">
+                                            <p:txEl>
+                                              <p:pRg st="6" end="6"/>
+                                            </p:txEl>
+                                          </p:spTgt>
+                                        </p:tgtEl>
+                                        <p:attrNameLst>
+                                          <p:attrName>style.visibility</p:attrName>
+                                        </p:attrNameLst>
+                                      </p:cBhvr>
+                                      <p:to>
+                                        <p:strVal val="visible"/>
+                                      </p:to>
+                                    </p:set>
+                                  </p:childTnLst>
+                                </p:cTn>
+                              </p:par>
+                            </p:childTnLst>
+                          </p:cTn>
+                        </p:par>
+                      </p:childTnLst>
+                    </p:cTn>
+                  </p:par>
+                  <p:par>
+                    <p:cTn id="17" fill="hold">
+                      <p:stCondLst>
+                        <p:cond delay="indefinite"/>
+                      </p:stCondLst>
+                      <p:childTnLst>
+                        <p:par>
+                          <p:cTn id="18" fill="hold">
+                            <p:stCondLst>
+                              <p:cond delay="0"/>
+                            </p:stCondLst>
+                            <p:childTnLst>
+                              <p:par>
+                                <p:cTn id="19" presetID="1" presetClass="entr" presetSubtype="0" fill="hold" nodeType="clickEffect">
+                                  <p:stCondLst>
+                                    <p:cond delay="0"/>
+                                  </p:stCondLst>
+                                  <p:childTnLst>
+                                    <p:set>
+                                      <p:cBhvr>
+                                        <p:cTn id="20" dur="1" fill="hold">
+                                          <p:stCondLst>
+                                            <p:cond delay="0"/>
+                                          </p:stCondLst>
+                                        </p:cTn>
+                                        <p:tgtEl>
+                                          <p:spTgt spid="3">
+                                            <p:txEl>
+                                              <p:pRg st="8" end="8"/>
+                                            </p:txEl>
+                                          </p:spTgt>
+                                        </p:tgtEl>
+                                        <p:attrNameLst>
+                                          <p:attrName>style.visibility</p:attrName>
+                                        </p:attrNameLst>
+                                      </p:cBhvr>
+                                      <p:to>
+                                        <p:strVal val="visible"/>
+                                      </p:to>
+                                    </p:set>
+                                  </p:childTnLst>
+                                </p:cTn>
+                              </p:par>
+                            </p:childTnLst>
+                          </p:cTn>
+                        </p:par>
+                      </p:childTnLst>
+                    </p:cTn>
+                  </p:par>
+                </p:childTnLst>
+              </p:cTn>
+              <p:prevCondLst>
+                <p:cond evt="onPrev" delay="0">
+                  <p:tgtEl>
+                    <p:sldTgt/>
+                  </p:tgtEl>
+                </p:cond>
+              </p:prevCondLst>
+              <p:nextCondLst>
+                <p:cond evt="onNext" delay="0">
+                  <p:tgtEl>
+                    <p:sldTgt/>
+                  </p:tgtEl>
+                </p:cond>
+              </p:nextCondLst>
+            </p:seq>
+          </p:childTnLst>
+        </p:cTn>
+      </p:par>
+    </p:tnLst>
+  </p:timing>
 </p:sld>
 </file>
 

--- a/06_Negation/Negation.pptx
+++ b/06_Negation/Negation.pptx
@@ -225,7 +225,7 @@
           <a:p>
             <a:fld id="{A5C20BB3-3CCB-4FE5-991B-82F6BCB48AF3}" type="datetimeFigureOut">
               <a:rPr lang="en-US" smtClean="0"/>
-              <a:t>9/3/18</a:t>
+              <a:t>10/2/18</a:t>
             </a:fld>
             <a:endParaRPr lang="en-US"/>
           </a:p>
@@ -621,7 +621,7 @@
           <a:p>
             <a:fld id="{B6C1A396-ADAF-C049-ABC6-C32D7D1CCAD8}" type="datetime1">
               <a:rPr lang="en-US" smtClean="0"/>
-              <a:t>9/17/18</a:t>
+              <a:t>10/2/18</a:t>
             </a:fld>
             <a:endParaRPr lang="en-US"/>
           </a:p>
@@ -789,7 +789,7 @@
           <a:p>
             <a:fld id="{1E275737-3B4B-C743-819D-3D7767301481}" type="datetime1">
               <a:rPr lang="en-US" smtClean="0"/>
-              <a:t>9/17/18</a:t>
+              <a:t>10/2/18</a:t>
             </a:fld>
             <a:endParaRPr lang="en-US"/>
           </a:p>
@@ -967,7 +967,7 @@
           <a:p>
             <a:fld id="{23E60EA0-28A6-2A4C-A0DF-F463B4716CF4}" type="datetime1">
               <a:rPr lang="en-US" smtClean="0"/>
-              <a:t>9/17/18</a:t>
+              <a:t>10/2/18</a:t>
             </a:fld>
             <a:endParaRPr lang="en-US"/>
           </a:p>
@@ -1135,7 +1135,7 @@
           <a:p>
             <a:fld id="{7F4ADCAF-FE79-6D4A-8F0C-FF6B2DC49B87}" type="datetime1">
               <a:rPr lang="en-US" smtClean="0"/>
-              <a:t>9/17/18</a:t>
+              <a:t>10/2/18</a:t>
             </a:fld>
             <a:endParaRPr lang="en-US"/>
           </a:p>
@@ -1380,7 +1380,7 @@
           <a:p>
             <a:fld id="{BB4170EC-B8E8-F84E-B40B-4CA40E87F0F1}" type="datetime1">
               <a:rPr lang="en-US" smtClean="0"/>
-              <a:t>9/17/18</a:t>
+              <a:t>10/2/18</a:t>
             </a:fld>
             <a:endParaRPr lang="en-US"/>
           </a:p>
@@ -1609,7 +1609,7 @@
           <a:p>
             <a:fld id="{3549A180-BBB6-AB44-9EC6-613957D9BC21}" type="datetime1">
               <a:rPr lang="en-US" smtClean="0"/>
-              <a:t>9/17/18</a:t>
+              <a:t>10/2/18</a:t>
             </a:fld>
             <a:endParaRPr lang="en-US"/>
           </a:p>
@@ -1973,7 +1973,7 @@
           <a:p>
             <a:fld id="{A29669B0-2692-6042-A028-87F920E9CE7A}" type="datetime1">
               <a:rPr lang="en-US" smtClean="0"/>
-              <a:t>9/17/18</a:t>
+              <a:t>10/2/18</a:t>
             </a:fld>
             <a:endParaRPr lang="en-US"/>
           </a:p>
@@ -2090,7 +2090,7 @@
           <a:p>
             <a:fld id="{26B5280F-B487-C54A-8A7A-C35A806AF023}" type="datetime1">
               <a:rPr lang="en-US" smtClean="0"/>
-              <a:t>9/17/18</a:t>
+              <a:t>10/2/18</a:t>
             </a:fld>
             <a:endParaRPr lang="en-US"/>
           </a:p>
@@ -2185,7 +2185,7 @@
           <a:p>
             <a:fld id="{FAAE216B-9CF3-A14B-9A92-B9DABF79BFCE}" type="datetime1">
               <a:rPr lang="en-US" smtClean="0"/>
-              <a:t>9/17/18</a:t>
+              <a:t>10/2/18</a:t>
             </a:fld>
             <a:endParaRPr lang="en-US"/>
           </a:p>
@@ -2460,7 +2460,7 @@
           <a:p>
             <a:fld id="{5B8013A5-7B70-2548-B20A-4534B630AB6C}" type="datetime1">
               <a:rPr lang="en-US" smtClean="0"/>
-              <a:t>9/17/18</a:t>
+              <a:t>10/2/18</a:t>
             </a:fld>
             <a:endParaRPr lang="en-US"/>
           </a:p>
@@ -2715,7 +2715,7 @@
           <a:p>
             <a:fld id="{E9928226-EDE2-0A4C-81FC-AFBDD145D237}" type="datetime1">
               <a:rPr lang="en-US" smtClean="0"/>
-              <a:t>9/17/18</a:t>
+              <a:t>10/2/18</a:t>
             </a:fld>
             <a:endParaRPr lang="en-US"/>
           </a:p>
@@ -2926,7 +2926,7 @@
           <a:p>
             <a:fld id="{7D3EA1F3-586E-4B46-9B9A-D49AC241EEC9}" type="datetime1">
               <a:rPr lang="en-US" smtClean="0"/>
-              <a:t>9/17/18</a:t>
+              <a:t>10/2/18</a:t>
             </a:fld>
             <a:endParaRPr lang="en-US"/>
           </a:p>
@@ -4135,8 +4135,8 @@
           </a:p>
         </p:txBody>
       </p:sp>
-      <mc:AlternateContent xmlns:mc="http://schemas.openxmlformats.org/markup-compatibility/2006">
-        <mc:Choice xmlns:a14="http://schemas.microsoft.com/office/drawing/2010/main" Requires="a14">
+      <mc:AlternateContent xmlns:mc="http://schemas.openxmlformats.org/markup-compatibility/2006" xmlns:a14="http://schemas.microsoft.com/office/drawing/2010/main">
+        <mc:Choice Requires="a14">
           <p:sp>
             <p:nvSpPr>
               <p:cNvPr id="3" name="Content Placeholder 2">
@@ -4458,7 +4458,7 @@
             </p:txBody>
           </p:sp>
         </mc:Choice>
-        <mc:Fallback>
+        <mc:Fallback xmlns="">
           <p:sp>
             <p:nvSpPr>
               <p:cNvPr id="3" name="Content Placeholder 2">
@@ -7103,8 +7103,8 @@
           </a:p>
         </p:txBody>
       </p:sp>
-      <mc:AlternateContent xmlns:mc="http://schemas.openxmlformats.org/markup-compatibility/2006">
-        <mc:Choice xmlns:a14="http://schemas.microsoft.com/office/drawing/2010/main" Requires="a14">
+      <mc:AlternateContent xmlns:mc="http://schemas.openxmlformats.org/markup-compatibility/2006" xmlns:a14="http://schemas.microsoft.com/office/drawing/2010/main">
+        <mc:Choice Requires="a14">
           <p:sp>
             <p:nvSpPr>
               <p:cNvPr id="3" name="Content Placeholder 2">
@@ -7331,7 +7331,7 @@
             </p:txBody>
           </p:sp>
         </mc:Choice>
-        <mc:Fallback>
+        <mc:Fallback xmlns="">
           <p:sp>
             <p:nvSpPr>
               <p:cNvPr id="3" name="Content Placeholder 2">
@@ -9698,7 +9698,9 @@
             </p:nvSpPr>
             <p:spPr/>
             <p:txBody>
-              <a:bodyPr/>
+              <a:bodyPr>
+                <a:normAutofit fontScale="92500"/>
+              </a:bodyPr>
               <a:lstStyle/>
               <a:p>
                 <a:r>
@@ -9918,24 +9920,62 @@
                       </a:rPr>
                       <m:t>2</m:t>
                     </m:r>
-                    <m:r>
-                      <a:rPr lang="en-US" b="0" i="1" smtClean="0">
-                        <a:latin typeface="Cambria Math" panose="02040503050406030204" pitchFamily="18" charset="0"/>
-                      </a:rPr>
-                      <m:t>𝑏</m:t>
-                    </m:r>
+                    <m:sSup>
+                      <m:sSupPr>
+                        <m:ctrlPr>
+                          <a:rPr lang="en-US" b="0" i="1" smtClean="0">
+                            <a:latin typeface="Cambria Math" panose="02040503050406030204" pitchFamily="18" charset="0"/>
+                          </a:rPr>
+                        </m:ctrlPr>
+                      </m:sSupPr>
+                      <m:e>
+                        <m:r>
+                          <a:rPr lang="en-US" b="0" i="1" smtClean="0">
+                            <a:latin typeface="Cambria Math" panose="02040503050406030204" pitchFamily="18" charset="0"/>
+                          </a:rPr>
+                          <m:t>𝑏</m:t>
+                        </m:r>
+                      </m:e>
+                      <m:sup>
+                        <m:r>
+                          <a:rPr lang="en-US" b="0" i="1" smtClean="0">
+                            <a:latin typeface="Cambria Math" panose="02040503050406030204" pitchFamily="18" charset="0"/>
+                          </a:rPr>
+                          <m:t>2</m:t>
+                        </m:r>
+                      </m:sup>
+                    </m:sSup>
                     <m:r>
                       <a:rPr lang="en-US" b="0" i="1" smtClean="0">
                         <a:latin typeface="Cambria Math" panose="02040503050406030204" pitchFamily="18" charset="0"/>
                       </a:rPr>
                       <m:t>=</m:t>
                     </m:r>
-                    <m:r>
-                      <a:rPr lang="en-US" b="0" i="1" smtClean="0">
-                        <a:latin typeface="Cambria Math" panose="02040503050406030204" pitchFamily="18" charset="0"/>
-                      </a:rPr>
-                      <m:t>𝑎</m:t>
-                    </m:r>
+                    <m:sSup>
+                      <m:sSupPr>
+                        <m:ctrlPr>
+                          <a:rPr lang="en-US" b="0" i="1" smtClean="0">
+                            <a:latin typeface="Cambria Math" panose="02040503050406030204" pitchFamily="18" charset="0"/>
+                          </a:rPr>
+                        </m:ctrlPr>
+                      </m:sSupPr>
+                      <m:e>
+                        <m:r>
+                          <a:rPr lang="en-US" b="0" i="1" smtClean="0">
+                            <a:latin typeface="Cambria Math" panose="02040503050406030204" pitchFamily="18" charset="0"/>
+                          </a:rPr>
+                          <m:t>𝑎</m:t>
+                        </m:r>
+                      </m:e>
+                      <m:sup>
+                        <m:r>
+                          <a:rPr lang="en-US" b="0" i="1" smtClean="0">
+                            <a:latin typeface="Cambria Math" panose="02040503050406030204" pitchFamily="18" charset="0"/>
+                          </a:rPr>
+                          <m:t>2</m:t>
+                        </m:r>
+                      </m:sup>
+                    </m:sSup>
                   </m:oMath>
                 </a14:m>
                 <a:endParaRPr lang="en-US" dirty="0"/>
@@ -9944,7 +9984,129 @@
                 <a:pPr lvl="1"/>
                 <a:r>
                   <a:rPr lang="en-US" dirty="0"/>
-                  <a:t>This violates our assumption that </a:t>
+                  <a:t>Thus </a:t>
+                </a:r>
+                <a14:m>
+                  <m:oMath xmlns:m="http://schemas.openxmlformats.org/officeDocument/2006/math">
+                    <m:sSup>
+                      <m:sSupPr>
+                        <m:ctrlPr>
+                          <a:rPr lang="en-US" i="1">
+                            <a:latin typeface="Cambria Math" panose="02040503050406030204" pitchFamily="18" charset="0"/>
+                          </a:rPr>
+                        </m:ctrlPr>
+                      </m:sSupPr>
+                      <m:e>
+                        <m:r>
+                          <a:rPr lang="en-US" i="1">
+                            <a:latin typeface="Cambria Math" panose="02040503050406030204" pitchFamily="18" charset="0"/>
+                          </a:rPr>
+                          <m:t>𝑎</m:t>
+                        </m:r>
+                      </m:e>
+                      <m:sup>
+                        <m:r>
+                          <a:rPr lang="en-US" i="1">
+                            <a:latin typeface="Cambria Math" panose="02040503050406030204" pitchFamily="18" charset="0"/>
+                          </a:rPr>
+                          <m:t>2</m:t>
+                        </m:r>
+                      </m:sup>
+                    </m:sSup>
+                  </m:oMath>
+                </a14:m>
+                <a:r>
+                  <a:rPr lang="en-US" dirty="0"/>
+                  <a:t> is even, and thus </a:t>
+                </a:r>
+                <a14:m>
+                  <m:oMath xmlns:m="http://schemas.openxmlformats.org/officeDocument/2006/math">
+                    <m:r>
+                      <a:rPr lang="en-US" i="1">
+                        <a:latin typeface="Cambria Math" panose="02040503050406030204" pitchFamily="18" charset="0"/>
+                      </a:rPr>
+                      <m:t>𝑎</m:t>
+                    </m:r>
+                  </m:oMath>
+                </a14:m>
+                <a:r>
+                  <a:rPr lang="en-US" dirty="0"/>
+                  <a:t> is even</a:t>
+                </a:r>
+              </a:p>
+              <a:p>
+                <a:pPr lvl="1"/>
+                <a:r>
+                  <a:rPr lang="en-US" dirty="0"/>
+                  <a:t>But if </a:t>
+                </a:r>
+                <a14:m>
+                  <m:oMath xmlns:m="http://schemas.openxmlformats.org/officeDocument/2006/math">
+                    <m:r>
+                      <a:rPr lang="en-US" i="1">
+                        <a:latin typeface="Cambria Math" panose="02040503050406030204" pitchFamily="18" charset="0"/>
+                      </a:rPr>
+                      <m:t>𝑎</m:t>
+                    </m:r>
+                  </m:oMath>
+                </a14:m>
+                <a:r>
+                  <a:rPr lang="en-US" dirty="0"/>
+                  <a:t> is even then </a:t>
+                </a:r>
+                <a14:m>
+                  <m:oMath xmlns:m="http://schemas.openxmlformats.org/officeDocument/2006/math">
+                    <m:sSup>
+                      <m:sSupPr>
+                        <m:ctrlPr>
+                          <a:rPr lang="en-US" i="1">
+                            <a:latin typeface="Cambria Math" panose="02040503050406030204" pitchFamily="18" charset="0"/>
+                          </a:rPr>
+                        </m:ctrlPr>
+                      </m:sSupPr>
+                      <m:e>
+                        <m:r>
+                          <a:rPr lang="en-US" i="1">
+                            <a:latin typeface="Cambria Math" panose="02040503050406030204" pitchFamily="18" charset="0"/>
+                          </a:rPr>
+                          <m:t>𝑎</m:t>
+                        </m:r>
+                      </m:e>
+                      <m:sup>
+                        <m:r>
+                          <a:rPr lang="en-US" i="1">
+                            <a:latin typeface="Cambria Math" panose="02040503050406030204" pitchFamily="18" charset="0"/>
+                          </a:rPr>
+                          <m:t>2</m:t>
+                        </m:r>
+                      </m:sup>
+                    </m:sSup>
+                  </m:oMath>
+                </a14:m>
+                <a:r>
+                  <a:rPr lang="en-US" dirty="0"/>
+                  <a:t> must be divisible by 4</a:t>
+                </a:r>
+              </a:p>
+              <a:p>
+                <a:pPr lvl="1"/>
+                <a:r>
+                  <a:rPr lang="en-US" dirty="0"/>
+                  <a:t>Thus </a:t>
+                </a:r>
+                <a14:m>
+                  <m:oMath xmlns:m="http://schemas.openxmlformats.org/officeDocument/2006/math">
+                    <m:r>
+                      <a:rPr lang="en-US" i="1">
+                        <a:latin typeface="Cambria Math" panose="02040503050406030204" pitchFamily="18" charset="0"/>
+                      </a:rPr>
+                      <m:t>𝑏</m:t>
+                    </m:r>
+                  </m:oMath>
+                </a14:m>
+                <a:r>
+                  <a:rPr lang="en-US" dirty="0"/>
+                  <a:t> is even, which violates our assumption that </a:t>
                 </a:r>
                 <a14:m>
                   <m:oMath xmlns:m="http://schemas.openxmlformats.org/officeDocument/2006/math">
@@ -9999,7 +10161,7 @@
               <a:blipFill>
                 <a:blip r:embed="rId2"/>
                 <a:stretch>
-                  <a:fillRect l="-965" t="-2632" r="-1568"/>
+                  <a:fillRect l="-844" t="-2339" r="-724" b="-1462"/>
                 </a:stretch>
               </a:blipFill>
             </p:spPr>
@@ -10477,8 +10639,8 @@
           </a:p>
         </p:txBody>
       </p:sp>
-      <mc:AlternateContent xmlns:mc="http://schemas.openxmlformats.org/markup-compatibility/2006">
-        <mc:Choice xmlns:a14="http://schemas.microsoft.com/office/drawing/2010/main" Requires="a14">
+      <mc:AlternateContent xmlns:mc="http://schemas.openxmlformats.org/markup-compatibility/2006" xmlns:a14="http://schemas.microsoft.com/office/drawing/2010/main">
+        <mc:Choice Requires="a14">
           <p:graphicFrame>
             <p:nvGraphicFramePr>
               <p:cNvPr id="4" name="Table 3">
@@ -10889,7 +11051,7 @@
             </a:graphic>
           </p:graphicFrame>
         </mc:Choice>
-        <mc:Fallback>
+        <mc:Fallback xmlns="">
           <p:graphicFrame>
             <p:nvGraphicFramePr>
               <p:cNvPr id="4" name="Table 3">
